--- a/Documentation/Poster/PosterPowerPointTemplate48x36.pptx
+++ b/Documentation/Poster/PosterPowerPointTemplate48x36.pptx
@@ -2,7 +2,7 @@
 <file path=ppt/presentation.xml><?xml version="1.0" encoding="utf-8"?>
 <p:presentation xmlns:a="http://schemas.openxmlformats.org/drawingml/2006/main" xmlns:r="http://schemas.openxmlformats.org/officeDocument/2006/relationships" xmlns:p="http://schemas.openxmlformats.org/presentationml/2006/main" saveSubsetFonts="1">
   <p:sldMasterIdLst>
-    <p:sldMasterId id="2147483648" r:id="rId1"/>
+    <p:sldMasterId id="2147483660" r:id="rId1"/>
   </p:sldMasterIdLst>
   <p:sldIdLst>
     <p:sldId id="256" r:id="rId2"/>
@@ -126,7 +126,7 @@
       </p:grpSpPr>
       <p:sp>
         <p:nvSpPr>
-          <p:cNvPr id="2" name="Title 1"/>
+          <p:cNvPr id="8" name="Title 7"/>
           <p:cNvSpPr>
             <a:spLocks noGrp="1"/>
           </p:cNvSpPr>
@@ -136,25 +136,141 @@
         </p:nvSpPr>
         <p:spPr>
           <a:xfrm>
-            <a:off x="3291840" y="10226043"/>
-            <a:ext cx="37307520" cy="7056120"/>
+            <a:off x="2025744" y="6583680"/>
+            <a:ext cx="39502080" cy="8778240"/>
           </a:xfrm>
         </p:spPr>
         <p:txBody>
-          <a:bodyPr/>
-          <a:lstStyle/>
-          <a:p>
-            <a:r>
-              <a:rPr lang="en-US" smtClean="0"/>
+          <a:bodyPr vert="horz" lIns="219456" tIns="0" rIns="219456" bIns="0" anchor="b">
+            <a:normAutofit/>
+            <a:scene3d>
+              <a:camera prst="orthographicFront"/>
+              <a:lightRig rig="soft" dir="t">
+                <a:rot lat="0" lon="0" rev="17220000"/>
+              </a:lightRig>
+            </a:scene3d>
+            <a:sp3d prstMaterial="softEdge">
+              <a:bevelT w="38100" h="38100"/>
+            </a:sp3d>
+          </a:bodyPr>
+          <a:lstStyle>
+            <a:lvl1pPr>
+              <a:defRPr sz="23000" b="1" cap="all" baseline="0">
+                <a:ln w="6350">
+                  <a:noFill/>
+                </a:ln>
+                <a:gradFill>
+                  <a:gsLst>
+                    <a:gs pos="0">
+                      <a:schemeClr val="accent1">
+                        <a:tint val="73000"/>
+                        <a:satMod val="145000"/>
+                      </a:schemeClr>
+                    </a:gs>
+                    <a:gs pos="73000">
+                      <a:schemeClr val="accent1">
+                        <a:tint val="73000"/>
+                        <a:satMod val="145000"/>
+                      </a:schemeClr>
+                    </a:gs>
+                    <a:gs pos="100000">
+                      <a:schemeClr val="accent1">
+                        <a:tint val="83000"/>
+                        <a:satMod val="143000"/>
+                      </a:schemeClr>
+                    </a:gs>
+                  </a:gsLst>
+                  <a:lin ang="4800000" scaled="1"/>
+                </a:gradFill>
+                <a:effectLst>
+                  <a:outerShdw blurRad="127000" dist="200000" dir="2700000" algn="tl" rotWithShape="0">
+                    <a:srgbClr val="000000">
+                      <a:alpha val="30000"/>
+                    </a:srgbClr>
+                  </a:outerShdw>
+                </a:effectLst>
+              </a:defRPr>
+            </a:lvl1pPr>
+          </a:lstStyle>
+          <a:p>
+            <a:r>
+              <a:rPr kumimoji="0" lang="en-US" smtClean="0"/>
               <a:t>Click to edit Master title style</a:t>
             </a:r>
-            <a:endParaRPr lang="en-US"/>
-          </a:p>
-        </p:txBody>
-      </p:sp>
-      <p:sp>
-        <p:nvSpPr>
-          <p:cNvPr id="3" name="Subtitle 2"/>
+            <a:endParaRPr kumimoji="0" lang="en-US"/>
+          </a:p>
+        </p:txBody>
+      </p:sp>
+      <p:sp>
+        <p:nvSpPr>
+          <p:cNvPr id="28" name="Date Placeholder 27"/>
+          <p:cNvSpPr>
+            <a:spLocks noGrp="1"/>
+          </p:cNvSpPr>
+          <p:nvPr>
+            <p:ph type="dt" sz="half" idx="10"/>
+          </p:nvPr>
+        </p:nvSpPr>
+        <p:spPr/>
+        <p:txBody>
+          <a:bodyPr/>
+          <a:lstStyle/>
+          <a:p>
+            <a:fld id="{D9D26CB9-01E4-44B8-8084-BCC418CF4A2D}" type="datetimeFigureOut">
+              <a:rPr lang="en-US" smtClean="0"/>
+              <a:pPr/>
+              <a:t>5/7/2015</a:t>
+            </a:fld>
+            <a:endParaRPr lang="en-US" dirty="0"/>
+          </a:p>
+        </p:txBody>
+      </p:sp>
+      <p:sp>
+        <p:nvSpPr>
+          <p:cNvPr id="17" name="Footer Placeholder 16"/>
+          <p:cNvSpPr>
+            <a:spLocks noGrp="1"/>
+          </p:cNvSpPr>
+          <p:nvPr>
+            <p:ph type="ftr" sz="quarter" idx="11"/>
+          </p:nvPr>
+        </p:nvSpPr>
+        <p:spPr/>
+        <p:txBody>
+          <a:bodyPr/>
+          <a:lstStyle/>
+          <a:p>
+            <a:endParaRPr lang="en-US" dirty="0"/>
+          </a:p>
+        </p:txBody>
+      </p:sp>
+      <p:sp>
+        <p:nvSpPr>
+          <p:cNvPr id="29" name="Slide Number Placeholder 28"/>
+          <p:cNvSpPr>
+            <a:spLocks noGrp="1"/>
+          </p:cNvSpPr>
+          <p:nvPr>
+            <p:ph type="sldNum" sz="quarter" idx="12"/>
+          </p:nvPr>
+        </p:nvSpPr>
+        <p:spPr/>
+        <p:txBody>
+          <a:bodyPr/>
+          <a:lstStyle/>
+          <a:p>
+            <a:fld id="{8EAD30C5-67B1-44D9-8976-9ADE03107179}" type="slidenum">
+              <a:rPr lang="en-US" smtClean="0"/>
+              <a:pPr/>
+              <a:t>‹#›</a:t>
+            </a:fld>
+            <a:endParaRPr lang="en-US" dirty="0"/>
+          </a:p>
+        </p:txBody>
+      </p:sp>
+      <p:sp>
+        <p:nvSpPr>
+          <p:cNvPr id="9" name="Subtitle 8"/>
           <p:cNvSpPr>
             <a:spLocks noGrp="1"/>
           </p:cNvSpPr>
@@ -164,7 +280,7 @@
         </p:nvSpPr>
         <p:spPr>
           <a:xfrm>
-            <a:off x="6583680" y="18653760"/>
+            <a:off x="6583680" y="15992150"/>
             <a:ext cx="30723840" cy="8412480"/>
           </a:xfrm>
         </p:spPr>
@@ -175,166 +291,41 @@
               <a:buNone/>
               <a:defRPr>
                 <a:solidFill>
-                  <a:schemeClr val="tx1">
-                    <a:tint val="75000"/>
-                  </a:schemeClr>
+                  <a:schemeClr val="tx1"/>
                 </a:solidFill>
               </a:defRPr>
             </a:lvl1pPr>
-            <a:lvl2pPr marL="2194105" indent="0" algn="ctr">
+            <a:lvl2pPr marL="2194560" indent="0" algn="ctr">
               <a:buNone/>
-              <a:defRPr>
-                <a:solidFill>
-                  <a:schemeClr val="tx1">
-                    <a:tint val="75000"/>
-                  </a:schemeClr>
-                </a:solidFill>
-              </a:defRPr>
             </a:lvl2pPr>
-            <a:lvl3pPr marL="4388211" indent="0" algn="ctr">
+            <a:lvl3pPr marL="4389120" indent="0" algn="ctr">
               <a:buNone/>
-              <a:defRPr>
-                <a:solidFill>
-                  <a:schemeClr val="tx1">
-                    <a:tint val="75000"/>
-                  </a:schemeClr>
-                </a:solidFill>
-              </a:defRPr>
             </a:lvl3pPr>
-            <a:lvl4pPr marL="6582316" indent="0" algn="ctr">
+            <a:lvl4pPr marL="6583680" indent="0" algn="ctr">
               <a:buNone/>
-              <a:defRPr>
-                <a:solidFill>
-                  <a:schemeClr val="tx1">
-                    <a:tint val="75000"/>
-                  </a:schemeClr>
-                </a:solidFill>
-              </a:defRPr>
             </a:lvl4pPr>
-            <a:lvl5pPr marL="8776423" indent="0" algn="ctr">
+            <a:lvl5pPr marL="8778240" indent="0" algn="ctr">
               <a:buNone/>
-              <a:defRPr>
-                <a:solidFill>
-                  <a:schemeClr val="tx1">
-                    <a:tint val="75000"/>
-                  </a:schemeClr>
-                </a:solidFill>
-              </a:defRPr>
             </a:lvl5pPr>
-            <a:lvl6pPr marL="10970528" indent="0" algn="ctr">
+            <a:lvl6pPr marL="10972800" indent="0" algn="ctr">
               <a:buNone/>
-              <a:defRPr>
-                <a:solidFill>
-                  <a:schemeClr val="tx1">
-                    <a:tint val="75000"/>
-                  </a:schemeClr>
-                </a:solidFill>
-              </a:defRPr>
             </a:lvl6pPr>
-            <a:lvl7pPr marL="13164633" indent="0" algn="ctr">
+            <a:lvl7pPr marL="13167360" indent="0" algn="ctr">
               <a:buNone/>
-              <a:defRPr>
-                <a:solidFill>
-                  <a:schemeClr val="tx1">
-                    <a:tint val="75000"/>
-                  </a:schemeClr>
-                </a:solidFill>
-              </a:defRPr>
             </a:lvl7pPr>
-            <a:lvl8pPr marL="15358739" indent="0" algn="ctr">
+            <a:lvl8pPr marL="15361920" indent="0" algn="ctr">
               <a:buNone/>
-              <a:defRPr>
-                <a:solidFill>
-                  <a:schemeClr val="tx1">
-                    <a:tint val="75000"/>
-                  </a:schemeClr>
-                </a:solidFill>
-              </a:defRPr>
             </a:lvl8pPr>
-            <a:lvl9pPr marL="17552844" indent="0" algn="ctr">
+            <a:lvl9pPr marL="17556480" indent="0" algn="ctr">
               <a:buNone/>
-              <a:defRPr>
-                <a:solidFill>
-                  <a:schemeClr val="tx1">
-                    <a:tint val="75000"/>
-                  </a:schemeClr>
-                </a:solidFill>
-              </a:defRPr>
             </a:lvl9pPr>
           </a:lstStyle>
           <a:p>
             <a:r>
-              <a:rPr lang="en-US" smtClean="0"/>
+              <a:rPr kumimoji="0" lang="en-US" smtClean="0"/>
               <a:t>Click to edit Master subtitle style</a:t>
             </a:r>
-            <a:endParaRPr lang="en-US"/>
-          </a:p>
-        </p:txBody>
-      </p:sp>
-      <p:sp>
-        <p:nvSpPr>
-          <p:cNvPr id="4" name="Date Placeholder 3"/>
-          <p:cNvSpPr>
-            <a:spLocks noGrp="1"/>
-          </p:cNvSpPr>
-          <p:nvPr>
-            <p:ph type="dt" sz="half" idx="10"/>
-          </p:nvPr>
-        </p:nvSpPr>
-        <p:spPr/>
-        <p:txBody>
-          <a:bodyPr/>
-          <a:lstStyle/>
-          <a:p>
-            <a:fld id="{D9D26CB9-01E4-44B8-8084-BCC418CF4A2D}" type="datetimeFigureOut">
-              <a:rPr lang="en-US" smtClean="0"/>
-              <a:pPr/>
-              <a:t>4/23/2009</a:t>
-            </a:fld>
-            <a:endParaRPr lang="en-US"/>
-          </a:p>
-        </p:txBody>
-      </p:sp>
-      <p:sp>
-        <p:nvSpPr>
-          <p:cNvPr id="5" name="Footer Placeholder 4"/>
-          <p:cNvSpPr>
-            <a:spLocks noGrp="1"/>
-          </p:cNvSpPr>
-          <p:nvPr>
-            <p:ph type="ftr" sz="quarter" idx="11"/>
-          </p:nvPr>
-        </p:nvSpPr>
-        <p:spPr/>
-        <p:txBody>
-          <a:bodyPr/>
-          <a:lstStyle/>
-          <a:p>
-            <a:endParaRPr lang="en-US"/>
-          </a:p>
-        </p:txBody>
-      </p:sp>
-      <p:sp>
-        <p:nvSpPr>
-          <p:cNvPr id="6" name="Slide Number Placeholder 5"/>
-          <p:cNvSpPr>
-            <a:spLocks noGrp="1"/>
-          </p:cNvSpPr>
-          <p:nvPr>
-            <p:ph type="sldNum" sz="quarter" idx="12"/>
-          </p:nvPr>
-        </p:nvSpPr>
-        <p:spPr/>
-        <p:txBody>
-          <a:bodyPr/>
-          <a:lstStyle/>
-          <a:p>
-            <a:fld id="{8EAD30C5-67B1-44D9-8976-9ADE03107179}" type="slidenum">
-              <a:rPr lang="en-US" smtClean="0"/>
-              <a:pPr/>
-              <a:t>‹#›</a:t>
-            </a:fld>
-            <a:endParaRPr lang="en-US"/>
+            <a:endParaRPr kumimoji="0" lang="en-US"/>
           </a:p>
         </p:txBody>
       </p:sp>
@@ -379,10 +370,10 @@
           <a:lstStyle/>
           <a:p>
             <a:r>
-              <a:rPr lang="en-US" smtClean="0"/>
+              <a:rPr kumimoji="0" lang="en-US" smtClean="0"/>
               <a:t>Click to edit Master title style</a:t>
             </a:r>
-            <a:endParaRPr lang="en-US"/>
+            <a:endParaRPr kumimoji="0" lang="en-US"/>
           </a:p>
         </p:txBody>
       </p:sp>
@@ -401,40 +392,40 @@
           <a:bodyPr vert="eaVert"/>
           <a:lstStyle/>
           <a:p>
-            <a:pPr lvl="0"/>
+            <a:pPr lvl="0" eaLnBrk="1" latinLnBrk="0" hangingPunct="1"/>
             <a:r>
               <a:rPr lang="en-US" smtClean="0"/>
               <a:t>Click to edit Master text styles</a:t>
             </a:r>
           </a:p>
           <a:p>
-            <a:pPr lvl="1"/>
+            <a:pPr lvl="1" eaLnBrk="1" latinLnBrk="0" hangingPunct="1"/>
             <a:r>
               <a:rPr lang="en-US" smtClean="0"/>
               <a:t>Second level</a:t>
             </a:r>
           </a:p>
           <a:p>
-            <a:pPr lvl="2"/>
+            <a:pPr lvl="2" eaLnBrk="1" latinLnBrk="0" hangingPunct="1"/>
             <a:r>
               <a:rPr lang="en-US" smtClean="0"/>
               <a:t>Third level</a:t>
             </a:r>
           </a:p>
           <a:p>
-            <a:pPr lvl="3"/>
+            <a:pPr lvl="3" eaLnBrk="1" latinLnBrk="0" hangingPunct="1"/>
             <a:r>
               <a:rPr lang="en-US" smtClean="0"/>
               <a:t>Fourth level</a:t>
             </a:r>
           </a:p>
           <a:p>
-            <a:pPr lvl="4"/>
+            <a:pPr lvl="4" eaLnBrk="1" latinLnBrk="0" hangingPunct="1"/>
             <a:r>
               <a:rPr lang="en-US" smtClean="0"/>
               <a:t>Fifth level</a:t>
             </a:r>
-            <a:endParaRPr lang="en-US"/>
+            <a:endParaRPr kumimoji="0" lang="en-US"/>
           </a:p>
         </p:txBody>
       </p:sp>
@@ -456,9 +447,9 @@
             <a:fld id="{D9D26CB9-01E4-44B8-8084-BCC418CF4A2D}" type="datetimeFigureOut">
               <a:rPr lang="en-US" smtClean="0"/>
               <a:pPr/>
-              <a:t>4/23/2009</a:t>
+              <a:t>5/7/2015</a:t>
             </a:fld>
-            <a:endParaRPr lang="en-US"/>
+            <a:endParaRPr lang="en-US" dirty="0"/>
           </a:p>
         </p:txBody>
       </p:sp>
@@ -477,7 +468,7 @@
           <a:bodyPr/>
           <a:lstStyle/>
           <a:p>
-            <a:endParaRPr lang="en-US"/>
+            <a:endParaRPr lang="en-US" dirty="0"/>
           </a:p>
         </p:txBody>
       </p:sp>
@@ -501,7 +492,7 @@
               <a:pPr/>
               <a:t>‹#›</a:t>
             </a:fld>
-            <a:endParaRPr lang="en-US"/>
+            <a:endParaRPr lang="en-US" dirty="0"/>
           </a:p>
         </p:txBody>
       </p:sp>
@@ -551,10 +542,10 @@
           <a:lstStyle/>
           <a:p>
             <a:r>
-              <a:rPr lang="en-US" smtClean="0"/>
+              <a:rPr kumimoji="0" lang="en-US" smtClean="0"/>
               <a:t>Click to edit Master title style</a:t>
             </a:r>
-            <a:endParaRPr lang="en-US"/>
+            <a:endParaRPr kumimoji="0" lang="en-US"/>
           </a:p>
         </p:txBody>
       </p:sp>
@@ -578,40 +569,40 @@
           <a:bodyPr vert="eaVert"/>
           <a:lstStyle/>
           <a:p>
-            <a:pPr lvl="0"/>
+            <a:pPr lvl="0" eaLnBrk="1" latinLnBrk="0" hangingPunct="1"/>
             <a:r>
               <a:rPr lang="en-US" smtClean="0"/>
               <a:t>Click to edit Master text styles</a:t>
             </a:r>
           </a:p>
           <a:p>
-            <a:pPr lvl="1"/>
+            <a:pPr lvl="1" eaLnBrk="1" latinLnBrk="0" hangingPunct="1"/>
             <a:r>
               <a:rPr lang="en-US" smtClean="0"/>
               <a:t>Second level</a:t>
             </a:r>
           </a:p>
           <a:p>
-            <a:pPr lvl="2"/>
+            <a:pPr lvl="2" eaLnBrk="1" latinLnBrk="0" hangingPunct="1"/>
             <a:r>
               <a:rPr lang="en-US" smtClean="0"/>
               <a:t>Third level</a:t>
             </a:r>
           </a:p>
           <a:p>
-            <a:pPr lvl="3"/>
+            <a:pPr lvl="3" eaLnBrk="1" latinLnBrk="0" hangingPunct="1"/>
             <a:r>
               <a:rPr lang="en-US" smtClean="0"/>
               <a:t>Fourth level</a:t>
             </a:r>
           </a:p>
           <a:p>
-            <a:pPr lvl="4"/>
+            <a:pPr lvl="4" eaLnBrk="1" latinLnBrk="0" hangingPunct="1"/>
             <a:r>
               <a:rPr lang="en-US" smtClean="0"/>
               <a:t>Fifth level</a:t>
             </a:r>
-            <a:endParaRPr lang="en-US"/>
+            <a:endParaRPr kumimoji="0" lang="en-US"/>
           </a:p>
         </p:txBody>
       </p:sp>
@@ -633,9 +624,9 @@
             <a:fld id="{D9D26CB9-01E4-44B8-8084-BCC418CF4A2D}" type="datetimeFigureOut">
               <a:rPr lang="en-US" smtClean="0"/>
               <a:pPr/>
-              <a:t>4/23/2009</a:t>
+              <a:t>5/7/2015</a:t>
             </a:fld>
-            <a:endParaRPr lang="en-US"/>
+            <a:endParaRPr lang="en-US" dirty="0"/>
           </a:p>
         </p:txBody>
       </p:sp>
@@ -654,7 +645,7 @@
           <a:bodyPr/>
           <a:lstStyle/>
           <a:p>
-            <a:endParaRPr lang="en-US"/>
+            <a:endParaRPr lang="en-US" dirty="0"/>
           </a:p>
         </p:txBody>
       </p:sp>
@@ -678,7 +669,7 @@
               <a:pPr/>
               <a:t>‹#›</a:t>
             </a:fld>
-            <a:endParaRPr lang="en-US"/>
+            <a:endParaRPr lang="en-US" dirty="0"/>
           </a:p>
         </p:txBody>
       </p:sp>
@@ -723,10 +714,10 @@
           <a:lstStyle/>
           <a:p>
             <a:r>
-              <a:rPr lang="en-US" smtClean="0"/>
+              <a:rPr kumimoji="0" lang="en-US" smtClean="0"/>
               <a:t>Click to edit Master title style</a:t>
             </a:r>
-            <a:endParaRPr lang="en-US"/>
+            <a:endParaRPr kumimoji="0" lang="en-US"/>
           </a:p>
         </p:txBody>
       </p:sp>
@@ -745,40 +736,40 @@
           <a:bodyPr/>
           <a:lstStyle/>
           <a:p>
-            <a:pPr lvl="0"/>
+            <a:pPr lvl="0" eaLnBrk="1" latinLnBrk="0" hangingPunct="1"/>
             <a:r>
               <a:rPr lang="en-US" smtClean="0"/>
               <a:t>Click to edit Master text styles</a:t>
             </a:r>
           </a:p>
           <a:p>
-            <a:pPr lvl="1"/>
+            <a:pPr lvl="1" eaLnBrk="1" latinLnBrk="0" hangingPunct="1"/>
             <a:r>
               <a:rPr lang="en-US" smtClean="0"/>
               <a:t>Second level</a:t>
             </a:r>
           </a:p>
           <a:p>
-            <a:pPr lvl="2"/>
+            <a:pPr lvl="2" eaLnBrk="1" latinLnBrk="0" hangingPunct="1"/>
             <a:r>
               <a:rPr lang="en-US" smtClean="0"/>
               <a:t>Third level</a:t>
             </a:r>
           </a:p>
           <a:p>
-            <a:pPr lvl="3"/>
+            <a:pPr lvl="3" eaLnBrk="1" latinLnBrk="0" hangingPunct="1"/>
             <a:r>
               <a:rPr lang="en-US" smtClean="0"/>
               <a:t>Fourth level</a:t>
             </a:r>
           </a:p>
           <a:p>
-            <a:pPr lvl="4"/>
+            <a:pPr lvl="4" eaLnBrk="1" latinLnBrk="0" hangingPunct="1"/>
             <a:r>
               <a:rPr lang="en-US" smtClean="0"/>
               <a:t>Fifth level</a:t>
             </a:r>
-            <a:endParaRPr lang="en-US"/>
+            <a:endParaRPr kumimoji="0" lang="en-US"/>
           </a:p>
         </p:txBody>
       </p:sp>
@@ -800,9 +791,9 @@
             <a:fld id="{D9D26CB9-01E4-44B8-8084-BCC418CF4A2D}" type="datetimeFigureOut">
               <a:rPr lang="en-US" smtClean="0"/>
               <a:pPr/>
-              <a:t>4/23/2009</a:t>
+              <a:t>5/7/2015</a:t>
             </a:fld>
-            <a:endParaRPr lang="en-US"/>
+            <a:endParaRPr lang="en-US" dirty="0"/>
           </a:p>
         </p:txBody>
       </p:sp>
@@ -821,7 +812,7 @@
           <a:bodyPr/>
           <a:lstStyle/>
           <a:p>
-            <a:endParaRPr lang="en-US"/>
+            <a:endParaRPr lang="en-US" dirty="0"/>
           </a:p>
         </p:txBody>
       </p:sp>
@@ -845,7 +836,7 @@
               <a:pPr/>
               <a:t>‹#›</a:t>
             </a:fld>
-            <a:endParaRPr lang="en-US"/>
+            <a:endParaRPr lang="en-US" dirty="0"/>
           </a:p>
         </p:txBody>
       </p:sp>
@@ -860,6 +851,11 @@
 <file path=ppt/slideLayouts/slideLayout3.xml><?xml version="1.0" encoding="utf-8"?>
 <p:sldLayout xmlns:a="http://schemas.openxmlformats.org/drawingml/2006/main" xmlns:r="http://schemas.openxmlformats.org/officeDocument/2006/relationships" xmlns:p="http://schemas.openxmlformats.org/presentationml/2006/main" type="secHead" preserve="1">
   <p:cSld name="Section Header">
+    <p:bg>
+      <p:bgRef idx="1003">
+        <a:schemeClr val="bg2"/>
+      </p:bgRef>
+    </p:bg>
     <p:spTree>
       <p:nvGrpSpPr>
         <p:cNvPr id="1" name=""/>
@@ -886,58 +882,96 @@
         </p:nvSpPr>
         <p:spPr>
           <a:xfrm>
-            <a:off x="3467103" y="21153122"/>
-            <a:ext cx="37307520" cy="6537960"/>
+            <a:off x="7680960" y="2926080"/>
+            <a:ext cx="34015680" cy="8778240"/>
           </a:xfrm>
         </p:spPr>
         <p:txBody>
+          <a:bodyPr vert="horz" bIns="0" anchor="b">
+            <a:noAutofit/>
+            <a:scene3d>
+              <a:camera prst="orthographicFront"/>
+              <a:lightRig rig="soft" dir="t">
+                <a:rot lat="0" lon="0" rev="17220000"/>
+              </a:lightRig>
+            </a:scene3d>
+            <a:sp3d prstMaterial="softEdge">
+              <a:bevelT w="38100" h="38100"/>
+              <a:contourClr>
+                <a:schemeClr val="tx2">
+                  <a:shade val="50000"/>
+                </a:schemeClr>
+              </a:contourClr>
+            </a:sp3d>
+          </a:bodyPr>
+          <a:lstStyle>
+            <a:lvl1pPr algn="l" rtl="0">
+              <a:spcBef>
+                <a:spcPct val="0"/>
+              </a:spcBef>
+              <a:buNone/>
+              <a:defRPr sz="23000" b="1" cap="none" baseline="0">
+                <a:ln w="6350">
+                  <a:noFill/>
+                </a:ln>
+                <a:solidFill>
+                  <a:schemeClr val="accent1">
+                    <a:tint val="90000"/>
+                    <a:satMod val="120000"/>
+                  </a:schemeClr>
+                </a:solidFill>
+                <a:effectLst>
+                  <a:outerShdw blurRad="114300" dist="101600" dir="2700000" algn="tl" rotWithShape="0">
+                    <a:srgbClr val="000000">
+                      <a:alpha val="40000"/>
+                    </a:srgbClr>
+                  </a:outerShdw>
+                </a:effectLst>
+                <a:latin typeface="+mj-lt"/>
+                <a:ea typeface="+mj-ea"/>
+                <a:cs typeface="+mj-cs"/>
+              </a:defRPr>
+            </a:lvl1pPr>
+          </a:lstStyle>
+          <a:p>
+            <a:r>
+              <a:rPr kumimoji="0" lang="en-US" smtClean="0"/>
+              <a:t>Click to edit Master title style</a:t>
+            </a:r>
+            <a:endParaRPr kumimoji="0" lang="en-US"/>
+          </a:p>
+        </p:txBody>
+      </p:sp>
+      <p:sp>
+        <p:nvSpPr>
+          <p:cNvPr id="3" name="Text Placeholder 2"/>
+          <p:cNvSpPr>
+            <a:spLocks noGrp="1"/>
+          </p:cNvSpPr>
+          <p:nvPr>
+            <p:ph type="body" idx="1"/>
+          </p:nvPr>
+        </p:nvSpPr>
+        <p:spPr>
+          <a:xfrm>
+            <a:off x="7680960" y="12037373"/>
+            <a:ext cx="34015680" cy="7246618"/>
+          </a:xfrm>
+        </p:spPr>
+        <p:txBody>
           <a:bodyPr anchor="t"/>
           <a:lstStyle>
-            <a:lvl1pPr algn="l">
-              <a:defRPr sz="19200" b="1" cap="all"/>
-            </a:lvl1pPr>
-          </a:lstStyle>
-          <a:p>
-            <a:r>
-              <a:rPr lang="en-US" smtClean="0"/>
-              <a:t>Click to edit Master title style</a:t>
-            </a:r>
-            <a:endParaRPr lang="en-US"/>
-          </a:p>
-        </p:txBody>
-      </p:sp>
-      <p:sp>
-        <p:nvSpPr>
-          <p:cNvPr id="3" name="Text Placeholder 2"/>
-          <p:cNvSpPr>
-            <a:spLocks noGrp="1"/>
-          </p:cNvSpPr>
-          <p:nvPr>
-            <p:ph type="body" idx="1"/>
-          </p:nvPr>
-        </p:nvSpPr>
-        <p:spPr>
-          <a:xfrm>
-            <a:off x="3467103" y="13952225"/>
-            <a:ext cx="37307520" cy="7200899"/>
-          </a:xfrm>
-        </p:spPr>
-        <p:txBody>
-          <a:bodyPr anchor="b"/>
-          <a:lstStyle>
-            <a:lvl1pPr marL="0" indent="0">
+            <a:lvl1pPr marL="351130" indent="0" algn="l">
               <a:buNone/>
               <a:defRPr sz="9600">
                 <a:solidFill>
-                  <a:schemeClr val="tx1">
-                    <a:tint val="75000"/>
-                  </a:schemeClr>
+                  <a:schemeClr val="tx1"/>
                 </a:solidFill>
               </a:defRPr>
             </a:lvl1pPr>
-            <a:lvl2pPr marL="2194105" indent="0">
+            <a:lvl2pPr>
               <a:buNone/>
-              <a:defRPr sz="8700">
+              <a:defRPr sz="8600">
                 <a:solidFill>
                   <a:schemeClr val="tx1">
                     <a:tint val="75000"/>
@@ -945,7 +979,7 @@
                 </a:solidFill>
               </a:defRPr>
             </a:lvl2pPr>
-            <a:lvl3pPr marL="4388211" indent="0">
+            <a:lvl3pPr>
               <a:buNone/>
               <a:defRPr sz="7700">
                 <a:solidFill>
@@ -955,9 +989,9 @@
                 </a:solidFill>
               </a:defRPr>
             </a:lvl3pPr>
-            <a:lvl4pPr marL="6582316" indent="0">
+            <a:lvl4pPr>
               <a:buNone/>
-              <a:defRPr sz="6600">
+              <a:defRPr sz="6700">
                 <a:solidFill>
                   <a:schemeClr val="tx1">
                     <a:tint val="75000"/>
@@ -965,9 +999,9 @@
                 </a:solidFill>
               </a:defRPr>
             </a:lvl4pPr>
-            <a:lvl5pPr marL="8776423" indent="0">
+            <a:lvl5pPr>
               <a:buNone/>
-              <a:defRPr sz="6600">
+              <a:defRPr sz="6700">
                 <a:solidFill>
                   <a:schemeClr val="tx1">
                     <a:tint val="75000"/>
@@ -975,51 +1009,11 @@
                 </a:solidFill>
               </a:defRPr>
             </a:lvl5pPr>
-            <a:lvl6pPr marL="10970528" indent="0">
-              <a:buNone/>
-              <a:defRPr sz="6600">
-                <a:solidFill>
-                  <a:schemeClr val="tx1">
-                    <a:tint val="75000"/>
-                  </a:schemeClr>
-                </a:solidFill>
-              </a:defRPr>
-            </a:lvl6pPr>
-            <a:lvl7pPr marL="13164633" indent="0">
-              <a:buNone/>
-              <a:defRPr sz="6600">
-                <a:solidFill>
-                  <a:schemeClr val="tx1">
-                    <a:tint val="75000"/>
-                  </a:schemeClr>
-                </a:solidFill>
-              </a:defRPr>
-            </a:lvl7pPr>
-            <a:lvl8pPr marL="15358739" indent="0">
-              <a:buNone/>
-              <a:defRPr sz="6600">
-                <a:solidFill>
-                  <a:schemeClr val="tx1">
-                    <a:tint val="75000"/>
-                  </a:schemeClr>
-                </a:solidFill>
-              </a:defRPr>
-            </a:lvl8pPr>
-            <a:lvl9pPr marL="17552844" indent="0">
-              <a:buNone/>
-              <a:defRPr sz="6600">
-                <a:solidFill>
-                  <a:schemeClr val="tx1">
-                    <a:tint val="75000"/>
-                  </a:schemeClr>
-                </a:solidFill>
-              </a:defRPr>
-            </a:lvl9pPr>
           </a:lstStyle>
           <a:p>
-            <a:pPr lvl="0"/>
-            <a:r>
-              <a:rPr lang="en-US" smtClean="0"/>
+            <a:pPr lvl="0" eaLnBrk="1" latinLnBrk="0" hangingPunct="1"/>
+            <a:r>
+              <a:rPr kumimoji="0" lang="en-US" smtClean="0"/>
               <a:t>Click to edit Master text styles</a:t>
             </a:r>
           </a:p>
@@ -1043,9 +1037,9 @@
             <a:fld id="{D9D26CB9-01E4-44B8-8084-BCC418CF4A2D}" type="datetimeFigureOut">
               <a:rPr lang="en-US" smtClean="0"/>
               <a:pPr/>
-              <a:t>4/23/2009</a:t>
+              <a:t>5/7/2015</a:t>
             </a:fld>
-            <a:endParaRPr lang="en-US"/>
+            <a:endParaRPr lang="en-US" dirty="0"/>
           </a:p>
         </p:txBody>
       </p:sp>
@@ -1064,7 +1058,7 @@
           <a:bodyPr/>
           <a:lstStyle/>
           <a:p>
-            <a:endParaRPr lang="en-US"/>
+            <a:endParaRPr lang="en-US" dirty="0"/>
           </a:p>
         </p:txBody>
       </p:sp>
@@ -1078,7 +1072,12 @@
             <p:ph type="sldNum" sz="quarter" idx="12"/>
           </p:nvPr>
         </p:nvSpPr>
-        <p:spPr/>
+        <p:spPr>
+          <a:xfrm>
+            <a:off x="38039040" y="30800042"/>
+            <a:ext cx="3657600" cy="1752600"/>
+          </a:xfrm>
+        </p:spPr>
         <p:txBody>
           <a:bodyPr/>
           <a:lstStyle/>
@@ -1088,14 +1087,14 @@
               <a:pPr/>
               <a:t>‹#›</a:t>
             </a:fld>
-            <a:endParaRPr lang="en-US"/>
+            <a:endParaRPr lang="en-US" dirty="0"/>
           </a:p>
         </p:txBody>
       </p:sp>
     </p:spTree>
   </p:cSld>
   <p:clrMapOvr>
-    <a:masterClrMapping/>
+    <a:overrideClrMapping bg1="dk1" tx1="lt1" bg2="dk2" tx2="lt2" accent1="accent1" accent2="accent2" accent3="accent3" accent4="accent4" accent5="accent5" accent6="accent6" hlink="hlink" folHlink="folHlink"/>
   </p:clrMapOvr>
 </p:sldLayout>
 </file>
@@ -1133,10 +1132,10 @@
           <a:lstStyle/>
           <a:p>
             <a:r>
-              <a:rPr lang="en-US" smtClean="0"/>
+              <a:rPr kumimoji="0" lang="en-US" smtClean="0"/>
               <a:t>Click to edit Master title style</a:t>
             </a:r>
-            <a:endParaRPr lang="en-US"/>
+            <a:endParaRPr kumimoji="0" lang="en-US"/>
           </a:p>
         </p:txBody>
       </p:sp>
@@ -1152,15 +1151,15 @@
         </p:nvSpPr>
         <p:spPr>
           <a:xfrm>
-            <a:off x="2194560" y="7680962"/>
-            <a:ext cx="19385280" cy="21724623"/>
+            <a:off x="2194560" y="7680963"/>
+            <a:ext cx="19385280" cy="21724622"/>
           </a:xfrm>
         </p:spPr>
         <p:txBody>
           <a:bodyPr/>
           <a:lstStyle>
             <a:lvl1pPr>
-              <a:defRPr sz="13400"/>
+              <a:defRPr sz="12500"/>
             </a:lvl1pPr>
             <a:lvl2pPr>
               <a:defRPr sz="11500"/>
@@ -1169,59 +1168,47 @@
               <a:defRPr sz="9600"/>
             </a:lvl3pPr>
             <a:lvl4pPr>
-              <a:defRPr sz="8700"/>
+              <a:defRPr sz="8600"/>
             </a:lvl4pPr>
             <a:lvl5pPr>
-              <a:defRPr sz="8700"/>
+              <a:defRPr sz="8600"/>
             </a:lvl5pPr>
-            <a:lvl6pPr>
-              <a:defRPr sz="8700"/>
-            </a:lvl6pPr>
-            <a:lvl7pPr>
-              <a:defRPr sz="8700"/>
-            </a:lvl7pPr>
-            <a:lvl8pPr>
-              <a:defRPr sz="8700"/>
-            </a:lvl8pPr>
-            <a:lvl9pPr>
-              <a:defRPr sz="8700"/>
-            </a:lvl9pPr>
           </a:lstStyle>
           <a:p>
-            <a:pPr lvl="0"/>
+            <a:pPr lvl="0" eaLnBrk="1" latinLnBrk="0" hangingPunct="1"/>
             <a:r>
               <a:rPr lang="en-US" smtClean="0"/>
               <a:t>Click to edit Master text styles</a:t>
             </a:r>
           </a:p>
           <a:p>
-            <a:pPr lvl="1"/>
+            <a:pPr lvl="1" eaLnBrk="1" latinLnBrk="0" hangingPunct="1"/>
             <a:r>
               <a:rPr lang="en-US" smtClean="0"/>
               <a:t>Second level</a:t>
             </a:r>
           </a:p>
           <a:p>
-            <a:pPr lvl="2"/>
+            <a:pPr lvl="2" eaLnBrk="1" latinLnBrk="0" hangingPunct="1"/>
             <a:r>
               <a:rPr lang="en-US" smtClean="0"/>
               <a:t>Third level</a:t>
             </a:r>
           </a:p>
           <a:p>
-            <a:pPr lvl="3"/>
+            <a:pPr lvl="3" eaLnBrk="1" latinLnBrk="0" hangingPunct="1"/>
             <a:r>
               <a:rPr lang="en-US" smtClean="0"/>
               <a:t>Fourth level</a:t>
             </a:r>
           </a:p>
           <a:p>
-            <a:pPr lvl="4"/>
+            <a:pPr lvl="4" eaLnBrk="1" latinLnBrk="0" hangingPunct="1"/>
             <a:r>
               <a:rPr lang="en-US" smtClean="0"/>
               <a:t>Fifth level</a:t>
             </a:r>
-            <a:endParaRPr lang="en-US"/>
+            <a:endParaRPr kumimoji="0" lang="en-US"/>
           </a:p>
         </p:txBody>
       </p:sp>
@@ -1237,15 +1224,15 @@
         </p:nvSpPr>
         <p:spPr>
           <a:xfrm>
-            <a:off x="22311360" y="7680962"/>
-            <a:ext cx="19385280" cy="21724623"/>
+            <a:off x="22311360" y="7680963"/>
+            <a:ext cx="19385280" cy="21724622"/>
           </a:xfrm>
         </p:spPr>
         <p:txBody>
           <a:bodyPr/>
           <a:lstStyle>
             <a:lvl1pPr>
-              <a:defRPr sz="13400"/>
+              <a:defRPr sz="12500"/>
             </a:lvl1pPr>
             <a:lvl2pPr>
               <a:defRPr sz="11500"/>
@@ -1254,59 +1241,47 @@
               <a:defRPr sz="9600"/>
             </a:lvl3pPr>
             <a:lvl4pPr>
-              <a:defRPr sz="8700"/>
+              <a:defRPr sz="8600"/>
             </a:lvl4pPr>
             <a:lvl5pPr>
-              <a:defRPr sz="8700"/>
+              <a:defRPr sz="8600"/>
             </a:lvl5pPr>
-            <a:lvl6pPr>
-              <a:defRPr sz="8700"/>
-            </a:lvl6pPr>
-            <a:lvl7pPr>
-              <a:defRPr sz="8700"/>
-            </a:lvl7pPr>
-            <a:lvl8pPr>
-              <a:defRPr sz="8700"/>
-            </a:lvl8pPr>
-            <a:lvl9pPr>
-              <a:defRPr sz="8700"/>
-            </a:lvl9pPr>
           </a:lstStyle>
           <a:p>
-            <a:pPr lvl="0"/>
+            <a:pPr lvl="0" eaLnBrk="1" latinLnBrk="0" hangingPunct="1"/>
             <a:r>
               <a:rPr lang="en-US" smtClean="0"/>
               <a:t>Click to edit Master text styles</a:t>
             </a:r>
           </a:p>
           <a:p>
-            <a:pPr lvl="1"/>
+            <a:pPr lvl="1" eaLnBrk="1" latinLnBrk="0" hangingPunct="1"/>
             <a:r>
               <a:rPr lang="en-US" smtClean="0"/>
               <a:t>Second level</a:t>
             </a:r>
           </a:p>
           <a:p>
-            <a:pPr lvl="2"/>
+            <a:pPr lvl="2" eaLnBrk="1" latinLnBrk="0" hangingPunct="1"/>
             <a:r>
               <a:rPr lang="en-US" smtClean="0"/>
               <a:t>Third level</a:t>
             </a:r>
           </a:p>
           <a:p>
-            <a:pPr lvl="3"/>
+            <a:pPr lvl="3" eaLnBrk="1" latinLnBrk="0" hangingPunct="1"/>
             <a:r>
               <a:rPr lang="en-US" smtClean="0"/>
               <a:t>Fourth level</a:t>
             </a:r>
           </a:p>
           <a:p>
-            <a:pPr lvl="4"/>
+            <a:pPr lvl="4" eaLnBrk="1" latinLnBrk="0" hangingPunct="1"/>
             <a:r>
               <a:rPr lang="en-US" smtClean="0"/>
               <a:t>Fifth level</a:t>
             </a:r>
-            <a:endParaRPr lang="en-US"/>
+            <a:endParaRPr kumimoji="0" lang="en-US"/>
           </a:p>
         </p:txBody>
       </p:sp>
@@ -1328,9 +1303,9 @@
             <a:fld id="{D9D26CB9-01E4-44B8-8084-BCC418CF4A2D}" type="datetimeFigureOut">
               <a:rPr lang="en-US" smtClean="0"/>
               <a:pPr/>
-              <a:t>4/23/2009</a:t>
+              <a:t>5/7/2015</a:t>
             </a:fld>
-            <a:endParaRPr lang="en-US"/>
+            <a:endParaRPr lang="en-US" dirty="0"/>
           </a:p>
         </p:txBody>
       </p:sp>
@@ -1349,7 +1324,7 @@
           <a:bodyPr/>
           <a:lstStyle/>
           <a:p>
-            <a:endParaRPr lang="en-US"/>
+            <a:endParaRPr lang="en-US" dirty="0"/>
           </a:p>
         </p:txBody>
       </p:sp>
@@ -1373,7 +1348,7 @@
               <a:pPr/>
               <a:t>‹#›</a:t>
             </a:fld>
-            <a:endParaRPr lang="en-US"/>
+            <a:endParaRPr lang="en-US" dirty="0"/>
           </a:p>
         </p:txBody>
       </p:sp>
@@ -1412,9 +1387,14 @@
             <p:ph type="title"/>
           </p:nvPr>
         </p:nvSpPr>
-        <p:spPr/>
-        <p:txBody>
-          <a:bodyPr/>
+        <p:spPr>
+          <a:xfrm>
+            <a:off x="2194560" y="1310640"/>
+            <a:ext cx="39502080" cy="5486400"/>
+          </a:xfrm>
+        </p:spPr>
+        <p:txBody>
+          <a:bodyPr anchor="ctr"/>
           <a:lstStyle>
             <a:lvl1pPr>
               <a:defRPr/>
@@ -1422,10 +1402,10 @@
           </a:lstStyle>
           <a:p>
             <a:r>
-              <a:rPr lang="en-US" smtClean="0"/>
+              <a:rPr kumimoji="0" lang="en-US" smtClean="0"/>
               <a:t>Click to edit Master title style</a:t>
             </a:r>
-            <a:endParaRPr lang="en-US"/>
+            <a:endParaRPr kumimoji="0" lang="en-US"/>
           </a:p>
         </p:txBody>
       </p:sp>
@@ -1441,54 +1421,95 @@
         </p:nvSpPr>
         <p:spPr>
           <a:xfrm>
-            <a:off x="2194561" y="7368544"/>
-            <a:ext cx="19392903" cy="3070859"/>
+            <a:off x="2194560" y="7368540"/>
+            <a:ext cx="19392902" cy="3604258"/>
           </a:xfrm>
         </p:spPr>
         <p:txBody>
-          <a:bodyPr anchor="b"/>
+          <a:bodyPr anchor="ctr"/>
           <a:lstStyle>
             <a:lvl1pPr marL="0" indent="0">
               <a:buNone/>
-              <a:defRPr sz="11500" b="1"/>
+              <a:defRPr sz="11500" b="0" cap="all" baseline="0">
+                <a:solidFill>
+                  <a:schemeClr val="tx1"/>
+                </a:solidFill>
+              </a:defRPr>
             </a:lvl1pPr>
-            <a:lvl2pPr marL="2194105" indent="0">
+            <a:lvl2pPr>
               <a:buNone/>
               <a:defRPr sz="9600" b="1"/>
             </a:lvl2pPr>
-            <a:lvl3pPr marL="4388211" indent="0">
+            <a:lvl3pPr>
               <a:buNone/>
-              <a:defRPr sz="8700" b="1"/>
+              <a:defRPr sz="8600" b="1"/>
             </a:lvl3pPr>
-            <a:lvl4pPr marL="6582316" indent="0">
+            <a:lvl4pPr>
               <a:buNone/>
               <a:defRPr sz="7700" b="1"/>
             </a:lvl4pPr>
-            <a:lvl5pPr marL="8776423" indent="0">
+            <a:lvl5pPr>
               <a:buNone/>
               <a:defRPr sz="7700" b="1"/>
             </a:lvl5pPr>
-            <a:lvl6pPr marL="10970528" indent="0">
+          </a:lstStyle>
+          <a:p>
+            <a:pPr lvl="0" eaLnBrk="1" latinLnBrk="0" hangingPunct="1"/>
+            <a:r>
+              <a:rPr kumimoji="0" lang="en-US" smtClean="0"/>
+              <a:t>Click to edit Master text styles</a:t>
+            </a:r>
+          </a:p>
+        </p:txBody>
+      </p:sp>
+      <p:sp>
+        <p:nvSpPr>
+          <p:cNvPr id="4" name="Text Placeholder 3"/>
+          <p:cNvSpPr>
+            <a:spLocks noGrp="1"/>
+          </p:cNvSpPr>
+          <p:nvPr>
+            <p:ph type="body" sz="half" idx="3"/>
+          </p:nvPr>
+        </p:nvSpPr>
+        <p:spPr>
+          <a:xfrm>
+            <a:off x="22296122" y="7368540"/>
+            <a:ext cx="19400520" cy="3604258"/>
+          </a:xfrm>
+        </p:spPr>
+        <p:txBody>
+          <a:bodyPr anchor="ctr"/>
+          <a:lstStyle>
+            <a:lvl1pPr marL="0" indent="0">
+              <a:buNone/>
+              <a:defRPr sz="11500" b="0" cap="all" baseline="0">
+                <a:solidFill>
+                  <a:schemeClr val="tx1"/>
+                </a:solidFill>
+              </a:defRPr>
+            </a:lvl1pPr>
+            <a:lvl2pPr>
+              <a:buNone/>
+              <a:defRPr sz="9600" b="1"/>
+            </a:lvl2pPr>
+            <a:lvl3pPr>
+              <a:buNone/>
+              <a:defRPr sz="8600" b="1"/>
+            </a:lvl3pPr>
+            <a:lvl4pPr>
               <a:buNone/>
               <a:defRPr sz="7700" b="1"/>
-            </a:lvl6pPr>
-            <a:lvl7pPr marL="13164633" indent="0">
+            </a:lvl4pPr>
+            <a:lvl5pPr>
               <a:buNone/>
               <a:defRPr sz="7700" b="1"/>
-            </a:lvl7pPr>
-            <a:lvl8pPr marL="15358739" indent="0">
-              <a:buNone/>
-              <a:defRPr sz="7700" b="1"/>
-            </a:lvl8pPr>
-            <a:lvl9pPr marL="17552844" indent="0">
-              <a:buNone/>
-              <a:defRPr sz="7700" b="1"/>
-            </a:lvl9pPr>
+            </a:lvl5pPr>
           </a:lstStyle>
           <a:p>
-            <a:pPr lvl="0"/>
-            <a:r>
-              <a:rPr lang="en-US" smtClean="0"/>
+            <a:pPr lvl="0" eaLnBrk="1" latinLnBrk="0" hangingPunct="1"/>
+            <a:r>
+              <a:rPr kumimoji="0" lang="en-US" smtClean="0"/>
               <a:t>Click to edit Master text styles</a:t>
             </a:r>
           </a:p>
@@ -1496,18 +1517,18 @@
       </p:sp>
       <p:sp>
         <p:nvSpPr>
-          <p:cNvPr id="4" name="Content Placeholder 3"/>
-          <p:cNvSpPr>
-            <a:spLocks noGrp="1"/>
-          </p:cNvSpPr>
-          <p:nvPr>
-            <p:ph sz="half" idx="2"/>
+          <p:cNvPr id="5" name="Content Placeholder 4"/>
+          <p:cNvSpPr>
+            <a:spLocks noGrp="1"/>
+          </p:cNvSpPr>
+          <p:nvPr>
+            <p:ph sz="quarter" idx="2"/>
           </p:nvPr>
         </p:nvSpPr>
         <p:spPr>
           <a:xfrm>
-            <a:off x="2194561" y="10439400"/>
-            <a:ext cx="19392903" cy="18966183"/>
+            <a:off x="2194560" y="11338563"/>
+            <a:ext cx="19392902" cy="18067022"/>
           </a:xfrm>
         </p:spPr>
         <p:txBody>
@@ -1520,7 +1541,7 @@
               <a:defRPr sz="9600"/>
             </a:lvl2pPr>
             <a:lvl3pPr>
-              <a:defRPr sz="8700"/>
+              <a:defRPr sz="8600"/>
             </a:lvl3pPr>
             <a:lvl4pPr>
               <a:defRPr sz="7700"/>
@@ -1528,136 +1549,59 @@
             <a:lvl5pPr>
               <a:defRPr sz="7700"/>
             </a:lvl5pPr>
-            <a:lvl6pPr>
-              <a:defRPr sz="7700"/>
-            </a:lvl6pPr>
-            <a:lvl7pPr>
-              <a:defRPr sz="7700"/>
-            </a:lvl7pPr>
-            <a:lvl8pPr>
-              <a:defRPr sz="7700"/>
-            </a:lvl8pPr>
-            <a:lvl9pPr>
-              <a:defRPr sz="7700"/>
-            </a:lvl9pPr>
           </a:lstStyle>
           <a:p>
-            <a:pPr lvl="0"/>
+            <a:pPr lvl="0" eaLnBrk="1" latinLnBrk="0" hangingPunct="1"/>
             <a:r>
               <a:rPr lang="en-US" smtClean="0"/>
               <a:t>Click to edit Master text styles</a:t>
             </a:r>
           </a:p>
           <a:p>
-            <a:pPr lvl="1"/>
+            <a:pPr lvl="1" eaLnBrk="1" latinLnBrk="0" hangingPunct="1"/>
             <a:r>
               <a:rPr lang="en-US" smtClean="0"/>
               <a:t>Second level</a:t>
             </a:r>
           </a:p>
           <a:p>
-            <a:pPr lvl="2"/>
+            <a:pPr lvl="2" eaLnBrk="1" latinLnBrk="0" hangingPunct="1"/>
             <a:r>
               <a:rPr lang="en-US" smtClean="0"/>
               <a:t>Third level</a:t>
             </a:r>
           </a:p>
           <a:p>
-            <a:pPr lvl="3"/>
+            <a:pPr lvl="3" eaLnBrk="1" latinLnBrk="0" hangingPunct="1"/>
             <a:r>
               <a:rPr lang="en-US" smtClean="0"/>
               <a:t>Fourth level</a:t>
             </a:r>
           </a:p>
           <a:p>
-            <a:pPr lvl="4"/>
+            <a:pPr lvl="4" eaLnBrk="1" latinLnBrk="0" hangingPunct="1"/>
             <a:r>
               <a:rPr lang="en-US" smtClean="0"/>
               <a:t>Fifth level</a:t>
             </a:r>
-            <a:endParaRPr lang="en-US"/>
-          </a:p>
-        </p:txBody>
-      </p:sp>
-      <p:sp>
-        <p:nvSpPr>
-          <p:cNvPr id="5" name="Text Placeholder 4"/>
-          <p:cNvSpPr>
-            <a:spLocks noGrp="1"/>
-          </p:cNvSpPr>
-          <p:nvPr>
-            <p:ph type="body" sz="quarter" idx="3"/>
+            <a:endParaRPr kumimoji="0" lang="en-US"/>
+          </a:p>
+        </p:txBody>
+      </p:sp>
+      <p:sp>
+        <p:nvSpPr>
+          <p:cNvPr id="6" name="Content Placeholder 5"/>
+          <p:cNvSpPr>
+            <a:spLocks noGrp="1"/>
+          </p:cNvSpPr>
+          <p:nvPr>
+            <p:ph sz="quarter" idx="4"/>
           </p:nvPr>
         </p:nvSpPr>
         <p:spPr>
           <a:xfrm>
-            <a:off x="22296122" y="7368544"/>
-            <a:ext cx="19400521" cy="3070859"/>
-          </a:xfrm>
-        </p:spPr>
-        <p:txBody>
-          <a:bodyPr anchor="b"/>
-          <a:lstStyle>
-            <a:lvl1pPr marL="0" indent="0">
-              <a:buNone/>
-              <a:defRPr sz="11500" b="1"/>
-            </a:lvl1pPr>
-            <a:lvl2pPr marL="2194105" indent="0">
-              <a:buNone/>
-              <a:defRPr sz="9600" b="1"/>
-            </a:lvl2pPr>
-            <a:lvl3pPr marL="4388211" indent="0">
-              <a:buNone/>
-              <a:defRPr sz="8700" b="1"/>
-            </a:lvl3pPr>
-            <a:lvl4pPr marL="6582316" indent="0">
-              <a:buNone/>
-              <a:defRPr sz="7700" b="1"/>
-            </a:lvl4pPr>
-            <a:lvl5pPr marL="8776423" indent="0">
-              <a:buNone/>
-              <a:defRPr sz="7700" b="1"/>
-            </a:lvl5pPr>
-            <a:lvl6pPr marL="10970528" indent="0">
-              <a:buNone/>
-              <a:defRPr sz="7700" b="1"/>
-            </a:lvl6pPr>
-            <a:lvl7pPr marL="13164633" indent="0">
-              <a:buNone/>
-              <a:defRPr sz="7700" b="1"/>
-            </a:lvl7pPr>
-            <a:lvl8pPr marL="15358739" indent="0">
-              <a:buNone/>
-              <a:defRPr sz="7700" b="1"/>
-            </a:lvl8pPr>
-            <a:lvl9pPr marL="17552844" indent="0">
-              <a:buNone/>
-              <a:defRPr sz="7700" b="1"/>
-            </a:lvl9pPr>
-          </a:lstStyle>
-          <a:p>
-            <a:pPr lvl="0"/>
-            <a:r>
-              <a:rPr lang="en-US" smtClean="0"/>
-              <a:t>Click to edit Master text styles</a:t>
-            </a:r>
-          </a:p>
-        </p:txBody>
-      </p:sp>
-      <p:sp>
-        <p:nvSpPr>
-          <p:cNvPr id="6" name="Content Placeholder 5"/>
-          <p:cNvSpPr>
-            <a:spLocks noGrp="1"/>
-          </p:cNvSpPr>
-          <p:nvPr>
-            <p:ph sz="quarter" idx="4"/>
-          </p:nvPr>
-        </p:nvSpPr>
-        <p:spPr>
-          <a:xfrm>
-            <a:off x="22296122" y="10439400"/>
-            <a:ext cx="19400521" cy="18966183"/>
+            <a:off x="22296122" y="11338563"/>
+            <a:ext cx="19400520" cy="18067022"/>
           </a:xfrm>
         </p:spPr>
         <p:txBody>
@@ -1670,7 +1614,7 @@
               <a:defRPr sz="9600"/>
             </a:lvl2pPr>
             <a:lvl3pPr>
-              <a:defRPr sz="8700"/>
+              <a:defRPr sz="8600"/>
             </a:lvl3pPr>
             <a:lvl4pPr>
               <a:defRPr sz="7700"/>
@@ -1678,54 +1622,42 @@
             <a:lvl5pPr>
               <a:defRPr sz="7700"/>
             </a:lvl5pPr>
-            <a:lvl6pPr>
-              <a:defRPr sz="7700"/>
-            </a:lvl6pPr>
-            <a:lvl7pPr>
-              <a:defRPr sz="7700"/>
-            </a:lvl7pPr>
-            <a:lvl8pPr>
-              <a:defRPr sz="7700"/>
-            </a:lvl8pPr>
-            <a:lvl9pPr>
-              <a:defRPr sz="7700"/>
-            </a:lvl9pPr>
           </a:lstStyle>
           <a:p>
-            <a:pPr lvl="0"/>
+            <a:pPr lvl="0" eaLnBrk="1" latinLnBrk="0" hangingPunct="1"/>
             <a:r>
               <a:rPr lang="en-US" smtClean="0"/>
               <a:t>Click to edit Master text styles</a:t>
             </a:r>
           </a:p>
           <a:p>
-            <a:pPr lvl="1"/>
+            <a:pPr lvl="1" eaLnBrk="1" latinLnBrk="0" hangingPunct="1"/>
             <a:r>
               <a:rPr lang="en-US" smtClean="0"/>
               <a:t>Second level</a:t>
             </a:r>
           </a:p>
           <a:p>
-            <a:pPr lvl="2"/>
+            <a:pPr lvl="2" eaLnBrk="1" latinLnBrk="0" hangingPunct="1"/>
             <a:r>
               <a:rPr lang="en-US" smtClean="0"/>
               <a:t>Third level</a:t>
             </a:r>
           </a:p>
           <a:p>
-            <a:pPr lvl="3"/>
+            <a:pPr lvl="3" eaLnBrk="1" latinLnBrk="0" hangingPunct="1"/>
             <a:r>
               <a:rPr lang="en-US" smtClean="0"/>
               <a:t>Fourth level</a:t>
             </a:r>
           </a:p>
           <a:p>
-            <a:pPr lvl="4"/>
+            <a:pPr lvl="4" eaLnBrk="1" latinLnBrk="0" hangingPunct="1"/>
             <a:r>
               <a:rPr lang="en-US" smtClean="0"/>
               <a:t>Fifth level</a:t>
             </a:r>
-            <a:endParaRPr lang="en-US"/>
+            <a:endParaRPr kumimoji="0" lang="en-US"/>
           </a:p>
         </p:txBody>
       </p:sp>
@@ -1747,9 +1679,9 @@
             <a:fld id="{D9D26CB9-01E4-44B8-8084-BCC418CF4A2D}" type="datetimeFigureOut">
               <a:rPr lang="en-US" smtClean="0"/>
               <a:pPr/>
-              <a:t>4/23/2009</a:t>
+              <a:t>5/7/2015</a:t>
             </a:fld>
-            <a:endParaRPr lang="en-US"/>
+            <a:endParaRPr lang="en-US" dirty="0"/>
           </a:p>
         </p:txBody>
       </p:sp>
@@ -1768,7 +1700,7 @@
           <a:bodyPr/>
           <a:lstStyle/>
           <a:p>
-            <a:endParaRPr lang="en-US"/>
+            <a:endParaRPr lang="en-US" dirty="0"/>
           </a:p>
         </p:txBody>
       </p:sp>
@@ -1792,7 +1724,7 @@
               <a:pPr/>
               <a:t>‹#›</a:t>
             </a:fld>
-            <a:endParaRPr lang="en-US"/>
+            <a:endParaRPr lang="en-US" dirty="0"/>
           </a:p>
         </p:txBody>
       </p:sp>
@@ -1837,10 +1769,10 @@
           <a:lstStyle/>
           <a:p>
             <a:r>
-              <a:rPr lang="en-US" smtClean="0"/>
+              <a:rPr kumimoji="0" lang="en-US" smtClean="0"/>
               <a:t>Click to edit Master title style</a:t>
             </a:r>
-            <a:endParaRPr lang="en-US"/>
+            <a:endParaRPr kumimoji="0" lang="en-US"/>
           </a:p>
         </p:txBody>
       </p:sp>
@@ -1862,9 +1794,9 @@
             <a:fld id="{D9D26CB9-01E4-44B8-8084-BCC418CF4A2D}" type="datetimeFigureOut">
               <a:rPr lang="en-US" smtClean="0"/>
               <a:pPr/>
-              <a:t>4/23/2009</a:t>
+              <a:t>5/7/2015</a:t>
             </a:fld>
-            <a:endParaRPr lang="en-US"/>
+            <a:endParaRPr lang="en-US" dirty="0"/>
           </a:p>
         </p:txBody>
       </p:sp>
@@ -1883,7 +1815,7 @@
           <a:bodyPr/>
           <a:lstStyle/>
           <a:p>
-            <a:endParaRPr lang="en-US"/>
+            <a:endParaRPr lang="en-US" dirty="0"/>
           </a:p>
         </p:txBody>
       </p:sp>
@@ -1907,7 +1839,7 @@
               <a:pPr/>
               <a:t>‹#›</a:t>
             </a:fld>
-            <a:endParaRPr lang="en-US"/>
+            <a:endParaRPr lang="en-US" dirty="0"/>
           </a:p>
         </p:txBody>
       </p:sp>
@@ -1954,9 +1886,9 @@
             <a:fld id="{D9D26CB9-01E4-44B8-8084-BCC418CF4A2D}" type="datetimeFigureOut">
               <a:rPr lang="en-US" smtClean="0"/>
               <a:pPr/>
-              <a:t>4/23/2009</a:t>
+              <a:t>5/7/2015</a:t>
             </a:fld>
-            <a:endParaRPr lang="en-US"/>
+            <a:endParaRPr lang="en-US" dirty="0"/>
           </a:p>
         </p:txBody>
       </p:sp>
@@ -1975,7 +1907,7 @@
           <a:bodyPr/>
           <a:lstStyle/>
           <a:p>
-            <a:endParaRPr lang="en-US"/>
+            <a:endParaRPr lang="en-US" dirty="0"/>
           </a:p>
         </p:txBody>
       </p:sp>
@@ -1999,7 +1931,7 @@
               <a:pPr/>
               <a:t>‹#›</a:t>
             </a:fld>
-            <a:endParaRPr lang="en-US"/>
+            <a:endParaRPr lang="en-US" dirty="0"/>
           </a:p>
         </p:txBody>
       </p:sp>
@@ -2041,172 +1973,158 @@
         <p:spPr>
           <a:xfrm>
             <a:off x="2194563" y="1310640"/>
-            <a:ext cx="14439903" cy="5577840"/>
+            <a:ext cx="14439902" cy="5577840"/>
           </a:xfrm>
         </p:spPr>
         <p:txBody>
-          <a:bodyPr anchor="b"/>
+          <a:bodyPr vert="horz" anchor="b">
+            <a:normAutofit/>
+            <a:sp3d prstMaterial="softEdge"/>
+          </a:bodyPr>
           <a:lstStyle>
             <a:lvl1pPr algn="l">
-              <a:defRPr sz="9600" b="1"/>
+              <a:buNone/>
+              <a:defRPr sz="10600" b="0">
+                <a:ln w="6350">
+                  <a:noFill/>
+                </a:ln>
+                <a:solidFill>
+                  <a:schemeClr val="accent1">
+                    <a:tint val="73000"/>
+                    <a:satMod val="180000"/>
+                  </a:schemeClr>
+                </a:solidFill>
+              </a:defRPr>
             </a:lvl1pPr>
           </a:lstStyle>
           <a:p>
             <a:r>
-              <a:rPr lang="en-US" smtClean="0"/>
+              <a:rPr kumimoji="0" lang="en-US" smtClean="0"/>
               <a:t>Click to edit Master title style</a:t>
             </a:r>
-            <a:endParaRPr lang="en-US"/>
-          </a:p>
-        </p:txBody>
-      </p:sp>
-      <p:sp>
-        <p:nvSpPr>
-          <p:cNvPr id="3" name="Content Placeholder 2"/>
-          <p:cNvSpPr>
-            <a:spLocks noGrp="1"/>
-          </p:cNvSpPr>
-          <p:nvPr>
-            <p:ph idx="1"/>
+            <a:endParaRPr kumimoji="0" lang="en-US"/>
+          </a:p>
+        </p:txBody>
+      </p:sp>
+      <p:sp>
+        <p:nvSpPr>
+          <p:cNvPr id="3" name="Text Placeholder 2"/>
+          <p:cNvSpPr>
+            <a:spLocks noGrp="1"/>
+          </p:cNvSpPr>
+          <p:nvPr>
+            <p:ph type="body" idx="2"/>
           </p:nvPr>
         </p:nvSpPr>
         <p:spPr>
           <a:xfrm>
-            <a:off x="17160241" y="1310643"/>
-            <a:ext cx="24536400" cy="28094943"/>
+            <a:off x="2194563" y="7315203"/>
+            <a:ext cx="14439902" cy="22090382"/>
           </a:xfrm>
         </p:spPr>
         <p:txBody>
           <a:bodyPr/>
           <a:lstStyle>
-            <a:lvl1pPr>
-              <a:defRPr sz="15300"/>
+            <a:lvl1pPr marL="0" indent="0">
+              <a:buNone/>
+              <a:defRPr sz="6700"/>
             </a:lvl1pPr>
             <a:lvl2pPr>
-              <a:defRPr sz="13400"/>
+              <a:buNone/>
+              <a:defRPr sz="5800"/>
             </a:lvl2pPr>
             <a:lvl3pPr>
+              <a:buNone/>
+              <a:defRPr sz="4800"/>
+            </a:lvl3pPr>
+            <a:lvl4pPr>
+              <a:buNone/>
+              <a:defRPr sz="4300"/>
+            </a:lvl4pPr>
+            <a:lvl5pPr>
+              <a:buNone/>
+              <a:defRPr sz="4300"/>
+            </a:lvl5pPr>
+          </a:lstStyle>
+          <a:p>
+            <a:pPr lvl="0" eaLnBrk="1" latinLnBrk="0" hangingPunct="1"/>
+            <a:r>
+              <a:rPr kumimoji="0" lang="en-US" smtClean="0"/>
+              <a:t>Click to edit Master text styles</a:t>
+            </a:r>
+          </a:p>
+        </p:txBody>
+      </p:sp>
+      <p:sp>
+        <p:nvSpPr>
+          <p:cNvPr id="4" name="Content Placeholder 3"/>
+          <p:cNvSpPr>
+            <a:spLocks noGrp="1"/>
+          </p:cNvSpPr>
+          <p:nvPr>
+            <p:ph sz="half" idx="1"/>
+          </p:nvPr>
+        </p:nvSpPr>
+        <p:spPr>
+          <a:xfrm>
+            <a:off x="17160240" y="1310643"/>
+            <a:ext cx="24536400" cy="28094942"/>
+          </a:xfrm>
+        </p:spPr>
+        <p:txBody>
+          <a:bodyPr/>
+          <a:lstStyle>
+            <a:lvl1pPr>
+              <a:defRPr sz="12500"/>
+            </a:lvl1pPr>
+            <a:lvl2pPr>
               <a:defRPr sz="11500"/>
+            </a:lvl2pPr>
+            <a:lvl3pPr>
+              <a:defRPr sz="10600"/>
             </a:lvl3pPr>
             <a:lvl4pPr>
               <a:defRPr sz="9600"/>
             </a:lvl4pPr>
             <a:lvl5pPr>
-              <a:defRPr sz="9600"/>
+              <a:defRPr sz="8600"/>
             </a:lvl5pPr>
-            <a:lvl6pPr>
-              <a:defRPr sz="9600"/>
-            </a:lvl6pPr>
-            <a:lvl7pPr>
-              <a:defRPr sz="9600"/>
-            </a:lvl7pPr>
-            <a:lvl8pPr>
-              <a:defRPr sz="9600"/>
-            </a:lvl8pPr>
-            <a:lvl9pPr>
-              <a:defRPr sz="9600"/>
-            </a:lvl9pPr>
           </a:lstStyle>
           <a:p>
-            <a:pPr lvl="0"/>
+            <a:pPr lvl="0" eaLnBrk="1" latinLnBrk="0" hangingPunct="1"/>
             <a:r>
               <a:rPr lang="en-US" smtClean="0"/>
               <a:t>Click to edit Master text styles</a:t>
             </a:r>
           </a:p>
           <a:p>
-            <a:pPr lvl="1"/>
+            <a:pPr lvl="1" eaLnBrk="1" latinLnBrk="0" hangingPunct="1"/>
             <a:r>
               <a:rPr lang="en-US" smtClean="0"/>
               <a:t>Second level</a:t>
             </a:r>
           </a:p>
           <a:p>
-            <a:pPr lvl="2"/>
+            <a:pPr lvl="2" eaLnBrk="1" latinLnBrk="0" hangingPunct="1"/>
             <a:r>
               <a:rPr lang="en-US" smtClean="0"/>
               <a:t>Third level</a:t>
             </a:r>
           </a:p>
           <a:p>
-            <a:pPr lvl="3"/>
+            <a:pPr lvl="3" eaLnBrk="1" latinLnBrk="0" hangingPunct="1"/>
             <a:r>
               <a:rPr lang="en-US" smtClean="0"/>
               <a:t>Fourth level</a:t>
             </a:r>
           </a:p>
           <a:p>
-            <a:pPr lvl="4"/>
+            <a:pPr lvl="4" eaLnBrk="1" latinLnBrk="0" hangingPunct="1"/>
             <a:r>
               <a:rPr lang="en-US" smtClean="0"/>
               <a:t>Fifth level</a:t>
             </a:r>
-            <a:endParaRPr lang="en-US"/>
-          </a:p>
-        </p:txBody>
-      </p:sp>
-      <p:sp>
-        <p:nvSpPr>
-          <p:cNvPr id="4" name="Text Placeholder 3"/>
-          <p:cNvSpPr>
-            <a:spLocks noGrp="1"/>
-          </p:cNvSpPr>
-          <p:nvPr>
-            <p:ph type="body" sz="half" idx="2"/>
-          </p:nvPr>
-        </p:nvSpPr>
-        <p:spPr>
-          <a:xfrm>
-            <a:off x="2194563" y="6888483"/>
-            <a:ext cx="14439903" cy="22517103"/>
-          </a:xfrm>
-        </p:spPr>
-        <p:txBody>
-          <a:bodyPr/>
-          <a:lstStyle>
-            <a:lvl1pPr marL="0" indent="0">
-              <a:buNone/>
-              <a:defRPr sz="6600"/>
-            </a:lvl1pPr>
-            <a:lvl2pPr marL="2194105" indent="0">
-              <a:buNone/>
-              <a:defRPr sz="5700"/>
-            </a:lvl2pPr>
-            <a:lvl3pPr marL="4388211" indent="0">
-              <a:buNone/>
-              <a:defRPr sz="4700"/>
-            </a:lvl3pPr>
-            <a:lvl4pPr marL="6582316" indent="0">
-              <a:buNone/>
-              <a:defRPr sz="4300"/>
-            </a:lvl4pPr>
-            <a:lvl5pPr marL="8776423" indent="0">
-              <a:buNone/>
-              <a:defRPr sz="4300"/>
-            </a:lvl5pPr>
-            <a:lvl6pPr marL="10970528" indent="0">
-              <a:buNone/>
-              <a:defRPr sz="4300"/>
-            </a:lvl6pPr>
-            <a:lvl7pPr marL="13164633" indent="0">
-              <a:buNone/>
-              <a:defRPr sz="4300"/>
-            </a:lvl7pPr>
-            <a:lvl8pPr marL="15358739" indent="0">
-              <a:buNone/>
-              <a:defRPr sz="4300"/>
-            </a:lvl8pPr>
-            <a:lvl9pPr marL="17552844" indent="0">
-              <a:buNone/>
-              <a:defRPr sz="4300"/>
-            </a:lvl9pPr>
-          </a:lstStyle>
-          <a:p>
-            <a:pPr lvl="0"/>
-            <a:r>
-              <a:rPr lang="en-US" smtClean="0"/>
-              <a:t>Click to edit Master text styles</a:t>
-            </a:r>
+            <a:endParaRPr kumimoji="0" lang="en-US"/>
           </a:p>
         </p:txBody>
       </p:sp>
@@ -2228,9 +2146,9 @@
             <a:fld id="{D9D26CB9-01E4-44B8-8084-BCC418CF4A2D}" type="datetimeFigureOut">
               <a:rPr lang="en-US" smtClean="0"/>
               <a:pPr/>
-              <a:t>4/23/2009</a:t>
+              <a:t>5/7/2015</a:t>
             </a:fld>
-            <a:endParaRPr lang="en-US"/>
+            <a:endParaRPr lang="en-US" dirty="0"/>
           </a:p>
         </p:txBody>
       </p:sp>
@@ -2249,7 +2167,7 @@
           <a:bodyPr/>
           <a:lstStyle/>
           <a:p>
-            <a:endParaRPr lang="en-US"/>
+            <a:endParaRPr lang="en-US" dirty="0"/>
           </a:p>
         </p:txBody>
       </p:sp>
@@ -2273,7 +2191,7 @@
               <a:pPr/>
               <a:t>‹#›</a:t>
             </a:fld>
-            <a:endParaRPr lang="en-US"/>
+            <a:endParaRPr lang="en-US" dirty="0"/>
           </a:p>
         </p:txBody>
       </p:sp>
@@ -2314,23 +2232,26 @@
         </p:nvSpPr>
         <p:spPr>
           <a:xfrm>
-            <a:off x="8602983" y="23042880"/>
-            <a:ext cx="26334720" cy="2720343"/>
+            <a:off x="8778240" y="2926080"/>
+            <a:ext cx="26334720" cy="2506982"/>
           </a:xfrm>
         </p:spPr>
         <p:txBody>
-          <a:bodyPr anchor="b"/>
+          <a:bodyPr lIns="219456" rIns="219456" bIns="0" anchor="b">
+            <a:sp3d prstMaterial="softEdge"/>
+          </a:bodyPr>
           <a:lstStyle>
-            <a:lvl1pPr algn="l">
+            <a:lvl1pPr algn="ctr">
+              <a:buNone/>
               <a:defRPr sz="9600" b="1"/>
             </a:lvl1pPr>
           </a:lstStyle>
           <a:p>
             <a:r>
-              <a:rPr lang="en-US" smtClean="0"/>
+              <a:rPr kumimoji="0" lang="en-US" smtClean="0"/>
               <a:t>Click to edit Master title style</a:t>
             </a:r>
-            <a:endParaRPr lang="en-US"/>
+            <a:endParaRPr kumimoji="0" lang="en-US"/>
           </a:p>
         </p:txBody>
       </p:sp>
@@ -2346,115 +2267,128 @@
         </p:nvSpPr>
         <p:spPr>
           <a:xfrm>
-            <a:off x="8602983" y="2941320"/>
-            <a:ext cx="26334720" cy="19751040"/>
+            <a:off x="8778240" y="8793480"/>
+            <a:ext cx="26334720" cy="19019520"/>
+          </a:xfrm>
+          <a:solidFill>
+            <a:schemeClr val="bg2"/>
+          </a:solidFill>
+          <a:ln w="44450" cap="sq" cmpd="sng" algn="ctr">
+            <a:solidFill>
+              <a:srgbClr val="FFFFFF"/>
+            </a:solidFill>
+            <a:prstDash val="solid"/>
+            <a:miter lim="800000"/>
+          </a:ln>
+          <a:effectLst>
+            <a:outerShdw blurRad="190500" dist="228600" dir="2700000" sy="90000">
+              <a:srgbClr val="000000">
+                <a:alpha val="25000"/>
+              </a:srgbClr>
+            </a:outerShdw>
+          </a:effectLst>
+          <a:scene3d>
+            <a:camera prst="orthographicFront">
+              <a:rot lat="0" lon="0" rev="0"/>
+            </a:camera>
+            <a:lightRig rig="balanced" dir="tr">
+              <a:rot lat="0" lon="0" rev="2700000"/>
+            </a:lightRig>
+          </a:scene3d>
+          <a:sp3d prstMaterial="matte">
+            <a:contourClr>
+              <a:schemeClr val="tx2">
+                <a:shade val="50000"/>
+              </a:schemeClr>
+            </a:contourClr>
+          </a:sp3d>
+        </p:spPr>
+        <p:style>
+          <a:lnRef idx="3">
+            <a:schemeClr val="lt1"/>
+          </a:lnRef>
+          <a:fillRef idx="1">
+            <a:schemeClr val="accent1"/>
+          </a:fillRef>
+          <a:effectRef idx="1">
+            <a:schemeClr val="accent1"/>
+          </a:effectRef>
+          <a:fontRef idx="minor">
+            <a:schemeClr val="lt1"/>
+          </a:fontRef>
+        </p:style>
+        <p:txBody>
+          <a:bodyPr anchor="t"/>
+          <a:lstStyle>
+            <a:lvl1pPr marL="0" indent="0" algn="l" rtl="0" eaLnBrk="1" latinLnBrk="0" hangingPunct="1">
+              <a:buNone/>
+              <a:defRPr sz="15400"/>
+            </a:lvl1pPr>
+          </a:lstStyle>
+          <a:p>
+            <a:pPr marL="0" algn="l" rtl="0" eaLnBrk="1" latinLnBrk="0" hangingPunct="1"/>
+            <a:r>
+              <a:rPr kumimoji="0" lang="en-US" dirty="0" smtClean="0">
+                <a:solidFill>
+                  <a:schemeClr val="lt1"/>
+                </a:solidFill>
+                <a:latin typeface="+mn-lt"/>
+                <a:ea typeface="+mn-ea"/>
+                <a:cs typeface="+mn-cs"/>
+              </a:rPr>
+              <a:t>Click icon to add picture</a:t>
+            </a:r>
+            <a:endParaRPr kumimoji="0" lang="en-US" dirty="0">
+              <a:solidFill>
+                <a:schemeClr val="lt1"/>
+              </a:solidFill>
+              <a:latin typeface="+mn-lt"/>
+              <a:ea typeface="+mn-ea"/>
+              <a:cs typeface="+mn-cs"/>
+            </a:endParaRPr>
+          </a:p>
+        </p:txBody>
+      </p:sp>
+      <p:sp>
+        <p:nvSpPr>
+          <p:cNvPr id="4" name="Text Placeholder 3"/>
+          <p:cNvSpPr>
+            <a:spLocks noGrp="1"/>
+          </p:cNvSpPr>
+          <p:nvPr>
+            <p:ph type="body" sz="half" idx="2"/>
+          </p:nvPr>
+        </p:nvSpPr>
+        <p:spPr>
+          <a:xfrm>
+            <a:off x="8778240" y="5600577"/>
+            <a:ext cx="26334720" cy="2545690"/>
           </a:xfrm>
         </p:spPr>
         <p:txBody>
-          <a:bodyPr/>
+          <a:bodyPr lIns="219456" tIns="219456" rIns="219456" anchor="t"/>
           <a:lstStyle>
-            <a:lvl1pPr marL="0" indent="0">
+            <a:lvl1pPr marL="0" indent="0" algn="ctr">
               <a:buNone/>
-              <a:defRPr sz="15300"/>
+              <a:defRPr sz="6700"/>
             </a:lvl1pPr>
-            <a:lvl2pPr marL="2194105" indent="0">
-              <a:buNone/>
-              <a:defRPr sz="13400"/>
+            <a:lvl2pPr>
+              <a:defRPr sz="5800"/>
             </a:lvl2pPr>
-            <a:lvl3pPr marL="4388211" indent="0">
-              <a:buNone/>
-              <a:defRPr sz="11500"/>
+            <a:lvl3pPr>
+              <a:defRPr sz="4800"/>
             </a:lvl3pPr>
-            <a:lvl4pPr marL="6582316" indent="0">
-              <a:buNone/>
-              <a:defRPr sz="9600"/>
-            </a:lvl4pPr>
-            <a:lvl5pPr marL="8776423" indent="0">
-              <a:buNone/>
-              <a:defRPr sz="9600"/>
-            </a:lvl5pPr>
-            <a:lvl6pPr marL="10970528" indent="0">
-              <a:buNone/>
-              <a:defRPr sz="9600"/>
-            </a:lvl6pPr>
-            <a:lvl7pPr marL="13164633" indent="0">
-              <a:buNone/>
-              <a:defRPr sz="9600"/>
-            </a:lvl7pPr>
-            <a:lvl8pPr marL="15358739" indent="0">
-              <a:buNone/>
-              <a:defRPr sz="9600"/>
-            </a:lvl8pPr>
-            <a:lvl9pPr marL="17552844" indent="0">
-              <a:buNone/>
-              <a:defRPr sz="9600"/>
-            </a:lvl9pPr>
-          </a:lstStyle>
-          <a:p>
-            <a:endParaRPr lang="en-US"/>
-          </a:p>
-        </p:txBody>
-      </p:sp>
-      <p:sp>
-        <p:nvSpPr>
-          <p:cNvPr id="4" name="Text Placeholder 3"/>
-          <p:cNvSpPr>
-            <a:spLocks noGrp="1"/>
-          </p:cNvSpPr>
-          <p:nvPr>
-            <p:ph type="body" sz="half" idx="2"/>
-          </p:nvPr>
-        </p:nvSpPr>
-        <p:spPr>
-          <a:xfrm>
-            <a:off x="8602983" y="25763224"/>
-            <a:ext cx="26334720" cy="3863339"/>
-          </a:xfrm>
-        </p:spPr>
-        <p:txBody>
-          <a:bodyPr/>
-          <a:lstStyle>
-            <a:lvl1pPr marL="0" indent="0">
-              <a:buNone/>
-              <a:defRPr sz="6600"/>
-            </a:lvl1pPr>
-            <a:lvl2pPr marL="2194105" indent="0">
-              <a:buNone/>
-              <a:defRPr sz="5700"/>
-            </a:lvl2pPr>
-            <a:lvl3pPr marL="4388211" indent="0">
-              <a:buNone/>
-              <a:defRPr sz="4700"/>
-            </a:lvl3pPr>
-            <a:lvl4pPr marL="6582316" indent="0">
-              <a:buNone/>
+            <a:lvl4pPr>
               <a:defRPr sz="4300"/>
             </a:lvl4pPr>
-            <a:lvl5pPr marL="8776423" indent="0">
-              <a:buNone/>
+            <a:lvl5pPr>
               <a:defRPr sz="4300"/>
             </a:lvl5pPr>
-            <a:lvl6pPr marL="10970528" indent="0">
-              <a:buNone/>
-              <a:defRPr sz="4300"/>
-            </a:lvl6pPr>
-            <a:lvl7pPr marL="13164633" indent="0">
-              <a:buNone/>
-              <a:defRPr sz="4300"/>
-            </a:lvl7pPr>
-            <a:lvl8pPr marL="15358739" indent="0">
-              <a:buNone/>
-              <a:defRPr sz="4300"/>
-            </a:lvl8pPr>
-            <a:lvl9pPr marL="17552844" indent="0">
-              <a:buNone/>
-              <a:defRPr sz="4300"/>
-            </a:lvl9pPr>
           </a:lstStyle>
           <a:p>
-            <a:pPr lvl="0"/>
-            <a:r>
-              <a:rPr lang="en-US" smtClean="0"/>
+            <a:pPr lvl="0" eaLnBrk="1" latinLnBrk="0" hangingPunct="1"/>
+            <a:r>
+              <a:rPr kumimoji="0" lang="en-US" smtClean="0"/>
               <a:t>Click to edit Master text styles</a:t>
             </a:r>
           </a:p>
@@ -2478,9 +2412,9 @@
             <a:fld id="{D9D26CB9-01E4-44B8-8084-BCC418CF4A2D}" type="datetimeFigureOut">
               <a:rPr lang="en-US" smtClean="0"/>
               <a:pPr/>
-              <a:t>4/23/2009</a:t>
+              <a:t>5/7/2015</a:t>
             </a:fld>
-            <a:endParaRPr lang="en-US"/>
+            <a:endParaRPr lang="en-US" dirty="0"/>
           </a:p>
         </p:txBody>
       </p:sp>
@@ -2499,7 +2433,7 @@
           <a:bodyPr/>
           <a:lstStyle/>
           <a:p>
-            <a:endParaRPr lang="en-US"/>
+            <a:endParaRPr lang="en-US" dirty="0"/>
           </a:p>
         </p:txBody>
       </p:sp>
@@ -2523,7 +2457,7 @@
               <a:pPr/>
               <a:t>‹#›</a:t>
             </a:fld>
-            <a:endParaRPr lang="en-US"/>
+            <a:endParaRPr lang="en-US" dirty="0"/>
           </a:p>
         </p:txBody>
       </p:sp>
@@ -2539,8 +2473,8 @@
 <p:sldMaster xmlns:a="http://schemas.openxmlformats.org/drawingml/2006/main" xmlns:r="http://schemas.openxmlformats.org/officeDocument/2006/relationships" xmlns:p="http://schemas.openxmlformats.org/presentationml/2006/main">
   <p:cSld>
     <p:bg>
-      <p:bgRef idx="1001">
-        <a:schemeClr val="bg1"/>
+      <p:bgRef idx="1003">
+        <a:schemeClr val="bg2"/>
       </p:bgRef>
     </p:bg>
     <p:spTree>
@@ -2559,7 +2493,7 @@
       </p:grpSpPr>
       <p:sp>
         <p:nvSpPr>
-          <p:cNvPr id="2" name="Title Placeholder 1"/>
+          <p:cNvPr id="22" name="Title Placeholder 21"/>
           <p:cNvSpPr>
             <a:spLocks noGrp="1"/>
           </p:cNvSpPr>
@@ -2569,7 +2503,7 @@
         </p:nvSpPr>
         <p:spPr>
           <a:xfrm>
-            <a:off x="2194560" y="1318263"/>
+            <a:off x="2194560" y="1318262"/>
             <a:ext cx="39502080" cy="5486400"/>
           </a:xfrm>
           <a:prstGeom prst="rect">
@@ -2577,22 +2511,31 @@
           </a:prstGeom>
         </p:spPr>
         <p:txBody>
-          <a:bodyPr vert="horz" lIns="438822" tIns="219410" rIns="438822" bIns="219410" rtlCol="0" anchor="ctr">
+          <a:bodyPr vert="horz" lIns="438912" tIns="219456" rIns="438912" bIns="219456" anchor="ctr">
             <a:normAutofit/>
+            <a:scene3d>
+              <a:camera prst="orthographicFront"/>
+              <a:lightRig rig="soft" dir="t">
+                <a:rot lat="0" lon="0" rev="16800000"/>
+              </a:lightRig>
+            </a:scene3d>
+            <a:sp3d prstMaterial="softEdge">
+              <a:bevelT w="38100" h="38100"/>
+            </a:sp3d>
           </a:bodyPr>
           <a:lstStyle/>
           <a:p>
             <a:r>
-              <a:rPr lang="en-US" smtClean="0"/>
+              <a:rPr kumimoji="0" lang="en-US" smtClean="0"/>
               <a:t>Click to edit Master title style</a:t>
             </a:r>
-            <a:endParaRPr lang="en-US"/>
-          </a:p>
-        </p:txBody>
-      </p:sp>
-      <p:sp>
-        <p:nvSpPr>
-          <p:cNvPr id="3" name="Text Placeholder 2"/>
+            <a:endParaRPr kumimoji="0" lang="en-US"/>
+          </a:p>
+        </p:txBody>
+      </p:sp>
+      <p:sp>
+        <p:nvSpPr>
+          <p:cNvPr id="13" name="Text Placeholder 12"/>
           <p:cNvSpPr>
             <a:spLocks noGrp="1"/>
           </p:cNvSpPr>
@@ -2602,59 +2545,59 @@
         </p:nvSpPr>
         <p:spPr>
           <a:xfrm>
-            <a:off x="2194560" y="7680962"/>
-            <a:ext cx="39502080" cy="21724623"/>
+            <a:off x="2194560" y="7680960"/>
+            <a:ext cx="39502080" cy="22603968"/>
           </a:xfrm>
           <a:prstGeom prst="rect">
             <a:avLst/>
           </a:prstGeom>
         </p:spPr>
         <p:txBody>
-          <a:bodyPr vert="horz" lIns="438822" tIns="219410" rIns="438822" bIns="219410" rtlCol="0">
+          <a:bodyPr vert="horz" lIns="438912" tIns="219456" rIns="438912" bIns="219456">
             <a:normAutofit/>
           </a:bodyPr>
           <a:lstStyle/>
           <a:p>
-            <a:pPr lvl="0"/>
-            <a:r>
-              <a:rPr lang="en-US" smtClean="0"/>
+            <a:pPr lvl="0" eaLnBrk="1" latinLnBrk="0" hangingPunct="1"/>
+            <a:r>
+              <a:rPr kumimoji="0" lang="en-US" smtClean="0"/>
               <a:t>Click to edit Master text styles</a:t>
             </a:r>
           </a:p>
           <a:p>
-            <a:pPr lvl="1"/>
-            <a:r>
-              <a:rPr lang="en-US" smtClean="0"/>
+            <a:pPr lvl="1" eaLnBrk="1" latinLnBrk="0" hangingPunct="1"/>
+            <a:r>
+              <a:rPr kumimoji="0" lang="en-US" smtClean="0"/>
               <a:t>Second level</a:t>
             </a:r>
           </a:p>
           <a:p>
-            <a:pPr lvl="2"/>
-            <a:r>
-              <a:rPr lang="en-US" smtClean="0"/>
+            <a:pPr lvl="2" eaLnBrk="1" latinLnBrk="0" hangingPunct="1"/>
+            <a:r>
+              <a:rPr kumimoji="0" lang="en-US" smtClean="0"/>
               <a:t>Third level</a:t>
             </a:r>
           </a:p>
           <a:p>
-            <a:pPr lvl="3"/>
-            <a:r>
-              <a:rPr lang="en-US" smtClean="0"/>
+            <a:pPr lvl="3" eaLnBrk="1" latinLnBrk="0" hangingPunct="1"/>
+            <a:r>
+              <a:rPr kumimoji="0" lang="en-US" smtClean="0"/>
               <a:t>Fourth level</a:t>
             </a:r>
           </a:p>
           <a:p>
-            <a:pPr lvl="4"/>
-            <a:r>
-              <a:rPr lang="en-US" smtClean="0"/>
+            <a:pPr lvl="4" eaLnBrk="1" latinLnBrk="0" hangingPunct="1"/>
+            <a:r>
+              <a:rPr kumimoji="0" lang="en-US" smtClean="0"/>
               <a:t>Fifth level</a:t>
             </a:r>
-            <a:endParaRPr lang="en-US"/>
-          </a:p>
-        </p:txBody>
-      </p:sp>
-      <p:sp>
-        <p:nvSpPr>
-          <p:cNvPr id="4" name="Date Placeholder 3"/>
+            <a:endParaRPr kumimoji="0" lang="en-US"/>
+          </a:p>
+        </p:txBody>
+      </p:sp>
+      <p:sp>
+        <p:nvSpPr>
+          <p:cNvPr id="14" name="Date Placeholder 13"/>
           <p:cNvSpPr>
             <a:spLocks noGrp="1"/>
           </p:cNvSpPr>
@@ -2664,7 +2607,7 @@
         </p:nvSpPr>
         <p:spPr>
           <a:xfrm>
-            <a:off x="2194560" y="30510483"/>
+            <a:off x="2194560" y="30800042"/>
             <a:ext cx="10241280" cy="1752600"/>
           </a:xfrm>
           <a:prstGeom prst="rect">
@@ -2672,13 +2615,13 @@
           </a:prstGeom>
         </p:spPr>
         <p:txBody>
-          <a:bodyPr vert="horz" lIns="438822" tIns="219410" rIns="438822" bIns="219410" rtlCol="0" anchor="ctr"/>
+          <a:bodyPr vert="horz" lIns="438912" tIns="219456" rIns="438912" bIns="219456" anchor="b"/>
           <a:lstStyle>
-            <a:lvl1pPr algn="l">
-              <a:defRPr sz="5700">
+            <a:lvl1pPr algn="l" eaLnBrk="1" latinLnBrk="0" hangingPunct="1">
+              <a:defRPr kumimoji="0" sz="5800">
                 <a:solidFill>
                   <a:schemeClr val="tx1">
-                    <a:tint val="75000"/>
+                    <a:shade val="50000"/>
                   </a:schemeClr>
                 </a:solidFill>
               </a:defRPr>
@@ -2688,15 +2631,15 @@
             <a:fld id="{D9D26CB9-01E4-44B8-8084-BCC418CF4A2D}" type="datetimeFigureOut">
               <a:rPr lang="en-US" smtClean="0"/>
               <a:pPr/>
-              <a:t>4/23/2009</a:t>
+              <a:t>5/7/2015</a:t>
             </a:fld>
-            <a:endParaRPr lang="en-US"/>
-          </a:p>
-        </p:txBody>
-      </p:sp>
-      <p:sp>
-        <p:nvSpPr>
-          <p:cNvPr id="5" name="Footer Placeholder 4"/>
+            <a:endParaRPr lang="en-US" dirty="0"/>
+          </a:p>
+        </p:txBody>
+      </p:sp>
+      <p:sp>
+        <p:nvSpPr>
+          <p:cNvPr id="3" name="Footer Placeholder 2"/>
           <p:cNvSpPr>
             <a:spLocks noGrp="1"/>
           </p:cNvSpPr>
@@ -2706,7 +2649,7 @@
         </p:nvSpPr>
         <p:spPr>
           <a:xfrm>
-            <a:off x="14996160" y="30510483"/>
+            <a:off x="14996160" y="30800042"/>
             <a:ext cx="13898880" cy="1752600"/>
           </a:xfrm>
           <a:prstGeom prst="rect">
@@ -2714,26 +2657,26 @@
           </a:prstGeom>
         </p:spPr>
         <p:txBody>
-          <a:bodyPr vert="horz" lIns="438822" tIns="219410" rIns="438822" bIns="219410" rtlCol="0" anchor="ctr"/>
+          <a:bodyPr vert="horz" lIns="438912" tIns="219456" rIns="438912" bIns="219456" anchor="b"/>
           <a:lstStyle>
-            <a:lvl1pPr algn="ctr">
-              <a:defRPr sz="5700">
+            <a:lvl1pPr algn="ctr" eaLnBrk="1" latinLnBrk="0" hangingPunct="1">
+              <a:defRPr kumimoji="0" sz="5800">
                 <a:solidFill>
                   <a:schemeClr val="tx1">
-                    <a:tint val="75000"/>
+                    <a:shade val="50000"/>
                   </a:schemeClr>
                 </a:solidFill>
               </a:defRPr>
             </a:lvl1pPr>
           </a:lstStyle>
           <a:p>
-            <a:endParaRPr lang="en-US"/>
-          </a:p>
-        </p:txBody>
-      </p:sp>
-      <p:sp>
-        <p:nvSpPr>
-          <p:cNvPr id="6" name="Slide Number Placeholder 5"/>
+            <a:endParaRPr lang="en-US" dirty="0"/>
+          </a:p>
+        </p:txBody>
+      </p:sp>
+      <p:sp>
+        <p:nvSpPr>
+          <p:cNvPr id="23" name="Slide Number Placeholder 22"/>
           <p:cNvSpPr>
             <a:spLocks noGrp="1"/>
           </p:cNvSpPr>
@@ -2743,21 +2686,21 @@
         </p:nvSpPr>
         <p:spPr>
           <a:xfrm>
-            <a:off x="31455360" y="30510483"/>
-            <a:ext cx="10241280" cy="1752600"/>
+            <a:off x="38039040" y="30800042"/>
+            <a:ext cx="3657600" cy="1752600"/>
           </a:xfrm>
           <a:prstGeom prst="rect">
             <a:avLst/>
           </a:prstGeom>
         </p:spPr>
         <p:txBody>
-          <a:bodyPr vert="horz" lIns="438822" tIns="219410" rIns="438822" bIns="219410" rtlCol="0" anchor="ctr"/>
+          <a:bodyPr vert="horz" lIns="0" tIns="219456" rIns="0" bIns="219456" anchor="b"/>
           <a:lstStyle>
-            <a:lvl1pPr algn="r">
-              <a:defRPr sz="5700">
+            <a:lvl1pPr algn="r" eaLnBrk="1" latinLnBrk="0" hangingPunct="1">
+              <a:defRPr kumimoji="0" sz="5800">
                 <a:solidFill>
                   <a:schemeClr val="tx1">
-                    <a:tint val="75000"/>
+                    <a:shade val="50000"/>
                   </a:schemeClr>
                 </a:solidFill>
               </a:defRPr>
@@ -2769,37 +2712,67 @@
               <a:pPr/>
               <a:t>‹#›</a:t>
             </a:fld>
-            <a:endParaRPr lang="en-US"/>
+            <a:endParaRPr lang="en-US" dirty="0"/>
           </a:p>
         </p:txBody>
       </p:sp>
     </p:spTree>
   </p:cSld>
-  <p:clrMap bg1="lt1" tx1="dk1" bg2="lt2" tx2="dk2" accent1="accent1" accent2="accent2" accent3="accent3" accent4="accent4" accent5="accent5" accent6="accent6" hlink="hlink" folHlink="folHlink"/>
+  <p:clrMap bg1="dk1" tx1="lt1" bg2="dk2" tx2="lt2" accent1="accent1" accent2="accent2" accent3="accent3" accent4="accent4" accent5="accent5" accent6="accent6" hlink="hlink" folHlink="folHlink"/>
   <p:sldLayoutIdLst>
-    <p:sldLayoutId id="2147483649" r:id="rId1"/>
-    <p:sldLayoutId id="2147483650" r:id="rId2"/>
-    <p:sldLayoutId id="2147483651" r:id="rId3"/>
-    <p:sldLayoutId id="2147483652" r:id="rId4"/>
-    <p:sldLayoutId id="2147483653" r:id="rId5"/>
-    <p:sldLayoutId id="2147483654" r:id="rId6"/>
-    <p:sldLayoutId id="2147483655" r:id="rId7"/>
-    <p:sldLayoutId id="2147483656" r:id="rId8"/>
-    <p:sldLayoutId id="2147483657" r:id="rId9"/>
-    <p:sldLayoutId id="2147483658" r:id="rId10"/>
-    <p:sldLayoutId id="2147483659" r:id="rId11"/>
+    <p:sldLayoutId id="2147483661" r:id="rId1"/>
+    <p:sldLayoutId id="2147483662" r:id="rId2"/>
+    <p:sldLayoutId id="2147483663" r:id="rId3"/>
+    <p:sldLayoutId id="2147483664" r:id="rId4"/>
+    <p:sldLayoutId id="2147483665" r:id="rId5"/>
+    <p:sldLayoutId id="2147483666" r:id="rId6"/>
+    <p:sldLayoutId id="2147483667" r:id="rId7"/>
+    <p:sldLayoutId id="2147483668" r:id="rId8"/>
+    <p:sldLayoutId id="2147483669" r:id="rId9"/>
+    <p:sldLayoutId id="2147483670" r:id="rId10"/>
+    <p:sldLayoutId id="2147483671" r:id="rId11"/>
   </p:sldLayoutIdLst>
   <p:txStyles>
     <p:titleStyle>
-      <a:lvl1pPr algn="ctr" defTabSz="4388211" rtl="0" eaLnBrk="1" latinLnBrk="0" hangingPunct="1">
+      <a:lvl1pPr algn="ctr" rtl="0" eaLnBrk="1" latinLnBrk="0" hangingPunct="1">
         <a:spcBef>
           <a:spcPct val="0"/>
         </a:spcBef>
         <a:buNone/>
-        <a:defRPr sz="21100" kern="1200">
-          <a:solidFill>
-            <a:schemeClr val="tx1"/>
-          </a:solidFill>
+        <a:defRPr kumimoji="0" sz="19700" b="1" kern="1200" cap="none" baseline="0">
+          <a:ln w="6350">
+            <a:noFill/>
+          </a:ln>
+          <a:gradFill>
+            <a:gsLst>
+              <a:gs pos="0">
+                <a:schemeClr val="accent1">
+                  <a:tint val="73000"/>
+                  <a:satMod val="145000"/>
+                </a:schemeClr>
+              </a:gs>
+              <a:gs pos="73000">
+                <a:schemeClr val="accent1">
+                  <a:tint val="73000"/>
+                  <a:satMod val="145000"/>
+                </a:schemeClr>
+              </a:gs>
+              <a:gs pos="100000">
+                <a:schemeClr val="accent1">
+                  <a:tint val="83000"/>
+                  <a:satMod val="143000"/>
+                </a:schemeClr>
+              </a:gs>
+            </a:gsLst>
+            <a:lin ang="4800000" scaled="1"/>
+          </a:gradFill>
+          <a:effectLst>
+            <a:outerShdw blurRad="114300" dist="101600" dir="2700000" algn="tl" rotWithShape="0">
+              <a:srgbClr val="000000">
+                <a:alpha val="40000"/>
+              </a:srgbClr>
+            </a:outerShdw>
+          </a:effectLst>
           <a:latin typeface="+mj-lt"/>
           <a:ea typeface="+mj-ea"/>
           <a:cs typeface="+mj-cs"/>
@@ -2807,13 +2780,19 @@
       </a:lvl1pPr>
     </p:titleStyle>
     <p:bodyStyle>
-      <a:lvl1pPr marL="1645579" indent="-1645579" algn="l" defTabSz="4388211" rtl="0" eaLnBrk="1" latinLnBrk="0" hangingPunct="1">
+      <a:lvl1pPr marL="2633472" indent="-1975104" algn="l" rtl="0" eaLnBrk="1" latinLnBrk="0" hangingPunct="1">
         <a:spcBef>
           <a:spcPct val="20000"/>
         </a:spcBef>
-        <a:buFont typeface="Arial" pitchFamily="34" charset="0"/>
-        <a:buChar char="•"/>
-        <a:defRPr sz="15300" kern="1200">
+        <a:buClr>
+          <a:schemeClr val="tx1">
+            <a:shade val="95000"/>
+          </a:schemeClr>
+        </a:buClr>
+        <a:buSzPct val="65000"/>
+        <a:buFont typeface="Wingdings 2"/>
+        <a:buChar char=""/>
+        <a:defRPr kumimoji="0" sz="13400" kern="1200">
           <a:solidFill>
             <a:schemeClr val="tx1"/>
           </a:solidFill>
@@ -2822,13 +2801,17 @@
           <a:cs typeface="+mn-cs"/>
         </a:defRPr>
       </a:lvl1pPr>
-      <a:lvl2pPr marL="3565421" indent="-1371316" algn="l" defTabSz="4388211" rtl="0" eaLnBrk="1" latinLnBrk="0" hangingPunct="1">
+      <a:lvl2pPr marL="4169664" indent="-1360627" algn="l" rtl="0" eaLnBrk="1" latinLnBrk="0" hangingPunct="1">
         <a:spcBef>
           <a:spcPct val="20000"/>
         </a:spcBef>
-        <a:buFont typeface="Arial" pitchFamily="34" charset="0"/>
-        <a:buChar char="–"/>
-        <a:defRPr sz="13400" kern="1200">
+        <a:buClr>
+          <a:schemeClr val="tx1"/>
+        </a:buClr>
+        <a:buSzPct val="80000"/>
+        <a:buFont typeface="Wingdings 2"/>
+        <a:buChar char=""/>
+        <a:defRPr kumimoji="0" sz="11500" kern="1200">
           <a:solidFill>
             <a:schemeClr val="tx1"/>
           </a:solidFill>
@@ -2837,13 +2820,17 @@
           <a:cs typeface="+mn-cs"/>
         </a:defRPr>
       </a:lvl2pPr>
-      <a:lvl3pPr marL="5485264" indent="-1097052" algn="l" defTabSz="4388211" rtl="0" eaLnBrk="1" latinLnBrk="0" hangingPunct="1">
+      <a:lvl3pPr marL="5442509" indent="-1097280" algn="l" rtl="0" eaLnBrk="1" latinLnBrk="0" hangingPunct="1">
         <a:spcBef>
           <a:spcPct val="20000"/>
         </a:spcBef>
-        <a:buFont typeface="Arial" pitchFamily="34" charset="0"/>
-        <a:buChar char="•"/>
-        <a:defRPr sz="11500" kern="1200">
+        <a:buClr>
+          <a:schemeClr val="tx1"/>
+        </a:buClr>
+        <a:buSzPct val="95000"/>
+        <a:buFont typeface="Wingdings"/>
+        <a:buChar char=""/>
+        <a:defRPr kumimoji="0" sz="10600" kern="1200">
           <a:solidFill>
             <a:schemeClr val="tx1"/>
           </a:solidFill>
@@ -2852,13 +2839,17 @@
           <a:cs typeface="+mn-cs"/>
         </a:defRPr>
       </a:lvl3pPr>
-      <a:lvl4pPr marL="7679370" indent="-1097052" algn="l" defTabSz="4388211" rtl="0" eaLnBrk="1" latinLnBrk="0" hangingPunct="1">
+      <a:lvl4pPr marL="6495898" indent="-877824" algn="l" rtl="0" eaLnBrk="1" latinLnBrk="0" hangingPunct="1">
         <a:spcBef>
           <a:spcPct val="20000"/>
         </a:spcBef>
-        <a:buFont typeface="Arial" pitchFamily="34" charset="0"/>
-        <a:buChar char="–"/>
-        <a:defRPr sz="9600" kern="1200">
+        <a:buClr>
+          <a:schemeClr val="tx1"/>
+        </a:buClr>
+        <a:buSzPct val="100000"/>
+        <a:buFont typeface="Wingdings 3"/>
+        <a:buChar char=""/>
+        <a:defRPr kumimoji="0" sz="9600" kern="1200">
           <a:solidFill>
             <a:schemeClr val="tx1"/>
           </a:solidFill>
@@ -2867,13 +2858,16 @@
           <a:cs typeface="+mn-cs"/>
         </a:defRPr>
       </a:lvl4pPr>
-      <a:lvl5pPr marL="9873475" indent="-1097052" algn="l" defTabSz="4388211" rtl="0" eaLnBrk="1" latinLnBrk="0" hangingPunct="1">
+      <a:lvl5pPr marL="7417613" indent="-877824" algn="l" rtl="0" eaLnBrk="1" latinLnBrk="0" hangingPunct="1">
         <a:spcBef>
           <a:spcPct val="20000"/>
         </a:spcBef>
-        <a:buFont typeface="Arial" pitchFamily="34" charset="0"/>
-        <a:buChar char="»"/>
-        <a:defRPr sz="9600" kern="1200">
+        <a:buClr>
+          <a:schemeClr val="tx1"/>
+        </a:buClr>
+        <a:buFont typeface="Wingdings 2"/>
+        <a:buChar char=""/>
+        <a:defRPr kumimoji="0" sz="9600" kern="1200">
           <a:solidFill>
             <a:schemeClr val="tx1"/>
           </a:solidFill>
@@ -2882,13 +2876,16 @@
           <a:cs typeface="+mn-cs"/>
         </a:defRPr>
       </a:lvl5pPr>
-      <a:lvl6pPr marL="12067580" indent="-1097052" algn="l" defTabSz="4388211" rtl="0" eaLnBrk="1" latinLnBrk="0" hangingPunct="1">
+      <a:lvl6pPr marL="8471002" indent="-877824" algn="l" rtl="0" eaLnBrk="1" latinLnBrk="0" hangingPunct="1">
         <a:spcBef>
           <a:spcPct val="20000"/>
         </a:spcBef>
-        <a:buFont typeface="Arial" pitchFamily="34" charset="0"/>
-        <a:buChar char="•"/>
-        <a:defRPr sz="9600" kern="1200">
+        <a:buClr>
+          <a:schemeClr val="tx1"/>
+        </a:buClr>
+        <a:buFont typeface="Wingdings 3"/>
+        <a:buChar char=""/>
+        <a:defRPr kumimoji="0" sz="8600" kern="1200">
           <a:solidFill>
             <a:schemeClr val="tx1"/>
           </a:solidFill>
@@ -2897,13 +2894,16 @@
           <a:cs typeface="+mn-cs"/>
         </a:defRPr>
       </a:lvl6pPr>
-      <a:lvl7pPr marL="14261686" indent="-1097052" algn="l" defTabSz="4388211" rtl="0" eaLnBrk="1" latinLnBrk="0" hangingPunct="1">
+      <a:lvl7pPr marL="9436608" indent="-877824" algn="l" rtl="0" eaLnBrk="1" latinLnBrk="0" hangingPunct="1">
         <a:spcBef>
           <a:spcPct val="20000"/>
         </a:spcBef>
-        <a:buFont typeface="Arial" pitchFamily="34" charset="0"/>
-        <a:buChar char="•"/>
-        <a:defRPr sz="9600" kern="1200">
+        <a:buClr>
+          <a:schemeClr val="tx1"/>
+        </a:buClr>
+        <a:buFont typeface="Wingdings 2"/>
+        <a:buChar char=""/>
+        <a:defRPr kumimoji="0" sz="7700" kern="1200">
           <a:solidFill>
             <a:schemeClr val="tx1"/>
           </a:solidFill>
@@ -2912,13 +2912,16 @@
           <a:cs typeface="+mn-cs"/>
         </a:defRPr>
       </a:lvl7pPr>
-      <a:lvl8pPr marL="16455791" indent="-1097052" algn="l" defTabSz="4388211" rtl="0" eaLnBrk="1" latinLnBrk="0" hangingPunct="1">
+      <a:lvl8pPr marL="10402214" indent="-877824" algn="l" rtl="0" eaLnBrk="1" latinLnBrk="0" hangingPunct="1">
         <a:spcBef>
           <a:spcPct val="20000"/>
         </a:spcBef>
-        <a:buFont typeface="Arial" pitchFamily="34" charset="0"/>
-        <a:buChar char="•"/>
-        <a:defRPr sz="9600" kern="1200">
+        <a:buClr>
+          <a:schemeClr val="tx1"/>
+        </a:buClr>
+        <a:buFont typeface="Wingdings 2"/>
+        <a:buChar char=""/>
+        <a:defRPr kumimoji="0" sz="6700" kern="1200">
           <a:solidFill>
             <a:schemeClr val="tx1"/>
           </a:solidFill>
@@ -2927,13 +2930,16 @@
           <a:cs typeface="+mn-cs"/>
         </a:defRPr>
       </a:lvl8pPr>
-      <a:lvl9pPr marL="18649896" indent="-1097052" algn="l" defTabSz="4388211" rtl="0" eaLnBrk="1" latinLnBrk="0" hangingPunct="1">
+      <a:lvl9pPr marL="11367821" indent="-877824" algn="l" rtl="0" eaLnBrk="1" latinLnBrk="0" hangingPunct="1">
         <a:spcBef>
           <a:spcPct val="20000"/>
         </a:spcBef>
-        <a:buFont typeface="Arial" pitchFamily="34" charset="0"/>
-        <a:buChar char="•"/>
-        <a:defRPr sz="9600" kern="1200">
+        <a:buClr>
+          <a:schemeClr val="tx1"/>
+        </a:buClr>
+        <a:buFont typeface="Wingdings 2"/>
+        <a:buChar char=""/>
+        <a:defRPr kumimoji="0" sz="6700" kern="1200" baseline="0">
           <a:solidFill>
             <a:schemeClr val="tx1"/>
           </a:solidFill>
@@ -2944,11 +2950,8 @@
       </a:lvl9pPr>
     </p:bodyStyle>
     <p:otherStyle>
-      <a:defPPr>
-        <a:defRPr lang="en-US"/>
-      </a:defPPr>
-      <a:lvl1pPr marL="0" algn="l" defTabSz="4388211" rtl="0" eaLnBrk="1" latinLnBrk="0" hangingPunct="1">
-        <a:defRPr sz="8700" kern="1200">
+      <a:lvl1pPr marL="0" algn="l" rtl="0" eaLnBrk="1" latinLnBrk="0" hangingPunct="1">
+        <a:defRPr kumimoji="0" kern="1200">
           <a:solidFill>
             <a:schemeClr val="tx1"/>
           </a:solidFill>
@@ -2957,8 +2960,8 @@
           <a:cs typeface="+mn-cs"/>
         </a:defRPr>
       </a:lvl1pPr>
-      <a:lvl2pPr marL="2194105" algn="l" defTabSz="4388211" rtl="0" eaLnBrk="1" latinLnBrk="0" hangingPunct="1">
-        <a:defRPr sz="8700" kern="1200">
+      <a:lvl2pPr marL="2194560" algn="l" rtl="0" eaLnBrk="1" latinLnBrk="0" hangingPunct="1">
+        <a:defRPr kumimoji="0" kern="1200">
           <a:solidFill>
             <a:schemeClr val="tx1"/>
           </a:solidFill>
@@ -2967,8 +2970,8 @@
           <a:cs typeface="+mn-cs"/>
         </a:defRPr>
       </a:lvl2pPr>
-      <a:lvl3pPr marL="4388211" algn="l" defTabSz="4388211" rtl="0" eaLnBrk="1" latinLnBrk="0" hangingPunct="1">
-        <a:defRPr sz="8700" kern="1200">
+      <a:lvl3pPr marL="4389120" algn="l" rtl="0" eaLnBrk="1" latinLnBrk="0" hangingPunct="1">
+        <a:defRPr kumimoji="0" kern="1200">
           <a:solidFill>
             <a:schemeClr val="tx1"/>
           </a:solidFill>
@@ -2977,8 +2980,8 @@
           <a:cs typeface="+mn-cs"/>
         </a:defRPr>
       </a:lvl3pPr>
-      <a:lvl4pPr marL="6582316" algn="l" defTabSz="4388211" rtl="0" eaLnBrk="1" latinLnBrk="0" hangingPunct="1">
-        <a:defRPr sz="8700" kern="1200">
+      <a:lvl4pPr marL="6583680" algn="l" rtl="0" eaLnBrk="1" latinLnBrk="0" hangingPunct="1">
+        <a:defRPr kumimoji="0" kern="1200">
           <a:solidFill>
             <a:schemeClr val="tx1"/>
           </a:solidFill>
@@ -2987,8 +2990,8 @@
           <a:cs typeface="+mn-cs"/>
         </a:defRPr>
       </a:lvl4pPr>
-      <a:lvl5pPr marL="8776423" algn="l" defTabSz="4388211" rtl="0" eaLnBrk="1" latinLnBrk="0" hangingPunct="1">
-        <a:defRPr sz="8700" kern="1200">
+      <a:lvl5pPr marL="8778240" algn="l" rtl="0" eaLnBrk="1" latinLnBrk="0" hangingPunct="1">
+        <a:defRPr kumimoji="0" kern="1200">
           <a:solidFill>
             <a:schemeClr val="tx1"/>
           </a:solidFill>
@@ -2997,8 +3000,8 @@
           <a:cs typeface="+mn-cs"/>
         </a:defRPr>
       </a:lvl5pPr>
-      <a:lvl6pPr marL="10970528" algn="l" defTabSz="4388211" rtl="0" eaLnBrk="1" latinLnBrk="0" hangingPunct="1">
-        <a:defRPr sz="8700" kern="1200">
+      <a:lvl6pPr marL="10972800" algn="l" rtl="0" eaLnBrk="1" latinLnBrk="0" hangingPunct="1">
+        <a:defRPr kumimoji="0" kern="1200">
           <a:solidFill>
             <a:schemeClr val="tx1"/>
           </a:solidFill>
@@ -3007,8 +3010,8 @@
           <a:cs typeface="+mn-cs"/>
         </a:defRPr>
       </a:lvl6pPr>
-      <a:lvl7pPr marL="13164633" algn="l" defTabSz="4388211" rtl="0" eaLnBrk="1" latinLnBrk="0" hangingPunct="1">
-        <a:defRPr sz="8700" kern="1200">
+      <a:lvl7pPr marL="13167360" algn="l" rtl="0" eaLnBrk="1" latinLnBrk="0" hangingPunct="1">
+        <a:defRPr kumimoji="0" kern="1200">
           <a:solidFill>
             <a:schemeClr val="tx1"/>
           </a:solidFill>
@@ -3017,8 +3020,8 @@
           <a:cs typeface="+mn-cs"/>
         </a:defRPr>
       </a:lvl7pPr>
-      <a:lvl8pPr marL="15358739" algn="l" defTabSz="4388211" rtl="0" eaLnBrk="1" latinLnBrk="0" hangingPunct="1">
-        <a:defRPr sz="8700" kern="1200">
+      <a:lvl8pPr marL="15361920" algn="l" rtl="0" eaLnBrk="1" latinLnBrk="0" hangingPunct="1">
+        <a:defRPr kumimoji="0" kern="1200">
           <a:solidFill>
             <a:schemeClr val="tx1"/>
           </a:solidFill>
@@ -3027,8 +3030,8 @@
           <a:cs typeface="+mn-cs"/>
         </a:defRPr>
       </a:lvl8pPr>
-      <a:lvl9pPr marL="17552844" algn="l" defTabSz="4388211" rtl="0" eaLnBrk="1" latinLnBrk="0" hangingPunct="1">
-        <a:defRPr sz="8700" kern="1200">
+      <a:lvl9pPr marL="17556480" algn="l" rtl="0" eaLnBrk="1" latinLnBrk="0" hangingPunct="1">
+        <a:defRPr kumimoji="0" kern="1200">
           <a:solidFill>
             <a:schemeClr val="tx1"/>
           </a:solidFill>
@@ -3061,36 +3064,44 @@
       </p:grpSpPr>
       <p:sp>
         <p:nvSpPr>
-          <p:cNvPr id="3" name="Subtitle 2"/>
-          <p:cNvSpPr>
-            <a:spLocks noGrp="1"/>
-          </p:cNvSpPr>
-          <p:nvPr>
-            <p:ph type="subTitle" idx="1"/>
-          </p:nvPr>
+          <p:cNvPr id="9" name="Rectangle 8"/>
+          <p:cNvSpPr/>
+          <p:nvPr/>
         </p:nvSpPr>
         <p:spPr>
           <a:xfrm>
-            <a:off x="783773" y="0"/>
-            <a:ext cx="43107428" cy="28575000"/>
+            <a:off x="0" y="28956000"/>
+            <a:ext cx="43891200" cy="3962399"/>
           </a:xfrm>
+          <a:prstGeom prst="rect">
+            <a:avLst/>
+          </a:prstGeom>
           <a:solidFill>
-            <a:srgbClr val="A8B400">
-              <a:alpha val="41000"/>
-            </a:srgbClr>
+            <a:schemeClr val="tx1"/>
           </a:solidFill>
         </p:spPr>
-        <p:txBody>
-          <a:bodyPr>
-            <a:normAutofit/>
-          </a:bodyPr>
-          <a:lstStyle/>
-          <a:p>
-            <a:endParaRPr lang="en-US" sz="19000" dirty="0">
-              <a:solidFill>
-                <a:srgbClr val="FAFFBD"/>
-              </a:solidFill>
-            </a:endParaRPr>
+        <p:style>
+          <a:lnRef idx="2">
+            <a:schemeClr val="accent1">
+              <a:shade val="50000"/>
+            </a:schemeClr>
+          </a:lnRef>
+          <a:fillRef idx="1">
+            <a:schemeClr val="accent1"/>
+          </a:fillRef>
+          <a:effectRef idx="0">
+            <a:schemeClr val="accent1"/>
+          </a:effectRef>
+          <a:fontRef idx="minor">
+            <a:schemeClr val="lt1"/>
+          </a:fontRef>
+        </p:style>
+        <p:txBody>
+          <a:bodyPr rtlCol="0" anchor="ctr"/>
+          <a:lstStyle/>
+          <a:p>
+            <a:pPr algn="ctr"/>
+            <a:endParaRPr lang="en-US" dirty="0"/>
           </a:p>
         </p:txBody>
       </p:sp>
@@ -3120,209 +3131,6 @@
       </p:pic>
       <p:sp>
         <p:nvSpPr>
-          <p:cNvPr id="5" name="TextBox 4"/>
-          <p:cNvSpPr txBox="1"/>
-          <p:nvPr/>
-        </p:nvSpPr>
-        <p:spPr>
-          <a:xfrm>
-            <a:off x="1502228" y="29994690"/>
-            <a:ext cx="25668515" cy="1437810"/>
-          </a:xfrm>
-          <a:prstGeom prst="rect">
-            <a:avLst/>
-          </a:prstGeom>
-          <a:noFill/>
-        </p:spPr>
-        <p:txBody>
-          <a:bodyPr wrap="square" lIns="73841" tIns="36921" rIns="73841" bIns="36921" rtlCol="0">
-            <a:spAutoFit/>
-          </a:bodyPr>
-          <a:lstStyle/>
-          <a:p>
-            <a:r>
-              <a:rPr lang="en-US" dirty="0" smtClean="0"/>
-              <a:t>Department of Electrical and Computer Engineering</a:t>
-            </a:r>
-            <a:endParaRPr lang="en-US" dirty="0"/>
-          </a:p>
-        </p:txBody>
-      </p:sp>
-      <p:pic>
-        <p:nvPicPr>
-          <p:cNvPr id="6" name="Picture 5" descr="wafer.gif"/>
-          <p:cNvPicPr>
-            <a:picLocks noChangeAspect="1"/>
-          </p:cNvPicPr>
-          <p:nvPr/>
-        </p:nvPicPr>
-        <p:blipFill>
-          <a:blip r:embed="rId3"/>
-          <a:stretch>
-            <a:fillRect/>
-          </a:stretch>
-        </p:blipFill>
-        <p:spPr>
-          <a:xfrm>
-            <a:off x="1698173" y="5200650"/>
-            <a:ext cx="15923556" cy="8915400"/>
-          </a:xfrm>
-          <a:prstGeom prst="rect">
-            <a:avLst/>
-          </a:prstGeom>
-          <a:ln>
-            <a:solidFill>
-              <a:srgbClr val="00759A"/>
-            </a:solidFill>
-          </a:ln>
-        </p:spPr>
-      </p:pic>
-      <p:sp>
-        <p:nvSpPr>
-          <p:cNvPr id="7" name="TextBox 6"/>
-          <p:cNvSpPr txBox="1"/>
-          <p:nvPr/>
-        </p:nvSpPr>
-        <p:spPr>
-          <a:xfrm>
-            <a:off x="18353314" y="5257801"/>
-            <a:ext cx="13454743" cy="8247368"/>
-          </a:xfrm>
-          <a:prstGeom prst="rect">
-            <a:avLst/>
-          </a:prstGeom>
-          <a:noFill/>
-          <a:ln>
-            <a:noFill/>
-          </a:ln>
-        </p:spPr>
-        <p:txBody>
-          <a:bodyPr wrap="square" lIns="73841" tIns="36921" rIns="73841" bIns="36921" rtlCol="0">
-            <a:spAutoFit/>
-          </a:bodyPr>
-          <a:lstStyle/>
-          <a:p>
-            <a:r>
-              <a:rPr lang="en-US" dirty="0" smtClean="0">
-                <a:latin typeface="Verdana" pitchFamily="34" charset="0"/>
-              </a:rPr>
-              <a:t>Text Box</a:t>
-            </a:r>
-          </a:p>
-          <a:p>
-            <a:pPr algn="just"/>
-            <a:r>
-              <a:rPr lang="en-US" dirty="0" smtClean="0">
-                <a:latin typeface="Verdana" pitchFamily="34" charset="0"/>
-              </a:rPr>
-              <a:t>Note: Although this example font is quite large for this example,  24 size font would work best in the text boxes.</a:t>
-            </a:r>
-          </a:p>
-        </p:txBody>
-      </p:sp>
-      <p:pic>
-        <p:nvPicPr>
-          <p:cNvPr id="8" name="Picture 7" descr="wafer.gif"/>
-          <p:cNvPicPr>
-            <a:picLocks noChangeAspect="1"/>
-          </p:cNvPicPr>
-          <p:nvPr/>
-        </p:nvPicPr>
-        <p:blipFill>
-          <a:blip r:embed="rId3"/>
-          <a:stretch>
-            <a:fillRect/>
-          </a:stretch>
-        </p:blipFill>
-        <p:spPr>
-          <a:xfrm>
-            <a:off x="32657144" y="6915150"/>
-            <a:ext cx="10175900" cy="5715000"/>
-          </a:xfrm>
-          <a:prstGeom prst="rect">
-            <a:avLst/>
-          </a:prstGeom>
-          <a:ln>
-            <a:solidFill>
-              <a:srgbClr val="00759A"/>
-            </a:solidFill>
-          </a:ln>
-        </p:spPr>
-      </p:pic>
-      <p:pic>
-        <p:nvPicPr>
-          <p:cNvPr id="9" name="Picture 8" descr="wafer.gif"/>
-          <p:cNvPicPr>
-            <a:picLocks noChangeAspect="1"/>
-          </p:cNvPicPr>
-          <p:nvPr/>
-        </p:nvPicPr>
-        <p:blipFill>
-          <a:blip r:embed="rId3"/>
-          <a:stretch>
-            <a:fillRect/>
-          </a:stretch>
-        </p:blipFill>
-        <p:spPr>
-          <a:xfrm>
-            <a:off x="32696728" y="13716000"/>
-            <a:ext cx="10207408" cy="5715000"/>
-          </a:xfrm>
-          <a:prstGeom prst="rect">
-            <a:avLst/>
-          </a:prstGeom>
-          <a:ln>
-            <a:solidFill>
-              <a:srgbClr val="00759A"/>
-            </a:solidFill>
-          </a:ln>
-        </p:spPr>
-      </p:pic>
-      <p:sp>
-        <p:nvSpPr>
-          <p:cNvPr id="13" name="TextBox 12"/>
-          <p:cNvSpPr txBox="1"/>
-          <p:nvPr/>
-        </p:nvSpPr>
-        <p:spPr>
-          <a:xfrm>
-            <a:off x="1763486" y="14916150"/>
-            <a:ext cx="15806057" cy="13695012"/>
-          </a:xfrm>
-          <a:prstGeom prst="rect">
-            <a:avLst/>
-          </a:prstGeom>
-          <a:noFill/>
-          <a:ln>
-            <a:noFill/>
-          </a:ln>
-        </p:spPr>
-        <p:txBody>
-          <a:bodyPr wrap="square" lIns="73841" tIns="36921" rIns="73841" bIns="36921" rtlCol="0">
-            <a:spAutoFit/>
-          </a:bodyPr>
-          <a:lstStyle/>
-          <a:p>
-            <a:r>
-              <a:rPr lang="en-US" dirty="0" smtClean="0">
-                <a:latin typeface="Verdana" pitchFamily="34" charset="0"/>
-              </a:rPr>
-              <a:t>Text Box</a:t>
-            </a:r>
-          </a:p>
-          <a:p>
-            <a:pPr algn="just"/>
-            <a:r>
-              <a:rPr lang="en-US" dirty="0" smtClean="0">
-                <a:latin typeface="Verdana" pitchFamily="34" charset="0"/>
-              </a:rPr>
-              <a:t>Note: There needs to be at least a 1” border around the edge of the poster for mounting purposes.  Leave the white border on the bottom as is – the department, college and University name need to be there.</a:t>
-            </a:r>
-          </a:p>
-        </p:txBody>
-      </p:sp>
-      <p:sp>
-        <p:nvSpPr>
           <p:cNvPr id="14" name="TextBox 13"/>
           <p:cNvSpPr txBox="1"/>
           <p:nvPr/>
@@ -3336,7 +3144,10 @@
             <a:avLst/>
           </a:prstGeom>
           <a:solidFill>
-            <a:srgbClr val="00759A"/>
+            <a:schemeClr val="bg1">
+              <a:lumMod val="95000"/>
+              <a:lumOff val="5000"/>
+            </a:schemeClr>
           </a:solidFill>
         </p:spPr>
         <p:txBody>
@@ -3359,97 +3170,6 @@
               </a:solidFill>
               <a:latin typeface="Garamond" pitchFamily="18" charset="0"/>
             </a:endParaRPr>
-          </a:p>
-        </p:txBody>
-      </p:sp>
-      <p:sp>
-        <p:nvSpPr>
-          <p:cNvPr id="15" name="Rectangle 14"/>
-          <p:cNvSpPr/>
-          <p:nvPr/>
-        </p:nvSpPr>
-        <p:spPr>
-          <a:xfrm flipH="1">
-            <a:off x="1" y="0"/>
-            <a:ext cx="391885" cy="32918400"/>
-          </a:xfrm>
-          <a:prstGeom prst="rect">
-            <a:avLst/>
-          </a:prstGeom>
-          <a:ln>
-            <a:noFill/>
-          </a:ln>
-        </p:spPr>
-        <p:style>
-          <a:lnRef idx="2">
-            <a:schemeClr val="accent1">
-              <a:shade val="50000"/>
-            </a:schemeClr>
-          </a:lnRef>
-          <a:fillRef idx="1">
-            <a:schemeClr val="accent1"/>
-          </a:fillRef>
-          <a:effectRef idx="0">
-            <a:schemeClr val="accent1"/>
-          </a:effectRef>
-          <a:fontRef idx="minor">
-            <a:schemeClr val="lt1"/>
-          </a:fontRef>
-        </p:style>
-        <p:txBody>
-          <a:bodyPr lIns="73841" tIns="36921" rIns="73841" bIns="36921" rtlCol="0" anchor="ctr"/>
-          <a:lstStyle/>
-          <a:p>
-            <a:pPr algn="ctr"/>
-            <a:endParaRPr lang="en-US"/>
-          </a:p>
-        </p:txBody>
-      </p:sp>
-      <p:sp>
-        <p:nvSpPr>
-          <p:cNvPr id="16" name="Rectangle 15"/>
-          <p:cNvSpPr/>
-          <p:nvPr/>
-        </p:nvSpPr>
-        <p:spPr>
-          <a:xfrm flipH="1">
-            <a:off x="391887" y="0"/>
-            <a:ext cx="391885" cy="32918400"/>
-          </a:xfrm>
-          <a:prstGeom prst="rect">
-            <a:avLst/>
-          </a:prstGeom>
-          <a:solidFill>
-            <a:schemeClr val="accent1">
-              <a:alpha val="80000"/>
-            </a:schemeClr>
-          </a:solidFill>
-          <a:ln>
-            <a:noFill/>
-          </a:ln>
-        </p:spPr>
-        <p:style>
-          <a:lnRef idx="2">
-            <a:schemeClr val="accent1">
-              <a:shade val="50000"/>
-            </a:schemeClr>
-          </a:lnRef>
-          <a:fillRef idx="1">
-            <a:schemeClr val="accent1"/>
-          </a:fillRef>
-          <a:effectRef idx="0">
-            <a:schemeClr val="accent1"/>
-          </a:effectRef>
-          <a:fontRef idx="minor">
-            <a:schemeClr val="lt1"/>
-          </a:fontRef>
-        </p:style>
-        <p:txBody>
-          <a:bodyPr lIns="73841" tIns="36921" rIns="73841" bIns="36921" rtlCol="0" anchor="ctr"/>
-          <a:lstStyle/>
-          <a:p>
-            <a:pPr algn="ctr"/>
-            <a:endParaRPr lang="en-US"/>
           </a:p>
         </p:txBody>
       </p:sp>
@@ -3468,7 +3188,10 @@
             <a:avLst/>
           </a:prstGeom>
           <a:solidFill>
-            <a:srgbClr val="A1D8E0"/>
+            <a:schemeClr val="bg1">
+              <a:lumMod val="65000"/>
+              <a:lumOff val="35000"/>
+            </a:schemeClr>
           </a:solidFill>
           <a:ln>
             <a:solidFill>
@@ -3492,94 +3215,318 @@
             </a:r>
             <a:r>
               <a:rPr lang="en-US" sz="19000" b="1" dirty="0" smtClean="0">
-                <a:solidFill>
-                  <a:srgbClr val="6A7F10"/>
-                </a:solidFill>
                 <a:latin typeface="Garamond" pitchFamily="18" charset="0"/>
               </a:rPr>
-              <a:t>Capstone Project Title</a:t>
+              <a:t>3D Metal Printer</a:t>
             </a:r>
             <a:endParaRPr lang="en-US" sz="19000" b="1" dirty="0">
-              <a:solidFill>
-                <a:srgbClr val="6A7F10"/>
-              </a:solidFill>
               <a:latin typeface="Garamond" pitchFamily="18" charset="0"/>
             </a:endParaRPr>
           </a:p>
         </p:txBody>
       </p:sp>
+      <p:sp>
+        <p:nvSpPr>
+          <p:cNvPr id="2" name="TextBox 1"/>
+          <p:cNvSpPr txBox="1"/>
+          <p:nvPr/>
+        </p:nvSpPr>
+        <p:spPr>
+          <a:xfrm>
+            <a:off x="1371600" y="5486400"/>
+            <a:ext cx="12801600" cy="14819441"/>
+          </a:xfrm>
+          <a:prstGeom prst="rect">
+            <a:avLst/>
+          </a:prstGeom>
+          <a:noFill/>
+        </p:spPr>
+        <p:txBody>
+          <a:bodyPr wrap="square" rtlCol="0">
+            <a:spAutoFit/>
+          </a:bodyPr>
+          <a:lstStyle/>
+          <a:p>
+            <a:pPr algn="just"/>
+            <a:r>
+              <a:rPr lang="en-US" dirty="0" smtClean="0"/>
+              <a:t>Some crap here</a:t>
+            </a:r>
+          </a:p>
+          <a:p>
+            <a:pPr algn="just"/>
+            <a:endParaRPr lang="en-US" dirty="0"/>
+          </a:p>
+          <a:p>
+            <a:pPr algn="just"/>
+            <a:endParaRPr lang="en-US" dirty="0" smtClean="0"/>
+          </a:p>
+          <a:p>
+            <a:pPr algn="just"/>
+            <a:endParaRPr lang="en-US" dirty="0" smtClean="0"/>
+          </a:p>
+          <a:p>
+            <a:pPr algn="just"/>
+            <a:endParaRPr lang="en-US" dirty="0"/>
+          </a:p>
+          <a:p>
+            <a:pPr algn="just"/>
+            <a:endParaRPr lang="en-US" dirty="0"/>
+          </a:p>
+          <a:p>
+            <a:pPr algn="just"/>
+            <a:endParaRPr lang="en-US" dirty="0" smtClean="0"/>
+          </a:p>
+          <a:p>
+            <a:pPr algn="just"/>
+            <a:endParaRPr lang="en-US" dirty="0"/>
+          </a:p>
+          <a:p>
+            <a:pPr algn="just"/>
+            <a:endParaRPr lang="en-US" dirty="0" smtClean="0"/>
+          </a:p>
+          <a:p>
+            <a:pPr algn="just"/>
+            <a:endParaRPr lang="en-US" dirty="0"/>
+          </a:p>
+          <a:p>
+            <a:pPr algn="just"/>
+            <a:endParaRPr lang="en-US" dirty="0"/>
+          </a:p>
+        </p:txBody>
+      </p:sp>
+      <p:sp>
+        <p:nvSpPr>
+          <p:cNvPr id="22" name="TextBox 21"/>
+          <p:cNvSpPr txBox="1"/>
+          <p:nvPr/>
+        </p:nvSpPr>
+        <p:spPr>
+          <a:xfrm>
+            <a:off x="15544800" y="14020800"/>
+            <a:ext cx="12801600" cy="13480613"/>
+          </a:xfrm>
+          <a:prstGeom prst="rect">
+            <a:avLst/>
+          </a:prstGeom>
+          <a:noFill/>
+        </p:spPr>
+        <p:txBody>
+          <a:bodyPr wrap="square" rtlCol="0">
+            <a:spAutoFit/>
+          </a:bodyPr>
+          <a:lstStyle/>
+          <a:p>
+            <a:pPr algn="just"/>
+            <a:r>
+              <a:rPr lang="en-US" dirty="0" smtClean="0"/>
+              <a:t>More crap here</a:t>
+            </a:r>
+          </a:p>
+          <a:p>
+            <a:pPr algn="just"/>
+            <a:endParaRPr lang="en-US" dirty="0"/>
+          </a:p>
+          <a:p>
+            <a:pPr algn="just"/>
+            <a:endParaRPr lang="en-US" dirty="0" smtClean="0"/>
+          </a:p>
+          <a:p>
+            <a:pPr algn="just"/>
+            <a:endParaRPr lang="en-US" dirty="0"/>
+          </a:p>
+          <a:p>
+            <a:pPr algn="just"/>
+            <a:endParaRPr lang="en-US" dirty="0" smtClean="0"/>
+          </a:p>
+          <a:p>
+            <a:pPr algn="just"/>
+            <a:endParaRPr lang="en-US" dirty="0"/>
+          </a:p>
+          <a:p>
+            <a:pPr algn="just"/>
+            <a:endParaRPr lang="en-US" dirty="0" smtClean="0"/>
+          </a:p>
+          <a:p>
+            <a:pPr algn="just"/>
+            <a:endParaRPr lang="en-US" dirty="0"/>
+          </a:p>
+          <a:p>
+            <a:pPr algn="just"/>
+            <a:endParaRPr lang="en-US" dirty="0" smtClean="0"/>
+          </a:p>
+          <a:p>
+            <a:pPr algn="just"/>
+            <a:endParaRPr lang="en-US" dirty="0"/>
+          </a:p>
+        </p:txBody>
+      </p:sp>
+      <p:sp>
+        <p:nvSpPr>
+          <p:cNvPr id="23" name="TextBox 22"/>
+          <p:cNvSpPr txBox="1"/>
+          <p:nvPr/>
+        </p:nvSpPr>
+        <p:spPr>
+          <a:xfrm>
+            <a:off x="29718000" y="5486400"/>
+            <a:ext cx="12801600" cy="5447645"/>
+          </a:xfrm>
+          <a:prstGeom prst="rect">
+            <a:avLst/>
+          </a:prstGeom>
+          <a:noFill/>
+        </p:spPr>
+        <p:txBody>
+          <a:bodyPr wrap="square" rtlCol="0">
+            <a:spAutoFit/>
+          </a:bodyPr>
+          <a:lstStyle/>
+          <a:p>
+            <a:pPr algn="just"/>
+            <a:r>
+              <a:rPr lang="en-US" dirty="0" smtClean="0"/>
+              <a:t>Last bit of crap here</a:t>
+            </a:r>
+          </a:p>
+          <a:p>
+            <a:pPr algn="just"/>
+            <a:endParaRPr lang="en-US" dirty="0"/>
+          </a:p>
+          <a:p>
+            <a:pPr algn="just"/>
+            <a:endParaRPr lang="en-US" dirty="0" smtClean="0"/>
+          </a:p>
+          <a:p>
+            <a:pPr algn="just"/>
+            <a:endParaRPr lang="en-US" dirty="0"/>
+          </a:p>
+        </p:txBody>
+      </p:sp>
       <p:pic>
         <p:nvPicPr>
-          <p:cNvPr id="17" name="Picture 16" descr="wafer.gif"/>
+          <p:cNvPr id="3" name="Picture 2"/>
           <p:cNvPicPr>
             <a:picLocks noChangeAspect="1"/>
           </p:cNvPicPr>
           <p:nvPr/>
         </p:nvPicPr>
         <p:blipFill>
-          <a:blip r:embed="rId3"/>
+          <a:blip r:embed="rId3">
+            <a:extLst>
+              <a:ext uri="{28A0092B-C50C-407E-A947-70E740481C1C}">
+                <a14:useLocalDpi xmlns:a14="http://schemas.microsoft.com/office/drawing/2010/main" val="0"/>
+              </a:ext>
+            </a:extLst>
+          </a:blip>
           <a:stretch>
             <a:fillRect/>
           </a:stretch>
         </p:blipFill>
         <p:spPr>
           <a:xfrm>
-            <a:off x="32807564" y="20574000"/>
-            <a:ext cx="10207408" cy="5715000"/>
+            <a:off x="1371601" y="20914198"/>
+            <a:ext cx="12801600" cy="7197386"/>
           </a:xfrm>
           <a:prstGeom prst="rect">
             <a:avLst/>
           </a:prstGeom>
-          <a:ln>
-            <a:solidFill>
-              <a:srgbClr val="00759A"/>
-            </a:solidFill>
-          </a:ln>
         </p:spPr>
       </p:pic>
-      <p:sp>
-        <p:nvSpPr>
-          <p:cNvPr id="19" name="TextBox 18"/>
+      <p:pic>
+        <p:nvPicPr>
+          <p:cNvPr id="6" name="Picture 5"/>
+          <p:cNvPicPr>
+            <a:picLocks noChangeAspect="1"/>
+          </p:cNvPicPr>
+          <p:nvPr/>
+        </p:nvPicPr>
+        <p:blipFill>
+          <a:blip r:embed="rId4" cstate="print">
+            <a:extLst>
+              <a:ext uri="{28A0092B-C50C-407E-A947-70E740481C1C}">
+                <a14:useLocalDpi xmlns:a14="http://schemas.microsoft.com/office/drawing/2010/main" val="0"/>
+              </a:ext>
+            </a:extLst>
+          </a:blip>
+          <a:stretch>
+            <a:fillRect/>
+          </a:stretch>
+        </p:blipFill>
+        <p:spPr>
+          <a:xfrm>
+            <a:off x="16916400" y="5486400"/>
+            <a:ext cx="10058400" cy="7465218"/>
+          </a:xfrm>
+          <a:prstGeom prst="rect">
+            <a:avLst/>
+          </a:prstGeom>
+        </p:spPr>
+      </p:pic>
+      <p:pic>
+        <p:nvPicPr>
+          <p:cNvPr id="7" name="Picture 6"/>
+          <p:cNvPicPr>
+            <a:picLocks noChangeAspect="1"/>
+          </p:cNvPicPr>
+          <p:nvPr/>
+        </p:nvPicPr>
+        <p:blipFill>
+          <a:blip r:embed="rId5">
+            <a:extLst>
+              <a:ext uri="{28A0092B-C50C-407E-A947-70E740481C1C}">
+                <a14:useLocalDpi xmlns:a14="http://schemas.microsoft.com/office/drawing/2010/main" val="0"/>
+              </a:ext>
+            </a:extLst>
+          </a:blip>
+          <a:stretch>
+            <a:fillRect/>
+          </a:stretch>
+        </p:blipFill>
+        <p:spPr>
+          <a:xfrm>
+            <a:off x="31501724" y="11720964"/>
+            <a:ext cx="9234152" cy="16390620"/>
+          </a:xfrm>
+          <a:prstGeom prst="rect">
+            <a:avLst/>
+          </a:prstGeom>
+        </p:spPr>
+      </p:pic>
+      <p:sp>
+        <p:nvSpPr>
+          <p:cNvPr id="5" name="TextBox 4"/>
           <p:cNvSpPr txBox="1"/>
           <p:nvPr/>
         </p:nvSpPr>
         <p:spPr>
           <a:xfrm>
-            <a:off x="18620509" y="15201900"/>
-            <a:ext cx="12857018" cy="11033790"/>
+            <a:off x="1502228" y="29994690"/>
+            <a:ext cx="25668515" cy="2752219"/>
           </a:xfrm>
           <a:prstGeom prst="rect">
             <a:avLst/>
           </a:prstGeom>
           <a:noFill/>
-          <a:ln>
-            <a:solidFill>
-              <a:schemeClr val="tx2"/>
-            </a:solidFill>
-          </a:ln>
         </p:spPr>
         <p:txBody>
-          <a:bodyPr wrap="square" lIns="134746" tIns="67373" rIns="134746" bIns="67373" rtlCol="0">
+          <a:bodyPr wrap="square" lIns="73841" tIns="36921" rIns="73841" bIns="36921" rtlCol="0">
             <a:spAutoFit/>
           </a:bodyPr>
           <a:lstStyle/>
           <a:p>
             <a:r>
               <a:rPr lang="en-US" dirty="0" smtClean="0">
-                <a:latin typeface="Verdana" pitchFamily="34" charset="0"/>
+                <a:solidFill>
+                  <a:schemeClr val="bg1"/>
+                </a:solidFill>
               </a:rPr>
-              <a:t>Text Box</a:t>
-            </a:r>
-          </a:p>
-          <a:p>
-            <a:r>
-              <a:rPr lang="en-US" dirty="0" smtClean="0">
-                <a:latin typeface="Verdana" pitchFamily="34" charset="0"/>
-              </a:rPr>
-              <a:t>Note: You  can add a border to a text box to accent it by right clicking on it &gt; format shape &gt; line color.  Then choose the color you like.</a:t>
+              <a:t>Department of Electrical and Computer Engineering</a:t>
             </a:r>
             <a:endParaRPr lang="en-US" dirty="0">
-              <a:latin typeface="Verdana" pitchFamily="34" charset="0"/>
+              <a:solidFill>
+                <a:schemeClr val="bg1"/>
+              </a:solidFill>
             </a:endParaRPr>
           </a:p>
         </p:txBody>
@@ -3593,9 +3540,9 @@
 </file>
 
 <file path=ppt/theme/theme1.xml><?xml version="1.0" encoding="utf-8"?>
-<a:theme xmlns:a="http://schemas.openxmlformats.org/drawingml/2006/main" name="Office Theme">
+<a:theme xmlns:a="http://schemas.openxmlformats.org/drawingml/2006/main" name="Apex">
   <a:themeElements>
-    <a:clrScheme name="Office">
+    <a:clrScheme name="Apex">
       <a:dk1>
         <a:sysClr val="windowText" lastClr="000000"/>
       </a:dk1>
@@ -3603,48 +3550,87 @@
         <a:sysClr val="window" lastClr="FFFFFF"/>
       </a:lt1>
       <a:dk2>
-        <a:srgbClr val="1F497D"/>
+        <a:srgbClr val="69676D"/>
       </a:dk2>
       <a:lt2>
-        <a:srgbClr val="EEECE1"/>
+        <a:srgbClr val="C9C2D1"/>
       </a:lt2>
       <a:accent1>
-        <a:srgbClr val="4F81BD"/>
+        <a:srgbClr val="CEB966"/>
       </a:accent1>
       <a:accent2>
-        <a:srgbClr val="C0504D"/>
+        <a:srgbClr val="9CB084"/>
       </a:accent2>
       <a:accent3>
-        <a:srgbClr val="9BBB59"/>
+        <a:srgbClr val="6BB1C9"/>
       </a:accent3>
       <a:accent4>
-        <a:srgbClr val="8064A2"/>
+        <a:srgbClr val="6585CF"/>
       </a:accent4>
       <a:accent5>
-        <a:srgbClr val="4BACC6"/>
+        <a:srgbClr val="7E6BC9"/>
       </a:accent5>
       <a:accent6>
-        <a:srgbClr val="F79646"/>
+        <a:srgbClr val="A379BB"/>
       </a:accent6>
       <a:hlink>
-        <a:srgbClr val="0000FF"/>
+        <a:srgbClr val="410082"/>
       </a:hlink>
       <a:folHlink>
-        <a:srgbClr val="800080"/>
+        <a:srgbClr val="932968"/>
       </a:folHlink>
     </a:clrScheme>
-    <a:fontScheme name="Office">
+    <a:fontScheme name="Apex">
       <a:majorFont>
-        <a:latin typeface="Calibri"/>
+        <a:latin typeface="Lucida Sans"/>
         <a:ea typeface=""/>
         <a:cs typeface=""/>
-        <a:font script="Jpan" typeface="ＭＳ Ｐゴシック"/>
-        <a:font script="Hang" typeface="맑은 고딕"/>
+        <a:font script="Grek" typeface="Arial"/>
+        <a:font script="Cyrl" typeface="Arial"/>
+        <a:font script="Jpan" typeface="HG丸ｺﾞｼｯｸM-PRO"/>
+        <a:font script="Hang" typeface="휴먼옛체"/>
+        <a:font script="Hans" typeface="黑体"/>
+        <a:font script="Hant" typeface="微軟正黑體"/>
+        <a:font script="Arab" typeface="Tahoma"/>
+        <a:font script="Hebr" typeface="Levenim MT"/>
+        <a:font script="Thai" typeface="FreesiaUPC"/>
+        <a:font script="Ethi" typeface="Nyala"/>
+        <a:font script="Beng" typeface="Vrinda"/>
+        <a:font script="Gujr" typeface="Shruti"/>
+        <a:font script="Khmr" typeface="DaunPenh"/>
+        <a:font script="Knda" typeface="Tunga"/>
+        <a:font script="Guru" typeface="Raavi"/>
+        <a:font script="Cans" typeface="Euphemia"/>
+        <a:font script="Cher" typeface="Plantagenet Cherokee"/>
+        <a:font script="Yiii" typeface="Microsoft Yi Baiti"/>
+        <a:font script="Tibt" typeface="Microsoft Himalaya"/>
+        <a:font script="Thaa" typeface="MV Boli"/>
+        <a:font script="Deva" typeface="Mangal"/>
+        <a:font script="Telu" typeface="Gautami"/>
+        <a:font script="Taml" typeface="Latha"/>
+        <a:font script="Syrc" typeface="Estrangelo Edessa"/>
+        <a:font script="Orya" typeface="Kalinga"/>
+        <a:font script="Mlym" typeface="Kartika"/>
+        <a:font script="Laoo" typeface="DokChampa"/>
+        <a:font script="Sinh" typeface="Iskoola Pota"/>
+        <a:font script="Mong" typeface="Mongolian Baiti"/>
+        <a:font script="Viet" typeface="Tahoma"/>
+        <a:font script="Uigh" typeface="Microsoft Uighur"/>
+        <a:font script="Geor" typeface="Sylfaen"/>
+      </a:majorFont>
+      <a:minorFont>
+        <a:latin typeface="Book Antiqua"/>
+        <a:ea typeface=""/>
+        <a:cs typeface=""/>
+        <a:font script="Grek" typeface="Times New Roman"/>
+        <a:font script="Cyrl" typeface="Times New Roman"/>
+        <a:font script="Jpan" typeface="HG明朝B"/>
+        <a:font script="Hang" typeface="돋움"/>
         <a:font script="Hans" typeface="宋体"/>
         <a:font script="Hant" typeface="新細明體"/>
         <a:font script="Arab" typeface="Times New Roman"/>
-        <a:font script="Hebr" typeface="Times New Roman"/>
-        <a:font script="Thai" typeface="Angsana New"/>
+        <a:font script="Hebr" typeface="David"/>
+        <a:font script="Thai" typeface="EucrosiaUPC"/>
         <a:font script="Ethi" typeface="Nyala"/>
         <a:font script="Beng" typeface="Vrinda"/>
         <a:font script="Gujr" typeface="Shruti"/>
@@ -3667,100 +3653,76 @@
         <a:font script="Mong" typeface="Mongolian Baiti"/>
         <a:font script="Viet" typeface="Times New Roman"/>
         <a:font script="Uigh" typeface="Microsoft Uighur"/>
-      </a:majorFont>
-      <a:minorFont>
-        <a:latin typeface="Calibri"/>
-        <a:ea typeface=""/>
-        <a:cs typeface=""/>
-        <a:font script="Jpan" typeface="ＭＳ Ｐゴシック"/>
-        <a:font script="Hang" typeface="맑은 고딕"/>
-        <a:font script="Hans" typeface="宋体"/>
-        <a:font script="Hant" typeface="新細明體"/>
-        <a:font script="Arab" typeface="Arial"/>
-        <a:font script="Hebr" typeface="Arial"/>
-        <a:font script="Thai" typeface="Cordia New"/>
-        <a:font script="Ethi" typeface="Nyala"/>
-        <a:font script="Beng" typeface="Vrinda"/>
-        <a:font script="Gujr" typeface="Shruti"/>
-        <a:font script="Khmr" typeface="DaunPenh"/>
-        <a:font script="Knda" typeface="Tunga"/>
-        <a:font script="Guru" typeface="Raavi"/>
-        <a:font script="Cans" typeface="Euphemia"/>
-        <a:font script="Cher" typeface="Plantagenet Cherokee"/>
-        <a:font script="Yiii" typeface="Microsoft Yi Baiti"/>
-        <a:font script="Tibt" typeface="Microsoft Himalaya"/>
-        <a:font script="Thaa" typeface="MV Boli"/>
-        <a:font script="Deva" typeface="Mangal"/>
-        <a:font script="Telu" typeface="Gautami"/>
-        <a:font script="Taml" typeface="Latha"/>
-        <a:font script="Syrc" typeface="Estrangelo Edessa"/>
-        <a:font script="Orya" typeface="Kalinga"/>
-        <a:font script="Mlym" typeface="Kartika"/>
-        <a:font script="Laoo" typeface="DokChampa"/>
-        <a:font script="Sinh" typeface="Iskoola Pota"/>
-        <a:font script="Mong" typeface="Mongolian Baiti"/>
-        <a:font script="Viet" typeface="Arial"/>
-        <a:font script="Uigh" typeface="Microsoft Uighur"/>
+        <a:font script="Geor" typeface="Sylfaen"/>
       </a:minorFont>
     </a:fontScheme>
-    <a:fmtScheme name="Office">
+    <a:fmtScheme name="Apex">
       <a:fillStyleLst>
         <a:solidFill>
           <a:schemeClr val="phClr"/>
         </a:solidFill>
         <a:gradFill rotWithShape="1">
           <a:gsLst>
-            <a:gs pos="0">
+            <a:gs pos="20000">
               <a:schemeClr val="phClr">
-                <a:tint val="50000"/>
-                <a:satMod val="300000"/>
-              </a:schemeClr>
-            </a:gs>
-            <a:gs pos="35000">
-              <a:schemeClr val="phClr">
-                <a:tint val="37000"/>
-                <a:satMod val="300000"/>
+                <a:tint val="9000"/>
               </a:schemeClr>
             </a:gs>
             <a:gs pos="100000">
               <a:schemeClr val="phClr">
-                <a:tint val="15000"/>
-                <a:satMod val="350000"/>
+                <a:tint val="70000"/>
+                <a:satMod val="100000"/>
               </a:schemeClr>
             </a:gs>
           </a:gsLst>
-          <a:lin ang="16200000" scaled="1"/>
+          <a:path path="circle">
+            <a:fillToRect l="-15000" t="-15000" r="115000" b="115000"/>
+          </a:path>
         </a:gradFill>
         <a:gradFill rotWithShape="1">
           <a:gsLst>
             <a:gs pos="0">
               <a:schemeClr val="phClr">
-                <a:shade val="51000"/>
-                <a:satMod val="130000"/>
+                <a:shade val="60000"/>
               </a:schemeClr>
             </a:gs>
-            <a:gs pos="80000">
+            <a:gs pos="33000">
               <a:schemeClr val="phClr">
-                <a:shade val="93000"/>
-                <a:satMod val="130000"/>
+                <a:tint val="86500"/>
+              </a:schemeClr>
+            </a:gs>
+            <a:gs pos="46750">
+              <a:schemeClr val="phClr">
+                <a:tint val="71000"/>
+                <a:satMod val="112000"/>
+              </a:schemeClr>
+            </a:gs>
+            <a:gs pos="53000">
+              <a:schemeClr val="phClr">
+                <a:tint val="71000"/>
+                <a:satMod val="112000"/>
+              </a:schemeClr>
+            </a:gs>
+            <a:gs pos="68000">
+              <a:schemeClr val="phClr">
+                <a:tint val="86000"/>
               </a:schemeClr>
             </a:gs>
             <a:gs pos="100000">
               <a:schemeClr val="phClr">
-                <a:shade val="94000"/>
-                <a:satMod val="135000"/>
+                <a:shade val="60000"/>
               </a:schemeClr>
             </a:gs>
           </a:gsLst>
-          <a:lin ang="16200000" scaled="0"/>
+          <a:lin ang="8350000" scaled="1"/>
         </a:gradFill>
       </a:fillStyleLst>
       <a:lnStyleLst>
         <a:ln w="9525" cap="flat" cmpd="sng" algn="ctr">
           <a:solidFill>
             <a:schemeClr val="phClr">
-              <a:shade val="95000"/>
-              <a:satMod val="105000"/>
+              <a:shade val="48000"/>
+              <a:satMod val="110000"/>
             </a:schemeClr>
           </a:solidFill>
           <a:prstDash val="solid"/>
@@ -3781,16 +3743,7 @@
       <a:effectStyleLst>
         <a:effectStyle>
           <a:effectLst>
-            <a:outerShdw blurRad="40000" dist="20000" dir="5400000" rotWithShape="0">
-              <a:srgbClr val="000000">
-                <a:alpha val="38000"/>
-              </a:srgbClr>
-            </a:outerShdw>
-          </a:effectLst>
-        </a:effectStyle>
-        <a:effectStyle>
-          <a:effectLst>
-            <a:outerShdw blurRad="40000" dist="23000" dir="5400000" rotWithShape="0">
+            <a:outerShdw blurRad="130000" dist="101600" dir="2700000" algn="tl" rotWithShape="0">
               <a:srgbClr val="000000">
                 <a:alpha val="35000"/>
               </a:srgbClr>
@@ -3799,22 +3752,31 @@
         </a:effectStyle>
         <a:effectStyle>
           <a:effectLst>
-            <a:outerShdw blurRad="40000" dist="23000" dir="5400000" rotWithShape="0">
+            <a:outerShdw blurRad="190500" dist="228600" dir="2700000" sy="90000" rotWithShape="0">
               <a:srgbClr val="000000">
-                <a:alpha val="35000"/>
+                <a:alpha val="25500"/>
+              </a:srgbClr>
+            </a:outerShdw>
+          </a:effectLst>
+        </a:effectStyle>
+        <a:effectStyle>
+          <a:effectLst>
+            <a:outerShdw blurRad="190500" dist="228600" dir="2700000" sy="90000" rotWithShape="0">
+              <a:srgbClr val="000000">
+                <a:alpha val="25500"/>
               </a:srgbClr>
             </a:outerShdw>
           </a:effectLst>
           <a:scene3d>
-            <a:camera prst="orthographicFront">
+            <a:camera prst="orthographicFront" fov="0">
               <a:rot lat="0" lon="0" rev="0"/>
             </a:camera>
-            <a:lightRig rig="threePt" dir="t">
-              <a:rot lat="0" lon="0" rev="1200000"/>
+            <a:lightRig rig="soft" dir="tl">
+              <a:rot lat="0" lon="0" rev="20100000"/>
             </a:lightRig>
           </a:scene3d>
           <a:sp3d>
-            <a:bevelT w="63500" h="25400"/>
+            <a:bevelT w="50800" h="50800"/>
           </a:sp3d>
         </a:effectStyle>
       </a:effectStyleLst>
@@ -3826,47 +3788,38 @@
           <a:gsLst>
             <a:gs pos="0">
               <a:schemeClr val="phClr">
-                <a:tint val="40000"/>
-                <a:satMod val="350000"/>
-              </a:schemeClr>
-            </a:gs>
-            <a:gs pos="40000">
-              <a:schemeClr val="phClr">
-                <a:tint val="45000"/>
-                <a:shade val="99000"/>
-                <a:satMod val="350000"/>
+                <a:tint val="50000"/>
+                <a:satMod val="180000"/>
               </a:schemeClr>
             </a:gs>
             <a:gs pos="100000">
               <a:schemeClr val="phClr">
-                <a:shade val="20000"/>
-                <a:satMod val="255000"/>
+                <a:shade val="45000"/>
+                <a:satMod val="120000"/>
               </a:schemeClr>
             </a:gs>
           </a:gsLst>
           <a:path path="circle">
-            <a:fillToRect l="50000" t="-80000" r="50000" b="180000"/>
+            <a:fillToRect r="100000" b="100000"/>
           </a:path>
         </a:gradFill>
-        <a:gradFill rotWithShape="1">
-          <a:gsLst>
-            <a:gs pos="0">
+        <a:blipFill>
+          <a:blip xmlns:r="http://schemas.openxmlformats.org/officeDocument/2006/relationships" r:embed="rId1">
+            <a:duotone>
               <a:schemeClr val="phClr">
-                <a:tint val="80000"/>
-                <a:satMod val="300000"/>
+                <a:shade val="3000"/>
+                <a:satMod val="110000"/>
               </a:schemeClr>
-            </a:gs>
-            <a:gs pos="100000">
               <a:schemeClr val="phClr">
-                <a:shade val="30000"/>
-                <a:satMod val="200000"/>
+                <a:tint val="60000"/>
+                <a:satMod val="425000"/>
               </a:schemeClr>
-            </a:gs>
-          </a:gsLst>
-          <a:path path="circle">
-            <a:fillToRect l="50000" t="50000" r="50000" b="50000"/>
-          </a:path>
-        </a:gradFill>
+            </a:duotone>
+          </a:blip>
+          <a:stretch>
+            <a:fillRect/>
+          </a:stretch>
+        </a:blipFill>
       </a:bgFillStyleLst>
     </a:fmtScheme>
   </a:themeElements>

--- a/Documentation/Poster/PosterPowerPointTemplate48x36.pptx
+++ b/Documentation/Poster/PosterPowerPointTemplate48x36.pptx
@@ -6,6 +6,7 @@
   </p:sldMasterIdLst>
   <p:sldIdLst>
     <p:sldId id="256" r:id="rId2"/>
+    <p:sldId id="257" r:id="rId3"/>
   </p:sldIdLst>
   <p:sldSz cx="43891200" cy="32918400"/>
   <p:notesSz cx="6858000" cy="9144000"/>
@@ -219,7 +220,7 @@
             <a:fld id="{D9D26CB9-01E4-44B8-8084-BCC418CF4A2D}" type="datetimeFigureOut">
               <a:rPr lang="en-US" smtClean="0"/>
               <a:pPr/>
-              <a:t>5/7/2015</a:t>
+              <a:t>5/22/2015</a:t>
             </a:fld>
             <a:endParaRPr lang="en-US" dirty="0"/>
           </a:p>
@@ -447,7 +448,7 @@
             <a:fld id="{D9D26CB9-01E4-44B8-8084-BCC418CF4A2D}" type="datetimeFigureOut">
               <a:rPr lang="en-US" smtClean="0"/>
               <a:pPr/>
-              <a:t>5/7/2015</a:t>
+              <a:t>5/22/2015</a:t>
             </a:fld>
             <a:endParaRPr lang="en-US" dirty="0"/>
           </a:p>
@@ -624,7 +625,7 @@
             <a:fld id="{D9D26CB9-01E4-44B8-8084-BCC418CF4A2D}" type="datetimeFigureOut">
               <a:rPr lang="en-US" smtClean="0"/>
               <a:pPr/>
-              <a:t>5/7/2015</a:t>
+              <a:t>5/22/2015</a:t>
             </a:fld>
             <a:endParaRPr lang="en-US" dirty="0"/>
           </a:p>
@@ -791,7 +792,7 @@
             <a:fld id="{D9D26CB9-01E4-44B8-8084-BCC418CF4A2D}" type="datetimeFigureOut">
               <a:rPr lang="en-US" smtClean="0"/>
               <a:pPr/>
-              <a:t>5/7/2015</a:t>
+              <a:t>5/22/2015</a:t>
             </a:fld>
             <a:endParaRPr lang="en-US" dirty="0"/>
           </a:p>
@@ -1037,7 +1038,7 @@
             <a:fld id="{D9D26CB9-01E4-44B8-8084-BCC418CF4A2D}" type="datetimeFigureOut">
               <a:rPr lang="en-US" smtClean="0"/>
               <a:pPr/>
-              <a:t>5/7/2015</a:t>
+              <a:t>5/22/2015</a:t>
             </a:fld>
             <a:endParaRPr lang="en-US" dirty="0"/>
           </a:p>
@@ -1303,7 +1304,7 @@
             <a:fld id="{D9D26CB9-01E4-44B8-8084-BCC418CF4A2D}" type="datetimeFigureOut">
               <a:rPr lang="en-US" smtClean="0"/>
               <a:pPr/>
-              <a:t>5/7/2015</a:t>
+              <a:t>5/22/2015</a:t>
             </a:fld>
             <a:endParaRPr lang="en-US" dirty="0"/>
           </a:p>
@@ -1679,7 +1680,7 @@
             <a:fld id="{D9D26CB9-01E4-44B8-8084-BCC418CF4A2D}" type="datetimeFigureOut">
               <a:rPr lang="en-US" smtClean="0"/>
               <a:pPr/>
-              <a:t>5/7/2015</a:t>
+              <a:t>5/22/2015</a:t>
             </a:fld>
             <a:endParaRPr lang="en-US" dirty="0"/>
           </a:p>
@@ -1794,7 +1795,7 @@
             <a:fld id="{D9D26CB9-01E4-44B8-8084-BCC418CF4A2D}" type="datetimeFigureOut">
               <a:rPr lang="en-US" smtClean="0"/>
               <a:pPr/>
-              <a:t>5/7/2015</a:t>
+              <a:t>5/22/2015</a:t>
             </a:fld>
             <a:endParaRPr lang="en-US" dirty="0"/>
           </a:p>
@@ -1886,7 +1887,7 @@
             <a:fld id="{D9D26CB9-01E4-44B8-8084-BCC418CF4A2D}" type="datetimeFigureOut">
               <a:rPr lang="en-US" smtClean="0"/>
               <a:pPr/>
-              <a:t>5/7/2015</a:t>
+              <a:t>5/22/2015</a:t>
             </a:fld>
             <a:endParaRPr lang="en-US" dirty="0"/>
           </a:p>
@@ -2146,7 +2147,7 @@
             <a:fld id="{D9D26CB9-01E4-44B8-8084-BCC418CF4A2D}" type="datetimeFigureOut">
               <a:rPr lang="en-US" smtClean="0"/>
               <a:pPr/>
-              <a:t>5/7/2015</a:t>
+              <a:t>5/22/2015</a:t>
             </a:fld>
             <a:endParaRPr lang="en-US" dirty="0"/>
           </a:p>
@@ -2412,7 +2413,7 @@
             <a:fld id="{D9D26CB9-01E4-44B8-8084-BCC418CF4A2D}" type="datetimeFigureOut">
               <a:rPr lang="en-US" smtClean="0"/>
               <a:pPr/>
-              <a:t>5/7/2015</a:t>
+              <a:t>5/22/2015</a:t>
             </a:fld>
             <a:endParaRPr lang="en-US" dirty="0"/>
           </a:p>
@@ -2631,7 +2632,7 @@
             <a:fld id="{D9D26CB9-01E4-44B8-8084-BCC418CF4A2D}" type="datetimeFigureOut">
               <a:rPr lang="en-US" smtClean="0"/>
               <a:pPr/>
-              <a:t>5/7/2015</a:t>
+              <a:t>5/22/2015</a:t>
             </a:fld>
             <a:endParaRPr lang="en-US" dirty="0"/>
           </a:p>
@@ -3234,7 +3235,7 @@
         <p:spPr>
           <a:xfrm>
             <a:off x="1371600" y="5486400"/>
-            <a:ext cx="12801600" cy="14819441"/>
+            <a:ext cx="12801600" cy="17266265"/>
           </a:xfrm>
           <a:prstGeom prst="rect">
             <a:avLst/>
@@ -3247,51 +3248,62 @@
           </a:bodyPr>
           <a:lstStyle/>
           <a:p>
+            <a:pPr algn="ctr"/>
+            <a:r>
+              <a:rPr lang="en-US" sz="6000" b="1" u="sng" dirty="0" smtClean="0"/>
+              <a:t>Introduction</a:t>
+            </a:r>
+          </a:p>
+          <a:p>
             <a:pPr algn="just"/>
             <a:r>
-              <a:rPr lang="en-US" dirty="0" smtClean="0"/>
-              <a:t>Some crap here</a:t>
+              <a:rPr lang="en-US" sz="4800" dirty="0" smtClean="0"/>
+              <a:t>The </a:t>
+            </a:r>
+            <a:r>
+              <a:rPr lang="en-US" sz="4800" dirty="0"/>
+              <a:t>purpose of our project is to create a cheaper 3D metal printer following the design of plastic 3D printers. We will combine a CNC machine with a MIG (metal inert gas) welder and use the welder to deposit wire. Building upon previous layers of deposition, we will be able to print 3D metal objects. The final products that this printer will be producing will be internal components of industrial water pumps. Because of their use, all parts will be precision honed, so highly accurate prints are not a concern for this project. </a:t>
             </a:r>
           </a:p>
           <a:p>
             <a:pPr algn="just"/>
-            <a:endParaRPr lang="en-US" dirty="0"/>
+            <a:endParaRPr lang="en-US" sz="4800" dirty="0"/>
           </a:p>
           <a:p>
             <a:pPr algn="just"/>
-            <a:endParaRPr lang="en-US" dirty="0" smtClean="0"/>
+            <a:endParaRPr lang="en-US" sz="4800" dirty="0" smtClean="0"/>
           </a:p>
           <a:p>
             <a:pPr algn="just"/>
-            <a:endParaRPr lang="en-US" dirty="0" smtClean="0"/>
+            <a:endParaRPr lang="en-US" sz="4800" dirty="0" smtClean="0"/>
           </a:p>
           <a:p>
             <a:pPr algn="just"/>
-            <a:endParaRPr lang="en-US" dirty="0"/>
+            <a:endParaRPr lang="en-US" sz="4800" dirty="0"/>
           </a:p>
           <a:p>
             <a:pPr algn="just"/>
-            <a:endParaRPr lang="en-US" dirty="0"/>
+            <a:endParaRPr lang="en-US" sz="4800" dirty="0"/>
           </a:p>
           <a:p>
             <a:pPr algn="just"/>
-            <a:endParaRPr lang="en-US" dirty="0" smtClean="0"/>
+            <a:endParaRPr lang="en-US" sz="4800" dirty="0" smtClean="0"/>
           </a:p>
           <a:p>
             <a:pPr algn="just"/>
-            <a:endParaRPr lang="en-US" dirty="0"/>
+            <a:endParaRPr lang="en-US" sz="4800" dirty="0"/>
           </a:p>
           <a:p>
             <a:pPr algn="just"/>
-            <a:endParaRPr lang="en-US" dirty="0" smtClean="0"/>
+            <a:endParaRPr lang="en-US" sz="4800" dirty="0" smtClean="0"/>
           </a:p>
           <a:p>
             <a:pPr algn="just"/>
-            <a:endParaRPr lang="en-US" dirty="0"/>
+            <a:endParaRPr lang="en-US" sz="4800" dirty="0"/>
           </a:p>
           <a:p>
             <a:pPr algn="just"/>
-            <a:endParaRPr lang="en-US" dirty="0"/>
+            <a:endParaRPr lang="en-US" sz="4800" dirty="0"/>
           </a:p>
         </p:txBody>
       </p:sp>
@@ -3304,7 +3316,7 @@
         <p:spPr>
           <a:xfrm>
             <a:off x="15544800" y="14020800"/>
-            <a:ext cx="12801600" cy="13480613"/>
+            <a:ext cx="12801600" cy="12034064"/>
           </a:xfrm>
           <a:prstGeom prst="rect">
             <a:avLst/>
@@ -3317,47 +3329,24 @@
           </a:bodyPr>
           <a:lstStyle/>
           <a:p>
+            <a:pPr algn="ctr"/>
+            <a:r>
+              <a:rPr lang="en-US" sz="4000" b="1" u="sng" dirty="0" smtClean="0"/>
+              <a:t>Control System Description</a:t>
+            </a:r>
+            <a:endParaRPr lang="en-US" sz="4000" b="1" u="sng" dirty="0" smtClean="0"/>
+          </a:p>
+          <a:p>
             <a:pPr algn="just"/>
             <a:r>
-              <a:rPr lang="en-US" dirty="0" smtClean="0"/>
-              <a:t>More crap here</a:t>
-            </a:r>
-          </a:p>
-          <a:p>
-            <a:pPr algn="just"/>
-            <a:endParaRPr lang="en-US" dirty="0"/>
-          </a:p>
-          <a:p>
-            <a:pPr algn="just"/>
-            <a:endParaRPr lang="en-US" dirty="0" smtClean="0"/>
-          </a:p>
-          <a:p>
-            <a:pPr algn="just"/>
-            <a:endParaRPr lang="en-US" dirty="0"/>
-          </a:p>
-          <a:p>
-            <a:pPr algn="just"/>
-            <a:endParaRPr lang="en-US" dirty="0" smtClean="0"/>
-          </a:p>
-          <a:p>
-            <a:pPr algn="just"/>
-            <a:endParaRPr lang="en-US" dirty="0"/>
-          </a:p>
-          <a:p>
-            <a:pPr algn="just"/>
-            <a:endParaRPr lang="en-US" dirty="0" smtClean="0"/>
-          </a:p>
-          <a:p>
-            <a:pPr algn="just"/>
-            <a:endParaRPr lang="en-US" dirty="0"/>
-          </a:p>
-          <a:p>
-            <a:pPr algn="just"/>
-            <a:endParaRPr lang="en-US" dirty="0" smtClean="0"/>
-          </a:p>
-          <a:p>
-            <a:pPr algn="just"/>
-            <a:endParaRPr lang="en-US" dirty="0"/>
+              <a:rPr lang="en-US" sz="3200" dirty="0"/>
+              <a:t>Although we weren’t concerned with an extremely accurate print, we still wanted the final product to be as accurate as the system would allow. This meant that we needed to monitor and control the quality of the weld in real time to be able to adjust settings during the deposition process. Our main source of feedback was the spacing of the droplets occurring during the weld. When using a MIG welder, a wire is fed out the end of the welding nozzle. When this wire comes into contact with a metal plate that is also connected to the ground terminal of the welder, the circuit is completed and the high current melts the wire. The current is so high, that the wire melts past the point of contact, which then creates an open circuit, until the wire again reaches the ground plane and the circuit is again completed. Looking at this process closely, it can be seen that the deposition of the wire isn’t continuous, but rather a bunch of tiny droplets. We call this droplet spacing, and used it extensively throughout the remainder of our project. Through testing we determined that the average droplet spacing for a good weld was around 50 milliseconds (although this would change if the input current were to change drastically). Our control program looks at half a second time period, determines the average droplet spacing, and makes corrections to either increase or decrease wire speed accordingly. To know how to correct the weld, we ran a series of tests and created a lookup table of what we determined to be an ideal weld</a:t>
+            </a:r>
+            <a:r>
+              <a:rPr lang="en-US" sz="3200" dirty="0" smtClean="0"/>
+              <a:t>.</a:t>
+            </a:r>
+            <a:endParaRPr lang="en-US" sz="6000" dirty="0" smtClean="0"/>
           </a:p>
         </p:txBody>
       </p:sp>
@@ -3370,7 +3359,7 @@
         <p:spPr>
           <a:xfrm>
             <a:off x="29718000" y="5486400"/>
-            <a:ext cx="12801600" cy="5447645"/>
+            <a:ext cx="12801600" cy="12711172"/>
           </a:xfrm>
           <a:prstGeom prst="rect">
             <a:avLst/>
@@ -3383,23 +3372,64 @@
           </a:bodyPr>
           <a:lstStyle/>
           <a:p>
+            <a:pPr algn="ctr"/>
+            <a:r>
+              <a:rPr lang="en-US" sz="6000" b="1" u="sng" dirty="0" smtClean="0"/>
+              <a:t>Results and Testing</a:t>
+            </a:r>
+            <a:endParaRPr lang="en-US" b="1" u="sng" dirty="0" smtClean="0"/>
+          </a:p>
+          <a:p>
             <a:pPr algn="just"/>
             <a:r>
-              <a:rPr lang="en-US" dirty="0" smtClean="0"/>
-              <a:t>Last bit of crap here</a:t>
-            </a:r>
+              <a:rPr lang="en-US" sz="4000" dirty="0" smtClean="0"/>
+              <a:t>Testing was done throughout the project. The most important tests were done to determine:</a:t>
+            </a:r>
+          </a:p>
+          <a:p>
+            <a:pPr marL="571500" indent="-571500" algn="just">
+              <a:buFont typeface="Arial" panose="020B0604020202020204" pitchFamily="34" charset="0"/>
+              <a:buChar char="•"/>
+            </a:pPr>
+            <a:r>
+              <a:rPr lang="en-US" sz="4000" dirty="0" smtClean="0"/>
+              <a:t>Droplet spacing</a:t>
+            </a:r>
+          </a:p>
+          <a:p>
+            <a:pPr marL="571500" indent="-571500" algn="just">
+              <a:buFont typeface="Arial" panose="020B0604020202020204" pitchFamily="34" charset="0"/>
+              <a:buChar char="•"/>
+            </a:pPr>
+            <a:r>
+              <a:rPr lang="en-US" sz="4000" dirty="0" smtClean="0"/>
+              <a:t>Wire feed speed</a:t>
+            </a:r>
+          </a:p>
+          <a:p>
+            <a:pPr marL="571500" indent="-571500" algn="just">
+              <a:buFont typeface="Arial" panose="020B0604020202020204" pitchFamily="34" charset="0"/>
+              <a:buChar char="•"/>
+            </a:pPr>
+            <a:r>
+              <a:rPr lang="en-US" sz="4000" dirty="0" smtClean="0"/>
+              <a:t>Stepper motor driver control position</a:t>
+            </a:r>
+          </a:p>
+          <a:p>
+            <a:pPr marL="571500" indent="-571500" algn="just">
+              <a:buFont typeface="Arial" panose="020B0604020202020204" pitchFamily="34" charset="0"/>
+              <a:buChar char="•"/>
+            </a:pPr>
+            <a:endParaRPr lang="en-US" sz="4000" dirty="0"/>
           </a:p>
           <a:p>
             <a:pPr algn="just"/>
-            <a:endParaRPr lang="en-US" dirty="0"/>
-          </a:p>
-          <a:p>
-            <a:pPr algn="just"/>
-            <a:endParaRPr lang="en-US" dirty="0" smtClean="0"/>
-          </a:p>
-          <a:p>
-            <a:pPr algn="just"/>
-            <a:endParaRPr lang="en-US" dirty="0"/>
+            <a:r>
+              <a:rPr lang="en-US" sz="4000" dirty="0"/>
+              <a:t>While this project was for all intents and purposes a proof of concept, as a group we would have liked to have implemented all the sensors and feedback controls discussed. We accomplished the proof of concept and implemented a basic feedback loop which controls the wire feed speed. Other options, such as the starting current for the welder as well as the torch routine to warm the baseplate to the proper temperature, are completed manually. The control program does include error checks, such as the welder running out of wire or the temperature falling below the desired threshold, but the whole system is not yet in place to correct these errors and guard against them. </a:t>
+            </a:r>
+            <a:endParaRPr lang="en-US" sz="4000" dirty="0"/>
           </a:p>
         </p:txBody>
       </p:sp>
@@ -3485,8 +3515,8 @@
         </p:blipFill>
         <p:spPr>
           <a:xfrm>
-            <a:off x="31501724" y="11720964"/>
-            <a:ext cx="9234152" cy="16390620"/>
+            <a:off x="31501724" y="19202400"/>
+            <a:ext cx="9234152" cy="8909184"/>
           </a:xfrm>
           <a:prstGeom prst="rect">
             <a:avLst/>
@@ -3532,6 +3562,647 @@
         </p:txBody>
       </p:sp>
     </p:spTree>
+  </p:cSld>
+  <p:clrMapOvr>
+    <a:masterClrMapping/>
+  </p:clrMapOvr>
+</p:sld>
+</file>
+
+<file path=ppt/slides/slide2.xml><?xml version="1.0" encoding="utf-8"?>
+<p:sld xmlns:a="http://schemas.openxmlformats.org/drawingml/2006/main" xmlns:r="http://schemas.openxmlformats.org/officeDocument/2006/relationships" xmlns:p="http://schemas.openxmlformats.org/presentationml/2006/main">
+  <p:cSld>
+    <p:spTree>
+      <p:nvGrpSpPr>
+        <p:cNvPr id="1" name=""/>
+        <p:cNvGrpSpPr/>
+        <p:nvPr/>
+      </p:nvGrpSpPr>
+      <p:grpSpPr>
+        <a:xfrm>
+          <a:off x="0" y="0"/>
+          <a:ext cx="0" cy="0"/>
+          <a:chOff x="0" y="0"/>
+          <a:chExt cx="0" cy="0"/>
+        </a:xfrm>
+      </p:grpSpPr>
+      <p:sp>
+        <p:nvSpPr>
+          <p:cNvPr id="9" name="Rectangle 8"/>
+          <p:cNvSpPr/>
+          <p:nvPr/>
+        </p:nvSpPr>
+        <p:spPr>
+          <a:xfrm>
+            <a:off x="0" y="28956000"/>
+            <a:ext cx="43891200" cy="3962399"/>
+          </a:xfrm>
+          <a:prstGeom prst="rect">
+            <a:avLst/>
+          </a:prstGeom>
+          <a:solidFill>
+            <a:schemeClr val="tx1"/>
+          </a:solidFill>
+        </p:spPr>
+        <p:style>
+          <a:lnRef idx="2">
+            <a:schemeClr val="accent1">
+              <a:shade val="50000"/>
+            </a:schemeClr>
+          </a:lnRef>
+          <a:fillRef idx="1">
+            <a:schemeClr val="accent1"/>
+          </a:fillRef>
+          <a:effectRef idx="0">
+            <a:schemeClr val="accent1"/>
+          </a:effectRef>
+          <a:fontRef idx="minor">
+            <a:schemeClr val="lt1"/>
+          </a:fontRef>
+        </p:style>
+        <p:txBody>
+          <a:bodyPr rtlCol="0" anchor="ctr"/>
+          <a:lstStyle/>
+          <a:p>
+            <a:pPr algn="ctr"/>
+            <a:endParaRPr lang="en-US" dirty="0"/>
+          </a:p>
+        </p:txBody>
+      </p:sp>
+      <p:pic>
+        <p:nvPicPr>
+          <p:cNvPr id="4" name="Picture 3" descr="psu-mcecs_logo.jpg"/>
+          <p:cNvPicPr>
+            <a:picLocks noChangeAspect="1"/>
+          </p:cNvPicPr>
+          <p:nvPr/>
+        </p:nvPicPr>
+        <p:blipFill>
+          <a:blip r:embed="rId2"/>
+          <a:stretch>
+            <a:fillRect/>
+          </a:stretch>
+        </p:blipFill>
+        <p:spPr>
+          <a:xfrm>
+            <a:off x="36576001" y="29596555"/>
+            <a:ext cx="6008915" cy="2464595"/>
+          </a:xfrm>
+          <a:prstGeom prst="rect">
+            <a:avLst/>
+          </a:prstGeom>
+        </p:spPr>
+      </p:pic>
+      <p:sp>
+        <p:nvSpPr>
+          <p:cNvPr id="14" name="TextBox 13"/>
+          <p:cNvSpPr txBox="1"/>
+          <p:nvPr/>
+        </p:nvSpPr>
+        <p:spPr>
+          <a:xfrm>
+            <a:off x="221673" y="571500"/>
+            <a:ext cx="43891200" cy="3053637"/>
+          </a:xfrm>
+          <a:prstGeom prst="rect">
+            <a:avLst/>
+          </a:prstGeom>
+          <a:solidFill>
+            <a:schemeClr val="bg1">
+              <a:lumMod val="95000"/>
+              <a:lumOff val="5000"/>
+            </a:schemeClr>
+          </a:solidFill>
+        </p:spPr>
+        <p:txBody>
+          <a:bodyPr wrap="square" lIns="73841" tIns="36921" rIns="73841" bIns="36921" rtlCol="0">
+            <a:spAutoFit/>
+          </a:bodyPr>
+          <a:lstStyle/>
+          <a:p>
+            <a:r>
+              <a:rPr lang="en-US" sz="19000" dirty="0" smtClean="0">
+                <a:solidFill>
+                  <a:srgbClr val="6A7F10"/>
+                </a:solidFill>
+              </a:rPr>
+              <a:t>	</a:t>
+            </a:r>
+            <a:endParaRPr lang="en-US" sz="19000" b="1" dirty="0">
+              <a:solidFill>
+                <a:srgbClr val="6A7F10"/>
+              </a:solidFill>
+              <a:latin typeface="Garamond" pitchFamily="18" charset="0"/>
+            </a:endParaRPr>
+          </a:p>
+        </p:txBody>
+      </p:sp>
+      <p:sp>
+        <p:nvSpPr>
+          <p:cNvPr id="10" name="TextBox 9"/>
+          <p:cNvSpPr txBox="1"/>
+          <p:nvPr/>
+        </p:nvSpPr>
+        <p:spPr>
+          <a:xfrm>
+            <a:off x="997527" y="832563"/>
+            <a:ext cx="42893673" cy="3053637"/>
+          </a:xfrm>
+          <a:prstGeom prst="rect">
+            <a:avLst/>
+          </a:prstGeom>
+          <a:solidFill>
+            <a:schemeClr val="bg1">
+              <a:lumMod val="65000"/>
+              <a:lumOff val="35000"/>
+            </a:schemeClr>
+          </a:solidFill>
+          <a:ln>
+            <a:solidFill>
+              <a:schemeClr val="tx2"/>
+            </a:solidFill>
+          </a:ln>
+        </p:spPr>
+        <p:txBody>
+          <a:bodyPr wrap="square" lIns="73841" tIns="36921" rIns="73841" bIns="36921" rtlCol="0">
+            <a:spAutoFit/>
+          </a:bodyPr>
+          <a:lstStyle/>
+          <a:p>
+            <a:r>
+              <a:rPr lang="en-US" sz="19000" dirty="0" smtClean="0">
+                <a:solidFill>
+                  <a:srgbClr val="6A7F10"/>
+                </a:solidFill>
+              </a:rPr>
+              <a:t>	</a:t>
+            </a:r>
+            <a:r>
+              <a:rPr lang="en-US" sz="19000" b="1" dirty="0" smtClean="0">
+                <a:latin typeface="Garamond" pitchFamily="18" charset="0"/>
+              </a:rPr>
+              <a:t>3D Metal Printer</a:t>
+            </a:r>
+            <a:endParaRPr lang="en-US" sz="19000" b="1" dirty="0">
+              <a:latin typeface="Garamond" pitchFamily="18" charset="0"/>
+            </a:endParaRPr>
+          </a:p>
+        </p:txBody>
+      </p:sp>
+      <p:sp>
+        <p:nvSpPr>
+          <p:cNvPr id="2" name="TextBox 1"/>
+          <p:cNvSpPr txBox="1"/>
+          <p:nvPr/>
+        </p:nvSpPr>
+        <p:spPr>
+          <a:xfrm>
+            <a:off x="914400" y="5486400"/>
+            <a:ext cx="10058400" cy="17266265"/>
+          </a:xfrm>
+          <a:prstGeom prst="rect">
+            <a:avLst/>
+          </a:prstGeom>
+          <a:noFill/>
+        </p:spPr>
+        <p:txBody>
+          <a:bodyPr wrap="square" rtlCol="0">
+            <a:spAutoFit/>
+          </a:bodyPr>
+          <a:lstStyle/>
+          <a:p>
+            <a:pPr algn="ctr"/>
+            <a:r>
+              <a:rPr lang="en-US" sz="6000" b="1" u="sng" dirty="0" smtClean="0"/>
+              <a:t>Introduction</a:t>
+            </a:r>
+          </a:p>
+          <a:p>
+            <a:pPr algn="just"/>
+            <a:r>
+              <a:rPr lang="en-US" sz="4800" dirty="0" smtClean="0"/>
+              <a:t>The </a:t>
+            </a:r>
+            <a:r>
+              <a:rPr lang="en-US" sz="4800" dirty="0"/>
+              <a:t>purpose of our project is to create a cheaper 3D metal printer following the design of plastic 3D printers. We will combine a CNC machine with a MIG (metal inert gas) welder and use the welder to deposit wire. Building upon previous layers of deposition, we will be able to print 3D metal objects. The final products that this printer will be producing will be internal components of industrial water pumps. Because of their use, all parts will be precision honed, so highly accurate prints are not a concern for this project. </a:t>
+            </a:r>
+          </a:p>
+          <a:p>
+            <a:pPr algn="just"/>
+            <a:endParaRPr lang="en-US" sz="4800" dirty="0"/>
+          </a:p>
+          <a:p>
+            <a:pPr algn="just"/>
+            <a:endParaRPr lang="en-US" sz="4800" dirty="0" smtClean="0"/>
+          </a:p>
+          <a:p>
+            <a:pPr algn="just"/>
+            <a:endParaRPr lang="en-US" sz="4800" dirty="0" smtClean="0"/>
+          </a:p>
+          <a:p>
+            <a:pPr algn="just"/>
+            <a:endParaRPr lang="en-US" sz="4800" dirty="0"/>
+          </a:p>
+          <a:p>
+            <a:pPr algn="just"/>
+            <a:endParaRPr lang="en-US" sz="4800" dirty="0"/>
+          </a:p>
+          <a:p>
+            <a:pPr algn="just"/>
+            <a:endParaRPr lang="en-US" sz="4800" dirty="0" smtClean="0"/>
+          </a:p>
+          <a:p>
+            <a:pPr algn="just"/>
+            <a:endParaRPr lang="en-US" sz="4800" dirty="0"/>
+          </a:p>
+          <a:p>
+            <a:pPr algn="just"/>
+            <a:endParaRPr lang="en-US" sz="4800" dirty="0" smtClean="0"/>
+          </a:p>
+          <a:p>
+            <a:pPr algn="just"/>
+            <a:endParaRPr lang="en-US" sz="4800" dirty="0"/>
+          </a:p>
+          <a:p>
+            <a:pPr algn="just"/>
+            <a:endParaRPr lang="en-US" sz="4800" dirty="0"/>
+          </a:p>
+        </p:txBody>
+      </p:sp>
+      <p:sp>
+        <p:nvSpPr>
+          <p:cNvPr id="22" name="TextBox 21"/>
+          <p:cNvSpPr txBox="1"/>
+          <p:nvPr/>
+        </p:nvSpPr>
+        <p:spPr>
+          <a:xfrm>
+            <a:off x="11554533" y="13242151"/>
+            <a:ext cx="10058400" cy="12034064"/>
+          </a:xfrm>
+          <a:prstGeom prst="rect">
+            <a:avLst/>
+          </a:prstGeom>
+          <a:noFill/>
+        </p:spPr>
+        <p:txBody>
+          <a:bodyPr wrap="square" rtlCol="0">
+            <a:spAutoFit/>
+          </a:bodyPr>
+          <a:lstStyle/>
+          <a:p>
+            <a:pPr algn="ctr"/>
+            <a:r>
+              <a:rPr lang="en-US" sz="4000" b="1" u="sng" dirty="0" smtClean="0"/>
+              <a:t>Control System Description</a:t>
+            </a:r>
+            <a:endParaRPr lang="en-US" sz="4000" b="1" u="sng" dirty="0" smtClean="0"/>
+          </a:p>
+          <a:p>
+            <a:pPr algn="just"/>
+            <a:r>
+              <a:rPr lang="en-US" sz="3200" dirty="0"/>
+              <a:t>Although we weren’t concerned with an extremely accurate print, we still wanted the final product to be as accurate as the system would allow. This meant that we needed to monitor and control the quality of the weld in real time to be able to adjust settings during the deposition process. Our main source of feedback was the spacing of the droplets occurring during the weld. When using a MIG welder, a wire is fed out the end of the welding nozzle. When this wire comes into contact with a metal plate that is also connected to the ground terminal of the welder, the circuit is completed and the high current melts the wire. The current is so high, that the wire melts past the point of contact, which then creates an open circuit, until the wire again reaches the ground plane and the circuit is again completed. Looking at this process closely, it can be seen that the deposition of the wire isn’t continuous, but rather a bunch of tiny droplets. We call this droplet spacing, and used it extensively throughout the remainder of our project. Through testing we determined that the average droplet spacing for a good weld was around 50 milliseconds (although this would change if the input current were to change drastically). Our control program looks at half a second time period, determines the average droplet spacing, and makes corrections to either increase or decrease wire speed accordingly. To know how to correct the weld, we ran a series of tests and created a lookup table of what we determined to be an ideal weld</a:t>
+            </a:r>
+            <a:r>
+              <a:rPr lang="en-US" sz="3200" dirty="0" smtClean="0"/>
+              <a:t>.</a:t>
+            </a:r>
+            <a:endParaRPr lang="en-US" sz="6000" dirty="0" smtClean="0"/>
+          </a:p>
+        </p:txBody>
+      </p:sp>
+      <p:sp>
+        <p:nvSpPr>
+          <p:cNvPr id="23" name="TextBox 22"/>
+          <p:cNvSpPr txBox="1"/>
+          <p:nvPr/>
+        </p:nvSpPr>
+        <p:spPr>
+          <a:xfrm>
+            <a:off x="32918400" y="14080589"/>
+            <a:ext cx="10058400" cy="12711172"/>
+          </a:xfrm>
+          <a:prstGeom prst="rect">
+            <a:avLst/>
+          </a:prstGeom>
+          <a:noFill/>
+        </p:spPr>
+        <p:txBody>
+          <a:bodyPr wrap="square" rtlCol="0">
+            <a:spAutoFit/>
+          </a:bodyPr>
+          <a:lstStyle/>
+          <a:p>
+            <a:pPr algn="ctr"/>
+            <a:r>
+              <a:rPr lang="en-US" sz="6000" b="1" u="sng" dirty="0" smtClean="0"/>
+              <a:t>Results and Testing</a:t>
+            </a:r>
+            <a:endParaRPr lang="en-US" b="1" u="sng" dirty="0" smtClean="0"/>
+          </a:p>
+          <a:p>
+            <a:pPr algn="just"/>
+            <a:r>
+              <a:rPr lang="en-US" sz="4000" dirty="0" smtClean="0"/>
+              <a:t>Testing was done throughout the project. The most important tests were done to determine:</a:t>
+            </a:r>
+          </a:p>
+          <a:p>
+            <a:pPr marL="571500" indent="-571500" algn="just">
+              <a:buFont typeface="Arial" panose="020B0604020202020204" pitchFamily="34" charset="0"/>
+              <a:buChar char="•"/>
+            </a:pPr>
+            <a:r>
+              <a:rPr lang="en-US" sz="4000" dirty="0" smtClean="0"/>
+              <a:t>Droplet spacing</a:t>
+            </a:r>
+          </a:p>
+          <a:p>
+            <a:pPr marL="571500" indent="-571500" algn="just">
+              <a:buFont typeface="Arial" panose="020B0604020202020204" pitchFamily="34" charset="0"/>
+              <a:buChar char="•"/>
+            </a:pPr>
+            <a:r>
+              <a:rPr lang="en-US" sz="4000" dirty="0" smtClean="0"/>
+              <a:t>Wire feed speed</a:t>
+            </a:r>
+          </a:p>
+          <a:p>
+            <a:pPr marL="571500" indent="-571500" algn="just">
+              <a:buFont typeface="Arial" panose="020B0604020202020204" pitchFamily="34" charset="0"/>
+              <a:buChar char="•"/>
+            </a:pPr>
+            <a:r>
+              <a:rPr lang="en-US" sz="4000" dirty="0" smtClean="0"/>
+              <a:t>Stepper motor driver control position</a:t>
+            </a:r>
+          </a:p>
+          <a:p>
+            <a:pPr marL="571500" indent="-571500" algn="just">
+              <a:buFont typeface="Arial" panose="020B0604020202020204" pitchFamily="34" charset="0"/>
+              <a:buChar char="•"/>
+            </a:pPr>
+            <a:endParaRPr lang="en-US" sz="4000" dirty="0"/>
+          </a:p>
+          <a:p>
+            <a:pPr algn="just"/>
+            <a:r>
+              <a:rPr lang="en-US" sz="4000" dirty="0"/>
+              <a:t>While this project was for all intents and purposes a proof of concept, as a group we would have liked to have implemented all the sensors and feedback controls discussed. We accomplished the proof of concept and implemented a basic feedback loop which controls the wire feed speed. Other options, such as the starting current for the welder as well as the torch routine to warm the baseplate to the proper temperature, are completed manually. The control program does include error checks, such as the welder running out of wire or the temperature falling below the desired threshold, but the whole system is not yet in place to correct these errors and guard against them. </a:t>
+            </a:r>
+            <a:endParaRPr lang="en-US" sz="4000" dirty="0"/>
+          </a:p>
+        </p:txBody>
+      </p:sp>
+      <p:pic>
+        <p:nvPicPr>
+          <p:cNvPr id="3" name="Picture 2"/>
+          <p:cNvPicPr>
+            <a:picLocks noChangeAspect="1"/>
+          </p:cNvPicPr>
+          <p:nvPr/>
+        </p:nvPicPr>
+        <p:blipFill>
+          <a:blip r:embed="rId3">
+            <a:extLst>
+              <a:ext uri="{28A0092B-C50C-407E-A947-70E740481C1C}">
+                <a14:useLocalDpi xmlns:a14="http://schemas.microsoft.com/office/drawing/2010/main" val="0"/>
+              </a:ext>
+            </a:extLst>
+          </a:blip>
+          <a:stretch>
+            <a:fillRect/>
+          </a:stretch>
+        </p:blipFill>
+        <p:spPr>
+          <a:xfrm>
+            <a:off x="1371601" y="20914198"/>
+            <a:ext cx="10058399" cy="7197386"/>
+          </a:xfrm>
+          <a:prstGeom prst="rect">
+            <a:avLst/>
+          </a:prstGeom>
+        </p:spPr>
+      </p:pic>
+      <p:pic>
+        <p:nvPicPr>
+          <p:cNvPr id="6" name="Picture 5"/>
+          <p:cNvPicPr>
+            <a:picLocks noChangeAspect="1"/>
+          </p:cNvPicPr>
+          <p:nvPr/>
+        </p:nvPicPr>
+        <p:blipFill>
+          <a:blip r:embed="rId4" cstate="print">
+            <a:extLst>
+              <a:ext uri="{28A0092B-C50C-407E-A947-70E740481C1C}">
+                <a14:useLocalDpi xmlns:a14="http://schemas.microsoft.com/office/drawing/2010/main" val="0"/>
+              </a:ext>
+            </a:extLst>
+          </a:blip>
+          <a:stretch>
+            <a:fillRect/>
+          </a:stretch>
+        </p:blipFill>
+        <p:spPr>
+          <a:xfrm>
+            <a:off x="11554533" y="5421084"/>
+            <a:ext cx="10058400" cy="7465218"/>
+          </a:xfrm>
+          <a:prstGeom prst="rect">
+            <a:avLst/>
+          </a:prstGeom>
+        </p:spPr>
+      </p:pic>
+      <p:pic>
+        <p:nvPicPr>
+          <p:cNvPr id="7" name="Picture 6"/>
+          <p:cNvPicPr>
+            <a:picLocks noChangeAspect="1"/>
+          </p:cNvPicPr>
+          <p:nvPr/>
+        </p:nvPicPr>
+        <p:blipFill>
+          <a:blip r:embed="rId5">
+            <a:extLst>
+              <a:ext uri="{28A0092B-C50C-407E-A947-70E740481C1C}">
+                <a14:useLocalDpi xmlns:a14="http://schemas.microsoft.com/office/drawing/2010/main" val="0"/>
+              </a:ext>
+            </a:extLst>
+          </a:blip>
+          <a:stretch>
+            <a:fillRect/>
+          </a:stretch>
+        </p:blipFill>
+        <p:spPr>
+          <a:xfrm>
+            <a:off x="23237185" y="21972428"/>
+            <a:ext cx="8078734" cy="6219033"/>
+          </a:xfrm>
+          <a:prstGeom prst="rect">
+            <a:avLst/>
+          </a:prstGeom>
+        </p:spPr>
+      </p:pic>
+      <p:sp>
+        <p:nvSpPr>
+          <p:cNvPr id="5" name="TextBox 4"/>
+          <p:cNvSpPr txBox="1"/>
+          <p:nvPr/>
+        </p:nvSpPr>
+        <p:spPr>
+          <a:xfrm>
+            <a:off x="1502228" y="29994690"/>
+            <a:ext cx="25668515" cy="2752219"/>
+          </a:xfrm>
+          <a:prstGeom prst="rect">
+            <a:avLst/>
+          </a:prstGeom>
+          <a:noFill/>
+        </p:spPr>
+        <p:txBody>
+          <a:bodyPr wrap="square" lIns="73841" tIns="36921" rIns="73841" bIns="36921" rtlCol="0">
+            <a:spAutoFit/>
+          </a:bodyPr>
+          <a:lstStyle/>
+          <a:p>
+            <a:r>
+              <a:rPr lang="en-US" dirty="0" smtClean="0">
+                <a:solidFill>
+                  <a:schemeClr val="bg1"/>
+                </a:solidFill>
+              </a:rPr>
+              <a:t>Department of Electrical and Computer Engineering</a:t>
+            </a:r>
+            <a:endParaRPr lang="en-US" dirty="0">
+              <a:solidFill>
+                <a:schemeClr val="bg1"/>
+              </a:solidFill>
+            </a:endParaRPr>
+          </a:p>
+        </p:txBody>
+      </p:sp>
+      <p:sp>
+        <p:nvSpPr>
+          <p:cNvPr id="27" name="TextBox 26"/>
+          <p:cNvSpPr txBox="1"/>
+          <p:nvPr/>
+        </p:nvSpPr>
+        <p:spPr>
+          <a:xfrm>
+            <a:off x="22247352" y="6491228"/>
+            <a:ext cx="10058400" cy="12711172"/>
+          </a:xfrm>
+          <a:prstGeom prst="rect">
+            <a:avLst/>
+          </a:prstGeom>
+          <a:noFill/>
+        </p:spPr>
+        <p:txBody>
+          <a:bodyPr wrap="square" rtlCol="0">
+            <a:spAutoFit/>
+          </a:bodyPr>
+          <a:lstStyle/>
+          <a:p>
+            <a:pPr algn="ctr"/>
+            <a:r>
+              <a:rPr lang="en-US" sz="6000" b="1" u="sng" dirty="0" smtClean="0"/>
+              <a:t>Results and Testing</a:t>
+            </a:r>
+            <a:endParaRPr lang="en-US" b="1" u="sng" dirty="0" smtClean="0"/>
+          </a:p>
+          <a:p>
+            <a:pPr algn="just"/>
+            <a:r>
+              <a:rPr lang="en-US" sz="4000" dirty="0" smtClean="0"/>
+              <a:t>Testing was done throughout the project. The most important tests were done to determine:</a:t>
+            </a:r>
+          </a:p>
+          <a:p>
+            <a:pPr marL="571500" indent="-571500" algn="just">
+              <a:buFont typeface="Arial" panose="020B0604020202020204" pitchFamily="34" charset="0"/>
+              <a:buChar char="•"/>
+            </a:pPr>
+            <a:r>
+              <a:rPr lang="en-US" sz="4000" dirty="0" smtClean="0"/>
+              <a:t>Droplet spacing</a:t>
+            </a:r>
+          </a:p>
+          <a:p>
+            <a:pPr marL="571500" indent="-571500" algn="just">
+              <a:buFont typeface="Arial" panose="020B0604020202020204" pitchFamily="34" charset="0"/>
+              <a:buChar char="•"/>
+            </a:pPr>
+            <a:r>
+              <a:rPr lang="en-US" sz="4000" dirty="0" smtClean="0"/>
+              <a:t>Wire feed speed</a:t>
+            </a:r>
+          </a:p>
+          <a:p>
+            <a:pPr marL="571500" indent="-571500" algn="just">
+              <a:buFont typeface="Arial" panose="020B0604020202020204" pitchFamily="34" charset="0"/>
+              <a:buChar char="•"/>
+            </a:pPr>
+            <a:r>
+              <a:rPr lang="en-US" sz="4000" dirty="0" smtClean="0"/>
+              <a:t>Stepper motor driver control position</a:t>
+            </a:r>
+          </a:p>
+          <a:p>
+            <a:pPr marL="571500" indent="-571500" algn="just">
+              <a:buFont typeface="Arial" panose="020B0604020202020204" pitchFamily="34" charset="0"/>
+              <a:buChar char="•"/>
+            </a:pPr>
+            <a:endParaRPr lang="en-US" sz="4000" dirty="0"/>
+          </a:p>
+          <a:p>
+            <a:pPr algn="just"/>
+            <a:r>
+              <a:rPr lang="en-US" sz="4000" dirty="0"/>
+              <a:t>While this project was for all intents and purposes a proof of concept, as a group we would have liked to have implemented all the sensors and feedback controls discussed. We accomplished the proof of concept and implemented a basic feedback loop which controls the wire feed speed. Other options, such as the starting current for the welder as well as the torch routine to warm the baseplate to the proper temperature, are completed manually. The control program does include error checks, such as the welder running out of wire or the temperature falling below the desired threshold, but the whole system is not yet in place to correct these errors and guard against them. </a:t>
+            </a:r>
+            <a:endParaRPr lang="en-US" sz="4000" dirty="0"/>
+          </a:p>
+        </p:txBody>
+      </p:sp>
+      <p:pic>
+        <p:nvPicPr>
+          <p:cNvPr id="28" name="Picture 27"/>
+          <p:cNvPicPr>
+            <a:picLocks noChangeAspect="1"/>
+          </p:cNvPicPr>
+          <p:nvPr/>
+        </p:nvPicPr>
+        <p:blipFill>
+          <a:blip r:embed="rId5">
+            <a:extLst>
+              <a:ext uri="{28A0092B-C50C-407E-A947-70E740481C1C}">
+                <a14:useLocalDpi xmlns:a14="http://schemas.microsoft.com/office/drawing/2010/main" val="0"/>
+              </a:ext>
+            </a:extLst>
+          </a:blip>
+          <a:stretch>
+            <a:fillRect/>
+          </a:stretch>
+        </p:blipFill>
+        <p:spPr>
+          <a:xfrm>
+            <a:off x="33439637" y="6601344"/>
+            <a:ext cx="9015925" cy="6940485"/>
+          </a:xfrm>
+          <a:prstGeom prst="rect">
+            <a:avLst/>
+          </a:prstGeom>
+        </p:spPr>
+      </p:pic>
+    </p:spTree>
+    <p:extLst>
+      <p:ext uri="{BB962C8B-B14F-4D97-AF65-F5344CB8AC3E}">
+        <p14:creationId xmlns:p14="http://schemas.microsoft.com/office/powerpoint/2010/main" val="485594586"/>
+      </p:ext>
+    </p:extLst>
   </p:cSld>
   <p:clrMapOvr>
     <a:masterClrMapping/>

--- a/Documentation/Poster/PosterPowerPointTemplate48x36.pptx
+++ b/Documentation/Poster/PosterPowerPointTemplate48x36.pptx
@@ -2,11 +2,10 @@
 <file path=ppt/presentation.xml><?xml version="1.0" encoding="utf-8"?>
 <p:presentation xmlns:a="http://schemas.openxmlformats.org/drawingml/2006/main" xmlns:r="http://schemas.openxmlformats.org/officeDocument/2006/relationships" xmlns:p="http://schemas.openxmlformats.org/presentationml/2006/main" saveSubsetFonts="1">
   <p:sldMasterIdLst>
-    <p:sldMasterId id="2147483660" r:id="rId1"/>
+    <p:sldMasterId id="2147483724" r:id="rId1"/>
   </p:sldMasterIdLst>
   <p:sldIdLst>
-    <p:sldId id="256" r:id="rId2"/>
-    <p:sldId id="257" r:id="rId3"/>
+    <p:sldId id="257" r:id="rId2"/>
   </p:sldIdLst>
   <p:sldSz cx="43891200" cy="32918400"/>
   <p:notesSz cx="6858000" cy="9144000"/>
@@ -127,7 +126,7 @@
       </p:grpSpPr>
       <p:sp>
         <p:nvSpPr>
-          <p:cNvPr id="8" name="Title 7"/>
+          <p:cNvPr id="2" name="Title 1"/>
           <p:cNvSpPr>
             <a:spLocks noGrp="1"/>
           </p:cNvSpPr>
@@ -137,141 +136,31 @@
         </p:nvSpPr>
         <p:spPr>
           <a:xfrm>
-            <a:off x="2025744" y="6583680"/>
-            <a:ext cx="39502080" cy="8778240"/>
+            <a:off x="3291840" y="6583682"/>
+            <a:ext cx="37673280" cy="9250680"/>
           </a:xfrm>
         </p:spPr>
         <p:txBody>
-          <a:bodyPr vert="horz" lIns="219456" tIns="0" rIns="219456" bIns="0" anchor="b">
-            <a:normAutofit/>
-            <a:scene3d>
-              <a:camera prst="orthographicFront"/>
-              <a:lightRig rig="soft" dir="t">
-                <a:rot lat="0" lon="0" rev="17220000"/>
-              </a:lightRig>
-            </a:scene3d>
-            <a:sp3d prstMaterial="softEdge">
-              <a:bevelT w="38100" h="38100"/>
-            </a:sp3d>
+          <a:bodyPr anchor="b">
+            <a:noAutofit/>
           </a:bodyPr>
           <a:lstStyle>
             <a:lvl1pPr>
-              <a:defRPr sz="23000" b="1" cap="all" baseline="0">
-                <a:ln w="6350">
-                  <a:noFill/>
-                </a:ln>
-                <a:gradFill>
-                  <a:gsLst>
-                    <a:gs pos="0">
-                      <a:schemeClr val="accent1">
-                        <a:tint val="73000"/>
-                        <a:satMod val="145000"/>
-                      </a:schemeClr>
-                    </a:gs>
-                    <a:gs pos="73000">
-                      <a:schemeClr val="accent1">
-                        <a:tint val="73000"/>
-                        <a:satMod val="145000"/>
-                      </a:schemeClr>
-                    </a:gs>
-                    <a:gs pos="100000">
-                      <a:schemeClr val="accent1">
-                        <a:tint val="83000"/>
-                        <a:satMod val="143000"/>
-                      </a:schemeClr>
-                    </a:gs>
-                  </a:gsLst>
-                  <a:lin ang="4800000" scaled="1"/>
-                </a:gradFill>
-                <a:effectLst>
-                  <a:outerShdw blurRad="127000" dist="200000" dir="2700000" algn="tl" rotWithShape="0">
-                    <a:srgbClr val="000000">
-                      <a:alpha val="30000"/>
-                    </a:srgbClr>
-                  </a:outerShdw>
-                </a:effectLst>
-              </a:defRPr>
+              <a:defRPr sz="25900" cap="all" baseline="0"/>
             </a:lvl1pPr>
           </a:lstStyle>
           <a:p>
             <a:r>
-              <a:rPr kumimoji="0" lang="en-US" smtClean="0"/>
+              <a:rPr lang="en-US" smtClean="0"/>
               <a:t>Click to edit Master title style</a:t>
             </a:r>
-            <a:endParaRPr kumimoji="0" lang="en-US"/>
-          </a:p>
-        </p:txBody>
-      </p:sp>
-      <p:sp>
-        <p:nvSpPr>
-          <p:cNvPr id="28" name="Date Placeholder 27"/>
-          <p:cNvSpPr>
-            <a:spLocks noGrp="1"/>
-          </p:cNvSpPr>
-          <p:nvPr>
-            <p:ph type="dt" sz="half" idx="10"/>
-          </p:nvPr>
-        </p:nvSpPr>
-        <p:spPr/>
-        <p:txBody>
-          <a:bodyPr/>
-          <a:lstStyle/>
-          <a:p>
-            <a:fld id="{D9D26CB9-01E4-44B8-8084-BCC418CF4A2D}" type="datetimeFigureOut">
-              <a:rPr lang="en-US" smtClean="0"/>
-              <a:pPr/>
-              <a:t>5/22/2015</a:t>
-            </a:fld>
-            <a:endParaRPr lang="en-US" dirty="0"/>
-          </a:p>
-        </p:txBody>
-      </p:sp>
-      <p:sp>
-        <p:nvSpPr>
-          <p:cNvPr id="17" name="Footer Placeholder 16"/>
-          <p:cNvSpPr>
-            <a:spLocks noGrp="1"/>
-          </p:cNvSpPr>
-          <p:nvPr>
-            <p:ph type="ftr" sz="quarter" idx="11"/>
-          </p:nvPr>
-        </p:nvSpPr>
-        <p:spPr/>
-        <p:txBody>
-          <a:bodyPr/>
-          <a:lstStyle/>
-          <a:p>
-            <a:endParaRPr lang="en-US" dirty="0"/>
-          </a:p>
-        </p:txBody>
-      </p:sp>
-      <p:sp>
-        <p:nvSpPr>
-          <p:cNvPr id="29" name="Slide Number Placeholder 28"/>
-          <p:cNvSpPr>
-            <a:spLocks noGrp="1"/>
-          </p:cNvSpPr>
-          <p:nvPr>
-            <p:ph type="sldNum" sz="quarter" idx="12"/>
-          </p:nvPr>
-        </p:nvSpPr>
-        <p:spPr/>
-        <p:txBody>
-          <a:bodyPr/>
-          <a:lstStyle/>
-          <a:p>
-            <a:fld id="{8EAD30C5-67B1-44D9-8976-9ADE03107179}" type="slidenum">
-              <a:rPr lang="en-US" smtClean="0"/>
-              <a:pPr/>
-              <a:t>‹#›</a:t>
-            </a:fld>
-            <a:endParaRPr lang="en-US" dirty="0"/>
-          </a:p>
-        </p:txBody>
-      </p:sp>
-      <p:sp>
-        <p:nvSpPr>
-          <p:cNvPr id="9" name="Subtitle 8"/>
+            <a:endParaRPr lang="en-US" dirty="0"/>
+          </a:p>
+        </p:txBody>
+      </p:sp>
+      <p:sp>
+        <p:nvSpPr>
+          <p:cNvPr id="3" name="Subtitle 2"/>
           <p:cNvSpPr>
             <a:spLocks noGrp="1"/>
           </p:cNvSpPr>
@@ -281,52 +170,178 @@
         </p:nvSpPr>
         <p:spPr>
           <a:xfrm>
-            <a:off x="6583680" y="15992150"/>
+            <a:off x="3291840" y="16824960"/>
             <a:ext cx="30723840" cy="8412480"/>
           </a:xfrm>
         </p:spPr>
         <p:txBody>
           <a:bodyPr/>
           <a:lstStyle>
-            <a:lvl1pPr marL="0" indent="0" algn="ctr">
+            <a:lvl1pPr marL="0" indent="0" algn="l">
               <a:buNone/>
               <a:defRPr>
                 <a:solidFill>
-                  <a:schemeClr val="tx1"/>
+                  <a:schemeClr val="tx1">
+                    <a:lumMod val="75000"/>
+                    <a:lumOff val="25000"/>
+                  </a:schemeClr>
                 </a:solidFill>
               </a:defRPr>
             </a:lvl1pPr>
             <a:lvl2pPr marL="2194560" indent="0" algn="ctr">
               <a:buNone/>
+              <a:defRPr>
+                <a:solidFill>
+                  <a:schemeClr val="tx1">
+                    <a:tint val="75000"/>
+                  </a:schemeClr>
+                </a:solidFill>
+              </a:defRPr>
             </a:lvl2pPr>
             <a:lvl3pPr marL="4389120" indent="0" algn="ctr">
               <a:buNone/>
+              <a:defRPr>
+                <a:solidFill>
+                  <a:schemeClr val="tx1">
+                    <a:tint val="75000"/>
+                  </a:schemeClr>
+                </a:solidFill>
+              </a:defRPr>
             </a:lvl3pPr>
             <a:lvl4pPr marL="6583680" indent="0" algn="ctr">
               <a:buNone/>
+              <a:defRPr>
+                <a:solidFill>
+                  <a:schemeClr val="tx1">
+                    <a:tint val="75000"/>
+                  </a:schemeClr>
+                </a:solidFill>
+              </a:defRPr>
             </a:lvl4pPr>
             <a:lvl5pPr marL="8778240" indent="0" algn="ctr">
               <a:buNone/>
+              <a:defRPr>
+                <a:solidFill>
+                  <a:schemeClr val="tx1">
+                    <a:tint val="75000"/>
+                  </a:schemeClr>
+                </a:solidFill>
+              </a:defRPr>
             </a:lvl5pPr>
             <a:lvl6pPr marL="10972800" indent="0" algn="ctr">
               <a:buNone/>
+              <a:defRPr>
+                <a:solidFill>
+                  <a:schemeClr val="tx1">
+                    <a:tint val="75000"/>
+                  </a:schemeClr>
+                </a:solidFill>
+              </a:defRPr>
             </a:lvl6pPr>
             <a:lvl7pPr marL="13167360" indent="0" algn="ctr">
               <a:buNone/>
+              <a:defRPr>
+                <a:solidFill>
+                  <a:schemeClr val="tx1">
+                    <a:tint val="75000"/>
+                  </a:schemeClr>
+                </a:solidFill>
+              </a:defRPr>
             </a:lvl7pPr>
             <a:lvl8pPr marL="15361920" indent="0" algn="ctr">
               <a:buNone/>
+              <a:defRPr>
+                <a:solidFill>
+                  <a:schemeClr val="tx1">
+                    <a:tint val="75000"/>
+                  </a:schemeClr>
+                </a:solidFill>
+              </a:defRPr>
             </a:lvl8pPr>
             <a:lvl9pPr marL="17556480" indent="0" algn="ctr">
               <a:buNone/>
+              <a:defRPr>
+                <a:solidFill>
+                  <a:schemeClr val="tx1">
+                    <a:tint val="75000"/>
+                  </a:schemeClr>
+                </a:solidFill>
+              </a:defRPr>
             </a:lvl9pPr>
           </a:lstStyle>
           <a:p>
             <a:r>
-              <a:rPr kumimoji="0" lang="en-US" smtClean="0"/>
+              <a:rPr lang="en-US" smtClean="0"/>
               <a:t>Click to edit Master subtitle style</a:t>
             </a:r>
-            <a:endParaRPr kumimoji="0" lang="en-US"/>
+            <a:endParaRPr lang="en-US" dirty="0"/>
+          </a:p>
+        </p:txBody>
+      </p:sp>
+      <p:sp>
+        <p:nvSpPr>
+          <p:cNvPr id="4" name="Date Placeholder 3"/>
+          <p:cNvSpPr>
+            <a:spLocks noGrp="1"/>
+          </p:cNvSpPr>
+          <p:nvPr>
+            <p:ph type="dt" sz="half" idx="10"/>
+          </p:nvPr>
+        </p:nvSpPr>
+        <p:spPr/>
+        <p:txBody>
+          <a:bodyPr/>
+          <a:lstStyle/>
+          <a:p>
+            <a:fld id="{D9D26CB9-01E4-44B8-8084-BCC418CF4A2D}" type="datetimeFigureOut">
+              <a:rPr lang="en-US" smtClean="0"/>
+              <a:pPr/>
+              <a:t>5/25/15</a:t>
+            </a:fld>
+            <a:endParaRPr lang="en-US" dirty="0"/>
+          </a:p>
+        </p:txBody>
+      </p:sp>
+      <p:sp>
+        <p:nvSpPr>
+          <p:cNvPr id="5" name="Footer Placeholder 4"/>
+          <p:cNvSpPr>
+            <a:spLocks noGrp="1"/>
+          </p:cNvSpPr>
+          <p:nvPr>
+            <p:ph type="ftr" sz="quarter" idx="11"/>
+          </p:nvPr>
+        </p:nvSpPr>
+        <p:spPr/>
+        <p:txBody>
+          <a:bodyPr/>
+          <a:lstStyle/>
+          <a:p>
+            <a:endParaRPr lang="en-US" dirty="0"/>
+          </a:p>
+        </p:txBody>
+      </p:sp>
+      <p:sp>
+        <p:nvSpPr>
+          <p:cNvPr id="6" name="Slide Number Placeholder 5"/>
+          <p:cNvSpPr>
+            <a:spLocks noGrp="1"/>
+          </p:cNvSpPr>
+          <p:nvPr>
+            <p:ph type="sldNum" sz="quarter" idx="12"/>
+          </p:nvPr>
+        </p:nvSpPr>
+        <p:spPr/>
+        <p:txBody>
+          <a:bodyPr/>
+          <a:lstStyle/>
+          <a:p>
+            <a:fld id="{8EAD30C5-67B1-44D9-8976-9ADE03107179}" type="slidenum">
+              <a:rPr lang="en-US" smtClean="0"/>
+              <a:pPr/>
+              <a:t>‹#›</a:t>
+            </a:fld>
+            <a:endParaRPr lang="en-US" dirty="0"/>
           </a:p>
         </p:txBody>
       </p:sp>
@@ -371,10 +386,10 @@
           <a:lstStyle/>
           <a:p>
             <a:r>
-              <a:rPr kumimoji="0" lang="en-US" smtClean="0"/>
+              <a:rPr lang="en-US" smtClean="0"/>
               <a:t>Click to edit Master title style</a:t>
             </a:r>
-            <a:endParaRPr kumimoji="0" lang="en-US"/>
+            <a:endParaRPr lang="en-US"/>
           </a:p>
         </p:txBody>
       </p:sp>
@@ -393,40 +408,40 @@
           <a:bodyPr vert="eaVert"/>
           <a:lstStyle/>
           <a:p>
-            <a:pPr lvl="0" eaLnBrk="1" latinLnBrk="0" hangingPunct="1"/>
+            <a:pPr lvl="0"/>
             <a:r>
               <a:rPr lang="en-US" smtClean="0"/>
               <a:t>Click to edit Master text styles</a:t>
             </a:r>
           </a:p>
           <a:p>
-            <a:pPr lvl="1" eaLnBrk="1" latinLnBrk="0" hangingPunct="1"/>
+            <a:pPr lvl="1"/>
             <a:r>
               <a:rPr lang="en-US" smtClean="0"/>
               <a:t>Second level</a:t>
             </a:r>
           </a:p>
           <a:p>
-            <a:pPr lvl="2" eaLnBrk="1" latinLnBrk="0" hangingPunct="1"/>
+            <a:pPr lvl="2"/>
             <a:r>
               <a:rPr lang="en-US" smtClean="0"/>
               <a:t>Third level</a:t>
             </a:r>
           </a:p>
           <a:p>
-            <a:pPr lvl="3" eaLnBrk="1" latinLnBrk="0" hangingPunct="1"/>
+            <a:pPr lvl="3"/>
             <a:r>
               <a:rPr lang="en-US" smtClean="0"/>
               <a:t>Fourth level</a:t>
             </a:r>
           </a:p>
           <a:p>
-            <a:pPr lvl="4" eaLnBrk="1" latinLnBrk="0" hangingPunct="1"/>
+            <a:pPr lvl="4"/>
             <a:r>
               <a:rPr lang="en-US" smtClean="0"/>
               <a:t>Fifth level</a:t>
             </a:r>
-            <a:endParaRPr kumimoji="0" lang="en-US"/>
+            <a:endParaRPr lang="en-US"/>
           </a:p>
         </p:txBody>
       </p:sp>
@@ -448,7 +463,7 @@
             <a:fld id="{D9D26CB9-01E4-44B8-8084-BCC418CF4A2D}" type="datetimeFigureOut">
               <a:rPr lang="en-US" smtClean="0"/>
               <a:pPr/>
-              <a:t>5/22/2015</a:t>
+              <a:t>5/25/15</a:t>
             </a:fld>
             <a:endParaRPr lang="en-US" dirty="0"/>
           </a:p>
@@ -534,19 +549,19 @@
         </p:nvSpPr>
         <p:spPr>
           <a:xfrm>
-            <a:off x="31821120" y="1318265"/>
-            <a:ext cx="9875520" cy="28087320"/>
+            <a:off x="31821120" y="2926080"/>
+            <a:ext cx="9875520" cy="28163520"/>
           </a:xfrm>
         </p:spPr>
         <p:txBody>
-          <a:bodyPr vert="eaVert"/>
-          <a:lstStyle/>
-          <a:p>
-            <a:r>
-              <a:rPr kumimoji="0" lang="en-US" smtClean="0"/>
+          <a:bodyPr vert="eaVert" anchor="b"/>
+          <a:lstStyle/>
+          <a:p>
+            <a:r>
+              <a:rPr lang="en-US" smtClean="0"/>
               <a:t>Click to edit Master title style</a:t>
             </a:r>
-            <a:endParaRPr kumimoji="0" lang="en-US"/>
+            <a:endParaRPr lang="en-US" dirty="0"/>
           </a:p>
         </p:txBody>
       </p:sp>
@@ -562,48 +577,48 @@
         </p:nvSpPr>
         <p:spPr>
           <a:xfrm>
-            <a:off x="2194560" y="1318265"/>
-            <a:ext cx="28895040" cy="28087320"/>
+            <a:off x="2194560" y="2926080"/>
+            <a:ext cx="28895040" cy="28163520"/>
           </a:xfrm>
         </p:spPr>
         <p:txBody>
           <a:bodyPr vert="eaVert"/>
           <a:lstStyle/>
           <a:p>
-            <a:pPr lvl="0" eaLnBrk="1" latinLnBrk="0" hangingPunct="1"/>
+            <a:pPr lvl="0"/>
             <a:r>
               <a:rPr lang="en-US" smtClean="0"/>
               <a:t>Click to edit Master text styles</a:t>
             </a:r>
           </a:p>
           <a:p>
-            <a:pPr lvl="1" eaLnBrk="1" latinLnBrk="0" hangingPunct="1"/>
+            <a:pPr lvl="1"/>
             <a:r>
               <a:rPr lang="en-US" smtClean="0"/>
               <a:t>Second level</a:t>
             </a:r>
           </a:p>
           <a:p>
-            <a:pPr lvl="2" eaLnBrk="1" latinLnBrk="0" hangingPunct="1"/>
+            <a:pPr lvl="2"/>
             <a:r>
               <a:rPr lang="en-US" smtClean="0"/>
               <a:t>Third level</a:t>
             </a:r>
           </a:p>
           <a:p>
-            <a:pPr lvl="3" eaLnBrk="1" latinLnBrk="0" hangingPunct="1"/>
+            <a:pPr lvl="3"/>
             <a:r>
               <a:rPr lang="en-US" smtClean="0"/>
               <a:t>Fourth level</a:t>
             </a:r>
           </a:p>
           <a:p>
-            <a:pPr lvl="4" eaLnBrk="1" latinLnBrk="0" hangingPunct="1"/>
+            <a:pPr lvl="4"/>
             <a:r>
               <a:rPr lang="en-US" smtClean="0"/>
               <a:t>Fifth level</a:t>
             </a:r>
-            <a:endParaRPr kumimoji="0" lang="en-US"/>
+            <a:endParaRPr lang="en-US" dirty="0"/>
           </a:p>
         </p:txBody>
       </p:sp>
@@ -625,7 +640,7 @@
             <a:fld id="{D9D26CB9-01E4-44B8-8084-BCC418CF4A2D}" type="datetimeFigureOut">
               <a:rPr lang="en-US" smtClean="0"/>
               <a:pPr/>
-              <a:t>5/22/2015</a:t>
+              <a:t>5/25/15</a:t>
             </a:fld>
             <a:endParaRPr lang="en-US" dirty="0"/>
           </a:p>
@@ -715,10 +730,10 @@
           <a:lstStyle/>
           <a:p>
             <a:r>
-              <a:rPr kumimoji="0" lang="en-US" smtClean="0"/>
+              <a:rPr lang="en-US" smtClean="0"/>
               <a:t>Click to edit Master title style</a:t>
             </a:r>
-            <a:endParaRPr kumimoji="0" lang="en-US"/>
+            <a:endParaRPr lang="en-US"/>
           </a:p>
         </p:txBody>
       </p:sp>
@@ -737,40 +752,40 @@
           <a:bodyPr/>
           <a:lstStyle/>
           <a:p>
-            <a:pPr lvl="0" eaLnBrk="1" latinLnBrk="0" hangingPunct="1"/>
+            <a:pPr lvl="0"/>
             <a:r>
               <a:rPr lang="en-US" smtClean="0"/>
               <a:t>Click to edit Master text styles</a:t>
             </a:r>
           </a:p>
           <a:p>
-            <a:pPr lvl="1" eaLnBrk="1" latinLnBrk="0" hangingPunct="1"/>
+            <a:pPr lvl="1"/>
             <a:r>
               <a:rPr lang="en-US" smtClean="0"/>
               <a:t>Second level</a:t>
             </a:r>
           </a:p>
           <a:p>
-            <a:pPr lvl="2" eaLnBrk="1" latinLnBrk="0" hangingPunct="1"/>
+            <a:pPr lvl="2"/>
             <a:r>
               <a:rPr lang="en-US" smtClean="0"/>
               <a:t>Third level</a:t>
             </a:r>
           </a:p>
           <a:p>
-            <a:pPr lvl="3" eaLnBrk="1" latinLnBrk="0" hangingPunct="1"/>
+            <a:pPr lvl="3"/>
             <a:r>
               <a:rPr lang="en-US" smtClean="0"/>
               <a:t>Fourth level</a:t>
             </a:r>
           </a:p>
           <a:p>
-            <a:pPr lvl="4" eaLnBrk="1" latinLnBrk="0" hangingPunct="1"/>
+            <a:pPr lvl="4"/>
             <a:r>
               <a:rPr lang="en-US" smtClean="0"/>
               <a:t>Fifth level</a:t>
             </a:r>
-            <a:endParaRPr kumimoji="0" lang="en-US"/>
+            <a:endParaRPr lang="en-US"/>
           </a:p>
         </p:txBody>
       </p:sp>
@@ -792,7 +807,7 @@
             <a:fld id="{D9D26CB9-01E4-44B8-8084-BCC418CF4A2D}" type="datetimeFigureOut">
               <a:rPr lang="en-US" smtClean="0"/>
               <a:pPr/>
-              <a:t>5/22/2015</a:t>
+              <a:t>5/25/15</a:t>
             </a:fld>
             <a:endParaRPr lang="en-US" dirty="0"/>
           </a:p>
@@ -852,11 +867,6 @@
 <file path=ppt/slideLayouts/slideLayout3.xml><?xml version="1.0" encoding="utf-8"?>
 <p:sldLayout xmlns:a="http://schemas.openxmlformats.org/drawingml/2006/main" xmlns:r="http://schemas.openxmlformats.org/officeDocument/2006/relationships" xmlns:p="http://schemas.openxmlformats.org/presentationml/2006/main" type="secHead" preserve="1">
   <p:cSld name="Section Header">
-    <p:bg>
-      <p:bgRef idx="1003">
-        <a:schemeClr val="bg2"/>
-      </p:bgRef>
-    </p:bg>
     <p:spTree>
       <p:nvGrpSpPr>
         <p:cNvPr id="1" name=""/>
@@ -883,63 +893,25 @@
         </p:nvSpPr>
         <p:spPr>
           <a:xfrm>
-            <a:off x="7680960" y="2926080"/>
-            <a:ext cx="34015680" cy="8778240"/>
+            <a:off x="3467102" y="11338562"/>
+            <a:ext cx="37307520" cy="10561320"/>
           </a:xfrm>
         </p:spPr>
         <p:txBody>
-          <a:bodyPr vert="horz" bIns="0" anchor="b">
-            <a:noAutofit/>
-            <a:scene3d>
-              <a:camera prst="orthographicFront"/>
-              <a:lightRig rig="soft" dir="t">
-                <a:rot lat="0" lon="0" rev="17220000"/>
-              </a:lightRig>
-            </a:scene3d>
-            <a:sp3d prstMaterial="softEdge">
-              <a:bevelT w="38100" h="38100"/>
-              <a:contourClr>
-                <a:schemeClr val="tx2">
-                  <a:shade val="50000"/>
-                </a:schemeClr>
-              </a:contourClr>
-            </a:sp3d>
+          <a:bodyPr anchor="b">
+            <a:normAutofit/>
           </a:bodyPr>
           <a:lstStyle>
-            <a:lvl1pPr algn="l" rtl="0">
-              <a:spcBef>
-                <a:spcPct val="0"/>
-              </a:spcBef>
-              <a:buNone/>
-              <a:defRPr sz="23000" b="1" cap="none" baseline="0">
-                <a:ln w="6350">
-                  <a:noFill/>
-                </a:ln>
-                <a:solidFill>
-                  <a:schemeClr val="accent1">
-                    <a:tint val="90000"/>
-                    <a:satMod val="120000"/>
-                  </a:schemeClr>
-                </a:solidFill>
-                <a:effectLst>
-                  <a:outerShdw blurRad="114300" dist="101600" dir="2700000" algn="tl" rotWithShape="0">
-                    <a:srgbClr val="000000">
-                      <a:alpha val="40000"/>
-                    </a:srgbClr>
-                  </a:outerShdw>
-                </a:effectLst>
-                <a:latin typeface="+mj-lt"/>
-                <a:ea typeface="+mj-ea"/>
-                <a:cs typeface="+mj-cs"/>
-              </a:defRPr>
+            <a:lvl1pPr algn="l">
+              <a:defRPr sz="23000" b="0" cap="all"/>
             </a:lvl1pPr>
           </a:lstStyle>
           <a:p>
             <a:r>
-              <a:rPr kumimoji="0" lang="en-US" smtClean="0"/>
+              <a:rPr lang="en-US" smtClean="0"/>
               <a:t>Click to edit Master title style</a:t>
             </a:r>
-            <a:endParaRPr kumimoji="0" lang="en-US"/>
+            <a:endParaRPr lang="en-US" dirty="0"/>
           </a:p>
         </p:txBody>
       </p:sp>
@@ -955,22 +927,24 @@
         </p:nvSpPr>
         <p:spPr>
           <a:xfrm>
-            <a:off x="7680960" y="12037373"/>
-            <a:ext cx="34015680" cy="7246618"/>
+            <a:off x="3467102" y="22208949"/>
+            <a:ext cx="37307520" cy="7200898"/>
           </a:xfrm>
         </p:spPr>
         <p:txBody>
-          <a:bodyPr anchor="t"/>
+          <a:bodyPr anchor="t">
+            <a:normAutofit/>
+          </a:bodyPr>
           <a:lstStyle>
-            <a:lvl1pPr marL="351130" indent="0" algn="l">
-              <a:buNone/>
-              <a:defRPr sz="9600">
+            <a:lvl1pPr marL="0" indent="0">
+              <a:buNone/>
+              <a:defRPr sz="11500">
                 <a:solidFill>
-                  <a:schemeClr val="tx1"/>
+                  <a:schemeClr val="tx2"/>
                 </a:solidFill>
               </a:defRPr>
             </a:lvl1pPr>
-            <a:lvl2pPr>
+            <a:lvl2pPr marL="2194560" indent="0">
               <a:buNone/>
               <a:defRPr sz="8600">
                 <a:solidFill>
@@ -980,7 +954,7 @@
                 </a:solidFill>
               </a:defRPr>
             </a:lvl2pPr>
-            <a:lvl3pPr>
+            <a:lvl3pPr marL="4389120" indent="0">
               <a:buNone/>
               <a:defRPr sz="7700">
                 <a:solidFill>
@@ -990,7 +964,7 @@
                 </a:solidFill>
               </a:defRPr>
             </a:lvl3pPr>
-            <a:lvl4pPr>
+            <a:lvl4pPr marL="6583680" indent="0">
               <a:buNone/>
               <a:defRPr sz="6700">
                 <a:solidFill>
@@ -1000,7 +974,7 @@
                 </a:solidFill>
               </a:defRPr>
             </a:lvl4pPr>
-            <a:lvl5pPr>
+            <a:lvl5pPr marL="8778240" indent="0">
               <a:buNone/>
               <a:defRPr sz="6700">
                 <a:solidFill>
@@ -1010,11 +984,51 @@
                 </a:solidFill>
               </a:defRPr>
             </a:lvl5pPr>
+            <a:lvl6pPr marL="10972800" indent="0">
+              <a:buNone/>
+              <a:defRPr sz="6700">
+                <a:solidFill>
+                  <a:schemeClr val="tx1">
+                    <a:tint val="75000"/>
+                  </a:schemeClr>
+                </a:solidFill>
+              </a:defRPr>
+            </a:lvl6pPr>
+            <a:lvl7pPr marL="13167360" indent="0">
+              <a:buNone/>
+              <a:defRPr sz="6700">
+                <a:solidFill>
+                  <a:schemeClr val="tx1">
+                    <a:tint val="75000"/>
+                  </a:schemeClr>
+                </a:solidFill>
+              </a:defRPr>
+            </a:lvl7pPr>
+            <a:lvl8pPr marL="15361920" indent="0">
+              <a:buNone/>
+              <a:defRPr sz="6700">
+                <a:solidFill>
+                  <a:schemeClr val="tx1">
+                    <a:tint val="75000"/>
+                  </a:schemeClr>
+                </a:solidFill>
+              </a:defRPr>
+            </a:lvl8pPr>
+            <a:lvl9pPr marL="17556480" indent="0">
+              <a:buNone/>
+              <a:defRPr sz="6700">
+                <a:solidFill>
+                  <a:schemeClr val="tx1">
+                    <a:tint val="75000"/>
+                  </a:schemeClr>
+                </a:solidFill>
+              </a:defRPr>
+            </a:lvl9pPr>
           </a:lstStyle>
           <a:p>
-            <a:pPr lvl="0" eaLnBrk="1" latinLnBrk="0" hangingPunct="1"/>
-            <a:r>
-              <a:rPr kumimoji="0" lang="en-US" smtClean="0"/>
+            <a:pPr lvl="0"/>
+            <a:r>
+              <a:rPr lang="en-US" smtClean="0"/>
               <a:t>Click to edit Master text styles</a:t>
             </a:r>
           </a:p>
@@ -1038,7 +1052,7 @@
             <a:fld id="{D9D26CB9-01E4-44B8-8084-BCC418CF4A2D}" type="datetimeFigureOut">
               <a:rPr lang="en-US" smtClean="0"/>
               <a:pPr/>
-              <a:t>5/22/2015</a:t>
+              <a:t>5/25/15</a:t>
             </a:fld>
             <a:endParaRPr lang="en-US" dirty="0"/>
           </a:p>
@@ -1073,12 +1087,7 @@
             <p:ph type="sldNum" sz="quarter" idx="12"/>
           </p:nvPr>
         </p:nvSpPr>
-        <p:spPr>
-          <a:xfrm>
-            <a:off x="38039040" y="30800042"/>
-            <a:ext cx="3657600" cy="1752600"/>
-          </a:xfrm>
-        </p:spPr>
+        <p:spPr/>
         <p:txBody>
           <a:bodyPr/>
           <a:lstStyle/>
@@ -1092,10 +1101,45 @@
           </a:p>
         </p:txBody>
       </p:sp>
+      <p:cxnSp>
+        <p:nvCxnSpPr>
+          <p:cNvPr id="7" name="Straight Connector 6"/>
+          <p:cNvCxnSpPr/>
+          <p:nvPr/>
+        </p:nvCxnSpPr>
+        <p:spPr>
+          <a:xfrm>
+            <a:off x="3511296" y="22077274"/>
+            <a:ext cx="37673280" cy="7622"/>
+          </a:xfrm>
+          <a:prstGeom prst="line">
+            <a:avLst/>
+          </a:prstGeom>
+          <a:ln w="19050">
+            <a:solidFill>
+              <a:schemeClr val="tx2"/>
+            </a:solidFill>
+          </a:ln>
+        </p:spPr>
+        <p:style>
+          <a:lnRef idx="1">
+            <a:schemeClr val="accent1"/>
+          </a:lnRef>
+          <a:fillRef idx="0">
+            <a:schemeClr val="accent1"/>
+          </a:fillRef>
+          <a:effectRef idx="0">
+            <a:schemeClr val="accent1"/>
+          </a:effectRef>
+          <a:fontRef idx="minor">
+            <a:schemeClr val="tx1"/>
+          </a:fontRef>
+        </p:style>
+      </p:cxnSp>
     </p:spTree>
   </p:cSld>
   <p:clrMapOvr>
-    <a:overrideClrMapping bg1="dk1" tx1="lt1" bg2="dk2" tx2="lt2" accent1="accent1" accent2="accent2" accent3="accent3" accent4="accent4" accent5="accent5" accent6="accent6" hlink="hlink" folHlink="folHlink"/>
+    <a:masterClrMapping/>
   </p:clrMapOvr>
 </p:sldLayout>
 </file>
@@ -1133,10 +1177,10 @@
           <a:lstStyle/>
           <a:p>
             <a:r>
-              <a:rPr kumimoji="0" lang="en-US" smtClean="0"/>
+              <a:rPr lang="en-US" smtClean="0"/>
               <a:t>Click to edit Master title style</a:t>
             </a:r>
-            <a:endParaRPr kumimoji="0" lang="en-US"/>
+            <a:endParaRPr lang="en-US"/>
           </a:p>
         </p:txBody>
       </p:sp>
@@ -1152,15 +1196,15 @@
         </p:nvSpPr>
         <p:spPr>
           <a:xfrm>
-            <a:off x="2194560" y="7680963"/>
-            <a:ext cx="19385280" cy="21724622"/>
+            <a:off x="2194560" y="8032090"/>
+            <a:ext cx="19385280" cy="22647859"/>
           </a:xfrm>
         </p:spPr>
         <p:txBody>
           <a:bodyPr/>
           <a:lstStyle>
             <a:lvl1pPr>
-              <a:defRPr sz="12500"/>
+              <a:defRPr sz="13400"/>
             </a:lvl1pPr>
             <a:lvl2pPr>
               <a:defRPr sz="11500"/>
@@ -1174,42 +1218,54 @@
             <a:lvl5pPr>
               <a:defRPr sz="8600"/>
             </a:lvl5pPr>
+            <a:lvl6pPr>
+              <a:defRPr sz="8600"/>
+            </a:lvl6pPr>
+            <a:lvl7pPr>
+              <a:defRPr sz="8600"/>
+            </a:lvl7pPr>
+            <a:lvl8pPr>
+              <a:defRPr sz="8600"/>
+            </a:lvl8pPr>
+            <a:lvl9pPr>
+              <a:defRPr sz="8600"/>
+            </a:lvl9pPr>
           </a:lstStyle>
           <a:p>
-            <a:pPr lvl="0" eaLnBrk="1" latinLnBrk="0" hangingPunct="1"/>
+            <a:pPr lvl="0"/>
             <a:r>
               <a:rPr lang="en-US" smtClean="0"/>
               <a:t>Click to edit Master text styles</a:t>
             </a:r>
           </a:p>
           <a:p>
-            <a:pPr lvl="1" eaLnBrk="1" latinLnBrk="0" hangingPunct="1"/>
+            <a:pPr lvl="1"/>
             <a:r>
               <a:rPr lang="en-US" smtClean="0"/>
               <a:t>Second level</a:t>
             </a:r>
           </a:p>
           <a:p>
-            <a:pPr lvl="2" eaLnBrk="1" latinLnBrk="0" hangingPunct="1"/>
+            <a:pPr lvl="2"/>
             <a:r>
               <a:rPr lang="en-US" smtClean="0"/>
               <a:t>Third level</a:t>
             </a:r>
           </a:p>
           <a:p>
-            <a:pPr lvl="3" eaLnBrk="1" latinLnBrk="0" hangingPunct="1"/>
+            <a:pPr lvl="3"/>
             <a:r>
               <a:rPr lang="en-US" smtClean="0"/>
               <a:t>Fourth level</a:t>
             </a:r>
           </a:p>
           <a:p>
-            <a:pPr lvl="4" eaLnBrk="1" latinLnBrk="0" hangingPunct="1"/>
+            <a:pPr lvl="4"/>
             <a:r>
               <a:rPr lang="en-US" smtClean="0"/>
               <a:t>Fifth level</a:t>
             </a:r>
-            <a:endParaRPr kumimoji="0" lang="en-US"/>
+            <a:endParaRPr lang="en-US" dirty="0"/>
           </a:p>
         </p:txBody>
       </p:sp>
@@ -1225,15 +1281,15 @@
         </p:nvSpPr>
         <p:spPr>
           <a:xfrm>
-            <a:off x="22311360" y="7680963"/>
-            <a:ext cx="19385280" cy="21724622"/>
+            <a:off x="22311360" y="8032090"/>
+            <a:ext cx="19385280" cy="22647859"/>
           </a:xfrm>
         </p:spPr>
         <p:txBody>
           <a:bodyPr/>
           <a:lstStyle>
             <a:lvl1pPr>
-              <a:defRPr sz="12500"/>
+              <a:defRPr sz="13400"/>
             </a:lvl1pPr>
             <a:lvl2pPr>
               <a:defRPr sz="11500"/>
@@ -1247,42 +1303,54 @@
             <a:lvl5pPr>
               <a:defRPr sz="8600"/>
             </a:lvl5pPr>
+            <a:lvl6pPr>
+              <a:defRPr sz="8600"/>
+            </a:lvl6pPr>
+            <a:lvl7pPr>
+              <a:defRPr sz="8600"/>
+            </a:lvl7pPr>
+            <a:lvl8pPr>
+              <a:defRPr sz="8600"/>
+            </a:lvl8pPr>
+            <a:lvl9pPr>
+              <a:defRPr sz="8600"/>
+            </a:lvl9pPr>
           </a:lstStyle>
           <a:p>
-            <a:pPr lvl="0" eaLnBrk="1" latinLnBrk="0" hangingPunct="1"/>
+            <a:pPr lvl="0"/>
             <a:r>
               <a:rPr lang="en-US" smtClean="0"/>
               <a:t>Click to edit Master text styles</a:t>
             </a:r>
           </a:p>
           <a:p>
-            <a:pPr lvl="1" eaLnBrk="1" latinLnBrk="0" hangingPunct="1"/>
+            <a:pPr lvl="1"/>
             <a:r>
               <a:rPr lang="en-US" smtClean="0"/>
               <a:t>Second level</a:t>
             </a:r>
           </a:p>
           <a:p>
-            <a:pPr lvl="2" eaLnBrk="1" latinLnBrk="0" hangingPunct="1"/>
+            <a:pPr lvl="2"/>
             <a:r>
               <a:rPr lang="en-US" smtClean="0"/>
               <a:t>Third level</a:t>
             </a:r>
           </a:p>
           <a:p>
-            <a:pPr lvl="3" eaLnBrk="1" latinLnBrk="0" hangingPunct="1"/>
+            <a:pPr lvl="3"/>
             <a:r>
               <a:rPr lang="en-US" smtClean="0"/>
               <a:t>Fourth level</a:t>
             </a:r>
           </a:p>
           <a:p>
-            <a:pPr lvl="4" eaLnBrk="1" latinLnBrk="0" hangingPunct="1"/>
+            <a:pPr lvl="4"/>
             <a:r>
               <a:rPr lang="en-US" smtClean="0"/>
               <a:t>Fifth level</a:t>
             </a:r>
-            <a:endParaRPr kumimoji="0" lang="en-US"/>
+            <a:endParaRPr lang="en-US" dirty="0"/>
           </a:p>
         </p:txBody>
       </p:sp>
@@ -1304,7 +1372,7 @@
             <a:fld id="{D9D26CB9-01E4-44B8-8084-BCC418CF4A2D}" type="datetimeFigureOut">
               <a:rPr lang="en-US" smtClean="0"/>
               <a:pPr/>
-              <a:t>5/22/2015</a:t>
+              <a:t>5/25/15</a:t>
             </a:fld>
             <a:endParaRPr lang="en-US" dirty="0"/>
           </a:p>
@@ -1388,14 +1456,9 @@
             <p:ph type="title"/>
           </p:nvPr>
         </p:nvSpPr>
-        <p:spPr>
-          <a:xfrm>
-            <a:off x="2194560" y="1310640"/>
-            <a:ext cx="39502080" cy="5486400"/>
-          </a:xfrm>
-        </p:spPr>
-        <p:txBody>
-          <a:bodyPr anchor="ctr"/>
+        <p:spPr/>
+        <p:txBody>
+          <a:bodyPr/>
           <a:lstStyle>
             <a:lvl1pPr>
               <a:defRPr/>
@@ -1403,10 +1466,10 @@
           </a:lstStyle>
           <a:p>
             <a:r>
-              <a:rPr kumimoji="0" lang="en-US" smtClean="0"/>
+              <a:rPr lang="en-US" smtClean="0"/>
               <a:t>Click to edit Master title style</a:t>
             </a:r>
-            <a:endParaRPr kumimoji="0" lang="en-US"/>
+            <a:endParaRPr lang="en-US" dirty="0"/>
           </a:p>
         </p:txBody>
       </p:sp>
@@ -1422,42 +1485,77 @@
         </p:nvSpPr>
         <p:spPr>
           <a:xfrm>
-            <a:off x="2194560" y="7368540"/>
-            <a:ext cx="19392902" cy="3604258"/>
+            <a:off x="2194560" y="8046720"/>
+            <a:ext cx="18873216" cy="3070858"/>
           </a:xfrm>
+          <a:noFill/>
+          <a:ln>
+            <a:noFill/>
+          </a:ln>
+          <a:effectLst/>
         </p:spPr>
-        <p:txBody>
-          <a:bodyPr anchor="ctr"/>
+        <p:style>
+          <a:lnRef idx="3">
+            <a:schemeClr val="lt1"/>
+          </a:lnRef>
+          <a:fillRef idx="1">
+            <a:schemeClr val="accent2"/>
+          </a:fillRef>
+          <a:effectRef idx="1">
+            <a:schemeClr val="accent2"/>
+          </a:effectRef>
+          <a:fontRef idx="none"/>
+        </p:style>
+        <p:txBody>
+          <a:bodyPr anchor="ctr">
+            <a:normAutofit/>
+          </a:bodyPr>
           <a:lstStyle>
-            <a:lvl1pPr marL="0" indent="0">
-              <a:buNone/>
-              <a:defRPr sz="11500" b="0" cap="all" baseline="0">
+            <a:lvl1pPr marL="0" indent="0" algn="ctr">
+              <a:buNone/>
+              <a:defRPr sz="9600" b="0">
                 <a:solidFill>
-                  <a:schemeClr val="tx1"/>
+                  <a:schemeClr val="tx2"/>
                 </a:solidFill>
               </a:defRPr>
             </a:lvl1pPr>
-            <a:lvl2pPr>
+            <a:lvl2pPr marL="2194560" indent="0">
               <a:buNone/>
               <a:defRPr sz="9600" b="1"/>
             </a:lvl2pPr>
-            <a:lvl3pPr>
+            <a:lvl3pPr marL="4389120" indent="0">
               <a:buNone/>
               <a:defRPr sz="8600" b="1"/>
             </a:lvl3pPr>
-            <a:lvl4pPr>
+            <a:lvl4pPr marL="6583680" indent="0">
               <a:buNone/>
               <a:defRPr sz="7700" b="1"/>
             </a:lvl4pPr>
-            <a:lvl5pPr>
+            <a:lvl5pPr marL="8778240" indent="0">
               <a:buNone/>
               <a:defRPr sz="7700" b="1"/>
             </a:lvl5pPr>
+            <a:lvl6pPr marL="10972800" indent="0">
+              <a:buNone/>
+              <a:defRPr sz="7700" b="1"/>
+            </a:lvl6pPr>
+            <a:lvl7pPr marL="13167360" indent="0">
+              <a:buNone/>
+              <a:defRPr sz="7700" b="1"/>
+            </a:lvl7pPr>
+            <a:lvl8pPr marL="15361920" indent="0">
+              <a:buNone/>
+              <a:defRPr sz="7700" b="1"/>
+            </a:lvl8pPr>
+            <a:lvl9pPr marL="17556480" indent="0">
+              <a:buNone/>
+              <a:defRPr sz="7700" b="1"/>
+            </a:lvl9pPr>
           </a:lstStyle>
           <a:p>
-            <a:pPr lvl="0" eaLnBrk="1" latinLnBrk="0" hangingPunct="1"/>
-            <a:r>
-              <a:rPr kumimoji="0" lang="en-US" smtClean="0"/>
+            <a:pPr lvl="0"/>
+            <a:r>
+              <a:rPr lang="en-US" smtClean="0"/>
               <a:t>Click to edit Master text styles</a:t>
             </a:r>
           </a:p>
@@ -1465,71 +1563,18 @@
       </p:sp>
       <p:sp>
         <p:nvSpPr>
-          <p:cNvPr id="4" name="Text Placeholder 3"/>
-          <p:cNvSpPr>
-            <a:spLocks noGrp="1"/>
-          </p:cNvSpPr>
-          <p:nvPr>
-            <p:ph type="body" sz="half" idx="3"/>
+          <p:cNvPr id="4" name="Content Placeholder 3"/>
+          <p:cNvSpPr>
+            <a:spLocks noGrp="1"/>
+          </p:cNvSpPr>
+          <p:nvPr>
+            <p:ph sz="half" idx="2"/>
           </p:nvPr>
         </p:nvSpPr>
         <p:spPr>
           <a:xfrm>
-            <a:off x="22296122" y="7368540"/>
-            <a:ext cx="19400520" cy="3604258"/>
-          </a:xfrm>
-        </p:spPr>
-        <p:txBody>
-          <a:bodyPr anchor="ctr"/>
-          <a:lstStyle>
-            <a:lvl1pPr marL="0" indent="0">
-              <a:buNone/>
-              <a:defRPr sz="11500" b="0" cap="all" baseline="0">
-                <a:solidFill>
-                  <a:schemeClr val="tx1"/>
-                </a:solidFill>
-              </a:defRPr>
-            </a:lvl1pPr>
-            <a:lvl2pPr>
-              <a:buNone/>
-              <a:defRPr sz="9600" b="1"/>
-            </a:lvl2pPr>
-            <a:lvl3pPr>
-              <a:buNone/>
-              <a:defRPr sz="8600" b="1"/>
-            </a:lvl3pPr>
-            <a:lvl4pPr>
-              <a:buNone/>
-              <a:defRPr sz="7700" b="1"/>
-            </a:lvl4pPr>
-            <a:lvl5pPr>
-              <a:buNone/>
-              <a:defRPr sz="7700" b="1"/>
-            </a:lvl5pPr>
-          </a:lstStyle>
-          <a:p>
-            <a:pPr lvl="0" eaLnBrk="1" latinLnBrk="0" hangingPunct="1"/>
-            <a:r>
-              <a:rPr kumimoji="0" lang="en-US" smtClean="0"/>
-              <a:t>Click to edit Master text styles</a:t>
-            </a:r>
-          </a:p>
-        </p:txBody>
-      </p:sp>
-      <p:sp>
-        <p:nvSpPr>
-          <p:cNvPr id="5" name="Content Placeholder 4"/>
-          <p:cNvSpPr>
-            <a:spLocks noGrp="1"/>
-          </p:cNvSpPr>
-          <p:nvPr>
-            <p:ph sz="quarter" idx="2"/>
-          </p:nvPr>
-        </p:nvSpPr>
-        <p:spPr>
-          <a:xfrm>
-            <a:off x="2194560" y="11338563"/>
-            <a:ext cx="19392902" cy="18067022"/>
+            <a:off x="2194560" y="11704320"/>
+            <a:ext cx="18873216" cy="18966182"/>
           </a:xfrm>
         </p:spPr>
         <p:txBody>
@@ -1550,59 +1595,162 @@
             <a:lvl5pPr>
               <a:defRPr sz="7700"/>
             </a:lvl5pPr>
+            <a:lvl6pPr>
+              <a:defRPr sz="7700"/>
+            </a:lvl6pPr>
+            <a:lvl7pPr>
+              <a:defRPr sz="7700"/>
+            </a:lvl7pPr>
+            <a:lvl8pPr>
+              <a:defRPr sz="7700"/>
+            </a:lvl8pPr>
+            <a:lvl9pPr>
+              <a:defRPr sz="7700"/>
+            </a:lvl9pPr>
           </a:lstStyle>
           <a:p>
-            <a:pPr lvl="0" eaLnBrk="1" latinLnBrk="0" hangingPunct="1"/>
+            <a:pPr lvl="0"/>
             <a:r>
               <a:rPr lang="en-US" smtClean="0"/>
               <a:t>Click to edit Master text styles</a:t>
             </a:r>
           </a:p>
           <a:p>
-            <a:pPr lvl="1" eaLnBrk="1" latinLnBrk="0" hangingPunct="1"/>
+            <a:pPr lvl="1"/>
             <a:r>
               <a:rPr lang="en-US" smtClean="0"/>
               <a:t>Second level</a:t>
             </a:r>
           </a:p>
           <a:p>
-            <a:pPr lvl="2" eaLnBrk="1" latinLnBrk="0" hangingPunct="1"/>
+            <a:pPr lvl="2"/>
             <a:r>
               <a:rPr lang="en-US" smtClean="0"/>
               <a:t>Third level</a:t>
             </a:r>
           </a:p>
           <a:p>
-            <a:pPr lvl="3" eaLnBrk="1" latinLnBrk="0" hangingPunct="1"/>
+            <a:pPr lvl="3"/>
             <a:r>
               <a:rPr lang="en-US" smtClean="0"/>
               <a:t>Fourth level</a:t>
             </a:r>
           </a:p>
           <a:p>
-            <a:pPr lvl="4" eaLnBrk="1" latinLnBrk="0" hangingPunct="1"/>
+            <a:pPr lvl="4"/>
             <a:r>
               <a:rPr lang="en-US" smtClean="0"/>
               <a:t>Fifth level</a:t>
             </a:r>
-            <a:endParaRPr kumimoji="0" lang="en-US"/>
-          </a:p>
-        </p:txBody>
-      </p:sp>
-      <p:sp>
-        <p:nvSpPr>
-          <p:cNvPr id="6" name="Content Placeholder 5"/>
-          <p:cNvSpPr>
-            <a:spLocks noGrp="1"/>
-          </p:cNvSpPr>
-          <p:nvPr>
-            <p:ph sz="quarter" idx="4"/>
+            <a:endParaRPr lang="en-US" dirty="0"/>
+          </a:p>
+        </p:txBody>
+      </p:sp>
+      <p:sp>
+        <p:nvSpPr>
+          <p:cNvPr id="5" name="Text Placeholder 4"/>
+          <p:cNvSpPr>
+            <a:spLocks noGrp="1"/>
+          </p:cNvSpPr>
+          <p:nvPr>
+            <p:ph type="body" sz="quarter" idx="3"/>
           </p:nvPr>
         </p:nvSpPr>
         <p:spPr>
           <a:xfrm>
-            <a:off x="22296122" y="11338563"/>
-            <a:ext cx="19400520" cy="18067022"/>
+            <a:off x="22823424" y="8046720"/>
+            <a:ext cx="18873216" cy="3070858"/>
+          </a:xfrm>
+          <a:noFill/>
+          <a:ln>
+            <a:noFill/>
+          </a:ln>
+          <a:effectLst/>
+        </p:spPr>
+        <p:style>
+          <a:lnRef idx="3">
+            <a:schemeClr val="lt1"/>
+          </a:lnRef>
+          <a:fillRef idx="1">
+            <a:schemeClr val="accent2"/>
+          </a:fillRef>
+          <a:effectRef idx="1">
+            <a:schemeClr val="accent2"/>
+          </a:effectRef>
+          <a:fontRef idx="none"/>
+        </p:style>
+        <p:txBody>
+          <a:bodyPr anchor="ctr">
+            <a:normAutofit/>
+          </a:bodyPr>
+          <a:lstStyle>
+            <a:lvl1pPr marL="0" indent="0" algn="ctr">
+              <a:buNone/>
+              <a:defRPr lang="en-US" sz="9600" b="0" kern="1200" dirty="0" smtClean="0">
+                <a:solidFill>
+                  <a:schemeClr val="tx2"/>
+                </a:solidFill>
+                <a:latin typeface="+mn-lt"/>
+                <a:ea typeface="+mn-ea"/>
+                <a:cs typeface="+mn-cs"/>
+              </a:defRPr>
+            </a:lvl1pPr>
+            <a:lvl2pPr marL="2194560" indent="0">
+              <a:buNone/>
+              <a:defRPr sz="9600" b="1"/>
+            </a:lvl2pPr>
+            <a:lvl3pPr marL="4389120" indent="0">
+              <a:buNone/>
+              <a:defRPr sz="8600" b="1"/>
+            </a:lvl3pPr>
+            <a:lvl4pPr marL="6583680" indent="0">
+              <a:buNone/>
+              <a:defRPr sz="7700" b="1"/>
+            </a:lvl4pPr>
+            <a:lvl5pPr marL="8778240" indent="0">
+              <a:buNone/>
+              <a:defRPr sz="7700" b="1"/>
+            </a:lvl5pPr>
+            <a:lvl6pPr marL="10972800" indent="0">
+              <a:buNone/>
+              <a:defRPr sz="7700" b="1"/>
+            </a:lvl6pPr>
+            <a:lvl7pPr marL="13167360" indent="0">
+              <a:buNone/>
+              <a:defRPr sz="7700" b="1"/>
+            </a:lvl7pPr>
+            <a:lvl8pPr marL="15361920" indent="0">
+              <a:buNone/>
+              <a:defRPr sz="7700" b="1"/>
+            </a:lvl8pPr>
+            <a:lvl9pPr marL="17556480" indent="0">
+              <a:buNone/>
+              <a:defRPr sz="7700" b="1"/>
+            </a:lvl9pPr>
+          </a:lstStyle>
+          <a:p>
+            <a:pPr lvl="0"/>
+            <a:r>
+              <a:rPr lang="en-US" smtClean="0"/>
+              <a:t>Click to edit Master text styles</a:t>
+            </a:r>
+          </a:p>
+        </p:txBody>
+      </p:sp>
+      <p:sp>
+        <p:nvSpPr>
+          <p:cNvPr id="6" name="Content Placeholder 5"/>
+          <p:cNvSpPr>
+            <a:spLocks noGrp="1"/>
+          </p:cNvSpPr>
+          <p:nvPr>
+            <p:ph sz="quarter" idx="4"/>
+          </p:nvPr>
+        </p:nvSpPr>
+        <p:spPr>
+          <a:xfrm>
+            <a:off x="22823424" y="11704320"/>
+            <a:ext cx="18873216" cy="18966182"/>
           </a:xfrm>
         </p:spPr>
         <p:txBody>
@@ -1623,42 +1771,54 @@
             <a:lvl5pPr>
               <a:defRPr sz="7700"/>
             </a:lvl5pPr>
+            <a:lvl6pPr>
+              <a:defRPr sz="7700"/>
+            </a:lvl6pPr>
+            <a:lvl7pPr>
+              <a:defRPr sz="7700"/>
+            </a:lvl7pPr>
+            <a:lvl8pPr>
+              <a:defRPr sz="7700"/>
+            </a:lvl8pPr>
+            <a:lvl9pPr>
+              <a:defRPr sz="7700"/>
+            </a:lvl9pPr>
           </a:lstStyle>
           <a:p>
-            <a:pPr lvl="0" eaLnBrk="1" latinLnBrk="0" hangingPunct="1"/>
+            <a:pPr lvl="0"/>
             <a:r>
               <a:rPr lang="en-US" smtClean="0"/>
               <a:t>Click to edit Master text styles</a:t>
             </a:r>
           </a:p>
           <a:p>
-            <a:pPr lvl="1" eaLnBrk="1" latinLnBrk="0" hangingPunct="1"/>
+            <a:pPr lvl="1"/>
             <a:r>
               <a:rPr lang="en-US" smtClean="0"/>
               <a:t>Second level</a:t>
             </a:r>
           </a:p>
           <a:p>
-            <a:pPr lvl="2" eaLnBrk="1" latinLnBrk="0" hangingPunct="1"/>
+            <a:pPr lvl="2"/>
             <a:r>
               <a:rPr lang="en-US" smtClean="0"/>
               <a:t>Third level</a:t>
             </a:r>
           </a:p>
           <a:p>
-            <a:pPr lvl="3" eaLnBrk="1" latinLnBrk="0" hangingPunct="1"/>
+            <a:pPr lvl="3"/>
             <a:r>
               <a:rPr lang="en-US" smtClean="0"/>
               <a:t>Fourth level</a:t>
             </a:r>
           </a:p>
           <a:p>
-            <a:pPr lvl="4" eaLnBrk="1" latinLnBrk="0" hangingPunct="1"/>
+            <a:pPr lvl="4"/>
             <a:r>
               <a:rPr lang="en-US" smtClean="0"/>
               <a:t>Fifth level</a:t>
             </a:r>
-            <a:endParaRPr kumimoji="0" lang="en-US"/>
+            <a:endParaRPr lang="en-US" dirty="0"/>
           </a:p>
         </p:txBody>
       </p:sp>
@@ -1680,7 +1840,7 @@
             <a:fld id="{D9D26CB9-01E4-44B8-8084-BCC418CF4A2D}" type="datetimeFigureOut">
               <a:rPr lang="en-US" smtClean="0"/>
               <a:pPr/>
-              <a:t>5/22/2015</a:t>
+              <a:t>5/25/15</a:t>
             </a:fld>
             <a:endParaRPr lang="en-US" dirty="0"/>
           </a:p>
@@ -1729,6 +1889,41 @@
           </a:p>
         </p:txBody>
       </p:sp>
+      <p:cxnSp>
+        <p:nvCxnSpPr>
+          <p:cNvPr id="11" name="Straight Connector 10"/>
+          <p:cNvCxnSpPr/>
+          <p:nvPr/>
+        </p:nvCxnSpPr>
+        <p:spPr>
+          <a:xfrm rot="5400000">
+            <a:off x="10645522" y="19419951"/>
+            <a:ext cx="22603968" cy="3811"/>
+          </a:xfrm>
+          <a:prstGeom prst="line">
+            <a:avLst/>
+          </a:prstGeom>
+          <a:ln w="19050">
+            <a:solidFill>
+              <a:schemeClr val="tx2"/>
+            </a:solidFill>
+          </a:ln>
+        </p:spPr>
+        <p:style>
+          <a:lnRef idx="1">
+            <a:schemeClr val="accent1"/>
+          </a:lnRef>
+          <a:fillRef idx="0">
+            <a:schemeClr val="accent1"/>
+          </a:fillRef>
+          <a:effectRef idx="0">
+            <a:schemeClr val="accent1"/>
+          </a:effectRef>
+          <a:fontRef idx="minor">
+            <a:schemeClr val="tx1"/>
+          </a:fontRef>
+        </p:style>
+      </p:cxnSp>
     </p:spTree>
   </p:cSld>
   <p:clrMapOvr>
@@ -1770,10 +1965,10 @@
           <a:lstStyle/>
           <a:p>
             <a:r>
-              <a:rPr kumimoji="0" lang="en-US" smtClean="0"/>
+              <a:rPr lang="en-US" smtClean="0"/>
               <a:t>Click to edit Master title style</a:t>
             </a:r>
-            <a:endParaRPr kumimoji="0" lang="en-US"/>
+            <a:endParaRPr lang="en-US"/>
           </a:p>
         </p:txBody>
       </p:sp>
@@ -1795,7 +1990,7 @@
             <a:fld id="{D9D26CB9-01E4-44B8-8084-BCC418CF4A2D}" type="datetimeFigureOut">
               <a:rPr lang="en-US" smtClean="0"/>
               <a:pPr/>
-              <a:t>5/22/2015</a:t>
+              <a:t>5/25/15</a:t>
             </a:fld>
             <a:endParaRPr lang="en-US" dirty="0"/>
           </a:p>
@@ -1887,7 +2082,7 @@
             <a:fld id="{D9D26CB9-01E4-44B8-8084-BCC418CF4A2D}" type="datetimeFigureOut">
               <a:rPr lang="en-US" smtClean="0"/>
               <a:pPr/>
-              <a:t>5/22/2015</a:t>
+              <a:t>5/25/15</a:t>
             </a:fld>
             <a:endParaRPr lang="en-US" dirty="0"/>
           </a:p>
@@ -1973,159 +2168,175 @@
         </p:nvSpPr>
         <p:spPr>
           <a:xfrm>
-            <a:off x="2194563" y="1310640"/>
-            <a:ext cx="14439902" cy="5577840"/>
+            <a:off x="2194560" y="3801984"/>
+            <a:ext cx="10270541" cy="6056986"/>
           </a:xfrm>
         </p:spPr>
         <p:txBody>
-          <a:bodyPr vert="horz" anchor="b">
-            <a:normAutofit/>
-            <a:sp3d prstMaterial="softEdge"/>
+          <a:bodyPr anchor="b">
+            <a:noAutofit/>
           </a:bodyPr>
           <a:lstStyle>
             <a:lvl1pPr algn="l">
-              <a:buNone/>
-              <a:defRPr sz="10600" b="0">
-                <a:ln w="6350">
-                  <a:noFill/>
-                </a:ln>
-                <a:solidFill>
-                  <a:schemeClr val="accent1">
-                    <a:tint val="73000"/>
-                    <a:satMod val="180000"/>
-                  </a:schemeClr>
-                </a:solidFill>
-              </a:defRPr>
+              <a:defRPr sz="11500" b="0"/>
             </a:lvl1pPr>
           </a:lstStyle>
           <a:p>
             <a:r>
-              <a:rPr kumimoji="0" lang="en-US" smtClean="0"/>
+              <a:rPr lang="en-US" smtClean="0"/>
               <a:t>Click to edit Master title style</a:t>
             </a:r>
-            <a:endParaRPr kumimoji="0" lang="en-US"/>
-          </a:p>
-        </p:txBody>
-      </p:sp>
-      <p:sp>
-        <p:nvSpPr>
-          <p:cNvPr id="3" name="Text Placeholder 2"/>
-          <p:cNvSpPr>
-            <a:spLocks noGrp="1"/>
-          </p:cNvSpPr>
-          <p:nvPr>
-            <p:ph type="body" idx="2"/>
+            <a:endParaRPr lang="en-US" dirty="0"/>
+          </a:p>
+        </p:txBody>
+      </p:sp>
+      <p:sp>
+        <p:nvSpPr>
+          <p:cNvPr id="3" name="Content Placeholder 2"/>
+          <p:cNvSpPr>
+            <a:spLocks noGrp="1"/>
+          </p:cNvSpPr>
+          <p:nvPr>
+            <p:ph idx="1"/>
           </p:nvPr>
         </p:nvSpPr>
         <p:spPr>
           <a:xfrm>
-            <a:off x="2194563" y="7315203"/>
-            <a:ext cx="14439902" cy="22090382"/>
+            <a:off x="14264640" y="3801984"/>
+            <a:ext cx="27432000" cy="26773632"/>
           </a:xfrm>
         </p:spPr>
         <p:txBody>
           <a:bodyPr/>
           <a:lstStyle>
-            <a:lvl1pPr marL="0" indent="0">
-              <a:buNone/>
-              <a:defRPr sz="6700"/>
+            <a:lvl1pPr>
+              <a:defRPr sz="15400"/>
             </a:lvl1pPr>
             <a:lvl2pPr>
-              <a:buNone/>
-              <a:defRPr sz="5800"/>
+              <a:defRPr sz="13400"/>
             </a:lvl2pPr>
             <a:lvl3pPr>
-              <a:buNone/>
-              <a:defRPr sz="4800"/>
-            </a:lvl3pPr>
-            <a:lvl4pPr>
-              <a:buNone/>
-              <a:defRPr sz="4300"/>
-            </a:lvl4pPr>
-            <a:lvl5pPr>
-              <a:buNone/>
-              <a:defRPr sz="4300"/>
-            </a:lvl5pPr>
-          </a:lstStyle>
-          <a:p>
-            <a:pPr lvl="0" eaLnBrk="1" latinLnBrk="0" hangingPunct="1"/>
-            <a:r>
-              <a:rPr kumimoji="0" lang="en-US" smtClean="0"/>
-              <a:t>Click to edit Master text styles</a:t>
-            </a:r>
-          </a:p>
-        </p:txBody>
-      </p:sp>
-      <p:sp>
-        <p:nvSpPr>
-          <p:cNvPr id="4" name="Content Placeholder 3"/>
-          <p:cNvSpPr>
-            <a:spLocks noGrp="1"/>
-          </p:cNvSpPr>
-          <p:nvPr>
-            <p:ph sz="half" idx="1"/>
-          </p:nvPr>
-        </p:nvSpPr>
-        <p:spPr>
-          <a:xfrm>
-            <a:off x="17160240" y="1310643"/>
-            <a:ext cx="24536400" cy="28094942"/>
-          </a:xfrm>
-        </p:spPr>
-        <p:txBody>
-          <a:bodyPr/>
-          <a:lstStyle>
-            <a:lvl1pPr>
-              <a:defRPr sz="12500"/>
-            </a:lvl1pPr>
-            <a:lvl2pPr>
               <a:defRPr sz="11500"/>
-            </a:lvl2pPr>
-            <a:lvl3pPr>
-              <a:defRPr sz="10600"/>
             </a:lvl3pPr>
             <a:lvl4pPr>
               <a:defRPr sz="9600"/>
             </a:lvl4pPr>
             <a:lvl5pPr>
-              <a:defRPr sz="8600"/>
+              <a:defRPr sz="9600"/>
             </a:lvl5pPr>
+            <a:lvl6pPr>
+              <a:defRPr sz="9600"/>
+            </a:lvl6pPr>
+            <a:lvl7pPr>
+              <a:defRPr sz="9600"/>
+            </a:lvl7pPr>
+            <a:lvl8pPr>
+              <a:defRPr sz="9600"/>
+            </a:lvl8pPr>
+            <a:lvl9pPr>
+              <a:defRPr sz="9600"/>
+            </a:lvl9pPr>
           </a:lstStyle>
           <a:p>
-            <a:pPr lvl="0" eaLnBrk="1" latinLnBrk="0" hangingPunct="1"/>
+            <a:pPr lvl="0"/>
             <a:r>
               <a:rPr lang="en-US" smtClean="0"/>
               <a:t>Click to edit Master text styles</a:t>
             </a:r>
           </a:p>
           <a:p>
-            <a:pPr lvl="1" eaLnBrk="1" latinLnBrk="0" hangingPunct="1"/>
+            <a:pPr lvl="1"/>
             <a:r>
               <a:rPr lang="en-US" smtClean="0"/>
               <a:t>Second level</a:t>
             </a:r>
           </a:p>
           <a:p>
-            <a:pPr lvl="2" eaLnBrk="1" latinLnBrk="0" hangingPunct="1"/>
+            <a:pPr lvl="2"/>
             <a:r>
               <a:rPr lang="en-US" smtClean="0"/>
               <a:t>Third level</a:t>
             </a:r>
           </a:p>
           <a:p>
-            <a:pPr lvl="3" eaLnBrk="1" latinLnBrk="0" hangingPunct="1"/>
+            <a:pPr lvl="3"/>
             <a:r>
               <a:rPr lang="en-US" smtClean="0"/>
               <a:t>Fourth level</a:t>
             </a:r>
           </a:p>
           <a:p>
-            <a:pPr lvl="4" eaLnBrk="1" latinLnBrk="0" hangingPunct="1"/>
+            <a:pPr lvl="4"/>
             <a:r>
               <a:rPr lang="en-US" smtClean="0"/>
               <a:t>Fifth level</a:t>
             </a:r>
-            <a:endParaRPr kumimoji="0" lang="en-US"/>
+            <a:endParaRPr lang="en-US" dirty="0"/>
+          </a:p>
+        </p:txBody>
+      </p:sp>
+      <p:sp>
+        <p:nvSpPr>
+          <p:cNvPr id="4" name="Text Placeholder 3"/>
+          <p:cNvSpPr>
+            <a:spLocks noGrp="1"/>
+          </p:cNvSpPr>
+          <p:nvPr>
+            <p:ph type="body" sz="half" idx="2"/>
+          </p:nvPr>
+        </p:nvSpPr>
+        <p:spPr>
+          <a:xfrm>
+            <a:off x="2194565" y="10226652"/>
+            <a:ext cx="10270541" cy="20369352"/>
+          </a:xfrm>
+        </p:spPr>
+        <p:txBody>
+          <a:bodyPr/>
+          <a:lstStyle>
+            <a:lvl1pPr marL="0" indent="0">
+              <a:buNone/>
+              <a:defRPr sz="6700"/>
+            </a:lvl1pPr>
+            <a:lvl2pPr marL="2194560" indent="0">
+              <a:buNone/>
+              <a:defRPr sz="5800"/>
+            </a:lvl2pPr>
+            <a:lvl3pPr marL="4389120" indent="0">
+              <a:buNone/>
+              <a:defRPr sz="4800"/>
+            </a:lvl3pPr>
+            <a:lvl4pPr marL="6583680" indent="0">
+              <a:buNone/>
+              <a:defRPr sz="4300"/>
+            </a:lvl4pPr>
+            <a:lvl5pPr marL="8778240" indent="0">
+              <a:buNone/>
+              <a:defRPr sz="4300"/>
+            </a:lvl5pPr>
+            <a:lvl6pPr marL="10972800" indent="0">
+              <a:buNone/>
+              <a:defRPr sz="4300"/>
+            </a:lvl6pPr>
+            <a:lvl7pPr marL="13167360" indent="0">
+              <a:buNone/>
+              <a:defRPr sz="4300"/>
+            </a:lvl7pPr>
+            <a:lvl8pPr marL="15361920" indent="0">
+              <a:buNone/>
+              <a:defRPr sz="4300"/>
+            </a:lvl8pPr>
+            <a:lvl9pPr marL="17556480" indent="0">
+              <a:buNone/>
+              <a:defRPr sz="4300"/>
+            </a:lvl9pPr>
+          </a:lstStyle>
+          <a:p>
+            <a:pPr lvl="0"/>
+            <a:r>
+              <a:rPr lang="en-US" smtClean="0"/>
+              <a:t>Click to edit Master text styles</a:t>
+            </a:r>
           </a:p>
         </p:txBody>
       </p:sp>
@@ -2147,7 +2358,7 @@
             <a:fld id="{D9D26CB9-01E4-44B8-8084-BCC418CF4A2D}" type="datetimeFigureOut">
               <a:rPr lang="en-US" smtClean="0"/>
               <a:pPr/>
-              <a:t>5/22/2015</a:t>
+              <a:t>5/25/15</a:t>
             </a:fld>
             <a:endParaRPr lang="en-US" dirty="0"/>
           </a:p>
@@ -2196,6 +2407,41 @@
           </a:p>
         </p:txBody>
       </p:sp>
+      <p:cxnSp>
+        <p:nvCxnSpPr>
+          <p:cNvPr id="9" name="Straight Connector 8"/>
+          <p:cNvCxnSpPr/>
+          <p:nvPr/>
+        </p:nvCxnSpPr>
+        <p:spPr>
+          <a:xfrm rot="5400000">
+            <a:off x="-62957" y="17184989"/>
+            <a:ext cx="26773632" cy="7622"/>
+          </a:xfrm>
+          <a:prstGeom prst="line">
+            <a:avLst/>
+          </a:prstGeom>
+          <a:ln w="19050">
+            <a:solidFill>
+              <a:schemeClr val="tx2"/>
+            </a:solidFill>
+          </a:ln>
+        </p:spPr>
+        <p:style>
+          <a:lnRef idx="1">
+            <a:schemeClr val="accent1"/>
+          </a:lnRef>
+          <a:fillRef idx="0">
+            <a:schemeClr val="accent1"/>
+          </a:fillRef>
+          <a:effectRef idx="0">
+            <a:schemeClr val="accent1"/>
+          </a:effectRef>
+          <a:fontRef idx="minor">
+            <a:schemeClr val="tx1"/>
+          </a:fontRef>
+        </p:style>
+      </p:cxnSp>
     </p:spTree>
   </p:cSld>
   <p:clrMapOvr>
@@ -2233,26 +2479,25 @@
         </p:nvSpPr>
         <p:spPr>
           <a:xfrm>
-            <a:off x="8778240" y="2926080"/>
-            <a:ext cx="26334720" cy="2506982"/>
+            <a:off x="2194560" y="3803904"/>
+            <a:ext cx="10284864" cy="6071616"/>
           </a:xfrm>
         </p:spPr>
         <p:txBody>
-          <a:bodyPr lIns="219456" rIns="219456" bIns="0" anchor="b">
-            <a:sp3d prstMaterial="softEdge"/>
+          <a:bodyPr anchor="b">
+            <a:normAutofit/>
           </a:bodyPr>
           <a:lstStyle>
-            <a:lvl1pPr algn="ctr">
-              <a:buNone/>
-              <a:defRPr sz="9600" b="1"/>
+            <a:lvl1pPr algn="l">
+              <a:defRPr sz="11500" b="0"/>
             </a:lvl1pPr>
           </a:lstStyle>
           <a:p>
             <a:r>
-              <a:rPr kumimoji="0" lang="en-US" smtClean="0"/>
+              <a:rPr lang="en-US" smtClean="0"/>
               <a:t>Click to edit Master title style</a:t>
             </a:r>
-            <a:endParaRPr kumimoji="0" lang="en-US"/>
+            <a:endParaRPr lang="en-US" dirty="0"/>
           </a:p>
         </p:txBody>
       </p:sp>
@@ -2268,85 +2513,72 @@
         </p:nvSpPr>
         <p:spPr>
           <a:xfrm>
-            <a:off x="8778240" y="8793480"/>
-            <a:ext cx="26334720" cy="19019520"/>
+            <a:off x="13721328" y="4023365"/>
+            <a:ext cx="28341072" cy="26402189"/>
           </a:xfrm>
           <a:solidFill>
             <a:schemeClr val="bg2"/>
           </a:solidFill>
-          <a:ln w="44450" cap="sq" cmpd="sng" algn="ctr">
+          <a:ln w="76200">
             <a:solidFill>
               <a:srgbClr val="FFFFFF"/>
             </a:solidFill>
-            <a:prstDash val="solid"/>
             <a:miter lim="800000"/>
           </a:ln>
           <a:effectLst>
-            <a:outerShdw blurRad="190500" dist="228600" dir="2700000" sy="90000">
-              <a:srgbClr val="000000">
-                <a:alpha val="25000"/>
-              </a:srgbClr>
+            <a:outerShdw blurRad="50800" dist="12700" dir="5400000" algn="t" rotWithShape="0">
+              <a:prstClr val="black">
+                <a:alpha val="59000"/>
+              </a:prstClr>
             </a:outerShdw>
           </a:effectLst>
-          <a:scene3d>
-            <a:camera prst="orthographicFront">
-              <a:rot lat="0" lon="0" rev="0"/>
-            </a:camera>
-            <a:lightRig rig="balanced" dir="tr">
-              <a:rot lat="0" lon="0" rev="2700000"/>
-            </a:lightRig>
-          </a:scene3d>
-          <a:sp3d prstMaterial="matte">
-            <a:contourClr>
-              <a:schemeClr val="tx2">
-                <a:shade val="50000"/>
-              </a:schemeClr>
-            </a:contourClr>
-          </a:sp3d>
         </p:spPr>
-        <p:style>
-          <a:lnRef idx="3">
-            <a:schemeClr val="lt1"/>
-          </a:lnRef>
-          <a:fillRef idx="1">
-            <a:schemeClr val="accent1"/>
-          </a:fillRef>
-          <a:effectRef idx="1">
-            <a:schemeClr val="accent1"/>
-          </a:effectRef>
-          <a:fontRef idx="minor">
-            <a:schemeClr val="lt1"/>
-          </a:fontRef>
-        </p:style>
-        <p:txBody>
-          <a:bodyPr anchor="t"/>
+        <p:txBody>
+          <a:bodyPr/>
           <a:lstStyle>
-            <a:lvl1pPr marL="0" indent="0" algn="l" rtl="0" eaLnBrk="1" latinLnBrk="0" hangingPunct="1">
+            <a:lvl1pPr marL="0" indent="0">
               <a:buNone/>
               <a:defRPr sz="15400"/>
             </a:lvl1pPr>
+            <a:lvl2pPr marL="2194560" indent="0">
+              <a:buNone/>
+              <a:defRPr sz="13400"/>
+            </a:lvl2pPr>
+            <a:lvl3pPr marL="4389120" indent="0">
+              <a:buNone/>
+              <a:defRPr sz="11500"/>
+            </a:lvl3pPr>
+            <a:lvl4pPr marL="6583680" indent="0">
+              <a:buNone/>
+              <a:defRPr sz="9600"/>
+            </a:lvl4pPr>
+            <a:lvl5pPr marL="8778240" indent="0">
+              <a:buNone/>
+              <a:defRPr sz="9600"/>
+            </a:lvl5pPr>
+            <a:lvl6pPr marL="10972800" indent="0">
+              <a:buNone/>
+              <a:defRPr sz="9600"/>
+            </a:lvl6pPr>
+            <a:lvl7pPr marL="13167360" indent="0">
+              <a:buNone/>
+              <a:defRPr sz="9600"/>
+            </a:lvl7pPr>
+            <a:lvl8pPr marL="15361920" indent="0">
+              <a:buNone/>
+              <a:defRPr sz="9600"/>
+            </a:lvl8pPr>
+            <a:lvl9pPr marL="17556480" indent="0">
+              <a:buNone/>
+              <a:defRPr sz="9600"/>
+            </a:lvl9pPr>
           </a:lstStyle>
           <a:p>
-            <a:pPr marL="0" algn="l" rtl="0" eaLnBrk="1" latinLnBrk="0" hangingPunct="1"/>
-            <a:r>
-              <a:rPr kumimoji="0" lang="en-US" dirty="0" smtClean="0">
-                <a:solidFill>
-                  <a:schemeClr val="lt1"/>
-                </a:solidFill>
-                <a:latin typeface="+mn-lt"/>
-                <a:ea typeface="+mn-ea"/>
-                <a:cs typeface="+mn-cs"/>
-              </a:rPr>
-              <a:t>Click icon to add picture</a:t>
-            </a:r>
-            <a:endParaRPr kumimoji="0" lang="en-US" dirty="0">
-              <a:solidFill>
-                <a:schemeClr val="lt1"/>
-              </a:solidFill>
-              <a:latin typeface="+mn-lt"/>
-              <a:ea typeface="+mn-ea"/>
-              <a:cs typeface="+mn-cs"/>
-            </a:endParaRPr>
+            <a:r>
+              <a:rPr lang="en-US" smtClean="0"/>
+              <a:t>Drag picture to placeholder or click icon to add</a:t>
+            </a:r>
+            <a:endParaRPr lang="en-US" dirty="0"/>
           </a:p>
         </p:txBody>
       </p:sp>
@@ -2362,34 +2594,54 @@
         </p:nvSpPr>
         <p:spPr>
           <a:xfrm>
-            <a:off x="8778240" y="5600577"/>
-            <a:ext cx="26334720" cy="2545690"/>
+            <a:off x="2194560" y="10241280"/>
+            <a:ext cx="10270541" cy="20365517"/>
           </a:xfrm>
         </p:spPr>
         <p:txBody>
-          <a:bodyPr lIns="219456" tIns="219456" rIns="219456" anchor="t"/>
+          <a:bodyPr/>
           <a:lstStyle>
-            <a:lvl1pPr marL="0" indent="0" algn="ctr">
+            <a:lvl1pPr marL="0" indent="0">
               <a:buNone/>
               <a:defRPr sz="6700"/>
             </a:lvl1pPr>
-            <a:lvl2pPr>
+            <a:lvl2pPr marL="2194560" indent="0">
+              <a:buNone/>
               <a:defRPr sz="5800"/>
             </a:lvl2pPr>
-            <a:lvl3pPr>
+            <a:lvl3pPr marL="4389120" indent="0">
+              <a:buNone/>
               <a:defRPr sz="4800"/>
             </a:lvl3pPr>
-            <a:lvl4pPr>
+            <a:lvl4pPr marL="6583680" indent="0">
+              <a:buNone/>
               <a:defRPr sz="4300"/>
             </a:lvl4pPr>
-            <a:lvl5pPr>
+            <a:lvl5pPr marL="8778240" indent="0">
+              <a:buNone/>
               <a:defRPr sz="4300"/>
             </a:lvl5pPr>
+            <a:lvl6pPr marL="10972800" indent="0">
+              <a:buNone/>
+              <a:defRPr sz="4300"/>
+            </a:lvl6pPr>
+            <a:lvl7pPr marL="13167360" indent="0">
+              <a:buNone/>
+              <a:defRPr sz="4300"/>
+            </a:lvl7pPr>
+            <a:lvl8pPr marL="15361920" indent="0">
+              <a:buNone/>
+              <a:defRPr sz="4300"/>
+            </a:lvl8pPr>
+            <a:lvl9pPr marL="17556480" indent="0">
+              <a:buNone/>
+              <a:defRPr sz="4300"/>
+            </a:lvl9pPr>
           </a:lstStyle>
           <a:p>
-            <a:pPr lvl="0" eaLnBrk="1" latinLnBrk="0" hangingPunct="1"/>
-            <a:r>
-              <a:rPr kumimoji="0" lang="en-US" smtClean="0"/>
+            <a:pPr lvl="0"/>
+            <a:r>
+              <a:rPr lang="en-US" smtClean="0"/>
               <a:t>Click to edit Master text styles</a:t>
             </a:r>
           </a:p>
@@ -2413,7 +2665,7 @@
             <a:fld id="{D9D26CB9-01E4-44B8-8084-BCC418CF4A2D}" type="datetimeFigureOut">
               <a:rPr lang="en-US" smtClean="0"/>
               <a:pPr/>
-              <a:t>5/22/2015</a:t>
+              <a:t>5/25/15</a:t>
             </a:fld>
             <a:endParaRPr lang="en-US" dirty="0"/>
           </a:p>
@@ -2474,8 +2726,8 @@
 <p:sldMaster xmlns:a="http://schemas.openxmlformats.org/drawingml/2006/main" xmlns:r="http://schemas.openxmlformats.org/officeDocument/2006/relationships" xmlns:p="http://schemas.openxmlformats.org/presentationml/2006/main">
   <p:cSld>
     <p:bg>
-      <p:bgRef idx="1003">
-        <a:schemeClr val="bg2"/>
+      <p:bgRef idx="1002">
+        <a:schemeClr val="bg1"/>
       </p:bgRef>
     </p:bg>
     <p:spTree>
@@ -2494,49 +2746,86 @@
       </p:grpSpPr>
       <p:sp>
         <p:nvSpPr>
-          <p:cNvPr id="22" name="Title Placeholder 21"/>
-          <p:cNvSpPr>
-            <a:spLocks noGrp="1"/>
-          </p:cNvSpPr>
-          <p:nvPr>
-            <p:ph type="title"/>
-          </p:nvPr>
+          <p:cNvPr id="10" name="Rectangle 9"/>
+          <p:cNvSpPr/>
+          <p:nvPr/>
         </p:nvSpPr>
         <p:spPr>
           <a:xfrm>
-            <a:off x="2194560" y="1318262"/>
-            <a:ext cx="39502080" cy="5486400"/>
+            <a:off x="0" y="1059773"/>
+            <a:ext cx="43891200" cy="1097280"/>
+          </a:xfrm>
+          <a:prstGeom prst="rect">
+            <a:avLst/>
+          </a:prstGeom>
+          <a:solidFill>
+            <a:srgbClr val="FFFFFF"/>
+          </a:solidFill>
+          <a:ln>
+            <a:noFill/>
+          </a:ln>
+        </p:spPr>
+        <p:style>
+          <a:lnRef idx="2">
+            <a:schemeClr val="accent1">
+              <a:shade val="50000"/>
+            </a:schemeClr>
+          </a:lnRef>
+          <a:fillRef idx="1">
+            <a:schemeClr val="accent1"/>
+          </a:fillRef>
+          <a:effectRef idx="0">
+            <a:schemeClr val="accent1"/>
+          </a:effectRef>
+          <a:fontRef idx="minor">
+            <a:schemeClr val="lt1"/>
+          </a:fontRef>
+        </p:style>
+        <p:txBody>
+          <a:bodyPr lIns="438912" tIns="219456" rIns="438912" bIns="219456" rtlCol="0" anchor="ctr"/>
+          <a:lstStyle/>
+          <a:p>
+            <a:pPr algn="ctr"/>
+            <a:endParaRPr lang="en-US"/>
+          </a:p>
+        </p:txBody>
+      </p:sp>
+      <p:sp>
+        <p:nvSpPr>
+          <p:cNvPr id="2" name="Title Placeholder 1"/>
+          <p:cNvSpPr>
+            <a:spLocks noGrp="1"/>
+          </p:cNvSpPr>
+          <p:nvPr>
+            <p:ph type="title"/>
+          </p:nvPr>
+        </p:nvSpPr>
+        <p:spPr>
+          <a:xfrm>
+            <a:off x="2194560" y="2560320"/>
+            <a:ext cx="39502080" cy="4754880"/>
           </a:xfrm>
           <a:prstGeom prst="rect">
             <a:avLst/>
           </a:prstGeom>
         </p:spPr>
         <p:txBody>
-          <a:bodyPr vert="horz" lIns="438912" tIns="219456" rIns="438912" bIns="219456" anchor="ctr">
+          <a:bodyPr vert="horz" lIns="438912" tIns="219456" rIns="438912" bIns="219456" rtlCol="0" anchor="ctr">
             <a:normAutofit/>
-            <a:scene3d>
-              <a:camera prst="orthographicFront"/>
-              <a:lightRig rig="soft" dir="t">
-                <a:rot lat="0" lon="0" rev="16800000"/>
-              </a:lightRig>
-            </a:scene3d>
-            <a:sp3d prstMaterial="softEdge">
-              <a:bevelT w="38100" h="38100"/>
-            </a:sp3d>
           </a:bodyPr>
           <a:lstStyle/>
           <a:p>
             <a:r>
-              <a:rPr kumimoji="0" lang="en-US" smtClean="0"/>
+              <a:rPr lang="en-US" smtClean="0"/>
               <a:t>Click to edit Master title style</a:t>
             </a:r>
-            <a:endParaRPr kumimoji="0" lang="en-US"/>
-          </a:p>
-        </p:txBody>
-      </p:sp>
-      <p:sp>
-        <p:nvSpPr>
-          <p:cNvPr id="13" name="Text Placeholder 12"/>
+            <a:endParaRPr lang="en-US" dirty="0"/>
+          </a:p>
+        </p:txBody>
+      </p:sp>
+      <p:sp>
+        <p:nvSpPr>
+          <p:cNvPr id="3" name="Text Placeholder 2"/>
           <p:cNvSpPr>
             <a:spLocks noGrp="1"/>
           </p:cNvSpPr>
@@ -2547,83 +2836,127 @@
         <p:spPr>
           <a:xfrm>
             <a:off x="2194560" y="7680960"/>
-            <a:ext cx="39502080" cy="22603968"/>
+            <a:ext cx="39502080" cy="23408640"/>
           </a:xfrm>
           <a:prstGeom prst="rect">
             <a:avLst/>
           </a:prstGeom>
         </p:spPr>
         <p:txBody>
-          <a:bodyPr vert="horz" lIns="438912" tIns="219456" rIns="438912" bIns="219456">
+          <a:bodyPr vert="horz" lIns="438912" tIns="219456" rIns="438912" bIns="219456" rtlCol="0">
             <a:normAutofit/>
           </a:bodyPr>
           <a:lstStyle/>
           <a:p>
-            <a:pPr lvl="0" eaLnBrk="1" latinLnBrk="0" hangingPunct="1"/>
-            <a:r>
-              <a:rPr kumimoji="0" lang="en-US" smtClean="0"/>
+            <a:pPr lvl="0"/>
+            <a:r>
+              <a:rPr lang="en-US" smtClean="0"/>
               <a:t>Click to edit Master text styles</a:t>
             </a:r>
           </a:p>
           <a:p>
-            <a:pPr lvl="1" eaLnBrk="1" latinLnBrk="0" hangingPunct="1"/>
-            <a:r>
-              <a:rPr kumimoji="0" lang="en-US" smtClean="0"/>
+            <a:pPr lvl="1"/>
+            <a:r>
+              <a:rPr lang="en-US" smtClean="0"/>
               <a:t>Second level</a:t>
             </a:r>
           </a:p>
           <a:p>
-            <a:pPr lvl="2" eaLnBrk="1" latinLnBrk="0" hangingPunct="1"/>
-            <a:r>
-              <a:rPr kumimoji="0" lang="en-US" smtClean="0"/>
+            <a:pPr lvl="2"/>
+            <a:r>
+              <a:rPr lang="en-US" smtClean="0"/>
               <a:t>Third level</a:t>
             </a:r>
           </a:p>
           <a:p>
-            <a:pPr lvl="3" eaLnBrk="1" latinLnBrk="0" hangingPunct="1"/>
-            <a:r>
-              <a:rPr kumimoji="0" lang="en-US" smtClean="0"/>
+            <a:pPr lvl="3"/>
+            <a:r>
+              <a:rPr lang="en-US" smtClean="0"/>
               <a:t>Fourth level</a:t>
             </a:r>
           </a:p>
           <a:p>
-            <a:pPr lvl="4" eaLnBrk="1" latinLnBrk="0" hangingPunct="1"/>
-            <a:r>
-              <a:rPr kumimoji="0" lang="en-US" smtClean="0"/>
+            <a:pPr lvl="4"/>
+            <a:r>
+              <a:rPr lang="en-US" smtClean="0"/>
               <a:t>Fifth level</a:t>
             </a:r>
-            <a:endParaRPr kumimoji="0" lang="en-US"/>
-          </a:p>
-        </p:txBody>
-      </p:sp>
-      <p:sp>
-        <p:nvSpPr>
-          <p:cNvPr id="14" name="Date Placeholder 13"/>
-          <p:cNvSpPr>
-            <a:spLocks noGrp="1"/>
-          </p:cNvSpPr>
-          <p:nvPr>
-            <p:ph type="dt" sz="half" idx="2"/>
-          </p:nvPr>
+            <a:endParaRPr lang="en-US" dirty="0"/>
+          </a:p>
+        </p:txBody>
+      </p:sp>
+      <p:sp>
+        <p:nvSpPr>
+          <p:cNvPr id="7" name="Rectangle 6"/>
+          <p:cNvSpPr/>
+          <p:nvPr/>
         </p:nvSpPr>
         <p:spPr>
           <a:xfrm>
-            <a:off x="2194560" y="30800042"/>
-            <a:ext cx="10241280" cy="1752600"/>
+            <a:off x="0" y="0"/>
+            <a:ext cx="43891200" cy="1755648"/>
+          </a:xfrm>
+          <a:prstGeom prst="rect">
+            <a:avLst/>
+          </a:prstGeom>
+          <a:solidFill>
+            <a:schemeClr val="accent1"/>
+          </a:solidFill>
+          <a:ln>
+            <a:noFill/>
+          </a:ln>
+        </p:spPr>
+        <p:style>
+          <a:lnRef idx="2">
+            <a:schemeClr val="accent1">
+              <a:shade val="50000"/>
+            </a:schemeClr>
+          </a:lnRef>
+          <a:fillRef idx="1">
+            <a:schemeClr val="accent1"/>
+          </a:fillRef>
+          <a:effectRef idx="0">
+            <a:schemeClr val="accent1"/>
+          </a:effectRef>
+          <a:fontRef idx="minor">
+            <a:schemeClr val="lt1"/>
+          </a:fontRef>
+        </p:style>
+        <p:txBody>
+          <a:bodyPr lIns="438912" tIns="219456" rIns="438912" bIns="219456" rtlCol="0" anchor="ctr"/>
+          <a:lstStyle/>
+          <a:p>
+            <a:pPr algn="ctr"/>
+            <a:endParaRPr lang="en-US"/>
+          </a:p>
+        </p:txBody>
+      </p:sp>
+      <p:sp>
+        <p:nvSpPr>
+          <p:cNvPr id="4" name="Date Placeholder 3"/>
+          <p:cNvSpPr>
+            <a:spLocks noGrp="1"/>
+          </p:cNvSpPr>
+          <p:nvPr>
+            <p:ph type="dt" sz="half" idx="2"/>
+          </p:nvPr>
+        </p:nvSpPr>
+        <p:spPr>
+          <a:xfrm>
+            <a:off x="2194560" y="87783"/>
+            <a:ext cx="13898880" cy="1580083"/>
           </a:xfrm>
           <a:prstGeom prst="rect">
             <a:avLst/>
           </a:prstGeom>
         </p:spPr>
         <p:txBody>
-          <a:bodyPr vert="horz" lIns="438912" tIns="219456" rIns="438912" bIns="219456" anchor="b"/>
+          <a:bodyPr vert="horz" lIns="438912" tIns="219456" rIns="438912" bIns="219456" rtlCol="0" anchor="ctr"/>
           <a:lstStyle>
-            <a:lvl1pPr algn="l" eaLnBrk="1" latinLnBrk="0" hangingPunct="1">
-              <a:defRPr kumimoji="0" sz="5800">
+            <a:lvl1pPr algn="l">
+              <a:defRPr sz="5800">
                 <a:solidFill>
-                  <a:schemeClr val="tx1">
-                    <a:shade val="50000"/>
-                  </a:schemeClr>
+                  <a:srgbClr val="FFFFFF"/>
                 </a:solidFill>
               </a:defRPr>
             </a:lvl1pPr>
@@ -2632,7 +2965,7 @@
             <a:fld id="{D9D26CB9-01E4-44B8-8084-BCC418CF4A2D}" type="datetimeFigureOut">
               <a:rPr lang="en-US" smtClean="0"/>
               <a:pPr/>
-              <a:t>5/22/2015</a:t>
+              <a:t>5/25/15</a:t>
             </a:fld>
             <a:endParaRPr lang="en-US" dirty="0"/>
           </a:p>
@@ -2640,7 +2973,7 @@
       </p:sp>
       <p:sp>
         <p:nvSpPr>
-          <p:cNvPr id="3" name="Footer Placeholder 2"/>
+          <p:cNvPr id="5" name="Footer Placeholder 4"/>
           <p:cNvSpPr>
             <a:spLocks noGrp="1"/>
           </p:cNvSpPr>
@@ -2650,22 +2983,20 @@
         </p:nvSpPr>
         <p:spPr>
           <a:xfrm>
-            <a:off x="14996160" y="30800042"/>
-            <a:ext cx="13898880" cy="1752600"/>
+            <a:off x="16459200" y="87783"/>
+            <a:ext cx="19751040" cy="1580083"/>
           </a:xfrm>
           <a:prstGeom prst="rect">
             <a:avLst/>
           </a:prstGeom>
         </p:spPr>
         <p:txBody>
-          <a:bodyPr vert="horz" lIns="438912" tIns="219456" rIns="438912" bIns="219456" anchor="b"/>
+          <a:bodyPr vert="horz" lIns="438912" tIns="219456" rIns="438912" bIns="219456" rtlCol="0" anchor="ctr"/>
           <a:lstStyle>
-            <a:lvl1pPr algn="ctr" eaLnBrk="1" latinLnBrk="0" hangingPunct="1">
-              <a:defRPr kumimoji="0" sz="5800">
+            <a:lvl1pPr algn="ctr">
+              <a:defRPr sz="5800">
                 <a:solidFill>
-                  <a:schemeClr val="tx1">
-                    <a:shade val="50000"/>
-                  </a:schemeClr>
+                  <a:srgbClr val="FFFFFF"/>
                 </a:solidFill>
               </a:defRPr>
             </a:lvl1pPr>
@@ -2677,7 +3008,7 @@
       </p:sp>
       <p:sp>
         <p:nvSpPr>
-          <p:cNvPr id="23" name="Slide Number Placeholder 22"/>
+          <p:cNvPr id="6" name="Slide Number Placeholder 5"/>
           <p:cNvSpPr>
             <a:spLocks noGrp="1"/>
           </p:cNvSpPr>
@@ -2687,22 +3018,20 @@
         </p:nvSpPr>
         <p:spPr>
           <a:xfrm>
-            <a:off x="38039040" y="30800042"/>
-            <a:ext cx="3657600" cy="1752600"/>
+            <a:off x="36576000" y="87783"/>
+            <a:ext cx="5120640" cy="1580083"/>
           </a:xfrm>
           <a:prstGeom prst="rect">
             <a:avLst/>
           </a:prstGeom>
         </p:spPr>
         <p:txBody>
-          <a:bodyPr vert="horz" lIns="0" tIns="219456" rIns="0" bIns="219456" anchor="b"/>
+          <a:bodyPr vert="horz" lIns="438912" tIns="219456" rIns="438912" bIns="219456" rtlCol="0" anchor="ctr"/>
           <a:lstStyle>
-            <a:lvl1pPr algn="r" eaLnBrk="1" latinLnBrk="0" hangingPunct="1">
-              <a:defRPr kumimoji="0" sz="5800">
+            <a:lvl1pPr algn="l">
+              <a:defRPr sz="6700" b="1">
                 <a:solidFill>
-                  <a:schemeClr val="tx1">
-                    <a:shade val="50000"/>
-                  </a:schemeClr>
+                  <a:srgbClr val="FFFFFF"/>
                 </a:solidFill>
               </a:defRPr>
             </a:lvl1pPr>
@@ -2719,61 +3048,31 @@
       </p:sp>
     </p:spTree>
   </p:cSld>
-  <p:clrMap bg1="dk1" tx1="lt1" bg2="dk2" tx2="lt2" accent1="accent1" accent2="accent2" accent3="accent3" accent4="accent4" accent5="accent5" accent6="accent6" hlink="hlink" folHlink="folHlink"/>
+  <p:clrMap bg1="lt1" tx1="dk1" bg2="lt2" tx2="dk2" accent1="accent1" accent2="accent2" accent3="accent3" accent4="accent4" accent5="accent5" accent6="accent6" hlink="hlink" folHlink="folHlink"/>
   <p:sldLayoutIdLst>
-    <p:sldLayoutId id="2147483661" r:id="rId1"/>
-    <p:sldLayoutId id="2147483662" r:id="rId2"/>
-    <p:sldLayoutId id="2147483663" r:id="rId3"/>
-    <p:sldLayoutId id="2147483664" r:id="rId4"/>
-    <p:sldLayoutId id="2147483665" r:id="rId5"/>
-    <p:sldLayoutId id="2147483666" r:id="rId6"/>
-    <p:sldLayoutId id="2147483667" r:id="rId7"/>
-    <p:sldLayoutId id="2147483668" r:id="rId8"/>
-    <p:sldLayoutId id="2147483669" r:id="rId9"/>
-    <p:sldLayoutId id="2147483670" r:id="rId10"/>
-    <p:sldLayoutId id="2147483671" r:id="rId11"/>
+    <p:sldLayoutId id="2147483725" r:id="rId1"/>
+    <p:sldLayoutId id="2147483726" r:id="rId2"/>
+    <p:sldLayoutId id="2147483727" r:id="rId3"/>
+    <p:sldLayoutId id="2147483728" r:id="rId4"/>
+    <p:sldLayoutId id="2147483729" r:id="rId5"/>
+    <p:sldLayoutId id="2147483730" r:id="rId6"/>
+    <p:sldLayoutId id="2147483731" r:id="rId7"/>
+    <p:sldLayoutId id="2147483732" r:id="rId8"/>
+    <p:sldLayoutId id="2147483733" r:id="rId9"/>
+    <p:sldLayoutId id="2147483734" r:id="rId10"/>
+    <p:sldLayoutId id="2147483735" r:id="rId11"/>
   </p:sldLayoutIdLst>
   <p:txStyles>
     <p:titleStyle>
-      <a:lvl1pPr algn="ctr" rtl="0" eaLnBrk="1" latinLnBrk="0" hangingPunct="1">
+      <a:lvl1pPr algn="l" defTabSz="4389120" rtl="0" eaLnBrk="1" latinLnBrk="0" hangingPunct="1">
         <a:spcBef>
           <a:spcPct val="0"/>
         </a:spcBef>
         <a:buNone/>
-        <a:defRPr kumimoji="0" sz="19700" b="1" kern="1200" cap="none" baseline="0">
-          <a:ln w="6350">
-            <a:noFill/>
-          </a:ln>
-          <a:gradFill>
-            <a:gsLst>
-              <a:gs pos="0">
-                <a:schemeClr val="accent1">
-                  <a:tint val="73000"/>
-                  <a:satMod val="145000"/>
-                </a:schemeClr>
-              </a:gs>
-              <a:gs pos="73000">
-                <a:schemeClr val="accent1">
-                  <a:tint val="73000"/>
-                  <a:satMod val="145000"/>
-                </a:schemeClr>
-              </a:gs>
-              <a:gs pos="100000">
-                <a:schemeClr val="accent1">
-                  <a:tint val="83000"/>
-                  <a:satMod val="143000"/>
-                </a:schemeClr>
-              </a:gs>
-            </a:gsLst>
-            <a:lin ang="4800000" scaled="1"/>
-          </a:gradFill>
-          <a:effectLst>
-            <a:outerShdw blurRad="114300" dist="101600" dir="2700000" algn="tl" rotWithShape="0">
-              <a:srgbClr val="000000">
-                <a:alpha val="40000"/>
-              </a:srgbClr>
-            </a:outerShdw>
-          </a:effectLst>
+        <a:defRPr sz="19200" kern="1200" spc="-480" baseline="0">
+          <a:solidFill>
+            <a:schemeClr val="tx2"/>
+          </a:solidFill>
           <a:latin typeface="+mj-lt"/>
           <a:ea typeface="+mj-ea"/>
           <a:cs typeface="+mj-cs"/>
@@ -2781,19 +3080,17 @@
       </a:lvl1pPr>
     </p:titleStyle>
     <p:bodyStyle>
-      <a:lvl1pPr marL="2633472" indent="-1975104" algn="l" rtl="0" eaLnBrk="1" latinLnBrk="0" hangingPunct="1">
+      <a:lvl1pPr marL="877824" indent="-877824" algn="l" defTabSz="4389120" rtl="0" eaLnBrk="1" latinLnBrk="0" hangingPunct="1">
         <a:spcBef>
           <a:spcPct val="20000"/>
         </a:spcBef>
         <a:buClr>
-          <a:schemeClr val="tx1">
-            <a:shade val="95000"/>
-          </a:schemeClr>
+          <a:schemeClr val="accent1"/>
         </a:buClr>
-        <a:buSzPct val="65000"/>
-        <a:buFont typeface="Wingdings 2"/>
-        <a:buChar char=""/>
-        <a:defRPr kumimoji="0" sz="13400" kern="1200">
+        <a:buSzPct val="85000"/>
+        <a:buFont typeface="Arial" pitchFamily="34" charset="0"/>
+        <a:buChar char="•"/>
+        <a:defRPr sz="11500" kern="1200">
           <a:solidFill>
             <a:schemeClr val="tx1"/>
           </a:solidFill>
@@ -2802,17 +3099,17 @@
           <a:cs typeface="+mn-cs"/>
         </a:defRPr>
       </a:lvl1pPr>
-      <a:lvl2pPr marL="4169664" indent="-1360627" algn="l" rtl="0" eaLnBrk="1" latinLnBrk="0" hangingPunct="1">
+      <a:lvl2pPr marL="2194560" indent="-877824" algn="l" defTabSz="4389120" rtl="0" eaLnBrk="1" latinLnBrk="0" hangingPunct="1">
         <a:spcBef>
           <a:spcPct val="20000"/>
         </a:spcBef>
         <a:buClr>
-          <a:schemeClr val="tx1"/>
+          <a:schemeClr val="accent1"/>
         </a:buClr>
-        <a:buSzPct val="80000"/>
-        <a:buFont typeface="Wingdings 2"/>
-        <a:buChar char=""/>
-        <a:defRPr kumimoji="0" sz="11500" kern="1200">
+        <a:buSzPct val="85000"/>
+        <a:buFont typeface="Arial" pitchFamily="34" charset="0"/>
+        <a:buChar char="•"/>
+        <a:defRPr sz="9600" kern="1200">
           <a:solidFill>
             <a:schemeClr val="tx1"/>
           </a:solidFill>
@@ -2821,17 +3118,17 @@
           <a:cs typeface="+mn-cs"/>
         </a:defRPr>
       </a:lvl2pPr>
-      <a:lvl3pPr marL="5442509" indent="-1097280" algn="l" rtl="0" eaLnBrk="1" latinLnBrk="0" hangingPunct="1">
+      <a:lvl3pPr marL="3511296" indent="-877824" algn="l" defTabSz="4389120" rtl="0" eaLnBrk="1" latinLnBrk="0" hangingPunct="1">
         <a:spcBef>
           <a:spcPct val="20000"/>
         </a:spcBef>
         <a:buClr>
-          <a:schemeClr val="tx1"/>
+          <a:schemeClr val="accent1"/>
         </a:buClr>
-        <a:buSzPct val="95000"/>
-        <a:buFont typeface="Wingdings"/>
-        <a:buChar char=""/>
-        <a:defRPr kumimoji="0" sz="10600" kern="1200">
+        <a:buSzPct val="90000"/>
+        <a:buFont typeface="Arial" pitchFamily="34" charset="0"/>
+        <a:buChar char="•"/>
+        <a:defRPr sz="8600" kern="1200">
           <a:solidFill>
             <a:schemeClr val="tx1"/>
           </a:solidFill>
@@ -2840,17 +3137,16 @@
           <a:cs typeface="+mn-cs"/>
         </a:defRPr>
       </a:lvl3pPr>
-      <a:lvl4pPr marL="6495898" indent="-877824" algn="l" rtl="0" eaLnBrk="1" latinLnBrk="0" hangingPunct="1">
+      <a:lvl4pPr marL="4828032" indent="-877824" algn="l" defTabSz="4389120" rtl="0" eaLnBrk="1" latinLnBrk="0" hangingPunct="1">
         <a:spcBef>
           <a:spcPct val="20000"/>
         </a:spcBef>
         <a:buClr>
-          <a:schemeClr val="tx1"/>
+          <a:schemeClr val="accent1"/>
         </a:buClr>
-        <a:buSzPct val="100000"/>
-        <a:buFont typeface="Wingdings 3"/>
-        <a:buChar char=""/>
-        <a:defRPr kumimoji="0" sz="9600" kern="1200">
+        <a:buFont typeface="Arial" pitchFamily="34" charset="0"/>
+        <a:buChar char="•"/>
+        <a:defRPr sz="7700" kern="1200">
           <a:solidFill>
             <a:schemeClr val="tx1"/>
           </a:solidFill>
@@ -2859,16 +3155,17 @@
           <a:cs typeface="+mn-cs"/>
         </a:defRPr>
       </a:lvl4pPr>
-      <a:lvl5pPr marL="7417613" indent="-877824" algn="l" rtl="0" eaLnBrk="1" latinLnBrk="0" hangingPunct="1">
+      <a:lvl5pPr marL="5705856" indent="-658368" algn="l" defTabSz="4389120" rtl="0" eaLnBrk="1" latinLnBrk="0" hangingPunct="1">
         <a:spcBef>
           <a:spcPct val="20000"/>
         </a:spcBef>
         <a:buClr>
-          <a:schemeClr val="tx1"/>
+          <a:schemeClr val="accent1"/>
         </a:buClr>
-        <a:buFont typeface="Wingdings 2"/>
-        <a:buChar char=""/>
-        <a:defRPr kumimoji="0" sz="9600" kern="1200">
+        <a:buSzPct val="100000"/>
+        <a:buFont typeface="Arial" pitchFamily="34" charset="0"/>
+        <a:buChar char="•"/>
+        <a:defRPr sz="6700" kern="1200" baseline="0">
           <a:solidFill>
             <a:schemeClr val="tx1"/>
           </a:solidFill>
@@ -2877,16 +3174,16 @@
           <a:cs typeface="+mn-cs"/>
         </a:defRPr>
       </a:lvl5pPr>
-      <a:lvl6pPr marL="8471002" indent="-877824" algn="l" rtl="0" eaLnBrk="1" latinLnBrk="0" hangingPunct="1">
+      <a:lvl6pPr marL="6583680" indent="-877824" algn="l" defTabSz="4389120" rtl="0" eaLnBrk="1" latinLnBrk="0" hangingPunct="1">
         <a:spcBef>
           <a:spcPct val="20000"/>
         </a:spcBef>
         <a:buClr>
-          <a:schemeClr val="tx1"/>
+          <a:schemeClr val="accent1"/>
         </a:buClr>
-        <a:buFont typeface="Wingdings 3"/>
-        <a:buChar char=""/>
-        <a:defRPr kumimoji="0" sz="8600" kern="1200">
+        <a:buFont typeface="Arial" pitchFamily="34" charset="0"/>
+        <a:buChar char="•"/>
+        <a:defRPr sz="6200" kern="1200">
           <a:solidFill>
             <a:schemeClr val="tx1"/>
           </a:solidFill>
@@ -2895,16 +3192,16 @@
           <a:cs typeface="+mn-cs"/>
         </a:defRPr>
       </a:lvl6pPr>
-      <a:lvl7pPr marL="9436608" indent="-877824" algn="l" rtl="0" eaLnBrk="1" latinLnBrk="0" hangingPunct="1">
+      <a:lvl7pPr marL="7461504" indent="-877824" algn="l" defTabSz="4389120" rtl="0" eaLnBrk="1" latinLnBrk="0" hangingPunct="1">
         <a:spcBef>
           <a:spcPct val="20000"/>
         </a:spcBef>
         <a:buClr>
-          <a:schemeClr val="tx1"/>
+          <a:schemeClr val="accent1"/>
         </a:buClr>
-        <a:buFont typeface="Wingdings 2"/>
-        <a:buChar char=""/>
-        <a:defRPr kumimoji="0" sz="7700" kern="1200">
+        <a:buFont typeface="Arial" pitchFamily="34" charset="0"/>
+        <a:buChar char="•"/>
+        <a:defRPr sz="6200" kern="1200">
           <a:solidFill>
             <a:schemeClr val="tx1"/>
           </a:solidFill>
@@ -2913,16 +3210,16 @@
           <a:cs typeface="+mn-cs"/>
         </a:defRPr>
       </a:lvl7pPr>
-      <a:lvl8pPr marL="10402214" indent="-877824" algn="l" rtl="0" eaLnBrk="1" latinLnBrk="0" hangingPunct="1">
+      <a:lvl8pPr marL="8339328" indent="-877824" algn="l" defTabSz="4389120" rtl="0" eaLnBrk="1" latinLnBrk="0" hangingPunct="1">
         <a:spcBef>
           <a:spcPct val="20000"/>
         </a:spcBef>
         <a:buClr>
-          <a:schemeClr val="tx1"/>
+          <a:schemeClr val="accent1"/>
         </a:buClr>
-        <a:buFont typeface="Wingdings 2"/>
-        <a:buChar char=""/>
-        <a:defRPr kumimoji="0" sz="6700" kern="1200">
+        <a:buFont typeface="Arial" pitchFamily="34" charset="0"/>
+        <a:buChar char="•"/>
+        <a:defRPr sz="6200" kern="1200">
           <a:solidFill>
             <a:schemeClr val="tx1"/>
           </a:solidFill>
@@ -2931,16 +3228,16 @@
           <a:cs typeface="+mn-cs"/>
         </a:defRPr>
       </a:lvl8pPr>
-      <a:lvl9pPr marL="11367821" indent="-877824" algn="l" rtl="0" eaLnBrk="1" latinLnBrk="0" hangingPunct="1">
+      <a:lvl9pPr marL="9217152" indent="-877824" algn="l" defTabSz="4389120" rtl="0" eaLnBrk="1" latinLnBrk="0" hangingPunct="1">
         <a:spcBef>
           <a:spcPct val="20000"/>
         </a:spcBef>
         <a:buClr>
-          <a:schemeClr val="tx1"/>
+          <a:schemeClr val="accent1"/>
         </a:buClr>
-        <a:buFont typeface="Wingdings 2"/>
-        <a:buChar char=""/>
-        <a:defRPr kumimoji="0" sz="6700" kern="1200" baseline="0">
+        <a:buFont typeface="Arial" pitchFamily="34" charset="0"/>
+        <a:buChar char="•"/>
+        <a:defRPr sz="6200" kern="1200">
           <a:solidFill>
             <a:schemeClr val="tx1"/>
           </a:solidFill>
@@ -2951,8 +3248,11 @@
       </a:lvl9pPr>
     </p:bodyStyle>
     <p:otherStyle>
-      <a:lvl1pPr marL="0" algn="l" rtl="0" eaLnBrk="1" latinLnBrk="0" hangingPunct="1">
-        <a:defRPr kumimoji="0" kern="1200">
+      <a:defPPr>
+        <a:defRPr lang="en-US"/>
+      </a:defPPr>
+      <a:lvl1pPr marL="0" algn="l" defTabSz="4389120" rtl="0" eaLnBrk="1" latinLnBrk="0" hangingPunct="1">
+        <a:defRPr sz="8600" kern="1200">
           <a:solidFill>
             <a:schemeClr val="tx1"/>
           </a:solidFill>
@@ -2961,8 +3261,8 @@
           <a:cs typeface="+mn-cs"/>
         </a:defRPr>
       </a:lvl1pPr>
-      <a:lvl2pPr marL="2194560" algn="l" rtl="0" eaLnBrk="1" latinLnBrk="0" hangingPunct="1">
-        <a:defRPr kumimoji="0" kern="1200">
+      <a:lvl2pPr marL="2194560" algn="l" defTabSz="4389120" rtl="0" eaLnBrk="1" latinLnBrk="0" hangingPunct="1">
+        <a:defRPr sz="8600" kern="1200">
           <a:solidFill>
             <a:schemeClr val="tx1"/>
           </a:solidFill>
@@ -2971,8 +3271,8 @@
           <a:cs typeface="+mn-cs"/>
         </a:defRPr>
       </a:lvl2pPr>
-      <a:lvl3pPr marL="4389120" algn="l" rtl="0" eaLnBrk="1" latinLnBrk="0" hangingPunct="1">
-        <a:defRPr kumimoji="0" kern="1200">
+      <a:lvl3pPr marL="4389120" algn="l" defTabSz="4389120" rtl="0" eaLnBrk="1" latinLnBrk="0" hangingPunct="1">
+        <a:defRPr sz="8600" kern="1200">
           <a:solidFill>
             <a:schemeClr val="tx1"/>
           </a:solidFill>
@@ -2981,8 +3281,8 @@
           <a:cs typeface="+mn-cs"/>
         </a:defRPr>
       </a:lvl3pPr>
-      <a:lvl4pPr marL="6583680" algn="l" rtl="0" eaLnBrk="1" latinLnBrk="0" hangingPunct="1">
-        <a:defRPr kumimoji="0" kern="1200">
+      <a:lvl4pPr marL="6583680" algn="l" defTabSz="4389120" rtl="0" eaLnBrk="1" latinLnBrk="0" hangingPunct="1">
+        <a:defRPr sz="8600" kern="1200">
           <a:solidFill>
             <a:schemeClr val="tx1"/>
           </a:solidFill>
@@ -2991,8 +3291,8 @@
           <a:cs typeface="+mn-cs"/>
         </a:defRPr>
       </a:lvl4pPr>
-      <a:lvl5pPr marL="8778240" algn="l" rtl="0" eaLnBrk="1" latinLnBrk="0" hangingPunct="1">
-        <a:defRPr kumimoji="0" kern="1200">
+      <a:lvl5pPr marL="8778240" algn="l" defTabSz="4389120" rtl="0" eaLnBrk="1" latinLnBrk="0" hangingPunct="1">
+        <a:defRPr sz="8600" kern="1200">
           <a:solidFill>
             <a:schemeClr val="tx1"/>
           </a:solidFill>
@@ -3001,8 +3301,8 @@
           <a:cs typeface="+mn-cs"/>
         </a:defRPr>
       </a:lvl5pPr>
-      <a:lvl6pPr marL="10972800" algn="l" rtl="0" eaLnBrk="1" latinLnBrk="0" hangingPunct="1">
-        <a:defRPr kumimoji="0" kern="1200">
+      <a:lvl6pPr marL="10972800" algn="l" defTabSz="4389120" rtl="0" eaLnBrk="1" latinLnBrk="0" hangingPunct="1">
+        <a:defRPr sz="8600" kern="1200">
           <a:solidFill>
             <a:schemeClr val="tx1"/>
           </a:solidFill>
@@ -3011,8 +3311,8 @@
           <a:cs typeface="+mn-cs"/>
         </a:defRPr>
       </a:lvl6pPr>
-      <a:lvl7pPr marL="13167360" algn="l" rtl="0" eaLnBrk="1" latinLnBrk="0" hangingPunct="1">
-        <a:defRPr kumimoji="0" kern="1200">
+      <a:lvl7pPr marL="13167360" algn="l" defTabSz="4389120" rtl="0" eaLnBrk="1" latinLnBrk="0" hangingPunct="1">
+        <a:defRPr sz="8600" kern="1200">
           <a:solidFill>
             <a:schemeClr val="tx1"/>
           </a:solidFill>
@@ -3021,8 +3321,8 @@
           <a:cs typeface="+mn-cs"/>
         </a:defRPr>
       </a:lvl7pPr>
-      <a:lvl8pPr marL="15361920" algn="l" rtl="0" eaLnBrk="1" latinLnBrk="0" hangingPunct="1">
-        <a:defRPr kumimoji="0" kern="1200">
+      <a:lvl8pPr marL="15361920" algn="l" defTabSz="4389120" rtl="0" eaLnBrk="1" latinLnBrk="0" hangingPunct="1">
+        <a:defRPr sz="8600" kern="1200">
           <a:solidFill>
             <a:schemeClr val="tx1"/>
           </a:solidFill>
@@ -3031,8 +3331,8 @@
           <a:cs typeface="+mn-cs"/>
         </a:defRPr>
       </a:lvl8pPr>
-      <a:lvl9pPr marL="17556480" algn="l" rtl="0" eaLnBrk="1" latinLnBrk="0" hangingPunct="1">
-        <a:defRPr kumimoji="0" kern="1200">
+      <a:lvl9pPr marL="17556480" algn="l" defTabSz="4389120" rtl="0" eaLnBrk="1" latinLnBrk="0" hangingPunct="1">
+        <a:defRPr sz="8600" kern="1200">
           <a:solidFill>
             <a:schemeClr val="tx1"/>
           </a:solidFill>
@@ -3132,110 +3432,14 @@
       </p:pic>
       <p:sp>
         <p:nvSpPr>
-          <p:cNvPr id="14" name="TextBox 13"/>
-          <p:cNvSpPr txBox="1"/>
-          <p:nvPr/>
-        </p:nvSpPr>
-        <p:spPr>
-          <a:xfrm>
-            <a:off x="221673" y="571500"/>
-            <a:ext cx="43891200" cy="3053637"/>
-          </a:xfrm>
-          <a:prstGeom prst="rect">
-            <a:avLst/>
-          </a:prstGeom>
-          <a:solidFill>
-            <a:schemeClr val="bg1">
-              <a:lumMod val="95000"/>
-              <a:lumOff val="5000"/>
-            </a:schemeClr>
-          </a:solidFill>
-        </p:spPr>
-        <p:txBody>
-          <a:bodyPr wrap="square" lIns="73841" tIns="36921" rIns="73841" bIns="36921" rtlCol="0">
-            <a:spAutoFit/>
-          </a:bodyPr>
-          <a:lstStyle/>
-          <a:p>
-            <a:r>
-              <a:rPr lang="en-US" sz="19000" dirty="0" smtClean="0">
-                <a:solidFill>
-                  <a:srgbClr val="6A7F10"/>
-                </a:solidFill>
-              </a:rPr>
-              <a:t>	</a:t>
-            </a:r>
-            <a:endParaRPr lang="en-US" sz="19000" b="1" dirty="0">
-              <a:solidFill>
-                <a:srgbClr val="6A7F10"/>
-              </a:solidFill>
-              <a:latin typeface="Garamond" pitchFamily="18" charset="0"/>
-            </a:endParaRPr>
-          </a:p>
-        </p:txBody>
-      </p:sp>
-      <p:sp>
-        <p:nvSpPr>
-          <p:cNvPr id="10" name="TextBox 9"/>
-          <p:cNvSpPr txBox="1"/>
-          <p:nvPr/>
-        </p:nvSpPr>
-        <p:spPr>
-          <a:xfrm>
-            <a:off x="997527" y="832563"/>
-            <a:ext cx="42893673" cy="3053637"/>
-          </a:xfrm>
-          <a:prstGeom prst="rect">
-            <a:avLst/>
-          </a:prstGeom>
-          <a:solidFill>
-            <a:schemeClr val="bg1">
-              <a:lumMod val="65000"/>
-              <a:lumOff val="35000"/>
-            </a:schemeClr>
-          </a:solidFill>
-          <a:ln>
-            <a:solidFill>
-              <a:schemeClr val="tx2"/>
-            </a:solidFill>
-          </a:ln>
-        </p:spPr>
-        <p:txBody>
-          <a:bodyPr wrap="square" lIns="73841" tIns="36921" rIns="73841" bIns="36921" rtlCol="0">
-            <a:spAutoFit/>
-          </a:bodyPr>
-          <a:lstStyle/>
-          <a:p>
-            <a:r>
-              <a:rPr lang="en-US" sz="19000" dirty="0" smtClean="0">
-                <a:solidFill>
-                  <a:srgbClr val="6A7F10"/>
-                </a:solidFill>
-              </a:rPr>
-              <a:t>	</a:t>
-            </a:r>
-            <a:r>
-              <a:rPr lang="en-US" sz="19000" b="1" dirty="0" smtClean="0">
-                <a:latin typeface="Garamond" pitchFamily="18" charset="0"/>
-              </a:rPr>
-              <a:t>3D Metal Printer</a:t>
-            </a:r>
-            <a:endParaRPr lang="en-US" sz="19000" b="1" dirty="0">
-              <a:latin typeface="Garamond" pitchFamily="18" charset="0"/>
-            </a:endParaRPr>
-          </a:p>
-        </p:txBody>
-      </p:sp>
-      <p:sp>
-        <p:nvSpPr>
           <p:cNvPr id="2" name="TextBox 1"/>
           <p:cNvSpPr txBox="1"/>
           <p:nvPr/>
         </p:nvSpPr>
         <p:spPr>
           <a:xfrm>
-            <a:off x="1371600" y="5486400"/>
-            <a:ext cx="12801600" cy="17266265"/>
+            <a:off x="914400" y="5486400"/>
+            <a:ext cx="10058400" cy="22252241"/>
           </a:xfrm>
           <a:prstGeom prst="rect">
             <a:avLst/>
@@ -3248,22 +3452,138 @@
           </a:bodyPr>
           <a:lstStyle/>
           <a:p>
-            <a:pPr algn="ctr"/>
+            <a:pPr algn="just"/>
             <a:r>
               <a:rPr lang="en-US" sz="6000" b="1" u="sng" dirty="0" smtClean="0"/>
-              <a:t>Introduction</a:t>
-            </a:r>
+              <a:t>The Project and Motivation</a:t>
+            </a:r>
+            <a:endParaRPr lang="en-US" sz="6000" b="1" u="sng" dirty="0" smtClean="0"/>
           </a:p>
           <a:p>
             <a:pPr algn="just"/>
             <a:r>
+              <a:rPr lang="en-US" sz="4000" dirty="0" smtClean="0"/>
+              <a:t>The </a:t>
+            </a:r>
+            <a:r>
+              <a:rPr lang="en-US" sz="4000" dirty="0"/>
+              <a:t>purpose of </a:t>
+            </a:r>
+            <a:r>
+              <a:rPr lang="en-US" sz="4000" dirty="0" smtClean="0"/>
+              <a:t>this project </a:t>
+            </a:r>
+            <a:r>
+              <a:rPr lang="en-US" sz="4000" dirty="0"/>
+              <a:t>is to </a:t>
+            </a:r>
+            <a:r>
+              <a:rPr lang="en-US" sz="4000" dirty="0" smtClean="0"/>
+              <a:t>create an alternative to the metal casting process, which can be expensive and result in long lead times. The goal is to </a:t>
+            </a:r>
+            <a:r>
+              <a:rPr lang="en-US" sz="4000" dirty="0" smtClean="0"/>
+              <a:t>create </a:t>
+            </a:r>
+            <a:r>
+              <a:rPr lang="en-US" sz="4000" dirty="0"/>
+              <a:t>a </a:t>
+            </a:r>
+            <a:r>
+              <a:rPr lang="en-US" sz="4000" dirty="0" smtClean="0"/>
+              <a:t>3D </a:t>
+            </a:r>
+            <a:r>
+              <a:rPr lang="en-US" sz="4000" dirty="0"/>
+              <a:t>metal </a:t>
+            </a:r>
+            <a:r>
+              <a:rPr lang="en-US" sz="4000" dirty="0" smtClean="0"/>
+              <a:t>printer that is capable of quickly creating metal components at a lower cost. We will combine a CNC machine with a MIG (metal inert gas) welder and use the welder to deposit material. Building upon previous layers of deposition, we will be able to print 3D metal objects. </a:t>
+            </a:r>
+            <a:r>
+              <a:rPr lang="en-US" sz="4000" dirty="0" smtClean="0"/>
+              <a:t> </a:t>
+            </a:r>
+          </a:p>
+          <a:p>
+            <a:pPr algn="just"/>
+            <a:r>
               <a:rPr lang="en-US" sz="4800" dirty="0" smtClean="0"/>
-              <a:t>The </a:t>
-            </a:r>
-            <a:r>
-              <a:rPr lang="en-US" sz="4800" dirty="0"/>
-              <a:t>purpose of our project is to create a cheaper 3D metal printer following the design of plastic 3D printers. We will combine a CNC machine with a MIG (metal inert gas) welder and use the welder to deposit wire. Building upon previous layers of deposition, we will be able to print 3D metal objects. The final products that this printer will be producing will be internal components of industrial water pumps. Because of their use, all parts will be precision honed, so highly accurate prints are not a concern for this project. </a:t>
-            </a:r>
+              <a:t>Goals:</a:t>
+            </a:r>
+          </a:p>
+          <a:p>
+            <a:pPr marL="685800" indent="-685800" algn="just">
+              <a:buFont typeface="Arial"/>
+              <a:buChar char="•"/>
+            </a:pPr>
+            <a:r>
+              <a:rPr lang="en-US" sz="4000" dirty="0" smtClean="0"/>
+              <a:t>Interface the MIG welder with CNC machine.</a:t>
+            </a:r>
+          </a:p>
+          <a:p>
+            <a:pPr marL="685800" indent="-685800" algn="just">
+              <a:buFont typeface="Arial"/>
+              <a:buChar char="•"/>
+            </a:pPr>
+            <a:r>
+              <a:rPr lang="en-US" sz="4000" dirty="0" smtClean="0"/>
+              <a:t>Determine quality of weld based on temperature and current.</a:t>
+            </a:r>
+          </a:p>
+          <a:p>
+            <a:pPr marL="685800" indent="-685800" algn="just">
+              <a:buFont typeface="Arial"/>
+              <a:buChar char="•"/>
+            </a:pPr>
+            <a:r>
+              <a:rPr lang="en-US" sz="4000" dirty="0" smtClean="0"/>
+              <a:t>Control the MIG welder based on quality of weld.</a:t>
+            </a:r>
+          </a:p>
+          <a:p>
+            <a:pPr marL="685800" indent="-685800" algn="just">
+              <a:buFont typeface="Arial"/>
+              <a:buChar char="•"/>
+            </a:pPr>
+            <a:r>
+              <a:rPr lang="en-US" sz="4000" dirty="0" smtClean="0"/>
+              <a:t>One more thing to add here </a:t>
+            </a:r>
+            <a:r>
+              <a:rPr lang="en-US" sz="4000" dirty="0" err="1" smtClean="0"/>
+              <a:t>ai</a:t>
+            </a:r>
+            <a:r>
+              <a:rPr lang="en-US" sz="4000" dirty="0" smtClean="0"/>
+              <a:t> s </a:t>
+            </a:r>
+            <a:r>
+              <a:rPr lang="en-US" sz="4000" dirty="0" err="1" smtClean="0"/>
+              <a:t>jdfasdfabd</a:t>
+            </a:r>
+            <a:r>
+              <a:rPr lang="en-US" sz="4000" dirty="0" smtClean="0"/>
+              <a:t> </a:t>
+            </a:r>
+            <a:r>
+              <a:rPr lang="en-US" sz="4000" dirty="0" err="1" smtClean="0"/>
+              <a:t>sf;abcvajdbca</a:t>
+            </a:r>
+            <a:endParaRPr lang="en-US" sz="4000" dirty="0" smtClean="0"/>
+          </a:p>
+          <a:p>
+            <a:pPr algn="just"/>
+            <a:endParaRPr lang="en-US" sz="4400" dirty="0" smtClean="0"/>
+          </a:p>
+          <a:p>
+            <a:pPr marL="685800" indent="-685800" algn="just">
+              <a:buFont typeface="Arial"/>
+              <a:buChar char="•"/>
+            </a:pPr>
+            <a:endParaRPr lang="en-US" sz="4800" dirty="0"/>
           </a:p>
           <a:p>
             <a:pPr algn="just"/>
@@ -3315,8 +3635,8 @@
         </p:nvSpPr>
         <p:spPr>
           <a:xfrm>
-            <a:off x="15544800" y="14020800"/>
-            <a:ext cx="12801600" cy="12034064"/>
+            <a:off x="17068800" y="4953000"/>
+            <a:ext cx="10058400" cy="1015663"/>
           </a:xfrm>
           <a:prstGeom prst="rect">
             <a:avLst/>
@@ -3331,22 +3651,13 @@
           <a:p>
             <a:pPr algn="ctr"/>
             <a:r>
-              <a:rPr lang="en-US" sz="4000" b="1" u="sng" dirty="0" smtClean="0"/>
-              <a:t>Control System Description</a:t>
-            </a:r>
-            <a:endParaRPr lang="en-US" sz="4000" b="1" u="sng" dirty="0" smtClean="0"/>
-          </a:p>
-          <a:p>
-            <a:pPr algn="just"/>
-            <a:r>
-              <a:rPr lang="en-US" sz="3200" dirty="0"/>
-              <a:t>Although we weren’t concerned with an extremely accurate print, we still wanted the final product to be as accurate as the system would allow. This meant that we needed to monitor and control the quality of the weld in real time to be able to adjust settings during the deposition process. Our main source of feedback was the spacing of the droplets occurring during the weld. When using a MIG welder, a wire is fed out the end of the welding nozzle. When this wire comes into contact with a metal plate that is also connected to the ground terminal of the welder, the circuit is completed and the high current melts the wire. The current is so high, that the wire melts past the point of contact, which then creates an open circuit, until the wire again reaches the ground plane and the circuit is again completed. Looking at this process closely, it can be seen that the deposition of the wire isn’t continuous, but rather a bunch of tiny droplets. We call this droplet spacing, and used it extensively throughout the remainder of our project. Through testing we determined that the average droplet spacing for a good weld was around 50 milliseconds (although this would change if the input current were to change drastically). Our control program looks at half a second time period, determines the average droplet spacing, and makes corrections to either increase or decrease wire speed accordingly. To know how to correct the weld, we ran a series of tests and created a lookup table of what we determined to be an ideal weld</a:t>
-            </a:r>
-            <a:r>
-              <a:rPr lang="en-US" sz="3200" dirty="0" smtClean="0"/>
-              <a:t>.</a:t>
-            </a:r>
-            <a:endParaRPr lang="en-US" sz="6000" dirty="0" smtClean="0"/>
+              <a:rPr lang="en-US" sz="6000" b="1" u="sng" dirty="0" smtClean="0"/>
+              <a:t>Control </a:t>
+            </a:r>
+            <a:r>
+              <a:rPr lang="en-US" sz="6000" b="1" u="sng" dirty="0" smtClean="0"/>
+              <a:t>System</a:t>
+            </a:r>
           </a:p>
         </p:txBody>
       </p:sp>
@@ -3358,8 +3669,8 @@
         </p:nvSpPr>
         <p:spPr>
           <a:xfrm>
-            <a:off x="29718000" y="5486400"/>
-            <a:ext cx="12801600" cy="12711172"/>
+            <a:off x="32918400" y="14080589"/>
+            <a:ext cx="10058400" cy="12711172"/>
           </a:xfrm>
           <a:prstGeom prst="rect">
             <a:avLst/>
@@ -3429,13 +3740,313 @@
               <a:rPr lang="en-US" sz="4000" dirty="0"/>
               <a:t>While this project was for all intents and purposes a proof of concept, as a group we would have liked to have implemented all the sensors and feedback controls discussed. We accomplished the proof of concept and implemented a basic feedback loop which controls the wire feed speed. Other options, such as the starting current for the welder as well as the torch routine to warm the baseplate to the proper temperature, are completed manually. The control program does include error checks, such as the welder running out of wire or the temperature falling below the desired threshold, but the whole system is not yet in place to correct these errors and guard against them. </a:t>
             </a:r>
-            <a:endParaRPr lang="en-US" sz="4000" dirty="0"/>
+          </a:p>
+        </p:txBody>
+      </p:sp>
+      <p:sp>
+        <p:nvSpPr>
+          <p:cNvPr id="5" name="TextBox 4"/>
+          <p:cNvSpPr txBox="1"/>
+          <p:nvPr/>
+        </p:nvSpPr>
+        <p:spPr>
+          <a:xfrm>
+            <a:off x="1502228" y="29994690"/>
+            <a:ext cx="30044572" cy="1413391"/>
+          </a:xfrm>
+          <a:prstGeom prst="rect">
+            <a:avLst/>
+          </a:prstGeom>
+          <a:noFill/>
+        </p:spPr>
+        <p:txBody>
+          <a:bodyPr wrap="square" lIns="73841" tIns="36921" rIns="73841" bIns="36921" rtlCol="0">
+            <a:spAutoFit/>
+          </a:bodyPr>
+          <a:lstStyle/>
+          <a:p>
+            <a:r>
+              <a:rPr lang="en-US" dirty="0" smtClean="0">
+                <a:solidFill>
+                  <a:schemeClr val="bg1"/>
+                </a:solidFill>
+                <a:latin typeface="Bangla Sangam MN"/>
+                <a:cs typeface="Bangla Sangam MN"/>
+              </a:rPr>
+              <a:t>Department of Electrical and Computer Engineering</a:t>
+            </a:r>
+            <a:endParaRPr lang="en-US" dirty="0">
+              <a:solidFill>
+                <a:schemeClr val="bg1"/>
+              </a:solidFill>
+              <a:latin typeface="Bangla Sangam MN"/>
+              <a:cs typeface="Bangla Sangam MN"/>
+            </a:endParaRPr>
+          </a:p>
+        </p:txBody>
+      </p:sp>
+      <p:sp>
+        <p:nvSpPr>
+          <p:cNvPr id="27" name="TextBox 26"/>
+          <p:cNvSpPr txBox="1"/>
+          <p:nvPr/>
+        </p:nvSpPr>
+        <p:spPr>
+          <a:xfrm>
+            <a:off x="22247352" y="14706600"/>
+            <a:ext cx="10058400" cy="13696059"/>
+          </a:xfrm>
+          <a:prstGeom prst="rect">
+            <a:avLst/>
+          </a:prstGeom>
+          <a:noFill/>
+        </p:spPr>
+        <p:txBody>
+          <a:bodyPr wrap="square" rtlCol="0">
+            <a:spAutoFit/>
+          </a:bodyPr>
+          <a:lstStyle/>
+          <a:p>
+            <a:pPr algn="just"/>
+            <a:r>
+              <a:rPr lang="en-US" sz="3600" b="1" dirty="0" smtClean="0"/>
+              <a:t>Incremental Encoder</a:t>
+            </a:r>
+            <a:endParaRPr lang="en-US" sz="3600" dirty="0" smtClean="0"/>
+          </a:p>
+          <a:p>
+            <a:pPr algn="just"/>
+            <a:r>
+              <a:rPr lang="en-US" sz="3600" b="1" dirty="0"/>
+              <a:t> </a:t>
+            </a:r>
+            <a:r>
+              <a:rPr lang="en-US" sz="3600" b="1" dirty="0" smtClean="0"/>
+              <a:t>    </a:t>
+            </a:r>
+            <a:r>
+              <a:rPr lang="en-US" sz="3600" dirty="0" smtClean="0"/>
+              <a:t>Attached to the wire feed drive pulley inside the welder is an incremental encoder that is used to calculate the actual wire speed. During testing, this sensor was used to find ideal wire and CNC speed pairs. At the beginning of each print, a user inputs the CNC speed that the machine will be running at and the system sets up the appropriate initial wire speed. This is done via a process that sends the wire speed adjustment knob to a home position and measures the wire speed at that position. This provides an offset which is used in all proceeding wire speed calculations.</a:t>
+            </a:r>
+          </a:p>
+          <a:p>
+            <a:pPr algn="just"/>
+            <a:r>
+              <a:rPr lang="en-US" sz="3600" dirty="0"/>
+              <a:t> </a:t>
+            </a:r>
+          </a:p>
+          <a:p>
+            <a:pPr algn="just"/>
+            <a:r>
+              <a:rPr lang="en-US" sz="3600" b="1" dirty="0" smtClean="0"/>
+              <a:t>Welder Switch Bypass:</a:t>
+            </a:r>
+            <a:endParaRPr lang="en-US" sz="3600" dirty="0" smtClean="0"/>
+          </a:p>
+          <a:p>
+            <a:pPr algn="just"/>
+            <a:r>
+              <a:rPr lang="en-US" sz="3600" dirty="0" smtClean="0"/>
+              <a:t>    The CNC machine has two movement modes: relocation and deposition. Each movement mode has its own digital signal, which are read by the controller. The controller uses these signals to activate or deactivate a relay, which bypasses the mechanical switch on the welder gun. This relay module also includes visual indication of the current CNC movement mode.</a:t>
+            </a:r>
+          </a:p>
+          <a:p>
+            <a:pPr marL="571500" indent="-571500" algn="just">
+              <a:buFont typeface="Arial" panose="020B0604020202020204" pitchFamily="34" charset="0"/>
+              <a:buChar char="•"/>
+            </a:pPr>
+            <a:endParaRPr lang="en-US" sz="2000" dirty="0"/>
+          </a:p>
+        </p:txBody>
+      </p:sp>
+      <p:sp>
+        <p:nvSpPr>
+          <p:cNvPr id="8" name="Rectangle 7"/>
+          <p:cNvSpPr/>
+          <p:nvPr/>
+        </p:nvSpPr>
+        <p:spPr>
+          <a:xfrm>
+            <a:off x="0" y="685800"/>
+            <a:ext cx="43891200" cy="2667000"/>
+          </a:xfrm>
+          <a:prstGeom prst="rect">
+            <a:avLst/>
+          </a:prstGeom>
+          <a:solidFill>
+            <a:schemeClr val="accent1"/>
+          </a:solidFill>
+        </p:spPr>
+        <p:style>
+          <a:lnRef idx="1">
+            <a:schemeClr val="accent1"/>
+          </a:lnRef>
+          <a:fillRef idx="3">
+            <a:schemeClr val="accent1"/>
+          </a:fillRef>
+          <a:effectRef idx="2">
+            <a:schemeClr val="accent1"/>
+          </a:effectRef>
+          <a:fontRef idx="minor">
+            <a:schemeClr val="lt1"/>
+          </a:fontRef>
+        </p:style>
+        <p:txBody>
+          <a:bodyPr rtlCol="0" anchor="ctr"/>
+          <a:lstStyle/>
+          <a:p>
+            <a:pPr algn="ctr"/>
+            <a:endParaRPr lang="en-US"/>
+          </a:p>
+        </p:txBody>
+      </p:sp>
+      <p:sp>
+        <p:nvSpPr>
+          <p:cNvPr id="11" name="TextBox 10"/>
+          <p:cNvSpPr txBox="1"/>
+          <p:nvPr/>
+        </p:nvSpPr>
+        <p:spPr>
+          <a:xfrm>
+            <a:off x="609600" y="0"/>
+            <a:ext cx="19758159" cy="3154710"/>
+          </a:xfrm>
+          <a:prstGeom prst="rect">
+            <a:avLst/>
+          </a:prstGeom>
+          <a:noFill/>
+          <a:ln>
+            <a:noFill/>
+          </a:ln>
+        </p:spPr>
+        <p:txBody>
+          <a:bodyPr wrap="none" rtlCol="0">
+            <a:spAutoFit/>
+          </a:bodyPr>
+          <a:lstStyle/>
+          <a:p>
+            <a:r>
+              <a:rPr lang="en-US" sz="19900" dirty="0" smtClean="0">
+                <a:ln w="18415" cmpd="sng">
+                  <a:solidFill>
+                    <a:srgbClr val="FFFFFF"/>
+                  </a:solidFill>
+                  <a:prstDash val="solid"/>
+                </a:ln>
+                <a:solidFill>
+                  <a:srgbClr val="FFFFFF"/>
+                </a:solidFill>
+                <a:effectLst>
+                  <a:outerShdw blurRad="63500" dir="3600000" algn="tl" rotWithShape="0">
+                    <a:srgbClr val="000000">
+                      <a:alpha val="70000"/>
+                    </a:srgbClr>
+                  </a:outerShdw>
+                </a:effectLst>
+              </a:rPr>
+              <a:t>3D Metal Printing</a:t>
+            </a:r>
+            <a:endParaRPr lang="en-US" sz="19900" dirty="0">
+              <a:ln w="18415" cmpd="sng">
+                <a:solidFill>
+                  <a:srgbClr val="FFFFFF"/>
+                </a:solidFill>
+                <a:prstDash val="solid"/>
+              </a:ln>
+              <a:solidFill>
+                <a:srgbClr val="FFFFFF"/>
+              </a:solidFill>
+              <a:effectLst>
+                <a:outerShdw blurRad="63500" dir="3600000" algn="tl" rotWithShape="0">
+                  <a:srgbClr val="000000">
+                    <a:alpha val="70000"/>
+                  </a:srgbClr>
+                </a:outerShdw>
+              </a:effectLst>
+            </a:endParaRPr>
+          </a:p>
+        </p:txBody>
+      </p:sp>
+      <p:sp>
+        <p:nvSpPr>
+          <p:cNvPr id="13" name="TextBox 12"/>
+          <p:cNvSpPr txBox="1"/>
+          <p:nvPr/>
+        </p:nvSpPr>
+        <p:spPr>
+          <a:xfrm>
+            <a:off x="11125200" y="14859000"/>
+            <a:ext cx="10820400" cy="13388282"/>
+          </a:xfrm>
+          <a:prstGeom prst="rect">
+            <a:avLst/>
+          </a:prstGeom>
+          <a:noFill/>
+        </p:spPr>
+        <p:txBody>
+          <a:bodyPr wrap="square" rtlCol="0">
+            <a:spAutoFit/>
+          </a:bodyPr>
+          <a:lstStyle/>
+          <a:p>
+            <a:pPr algn="just"/>
+            <a:r>
+              <a:rPr lang="en-US" sz="3600" dirty="0"/>
+              <a:t>Control of the welder is done by interpreting information from the following feedback and control elements</a:t>
+            </a:r>
+            <a:r>
+              <a:rPr lang="en-US" sz="3600" dirty="0" smtClean="0"/>
+              <a:t>:</a:t>
+            </a:r>
+          </a:p>
+          <a:p>
+            <a:pPr algn="just"/>
+            <a:endParaRPr lang="en-US" sz="3600" dirty="0"/>
+          </a:p>
+          <a:p>
+            <a:pPr algn="just"/>
+            <a:r>
+              <a:rPr lang="en-US" sz="3600" b="1" dirty="0"/>
+              <a:t>Current Sensor</a:t>
+            </a:r>
+            <a:endParaRPr lang="en-US" sz="3600" dirty="0"/>
+          </a:p>
+          <a:p>
+            <a:pPr algn="just"/>
+            <a:r>
+              <a:rPr lang="en-US" sz="3600" dirty="0"/>
+              <a:t>Data from the current sensor gives an idea of the precision of the deposition. The current sensor is placed in-line with the ground connection of the welder. When the wire of the welder completes the circuit, it melts the wire and creates a small droplet of molten metal that is shown as a spike in current. Using a peak detection algorithm, the frequency of droplets being deposited can be determined. Comparing these values to a nominal value, found through testing, the wire speed knob is adjusted.</a:t>
+            </a:r>
+          </a:p>
+          <a:p>
+            <a:pPr algn="just"/>
+            <a:r>
+              <a:rPr lang="en-US" sz="3600" b="1" dirty="0"/>
+              <a:t>Temperature Sensor</a:t>
+            </a:r>
+            <a:endParaRPr lang="en-US" sz="3600" dirty="0"/>
+          </a:p>
+          <a:p>
+            <a:pPr algn="just"/>
+            <a:r>
+              <a:rPr lang="en-US" sz="3600" dirty="0" smtClean="0"/>
+              <a:t>An </a:t>
+            </a:r>
+            <a:r>
+              <a:rPr lang="en-US" sz="3600" dirty="0"/>
+              <a:t>infrared temperature sensor is used to provide a reading of temperature prior to depositing material. When the temperature of the weld is outside of the allowed range, the system will pause. If is it too hot, the system waits for the deposition to cool and if it is too cold, a hand held torch is used to manually heat the part. </a:t>
+            </a:r>
+          </a:p>
+          <a:p>
+            <a:pPr algn="just"/>
+            <a:endParaRPr lang="en-US" sz="3600" dirty="0"/>
           </a:p>
         </p:txBody>
       </p:sp>
       <p:pic>
         <p:nvPicPr>
-          <p:cNvPr id="3" name="Picture 2"/>
+          <p:cNvPr id="15" name="Picture 14" descr="Screen Shot 2015-05-25 at 12.03.02 PM.png"/>
           <p:cNvPicPr>
             <a:picLocks noChangeAspect="1"/>
           </p:cNvPicPr>
@@ -3455,53 +4066,284 @@
         </p:blipFill>
         <p:spPr>
           <a:xfrm>
-            <a:off x="1371601" y="20914198"/>
-            <a:ext cx="12801600" cy="7197386"/>
+            <a:off x="13716000" y="6553200"/>
+            <a:ext cx="16764000" cy="7630772"/>
           </a:xfrm>
           <a:prstGeom prst="rect">
             <a:avLst/>
           </a:prstGeom>
+          <a:ln w="38100" cap="sq">
+            <a:solidFill>
+              <a:srgbClr val="000000"/>
+            </a:solidFill>
+            <a:prstDash val="solid"/>
+            <a:miter lim="800000"/>
+          </a:ln>
+          <a:effectLst>
+            <a:outerShdw blurRad="50800" dist="38100" dir="2700000" algn="tl" rotWithShape="0">
+              <a:srgbClr val="000000">
+                <a:alpha val="43000"/>
+              </a:srgbClr>
+            </a:outerShdw>
+          </a:effectLst>
         </p:spPr>
       </p:pic>
       <p:pic>
         <p:nvPicPr>
-          <p:cNvPr id="6" name="Picture 5"/>
+          <p:cNvPr id="17" name="Picture 16" descr="welded smiley.jpg"/>
           <p:cNvPicPr>
             <a:picLocks noChangeAspect="1"/>
           </p:cNvPicPr>
           <p:nvPr/>
         </p:nvPicPr>
-        <p:blipFill>
-          <a:blip r:embed="rId4" cstate="print">
+        <p:blipFill rotWithShape="1">
+          <a:blip r:embed="rId4">
             <a:extLst>
               <a:ext uri="{28A0092B-C50C-407E-A947-70E740481C1C}">
                 <a14:useLocalDpi xmlns:a14="http://schemas.microsoft.com/office/drawing/2010/main" val="0"/>
               </a:ext>
             </a:extLst>
           </a:blip>
-          <a:stretch>
-            <a:fillRect/>
-          </a:stretch>
+          <a:srcRect l="12576" t="15640" r="15423" b="12360"/>
+          <a:stretch/>
         </p:blipFill>
         <p:spPr>
           <a:xfrm>
-            <a:off x="16916400" y="5486400"/>
-            <a:ext cx="10058400" cy="7465218"/>
+            <a:off x="32918400" y="6553200"/>
+            <a:ext cx="10058400" cy="7543800"/>
           </a:xfrm>
           <a:prstGeom prst="rect">
             <a:avLst/>
           </a:prstGeom>
+          <a:ln w="38100" cap="sq">
+            <a:solidFill>
+              <a:srgbClr val="000000"/>
+            </a:solidFill>
+            <a:prstDash val="solid"/>
+            <a:miter lim="800000"/>
+          </a:ln>
+          <a:effectLst>
+            <a:outerShdw blurRad="50800" dist="38100" dir="2700000" algn="tl" rotWithShape="0">
+              <a:srgbClr val="000000">
+                <a:alpha val="43000"/>
+              </a:srgbClr>
+            </a:outerShdw>
+          </a:effectLst>
         </p:spPr>
       </p:pic>
+      <p:sp>
+        <p:nvSpPr>
+          <p:cNvPr id="19" name="TextBox 18"/>
+          <p:cNvSpPr txBox="1"/>
+          <p:nvPr/>
+        </p:nvSpPr>
+        <p:spPr>
+          <a:xfrm>
+            <a:off x="25628705" y="728008"/>
+            <a:ext cx="18288000" cy="1938992"/>
+          </a:xfrm>
+          <a:prstGeom prst="rect">
+            <a:avLst/>
+          </a:prstGeom>
+          <a:noFill/>
+        </p:spPr>
+        <p:txBody>
+          <a:bodyPr wrap="square" rtlCol="0">
+            <a:spAutoFit/>
+          </a:bodyPr>
+          <a:lstStyle/>
+          <a:p>
+            <a:r>
+              <a:rPr lang="en-US" sz="4000" dirty="0" smtClean="0">
+                <a:solidFill>
+                  <a:schemeClr val="tx1">
+                    <a:lumMod val="75000"/>
+                    <a:lumOff val="25000"/>
+                  </a:schemeClr>
+                </a:solidFill>
+              </a:rPr>
+              <a:t>Team Members </a:t>
+            </a:r>
+            <a:r>
+              <a:rPr lang="en-US" sz="4000" dirty="0">
+                <a:solidFill>
+                  <a:schemeClr val="tx1">
+                    <a:lumMod val="75000"/>
+                    <a:lumOff val="25000"/>
+                  </a:schemeClr>
+                </a:solidFill>
+              </a:rPr>
+              <a:t>–</a:t>
+            </a:r>
+            <a:r>
+              <a:rPr lang="en-US" sz="4000" dirty="0" smtClean="0">
+                <a:solidFill>
+                  <a:schemeClr val="tx1">
+                    <a:lumMod val="75000"/>
+                    <a:lumOff val="25000"/>
+                  </a:schemeClr>
+                </a:solidFill>
+              </a:rPr>
+              <a:t> Brian Andrews, </a:t>
+            </a:r>
+            <a:r>
+              <a:rPr lang="en-US" sz="4000" dirty="0" err="1" smtClean="0">
+                <a:solidFill>
+                  <a:schemeClr val="tx1">
+                    <a:lumMod val="75000"/>
+                    <a:lumOff val="25000"/>
+                  </a:schemeClr>
+                </a:solidFill>
+              </a:rPr>
+              <a:t>Branden</a:t>
+            </a:r>
+            <a:r>
+              <a:rPr lang="en-US" sz="4000" dirty="0" smtClean="0">
+                <a:solidFill>
+                  <a:schemeClr val="tx1">
+                    <a:lumMod val="75000"/>
+                    <a:lumOff val="25000"/>
+                  </a:schemeClr>
+                </a:solidFill>
+              </a:rPr>
+              <a:t> Driver, Cameron Tribe, Ahmad </a:t>
+            </a:r>
+            <a:r>
+              <a:rPr lang="en-US" sz="4000" dirty="0" err="1" smtClean="0">
+                <a:solidFill>
+                  <a:schemeClr val="tx1">
+                    <a:lumMod val="75000"/>
+                    <a:lumOff val="25000"/>
+                  </a:schemeClr>
+                </a:solidFill>
+              </a:rPr>
+              <a:t>Qazi</a:t>
+            </a:r>
+            <a:endParaRPr lang="en-US" sz="4000" dirty="0" smtClean="0">
+              <a:solidFill>
+                <a:schemeClr val="tx1">
+                  <a:lumMod val="75000"/>
+                  <a:lumOff val="25000"/>
+                </a:schemeClr>
+              </a:solidFill>
+            </a:endParaRPr>
+          </a:p>
+          <a:p>
+            <a:r>
+              <a:rPr lang="en-US" sz="4000" dirty="0" smtClean="0">
+                <a:solidFill>
+                  <a:schemeClr val="tx1">
+                    <a:lumMod val="75000"/>
+                    <a:lumOff val="25000"/>
+                  </a:schemeClr>
+                </a:solidFill>
+              </a:rPr>
+              <a:t>Faculty Advisor – </a:t>
+            </a:r>
+            <a:r>
+              <a:rPr lang="en-US" sz="4000" dirty="0" err="1" smtClean="0">
+                <a:solidFill>
+                  <a:schemeClr val="tx1">
+                    <a:lumMod val="75000"/>
+                    <a:lumOff val="25000"/>
+                  </a:schemeClr>
+                </a:solidFill>
+              </a:rPr>
+              <a:t>Marek</a:t>
+            </a:r>
+            <a:r>
+              <a:rPr lang="en-US" sz="4000" dirty="0" smtClean="0">
+                <a:solidFill>
+                  <a:schemeClr val="tx1">
+                    <a:lumMod val="75000"/>
+                    <a:lumOff val="25000"/>
+                  </a:schemeClr>
+                </a:solidFill>
+              </a:rPr>
+              <a:t> </a:t>
+            </a:r>
+            <a:r>
+              <a:rPr lang="en-US" sz="4000" dirty="0" err="1" smtClean="0">
+                <a:solidFill>
+                  <a:schemeClr val="tx1">
+                    <a:lumMod val="75000"/>
+                    <a:lumOff val="25000"/>
+                  </a:schemeClr>
+                </a:solidFill>
+              </a:rPr>
+              <a:t>Perkowski</a:t>
+            </a:r>
+            <a:endParaRPr lang="en-US" sz="4000" dirty="0" smtClean="0">
+              <a:solidFill>
+                <a:schemeClr val="tx1">
+                  <a:lumMod val="75000"/>
+                  <a:lumOff val="25000"/>
+                </a:schemeClr>
+              </a:solidFill>
+            </a:endParaRPr>
+          </a:p>
+          <a:p>
+            <a:r>
+              <a:rPr lang="en-US" sz="4000" dirty="0" smtClean="0">
+                <a:solidFill>
+                  <a:schemeClr val="tx1">
+                    <a:lumMod val="75000"/>
+                    <a:lumOff val="25000"/>
+                  </a:schemeClr>
+                </a:solidFill>
+              </a:rPr>
+              <a:t>Industry Sponsor – Aram Kasparov </a:t>
+            </a:r>
+          </a:p>
+        </p:txBody>
+      </p:sp>
+      <p:cxnSp>
+        <p:nvCxnSpPr>
+          <p:cNvPr id="21" name="Straight Connector 20"/>
+          <p:cNvCxnSpPr/>
+          <p:nvPr/>
+        </p:nvCxnSpPr>
+        <p:spPr>
+          <a:xfrm>
+            <a:off x="25374600" y="990600"/>
+            <a:ext cx="0" cy="1447800"/>
+          </a:xfrm>
+          <a:prstGeom prst="line">
+            <a:avLst/>
+          </a:prstGeom>
+          <a:ln>
+            <a:solidFill>
+              <a:schemeClr val="tx1">
+                <a:lumMod val="75000"/>
+                <a:lumOff val="25000"/>
+              </a:schemeClr>
+            </a:solidFill>
+          </a:ln>
+        </p:spPr>
+        <p:style>
+          <a:lnRef idx="2">
+            <a:schemeClr val="accent1"/>
+          </a:lnRef>
+          <a:fillRef idx="0">
+            <a:schemeClr val="accent1"/>
+          </a:fillRef>
+          <a:effectRef idx="1">
+            <a:schemeClr val="accent1"/>
+          </a:effectRef>
+          <a:fontRef idx="minor">
+            <a:schemeClr val="tx1"/>
+          </a:fontRef>
+        </p:style>
+      </p:cxnSp>
       <p:pic>
         <p:nvPicPr>
-          <p:cNvPr id="7" name="Picture 6"/>
+          <p:cNvPr id="24" name="Picture 23" descr="23.png"/>
           <p:cNvPicPr>
             <a:picLocks noChangeAspect="1"/>
           </p:cNvPicPr>
           <p:nvPr/>
         </p:nvPicPr>
-        <p:blipFill>
+        <p:blipFill rotWithShape="1">
           <a:blip r:embed="rId5">
             <a:extLst>
               <a:ext uri="{28A0092B-C50C-407E-A947-70E740481C1C}">
@@ -3509,692 +4351,31 @@
               </a:ext>
             </a:extLst>
           </a:blip>
-          <a:stretch>
-            <a:fillRect/>
-          </a:stretch>
+          <a:srcRect l="2873" t="524" r="21127" b="10541"/>
+          <a:stretch/>
         </p:blipFill>
         <p:spPr>
           <a:xfrm>
-            <a:off x="31501724" y="19202400"/>
-            <a:ext cx="9234152" cy="8909184"/>
+            <a:off x="990600" y="21336000"/>
+            <a:ext cx="9888419" cy="6505769"/>
           </a:xfrm>
           <a:prstGeom prst="rect">
             <a:avLst/>
           </a:prstGeom>
-        </p:spPr>
-      </p:pic>
-      <p:sp>
-        <p:nvSpPr>
-          <p:cNvPr id="5" name="TextBox 4"/>
-          <p:cNvSpPr txBox="1"/>
-          <p:nvPr/>
-        </p:nvSpPr>
-        <p:spPr>
-          <a:xfrm>
-            <a:off x="1502228" y="29994690"/>
-            <a:ext cx="25668515" cy="2752219"/>
-          </a:xfrm>
-          <a:prstGeom prst="rect">
-            <a:avLst/>
-          </a:prstGeom>
-          <a:noFill/>
-        </p:spPr>
-        <p:txBody>
-          <a:bodyPr wrap="square" lIns="73841" tIns="36921" rIns="73841" bIns="36921" rtlCol="0">
-            <a:spAutoFit/>
-          </a:bodyPr>
-          <a:lstStyle/>
-          <a:p>
-            <a:r>
-              <a:rPr lang="en-US" dirty="0" smtClean="0">
-                <a:solidFill>
-                  <a:schemeClr val="bg1"/>
-                </a:solidFill>
-              </a:rPr>
-              <a:t>Department of Electrical and Computer Engineering</a:t>
-            </a:r>
-            <a:endParaRPr lang="en-US" dirty="0">
-              <a:solidFill>
-                <a:schemeClr val="bg1"/>
-              </a:solidFill>
-            </a:endParaRPr>
-          </a:p>
-        </p:txBody>
-      </p:sp>
-    </p:spTree>
-  </p:cSld>
-  <p:clrMapOvr>
-    <a:masterClrMapping/>
-  </p:clrMapOvr>
-</p:sld>
-</file>
-
-<file path=ppt/slides/slide2.xml><?xml version="1.0" encoding="utf-8"?>
-<p:sld xmlns:a="http://schemas.openxmlformats.org/drawingml/2006/main" xmlns:r="http://schemas.openxmlformats.org/officeDocument/2006/relationships" xmlns:p="http://schemas.openxmlformats.org/presentationml/2006/main">
-  <p:cSld>
-    <p:spTree>
-      <p:nvGrpSpPr>
-        <p:cNvPr id="1" name=""/>
-        <p:cNvGrpSpPr/>
-        <p:nvPr/>
-      </p:nvGrpSpPr>
-      <p:grpSpPr>
-        <a:xfrm>
-          <a:off x="0" y="0"/>
-          <a:ext cx="0" cy="0"/>
-          <a:chOff x="0" y="0"/>
-          <a:chExt cx="0" cy="0"/>
-        </a:xfrm>
-      </p:grpSpPr>
-      <p:sp>
-        <p:nvSpPr>
-          <p:cNvPr id="9" name="Rectangle 8"/>
-          <p:cNvSpPr/>
-          <p:nvPr/>
-        </p:nvSpPr>
-        <p:spPr>
-          <a:xfrm>
-            <a:off x="0" y="28956000"/>
-            <a:ext cx="43891200" cy="3962399"/>
-          </a:xfrm>
-          <a:prstGeom prst="rect">
-            <a:avLst/>
-          </a:prstGeom>
-          <a:solidFill>
-            <a:schemeClr val="tx1"/>
-          </a:solidFill>
-        </p:spPr>
-        <p:style>
-          <a:lnRef idx="2">
-            <a:schemeClr val="accent1">
-              <a:shade val="50000"/>
-            </a:schemeClr>
-          </a:lnRef>
-          <a:fillRef idx="1">
-            <a:schemeClr val="accent1"/>
-          </a:fillRef>
-          <a:effectRef idx="0">
-            <a:schemeClr val="accent1"/>
-          </a:effectRef>
-          <a:fontRef idx="minor">
-            <a:schemeClr val="lt1"/>
-          </a:fontRef>
-        </p:style>
-        <p:txBody>
-          <a:bodyPr rtlCol="0" anchor="ctr"/>
-          <a:lstStyle/>
-          <a:p>
-            <a:pPr algn="ctr"/>
-            <a:endParaRPr lang="en-US" dirty="0"/>
-          </a:p>
-        </p:txBody>
-      </p:sp>
-      <p:pic>
-        <p:nvPicPr>
-          <p:cNvPr id="4" name="Picture 3" descr="psu-mcecs_logo.jpg"/>
-          <p:cNvPicPr>
-            <a:picLocks noChangeAspect="1"/>
-          </p:cNvPicPr>
-          <p:nvPr/>
-        </p:nvPicPr>
-        <p:blipFill>
-          <a:blip r:embed="rId2"/>
-          <a:stretch>
-            <a:fillRect/>
-          </a:stretch>
-        </p:blipFill>
-        <p:spPr>
-          <a:xfrm>
-            <a:off x="36576001" y="29596555"/>
-            <a:ext cx="6008915" cy="2464595"/>
-          </a:xfrm>
-          <a:prstGeom prst="rect">
-            <a:avLst/>
-          </a:prstGeom>
-        </p:spPr>
-      </p:pic>
-      <p:sp>
-        <p:nvSpPr>
-          <p:cNvPr id="14" name="TextBox 13"/>
-          <p:cNvSpPr txBox="1"/>
-          <p:nvPr/>
-        </p:nvSpPr>
-        <p:spPr>
-          <a:xfrm>
-            <a:off x="221673" y="571500"/>
-            <a:ext cx="43891200" cy="3053637"/>
-          </a:xfrm>
-          <a:prstGeom prst="rect">
-            <a:avLst/>
-          </a:prstGeom>
-          <a:solidFill>
-            <a:schemeClr val="bg1">
-              <a:lumMod val="95000"/>
-              <a:lumOff val="5000"/>
-            </a:schemeClr>
-          </a:solidFill>
-        </p:spPr>
-        <p:txBody>
-          <a:bodyPr wrap="square" lIns="73841" tIns="36921" rIns="73841" bIns="36921" rtlCol="0">
-            <a:spAutoFit/>
-          </a:bodyPr>
-          <a:lstStyle/>
-          <a:p>
-            <a:r>
-              <a:rPr lang="en-US" sz="19000" dirty="0" smtClean="0">
-                <a:solidFill>
-                  <a:srgbClr val="6A7F10"/>
-                </a:solidFill>
-              </a:rPr>
-              <a:t>	</a:t>
-            </a:r>
-            <a:endParaRPr lang="en-US" sz="19000" b="1" dirty="0">
-              <a:solidFill>
-                <a:srgbClr val="6A7F10"/>
-              </a:solidFill>
-              <a:latin typeface="Garamond" pitchFamily="18" charset="0"/>
-            </a:endParaRPr>
-          </a:p>
-        </p:txBody>
-      </p:sp>
-      <p:sp>
-        <p:nvSpPr>
-          <p:cNvPr id="10" name="TextBox 9"/>
-          <p:cNvSpPr txBox="1"/>
-          <p:nvPr/>
-        </p:nvSpPr>
-        <p:spPr>
-          <a:xfrm>
-            <a:off x="997527" y="832563"/>
-            <a:ext cx="42893673" cy="3053637"/>
-          </a:xfrm>
-          <a:prstGeom prst="rect">
-            <a:avLst/>
-          </a:prstGeom>
-          <a:solidFill>
-            <a:schemeClr val="bg1">
-              <a:lumMod val="65000"/>
-              <a:lumOff val="35000"/>
-            </a:schemeClr>
-          </a:solidFill>
-          <a:ln>
+          <a:ln w="38100" cap="sq">
             <a:solidFill>
-              <a:schemeClr val="tx2"/>
+              <a:srgbClr val="000000"/>
             </a:solidFill>
+            <a:prstDash val="solid"/>
+            <a:miter lim="800000"/>
           </a:ln>
-        </p:spPr>
-        <p:txBody>
-          <a:bodyPr wrap="square" lIns="73841" tIns="36921" rIns="73841" bIns="36921" rtlCol="0">
-            <a:spAutoFit/>
-          </a:bodyPr>
-          <a:lstStyle/>
-          <a:p>
-            <a:r>
-              <a:rPr lang="en-US" sz="19000" dirty="0" smtClean="0">
-                <a:solidFill>
-                  <a:srgbClr val="6A7F10"/>
-                </a:solidFill>
-              </a:rPr>
-              <a:t>	</a:t>
-            </a:r>
-            <a:r>
-              <a:rPr lang="en-US" sz="19000" b="1" dirty="0" smtClean="0">
-                <a:latin typeface="Garamond" pitchFamily="18" charset="0"/>
-              </a:rPr>
-              <a:t>3D Metal Printer</a:t>
-            </a:r>
-            <a:endParaRPr lang="en-US" sz="19000" b="1" dirty="0">
-              <a:latin typeface="Garamond" pitchFamily="18" charset="0"/>
-            </a:endParaRPr>
-          </a:p>
-        </p:txBody>
-      </p:sp>
-      <p:sp>
-        <p:nvSpPr>
-          <p:cNvPr id="2" name="TextBox 1"/>
-          <p:cNvSpPr txBox="1"/>
-          <p:nvPr/>
-        </p:nvSpPr>
-        <p:spPr>
-          <a:xfrm>
-            <a:off x="914400" y="5486400"/>
-            <a:ext cx="10058400" cy="17266265"/>
-          </a:xfrm>
-          <a:prstGeom prst="rect">
-            <a:avLst/>
-          </a:prstGeom>
-          <a:noFill/>
-        </p:spPr>
-        <p:txBody>
-          <a:bodyPr wrap="square" rtlCol="0">
-            <a:spAutoFit/>
-          </a:bodyPr>
-          <a:lstStyle/>
-          <a:p>
-            <a:pPr algn="ctr"/>
-            <a:r>
-              <a:rPr lang="en-US" sz="6000" b="1" u="sng" dirty="0" smtClean="0"/>
-              <a:t>Introduction</a:t>
-            </a:r>
-          </a:p>
-          <a:p>
-            <a:pPr algn="just"/>
-            <a:r>
-              <a:rPr lang="en-US" sz="4800" dirty="0" smtClean="0"/>
-              <a:t>The </a:t>
-            </a:r>
-            <a:r>
-              <a:rPr lang="en-US" sz="4800" dirty="0"/>
-              <a:t>purpose of our project is to create a cheaper 3D metal printer following the design of plastic 3D printers. We will combine a CNC machine with a MIG (metal inert gas) welder and use the welder to deposit wire. Building upon previous layers of deposition, we will be able to print 3D metal objects. The final products that this printer will be producing will be internal components of industrial water pumps. Because of their use, all parts will be precision honed, so highly accurate prints are not a concern for this project. </a:t>
-            </a:r>
-          </a:p>
-          <a:p>
-            <a:pPr algn="just"/>
-            <a:endParaRPr lang="en-US" sz="4800" dirty="0"/>
-          </a:p>
-          <a:p>
-            <a:pPr algn="just"/>
-            <a:endParaRPr lang="en-US" sz="4800" dirty="0" smtClean="0"/>
-          </a:p>
-          <a:p>
-            <a:pPr algn="just"/>
-            <a:endParaRPr lang="en-US" sz="4800" dirty="0" smtClean="0"/>
-          </a:p>
-          <a:p>
-            <a:pPr algn="just"/>
-            <a:endParaRPr lang="en-US" sz="4800" dirty="0"/>
-          </a:p>
-          <a:p>
-            <a:pPr algn="just"/>
-            <a:endParaRPr lang="en-US" sz="4800" dirty="0"/>
-          </a:p>
-          <a:p>
-            <a:pPr algn="just"/>
-            <a:endParaRPr lang="en-US" sz="4800" dirty="0" smtClean="0"/>
-          </a:p>
-          <a:p>
-            <a:pPr algn="just"/>
-            <a:endParaRPr lang="en-US" sz="4800" dirty="0"/>
-          </a:p>
-          <a:p>
-            <a:pPr algn="just"/>
-            <a:endParaRPr lang="en-US" sz="4800" dirty="0" smtClean="0"/>
-          </a:p>
-          <a:p>
-            <a:pPr algn="just"/>
-            <a:endParaRPr lang="en-US" sz="4800" dirty="0"/>
-          </a:p>
-          <a:p>
-            <a:pPr algn="just"/>
-            <a:endParaRPr lang="en-US" sz="4800" dirty="0"/>
-          </a:p>
-        </p:txBody>
-      </p:sp>
-      <p:sp>
-        <p:nvSpPr>
-          <p:cNvPr id="22" name="TextBox 21"/>
-          <p:cNvSpPr txBox="1"/>
-          <p:nvPr/>
-        </p:nvSpPr>
-        <p:spPr>
-          <a:xfrm>
-            <a:off x="11554533" y="13242151"/>
-            <a:ext cx="10058400" cy="12034064"/>
-          </a:xfrm>
-          <a:prstGeom prst="rect">
-            <a:avLst/>
-          </a:prstGeom>
-          <a:noFill/>
-        </p:spPr>
-        <p:txBody>
-          <a:bodyPr wrap="square" rtlCol="0">
-            <a:spAutoFit/>
-          </a:bodyPr>
-          <a:lstStyle/>
-          <a:p>
-            <a:pPr algn="ctr"/>
-            <a:r>
-              <a:rPr lang="en-US" sz="4000" b="1" u="sng" dirty="0" smtClean="0"/>
-              <a:t>Control System Description</a:t>
-            </a:r>
-            <a:endParaRPr lang="en-US" sz="4000" b="1" u="sng" dirty="0" smtClean="0"/>
-          </a:p>
-          <a:p>
-            <a:pPr algn="just"/>
-            <a:r>
-              <a:rPr lang="en-US" sz="3200" dirty="0"/>
-              <a:t>Although we weren’t concerned with an extremely accurate print, we still wanted the final product to be as accurate as the system would allow. This meant that we needed to monitor and control the quality of the weld in real time to be able to adjust settings during the deposition process. Our main source of feedback was the spacing of the droplets occurring during the weld. When using a MIG welder, a wire is fed out the end of the welding nozzle. When this wire comes into contact with a metal plate that is also connected to the ground terminal of the welder, the circuit is completed and the high current melts the wire. The current is so high, that the wire melts past the point of contact, which then creates an open circuit, until the wire again reaches the ground plane and the circuit is again completed. Looking at this process closely, it can be seen that the deposition of the wire isn’t continuous, but rather a bunch of tiny droplets. We call this droplet spacing, and used it extensively throughout the remainder of our project. Through testing we determined that the average droplet spacing for a good weld was around 50 milliseconds (although this would change if the input current were to change drastically). Our control program looks at half a second time period, determines the average droplet spacing, and makes corrections to either increase or decrease wire speed accordingly. To know how to correct the weld, we ran a series of tests and created a lookup table of what we determined to be an ideal weld</a:t>
-            </a:r>
-            <a:r>
-              <a:rPr lang="en-US" sz="3200" dirty="0" smtClean="0"/>
-              <a:t>.</a:t>
-            </a:r>
-            <a:endParaRPr lang="en-US" sz="6000" dirty="0" smtClean="0"/>
-          </a:p>
-        </p:txBody>
-      </p:sp>
-      <p:sp>
-        <p:nvSpPr>
-          <p:cNvPr id="23" name="TextBox 22"/>
-          <p:cNvSpPr txBox="1"/>
-          <p:nvPr/>
-        </p:nvSpPr>
-        <p:spPr>
-          <a:xfrm>
-            <a:off x="32918400" y="14080589"/>
-            <a:ext cx="10058400" cy="12711172"/>
-          </a:xfrm>
-          <a:prstGeom prst="rect">
-            <a:avLst/>
-          </a:prstGeom>
-          <a:noFill/>
-        </p:spPr>
-        <p:txBody>
-          <a:bodyPr wrap="square" rtlCol="0">
-            <a:spAutoFit/>
-          </a:bodyPr>
-          <a:lstStyle/>
-          <a:p>
-            <a:pPr algn="ctr"/>
-            <a:r>
-              <a:rPr lang="en-US" sz="6000" b="1" u="sng" dirty="0" smtClean="0"/>
-              <a:t>Results and Testing</a:t>
-            </a:r>
-            <a:endParaRPr lang="en-US" b="1" u="sng" dirty="0" smtClean="0"/>
-          </a:p>
-          <a:p>
-            <a:pPr algn="just"/>
-            <a:r>
-              <a:rPr lang="en-US" sz="4000" dirty="0" smtClean="0"/>
-              <a:t>Testing was done throughout the project. The most important tests were done to determine:</a:t>
-            </a:r>
-          </a:p>
-          <a:p>
-            <a:pPr marL="571500" indent="-571500" algn="just">
-              <a:buFont typeface="Arial" panose="020B0604020202020204" pitchFamily="34" charset="0"/>
-              <a:buChar char="•"/>
-            </a:pPr>
-            <a:r>
-              <a:rPr lang="en-US" sz="4000" dirty="0" smtClean="0"/>
-              <a:t>Droplet spacing</a:t>
-            </a:r>
-          </a:p>
-          <a:p>
-            <a:pPr marL="571500" indent="-571500" algn="just">
-              <a:buFont typeface="Arial" panose="020B0604020202020204" pitchFamily="34" charset="0"/>
-              <a:buChar char="•"/>
-            </a:pPr>
-            <a:r>
-              <a:rPr lang="en-US" sz="4000" dirty="0" smtClean="0"/>
-              <a:t>Wire feed speed</a:t>
-            </a:r>
-          </a:p>
-          <a:p>
-            <a:pPr marL="571500" indent="-571500" algn="just">
-              <a:buFont typeface="Arial" panose="020B0604020202020204" pitchFamily="34" charset="0"/>
-              <a:buChar char="•"/>
-            </a:pPr>
-            <a:r>
-              <a:rPr lang="en-US" sz="4000" dirty="0" smtClean="0"/>
-              <a:t>Stepper motor driver control position</a:t>
-            </a:r>
-          </a:p>
-          <a:p>
-            <a:pPr marL="571500" indent="-571500" algn="just">
-              <a:buFont typeface="Arial" panose="020B0604020202020204" pitchFamily="34" charset="0"/>
-              <a:buChar char="•"/>
-            </a:pPr>
-            <a:endParaRPr lang="en-US" sz="4000" dirty="0"/>
-          </a:p>
-          <a:p>
-            <a:pPr algn="just"/>
-            <a:r>
-              <a:rPr lang="en-US" sz="4000" dirty="0"/>
-              <a:t>While this project was for all intents and purposes a proof of concept, as a group we would have liked to have implemented all the sensors and feedback controls discussed. We accomplished the proof of concept and implemented a basic feedback loop which controls the wire feed speed. Other options, such as the starting current for the welder as well as the torch routine to warm the baseplate to the proper temperature, are completed manually. The control program does include error checks, such as the welder running out of wire or the temperature falling below the desired threshold, but the whole system is not yet in place to correct these errors and guard against them. </a:t>
-            </a:r>
-            <a:endParaRPr lang="en-US" sz="4000" dirty="0"/>
-          </a:p>
-        </p:txBody>
-      </p:sp>
-      <p:pic>
-        <p:nvPicPr>
-          <p:cNvPr id="3" name="Picture 2"/>
-          <p:cNvPicPr>
-            <a:picLocks noChangeAspect="1"/>
-          </p:cNvPicPr>
-          <p:nvPr/>
-        </p:nvPicPr>
-        <p:blipFill>
-          <a:blip r:embed="rId3">
-            <a:extLst>
-              <a:ext uri="{28A0092B-C50C-407E-A947-70E740481C1C}">
-                <a14:useLocalDpi xmlns:a14="http://schemas.microsoft.com/office/drawing/2010/main" val="0"/>
-              </a:ext>
-            </a:extLst>
-          </a:blip>
-          <a:stretch>
-            <a:fillRect/>
-          </a:stretch>
-        </p:blipFill>
-        <p:spPr>
-          <a:xfrm>
-            <a:off x="1371601" y="20914198"/>
-            <a:ext cx="10058399" cy="7197386"/>
-          </a:xfrm>
-          <a:prstGeom prst="rect">
-            <a:avLst/>
-          </a:prstGeom>
-        </p:spPr>
-      </p:pic>
-      <p:pic>
-        <p:nvPicPr>
-          <p:cNvPr id="6" name="Picture 5"/>
-          <p:cNvPicPr>
-            <a:picLocks noChangeAspect="1"/>
-          </p:cNvPicPr>
-          <p:nvPr/>
-        </p:nvPicPr>
-        <p:blipFill>
-          <a:blip r:embed="rId4" cstate="print">
-            <a:extLst>
-              <a:ext uri="{28A0092B-C50C-407E-A947-70E740481C1C}">
-                <a14:useLocalDpi xmlns:a14="http://schemas.microsoft.com/office/drawing/2010/main" val="0"/>
-              </a:ext>
-            </a:extLst>
-          </a:blip>
-          <a:stretch>
-            <a:fillRect/>
-          </a:stretch>
-        </p:blipFill>
-        <p:spPr>
-          <a:xfrm>
-            <a:off x="11554533" y="5421084"/>
-            <a:ext cx="10058400" cy="7465218"/>
-          </a:xfrm>
-          <a:prstGeom prst="rect">
-            <a:avLst/>
-          </a:prstGeom>
-        </p:spPr>
-      </p:pic>
-      <p:pic>
-        <p:nvPicPr>
-          <p:cNvPr id="7" name="Picture 6"/>
-          <p:cNvPicPr>
-            <a:picLocks noChangeAspect="1"/>
-          </p:cNvPicPr>
-          <p:nvPr/>
-        </p:nvPicPr>
-        <p:blipFill>
-          <a:blip r:embed="rId5">
-            <a:extLst>
-              <a:ext uri="{28A0092B-C50C-407E-A947-70E740481C1C}">
-                <a14:useLocalDpi xmlns:a14="http://schemas.microsoft.com/office/drawing/2010/main" val="0"/>
-              </a:ext>
-            </a:extLst>
-          </a:blip>
-          <a:stretch>
-            <a:fillRect/>
-          </a:stretch>
-        </p:blipFill>
-        <p:spPr>
-          <a:xfrm>
-            <a:off x="23237185" y="21972428"/>
-            <a:ext cx="8078734" cy="6219033"/>
-          </a:xfrm>
-          <a:prstGeom prst="rect">
-            <a:avLst/>
-          </a:prstGeom>
-        </p:spPr>
-      </p:pic>
-      <p:sp>
-        <p:nvSpPr>
-          <p:cNvPr id="5" name="TextBox 4"/>
-          <p:cNvSpPr txBox="1"/>
-          <p:nvPr/>
-        </p:nvSpPr>
-        <p:spPr>
-          <a:xfrm>
-            <a:off x="1502228" y="29994690"/>
-            <a:ext cx="25668515" cy="2752219"/>
-          </a:xfrm>
-          <a:prstGeom prst="rect">
-            <a:avLst/>
-          </a:prstGeom>
-          <a:noFill/>
-        </p:spPr>
-        <p:txBody>
-          <a:bodyPr wrap="square" lIns="73841" tIns="36921" rIns="73841" bIns="36921" rtlCol="0">
-            <a:spAutoFit/>
-          </a:bodyPr>
-          <a:lstStyle/>
-          <a:p>
-            <a:r>
-              <a:rPr lang="en-US" dirty="0" smtClean="0">
-                <a:solidFill>
-                  <a:schemeClr val="bg1"/>
-                </a:solidFill>
-              </a:rPr>
-              <a:t>Department of Electrical and Computer Engineering</a:t>
-            </a:r>
-            <a:endParaRPr lang="en-US" dirty="0">
-              <a:solidFill>
-                <a:schemeClr val="bg1"/>
-              </a:solidFill>
-            </a:endParaRPr>
-          </a:p>
-        </p:txBody>
-      </p:sp>
-      <p:sp>
-        <p:nvSpPr>
-          <p:cNvPr id="27" name="TextBox 26"/>
-          <p:cNvSpPr txBox="1"/>
-          <p:nvPr/>
-        </p:nvSpPr>
-        <p:spPr>
-          <a:xfrm>
-            <a:off x="22247352" y="6491228"/>
-            <a:ext cx="10058400" cy="12711172"/>
-          </a:xfrm>
-          <a:prstGeom prst="rect">
-            <a:avLst/>
-          </a:prstGeom>
-          <a:noFill/>
-        </p:spPr>
-        <p:txBody>
-          <a:bodyPr wrap="square" rtlCol="0">
-            <a:spAutoFit/>
-          </a:bodyPr>
-          <a:lstStyle/>
-          <a:p>
-            <a:pPr algn="ctr"/>
-            <a:r>
-              <a:rPr lang="en-US" sz="6000" b="1" u="sng" dirty="0" smtClean="0"/>
-              <a:t>Results and Testing</a:t>
-            </a:r>
-            <a:endParaRPr lang="en-US" b="1" u="sng" dirty="0" smtClean="0"/>
-          </a:p>
-          <a:p>
-            <a:pPr algn="just"/>
-            <a:r>
-              <a:rPr lang="en-US" sz="4000" dirty="0" smtClean="0"/>
-              <a:t>Testing was done throughout the project. The most important tests were done to determine:</a:t>
-            </a:r>
-          </a:p>
-          <a:p>
-            <a:pPr marL="571500" indent="-571500" algn="just">
-              <a:buFont typeface="Arial" panose="020B0604020202020204" pitchFamily="34" charset="0"/>
-              <a:buChar char="•"/>
-            </a:pPr>
-            <a:r>
-              <a:rPr lang="en-US" sz="4000" dirty="0" smtClean="0"/>
-              <a:t>Droplet spacing</a:t>
-            </a:r>
-          </a:p>
-          <a:p>
-            <a:pPr marL="571500" indent="-571500" algn="just">
-              <a:buFont typeface="Arial" panose="020B0604020202020204" pitchFamily="34" charset="0"/>
-              <a:buChar char="•"/>
-            </a:pPr>
-            <a:r>
-              <a:rPr lang="en-US" sz="4000" dirty="0" smtClean="0"/>
-              <a:t>Wire feed speed</a:t>
-            </a:r>
-          </a:p>
-          <a:p>
-            <a:pPr marL="571500" indent="-571500" algn="just">
-              <a:buFont typeface="Arial" panose="020B0604020202020204" pitchFamily="34" charset="0"/>
-              <a:buChar char="•"/>
-            </a:pPr>
-            <a:r>
-              <a:rPr lang="en-US" sz="4000" dirty="0" smtClean="0"/>
-              <a:t>Stepper motor driver control position</a:t>
-            </a:r>
-          </a:p>
-          <a:p>
-            <a:pPr marL="571500" indent="-571500" algn="just">
-              <a:buFont typeface="Arial" panose="020B0604020202020204" pitchFamily="34" charset="0"/>
-              <a:buChar char="•"/>
-            </a:pPr>
-            <a:endParaRPr lang="en-US" sz="4000" dirty="0"/>
-          </a:p>
-          <a:p>
-            <a:pPr algn="just"/>
-            <a:r>
-              <a:rPr lang="en-US" sz="4000" dirty="0"/>
-              <a:t>While this project was for all intents and purposes a proof of concept, as a group we would have liked to have implemented all the sensors and feedback controls discussed. We accomplished the proof of concept and implemented a basic feedback loop which controls the wire feed speed. Other options, such as the starting current for the welder as well as the torch routine to warm the baseplate to the proper temperature, are completed manually. The control program does include error checks, such as the welder running out of wire or the temperature falling below the desired threshold, but the whole system is not yet in place to correct these errors and guard against them. </a:t>
-            </a:r>
-            <a:endParaRPr lang="en-US" sz="4000" dirty="0"/>
-          </a:p>
-        </p:txBody>
-      </p:sp>
-      <p:pic>
-        <p:nvPicPr>
-          <p:cNvPr id="28" name="Picture 27"/>
-          <p:cNvPicPr>
-            <a:picLocks noChangeAspect="1"/>
-          </p:cNvPicPr>
-          <p:nvPr/>
-        </p:nvPicPr>
-        <p:blipFill>
-          <a:blip r:embed="rId5">
-            <a:extLst>
-              <a:ext uri="{28A0092B-C50C-407E-A947-70E740481C1C}">
-                <a14:useLocalDpi xmlns:a14="http://schemas.microsoft.com/office/drawing/2010/main" val="0"/>
-              </a:ext>
-            </a:extLst>
-          </a:blip>
-          <a:stretch>
-            <a:fillRect/>
-          </a:stretch>
-        </p:blipFill>
-        <p:spPr>
-          <a:xfrm>
-            <a:off x="33439637" y="6601344"/>
-            <a:ext cx="9015925" cy="6940485"/>
-          </a:xfrm>
-          <a:prstGeom prst="rect">
-            <a:avLst/>
-          </a:prstGeom>
+          <a:effectLst>
+            <a:outerShdw blurRad="50800" dist="38100" dir="2700000" algn="tl" rotWithShape="0">
+              <a:srgbClr val="000000">
+                <a:alpha val="43000"/>
+              </a:srgbClr>
+            </a:outerShdw>
+          </a:effectLst>
         </p:spPr>
       </p:pic>
     </p:spTree>
@@ -4207,64 +4388,69 @@
   <p:clrMapOvr>
     <a:masterClrMapping/>
   </p:clrMapOvr>
+  <p:timing>
+    <p:tnLst>
+      <p:par>
+        <p:cTn xmlns:p14="http://schemas.microsoft.com/office/powerpoint/2010/main" id="1" dur="indefinite" restart="never" nodeType="tmRoot"/>
+      </p:par>
+    </p:tnLst>
+  </p:timing>
 </p:sld>
 </file>
 
 <file path=ppt/theme/theme1.xml><?xml version="1.0" encoding="utf-8"?>
-<a:theme xmlns:a="http://schemas.openxmlformats.org/drawingml/2006/main" name="Apex">
+<a:theme xmlns:a="http://schemas.openxmlformats.org/drawingml/2006/main" name="Clarity">
   <a:themeElements>
-    <a:clrScheme name="Apex">
+    <a:clrScheme name="Clarity">
       <a:dk1>
-        <a:sysClr val="windowText" lastClr="000000"/>
+        <a:srgbClr val="292934"/>
       </a:dk1>
       <a:lt1>
-        <a:sysClr val="window" lastClr="FFFFFF"/>
+        <a:srgbClr val="FFFFFF"/>
       </a:lt1>
       <a:dk2>
-        <a:srgbClr val="69676D"/>
+        <a:srgbClr val="D2533C"/>
       </a:dk2>
       <a:lt2>
-        <a:srgbClr val="C9C2D1"/>
+        <a:srgbClr val="F3F2DC"/>
       </a:lt2>
       <a:accent1>
-        <a:srgbClr val="CEB966"/>
+        <a:srgbClr val="93A299"/>
       </a:accent1>
       <a:accent2>
-        <a:srgbClr val="9CB084"/>
+        <a:srgbClr val="AD8F67"/>
       </a:accent2>
       <a:accent3>
-        <a:srgbClr val="6BB1C9"/>
+        <a:srgbClr val="726056"/>
       </a:accent3>
       <a:accent4>
-        <a:srgbClr val="6585CF"/>
+        <a:srgbClr val="4C5A6A"/>
       </a:accent4>
       <a:accent5>
-        <a:srgbClr val="7E6BC9"/>
+        <a:srgbClr val="808DA0"/>
       </a:accent5>
       <a:accent6>
-        <a:srgbClr val="A379BB"/>
+        <a:srgbClr val="79463D"/>
       </a:accent6>
       <a:hlink>
-        <a:srgbClr val="410082"/>
+        <a:srgbClr val="0000FF"/>
       </a:hlink>
       <a:folHlink>
-        <a:srgbClr val="932968"/>
+        <a:srgbClr val="800080"/>
       </a:folHlink>
     </a:clrScheme>
-    <a:fontScheme name="Apex">
+    <a:fontScheme name="Office Classic 2">
       <a:majorFont>
-        <a:latin typeface="Lucida Sans"/>
+        <a:latin typeface="Arial"/>
         <a:ea typeface=""/>
         <a:cs typeface=""/>
-        <a:font script="Grek" typeface="Arial"/>
-        <a:font script="Cyrl" typeface="Arial"/>
-        <a:font script="Jpan" typeface="HG丸ｺﾞｼｯｸM-PRO"/>
-        <a:font script="Hang" typeface="휴먼옛체"/>
-        <a:font script="Hans" typeface="黑体"/>
+        <a:font script="Jpan" typeface="ＭＳ Ｐゴシック"/>
+        <a:font script="Hang" typeface="돋움"/>
+        <a:font script="Hans" typeface="方正舒体"/>
         <a:font script="Hant" typeface="微軟正黑體"/>
-        <a:font script="Arab" typeface="Tahoma"/>
-        <a:font script="Hebr" typeface="Levenim MT"/>
-        <a:font script="Thai" typeface="FreesiaUPC"/>
+        <a:font script="Arab" typeface="Arial"/>
+        <a:font script="Hebr" typeface="Arial"/>
+        <a:font script="Thai" typeface="Cordia New"/>
         <a:font script="Ethi" typeface="Nyala"/>
         <a:font script="Beng" typeface="Vrinda"/>
         <a:font script="Gujr" typeface="Shruti"/>
@@ -4285,27 +4471,25 @@
         <a:font script="Laoo" typeface="DokChampa"/>
         <a:font script="Sinh" typeface="Iskoola Pota"/>
         <a:font script="Mong" typeface="Mongolian Baiti"/>
-        <a:font script="Viet" typeface="Tahoma"/>
+        <a:font script="Viet" typeface="Arial"/>
         <a:font script="Uigh" typeface="Microsoft Uighur"/>
         <a:font script="Geor" typeface="Sylfaen"/>
       </a:majorFont>
       <a:minorFont>
-        <a:latin typeface="Book Antiqua"/>
+        <a:latin typeface="Arial"/>
         <a:ea typeface=""/>
         <a:cs typeface=""/>
-        <a:font script="Grek" typeface="Times New Roman"/>
-        <a:font script="Cyrl" typeface="Times New Roman"/>
-        <a:font script="Jpan" typeface="HG明朝B"/>
+        <a:font script="Jpan" typeface="ＭＳ Ｐゴシック"/>
         <a:font script="Hang" typeface="돋움"/>
-        <a:font script="Hans" typeface="宋体"/>
-        <a:font script="Hant" typeface="新細明體"/>
-        <a:font script="Arab" typeface="Times New Roman"/>
-        <a:font script="Hebr" typeface="David"/>
-        <a:font script="Thai" typeface="EucrosiaUPC"/>
+        <a:font script="Hans" typeface="方正舒体"/>
+        <a:font script="Hant" typeface="微軟正黑體"/>
+        <a:font script="Arab" typeface="Arial"/>
+        <a:font script="Hebr" typeface="Arial"/>
+        <a:font script="Thai" typeface="Cordia New"/>
         <a:font script="Ethi" typeface="Nyala"/>
         <a:font script="Beng" typeface="Vrinda"/>
         <a:font script="Gujr" typeface="Shruti"/>
-        <a:font script="Khmr" typeface="MoolBoran"/>
+        <a:font script="Khmr" typeface="DaunPenh"/>
         <a:font script="Knda" typeface="Tunga"/>
         <a:font script="Guru" typeface="Raavi"/>
         <a:font script="Cans" typeface="Euphemia"/>
@@ -4322,89 +4506,90 @@
         <a:font script="Laoo" typeface="DokChampa"/>
         <a:font script="Sinh" typeface="Iskoola Pota"/>
         <a:font script="Mong" typeface="Mongolian Baiti"/>
-        <a:font script="Viet" typeface="Times New Roman"/>
+        <a:font script="Viet" typeface="Arial"/>
         <a:font script="Uigh" typeface="Microsoft Uighur"/>
         <a:font script="Geor" typeface="Sylfaen"/>
       </a:minorFont>
     </a:fontScheme>
-    <a:fmtScheme name="Apex">
+    <a:fmtScheme name="Clarity">
       <a:fillStyleLst>
         <a:solidFill>
           <a:schemeClr val="phClr"/>
         </a:solidFill>
         <a:gradFill rotWithShape="1">
           <a:gsLst>
-            <a:gs pos="20000">
+            <a:gs pos="0">
               <a:schemeClr val="phClr">
-                <a:tint val="9000"/>
+                <a:tint val="50000"/>
+                <a:shade val="86000"/>
+                <a:satMod val="140000"/>
+              </a:schemeClr>
+            </a:gs>
+            <a:gs pos="45000">
+              <a:schemeClr val="phClr">
+                <a:tint val="48000"/>
+                <a:satMod val="150000"/>
               </a:schemeClr>
             </a:gs>
             <a:gs pos="100000">
               <a:schemeClr val="phClr">
-                <a:tint val="70000"/>
-                <a:satMod val="100000"/>
+                <a:tint val="28000"/>
+                <a:satMod val="160000"/>
               </a:schemeClr>
             </a:gs>
           </a:gsLst>
           <a:path path="circle">
-            <a:fillToRect l="-15000" t="-15000" r="115000" b="115000"/>
+            <a:fillToRect l="100000" t="100000" r="100000" b="100000"/>
           </a:path>
         </a:gradFill>
         <a:gradFill rotWithShape="1">
           <a:gsLst>
             <a:gs pos="0">
               <a:schemeClr val="phClr">
-                <a:shade val="60000"/>
+                <a:shade val="70000"/>
+                <a:satMod val="150000"/>
               </a:schemeClr>
             </a:gs>
-            <a:gs pos="33000">
+            <a:gs pos="34000">
               <a:schemeClr val="phClr">
-                <a:tint val="86500"/>
+                <a:shade val="70000"/>
+                <a:satMod val="140000"/>
               </a:schemeClr>
             </a:gs>
-            <a:gs pos="46750">
+            <a:gs pos="70000">
               <a:schemeClr val="phClr">
-                <a:tint val="71000"/>
-                <a:satMod val="112000"/>
-              </a:schemeClr>
-            </a:gs>
-            <a:gs pos="53000">
-              <a:schemeClr val="phClr">
-                <a:tint val="71000"/>
-                <a:satMod val="112000"/>
-              </a:schemeClr>
-            </a:gs>
-            <a:gs pos="68000">
-              <a:schemeClr val="phClr">
-                <a:tint val="86000"/>
+                <a:tint val="100000"/>
+                <a:shade val="90000"/>
+                <a:satMod val="140000"/>
               </a:schemeClr>
             </a:gs>
             <a:gs pos="100000">
               <a:schemeClr val="phClr">
-                <a:shade val="60000"/>
+                <a:tint val="100000"/>
+                <a:shade val="100000"/>
+                <a:satMod val="100000"/>
               </a:schemeClr>
             </a:gs>
           </a:gsLst>
-          <a:lin ang="8350000" scaled="1"/>
+          <a:path path="circle">
+            <a:fillToRect l="100000" t="100000" r="100000" b="100000"/>
+          </a:path>
         </a:gradFill>
       </a:fillStyleLst>
       <a:lnStyleLst>
         <a:ln w="9525" cap="flat" cmpd="sng" algn="ctr">
           <a:solidFill>
-            <a:schemeClr val="phClr">
-              <a:shade val="48000"/>
-              <a:satMod val="110000"/>
-            </a:schemeClr>
+            <a:schemeClr val="phClr"/>
           </a:solidFill>
           <a:prstDash val="solid"/>
         </a:ln>
-        <a:ln w="25400" cap="flat" cmpd="sng" algn="ctr">
+        <a:ln w="26425" cap="flat" cmpd="sng" algn="ctr">
           <a:solidFill>
             <a:schemeClr val="phClr"/>
           </a:solidFill>
           <a:prstDash val="solid"/>
         </a:ln>
-        <a:ln w="38100" cap="flat" cmpd="sng" algn="ctr">
+        <a:ln w="44450" cap="flat" cmpd="sng" algn="ctr">
           <a:solidFill>
             <a:schemeClr val="phClr"/>
           </a:solidFill>
@@ -4413,41 +4598,41 @@
       </a:lnStyleLst>
       <a:effectStyleLst>
         <a:effectStyle>
+          <a:effectLst/>
+        </a:effectStyle>
+        <a:effectStyle>
           <a:effectLst>
-            <a:outerShdw blurRad="130000" dist="101600" dir="2700000" algn="tl" rotWithShape="0">
+            <a:outerShdw blurRad="38100" dist="25400" dir="2700000" algn="br" rotWithShape="0">
               <a:srgbClr val="000000">
-                <a:alpha val="35000"/>
+                <a:alpha val="60000"/>
               </a:srgbClr>
             </a:outerShdw>
           </a:effectLst>
         </a:effectStyle>
         <a:effectStyle>
           <a:effectLst>
-            <a:outerShdw blurRad="190500" dist="228600" dir="2700000" sy="90000" rotWithShape="0">
+            <a:outerShdw blurRad="38100" dist="25400" dir="2700000" algn="br" rotWithShape="0">
               <a:srgbClr val="000000">
-                <a:alpha val="25500"/>
-              </a:srgbClr>
-            </a:outerShdw>
-          </a:effectLst>
-        </a:effectStyle>
-        <a:effectStyle>
-          <a:effectLst>
-            <a:outerShdw blurRad="190500" dist="228600" dir="2700000" sy="90000" rotWithShape="0">
-              <a:srgbClr val="000000">
-                <a:alpha val="25500"/>
+                <a:alpha val="60000"/>
               </a:srgbClr>
             </a:outerShdw>
           </a:effectLst>
           <a:scene3d>
-            <a:camera prst="orthographicFront" fov="0">
+            <a:camera prst="orthographicFront">
               <a:rot lat="0" lon="0" rev="0"/>
             </a:camera>
-            <a:lightRig rig="soft" dir="tl">
-              <a:rot lat="0" lon="0" rev="20100000"/>
+            <a:lightRig rig="balanced" dir="t">
+              <a:rot lat="0" lon="0" rev="5100000"/>
             </a:lightRig>
           </a:scene3d>
-          <a:sp3d>
-            <a:bevelT w="50800" h="50800"/>
+          <a:sp3d contourW="6350">
+            <a:bevelT w="29210" h="12700"/>
+            <a:contourClr>
+              <a:schemeClr val="phClr">
+                <a:shade val="30000"/>
+                <a:satMod val="130000"/>
+              </a:schemeClr>
+            </a:contourClr>
           </a:sp3d>
         </a:effectStyle>
       </a:effectStyleLst>
@@ -4459,37 +4644,39 @@
           <a:gsLst>
             <a:gs pos="0">
               <a:schemeClr val="phClr">
-                <a:tint val="50000"/>
+                <a:tint val="85000"/>
                 <a:satMod val="180000"/>
+              </a:schemeClr>
+            </a:gs>
+            <a:gs pos="40000">
+              <a:schemeClr val="phClr">
+                <a:tint val="95000"/>
+                <a:shade val="85000"/>
+                <a:satMod val="150000"/>
               </a:schemeClr>
             </a:gs>
             <a:gs pos="100000">
               <a:schemeClr val="phClr">
                 <a:shade val="45000"/>
-                <a:satMod val="120000"/>
+                <a:satMod val="200000"/>
               </a:schemeClr>
             </a:gs>
           </a:gsLst>
-          <a:path path="circle">
-            <a:fillToRect r="100000" b="100000"/>
-          </a:path>
+          <a:lin ang="5400000" scaled="0"/>
         </a:gradFill>
-        <a:blipFill>
+        <a:blipFill rotWithShape="1">
           <a:blip xmlns:r="http://schemas.openxmlformats.org/officeDocument/2006/relationships" r:embed="rId1">
             <a:duotone>
               <a:schemeClr val="phClr">
-                <a:shade val="3000"/>
-                <a:satMod val="110000"/>
+                <a:shade val="55000"/>
               </a:schemeClr>
               <a:schemeClr val="phClr">
-                <a:tint val="60000"/>
-                <a:satMod val="425000"/>
+                <a:tint val="97000"/>
+                <a:satMod val="95000"/>
               </a:schemeClr>
             </a:duotone>
           </a:blip>
-          <a:stretch>
-            <a:fillRect/>
-          </a:stretch>
+          <a:tile tx="0" ty="0" sx="70000" sy="70000" flip="none" algn="tl"/>
         </a:blipFill>
       </a:bgFillStyleLst>
     </a:fmtScheme>
